--- a/Result/Vanessa’s project .pptx
+++ b/Result/Vanessa’s project .pptx
@@ -1,49 +1,58 @@
 
 <file path=ppt/presentation.xml><?xml version="1.0" encoding="utf-8"?>
-<p:presentation xmlns:a="http://schemas.openxmlformats.org/drawingml/2006/main" xmlns:r="http://schemas.openxmlformats.org/officeDocument/2006/relationships" xmlns:mc="http://schemas.openxmlformats.org/markup-compatibility/2006" xmlns:mv="urn:schemas-microsoft-com:mac:vml" xmlns:p="http://schemas.openxmlformats.org/presentationml/2006/main" xmlns:c="http://schemas.openxmlformats.org/drawingml/2006/chart" xmlns:dgm="http://schemas.openxmlformats.org/drawingml/2006/diagram" xmlns:o="urn:schemas-microsoft-com:office:office" xmlns:v="urn:schemas-microsoft-com:vml" xmlns:pvml="urn:schemas-microsoft-com:office:powerpoint" xmlns:com="http://schemas.openxmlformats.org/drawingml/2006/compatibility" xmlns:p14="http://schemas.microsoft.com/office/powerpoint/2010/main" xmlns:p15="http://schemas.microsoft.com/office/powerpoint/2012/main" autoCompressPictures="0" embedTrueTypeFonts="1" strictFirstAndLastChars="0" saveSubsetFonts="1">
+<p:presentation xmlns:a="http://schemas.openxmlformats.org/drawingml/2006/main" xmlns:r="http://schemas.openxmlformats.org/officeDocument/2006/relationships" xmlns:p="http://schemas.openxmlformats.org/presentationml/2006/main" strictFirstAndLastChars="0" embedTrueTypeFonts="1" saveSubsetFonts="1" autoCompressPictures="0">
   <p:sldMasterIdLst>
-    <p:sldMasterId id="2147483660" r:id="rId4"/>
+    <p:sldMasterId id="2147483660" r:id="rId1"/>
   </p:sldMasterIdLst>
   <p:notesMasterIdLst>
-    <p:notesMasterId r:id="rId5"/>
+    <p:notesMasterId r:id="rId8"/>
   </p:notesMasterIdLst>
   <p:sldIdLst>
-    <p:sldId id="256" r:id="rId6"/>
-    <p:sldId id="257" r:id="rId7"/>
-    <p:sldId id="258" r:id="rId8"/>
-    <p:sldId id="259" r:id="rId9"/>
-    <p:sldId id="260" r:id="rId10"/>
-    <p:sldId id="261" r:id="rId11"/>
+    <p:sldId id="256" r:id="rId2"/>
+    <p:sldId id="257" r:id="rId3"/>
+    <p:sldId id="258" r:id="rId4"/>
+    <p:sldId id="259" r:id="rId5"/>
+    <p:sldId id="260" r:id="rId6"/>
+    <p:sldId id="261" r:id="rId7"/>
   </p:sldIdLst>
-  <p:sldSz cy="5143500" cx="9144000"/>
+  <p:sldSz cx="9144000" cy="5143500" type="screen16x9"/>
   <p:notesSz cx="6858000" cy="9144000"/>
   <p:embeddedFontLst>
     <p:embeddedFont>
-      <p:font typeface="Raleway"/>
-      <p:regular r:id="rId12"/>
-      <p:bold r:id="rId13"/>
-      <p:italic r:id="rId14"/>
-      <p:boldItalic r:id="rId15"/>
+      <p:font typeface="Raleway" panose="020B0604020202020204" charset="0"/>
+      <p:regular r:id="rId9"/>
+      <p:bold r:id="rId10"/>
+      <p:italic r:id="rId11"/>
+      <p:boldItalic r:id="rId12"/>
     </p:embeddedFont>
     <p:embeddedFont>
-      <p:font typeface="Encode Sans SemiBold"/>
-      <p:regular r:id="rId16"/>
-      <p:bold r:id="rId17"/>
+      <p:font typeface="Lato" panose="020B0604020202020204" charset="0"/>
+      <p:regular r:id="rId13"/>
+      <p:bold r:id="rId14"/>
+      <p:italic r:id="rId15"/>
+      <p:boldItalic r:id="rId16"/>
     </p:embeddedFont>
     <p:embeddedFont>
-      <p:font typeface="Lato"/>
-      <p:regular r:id="rId18"/>
-      <p:bold r:id="rId19"/>
-      <p:italic r:id="rId20"/>
-      <p:boldItalic r:id="rId21"/>
+      <p:font typeface="Tahoma" panose="020B0604030504040204" pitchFamily="34" charset="0"/>
+      <p:regular r:id="rId17"/>
+      <p:bold r:id="rId18"/>
     </p:embeddedFont>
     <p:embeddedFont>
-      <p:font typeface="Cutive"/>
+      <p:font typeface="Encode Sans SemiBold" panose="020B0604020202020204" charset="0"/>
+      <p:regular r:id="rId19"/>
+      <p:bold r:id="rId20"/>
+    </p:embeddedFont>
+    <p:embeddedFont>
+      <p:font typeface="Cutive" panose="020B0604020202020204" charset="0"/>
+      <p:regular r:id="rId21"/>
+    </p:embeddedFont>
+    <p:embeddedFont>
+      <p:font typeface="Andalus" panose="02020603050405020304" pitchFamily="18" charset="-78"/>
       <p:regular r:id="rId22"/>
     </p:embeddedFont>
   </p:embeddedFontLst>
   <p:defaultTextStyle>
-    <a:defPPr lvl="0" marR="0" rtl="0" algn="l">
+    <a:defPPr marR="0" lvl="0" algn="l" rtl="0">
       <a:lnSpc>
         <a:spcPct val="100000"/>
       </a:lnSpc>
@@ -54,7 +63,7 @@
         <a:spcPts val="0"/>
       </a:spcAft>
     </a:defPPr>
-    <a:lvl1pPr lvl="0" marR="0" rtl="0" algn="l">
+    <a:lvl1pPr marR="0" lvl="0" algn="l" rtl="0">
       <a:lnSpc>
         <a:spcPct val="100000"/>
       </a:lnSpc>
@@ -68,7 +77,7 @@
         <a:srgbClr val="000000"/>
       </a:buClr>
       <a:buFont typeface="Arial"/>
-      <a:defRPr b="0" i="0" sz="1400" u="none" cap="none" strike="noStrike">
+      <a:defRPr sz="1400" b="0" i="0" u="none" strike="noStrike" cap="none">
         <a:solidFill>
           <a:srgbClr val="000000"/>
         </a:solidFill>
@@ -78,7 +87,7 @@
         <a:sym typeface="Arial"/>
       </a:defRPr>
     </a:lvl1pPr>
-    <a:lvl2pPr lvl="1" marR="0" rtl="0" algn="l">
+    <a:lvl2pPr marR="0" lvl="1" algn="l" rtl="0">
       <a:lnSpc>
         <a:spcPct val="100000"/>
       </a:lnSpc>
@@ -92,7 +101,7 @@
         <a:srgbClr val="000000"/>
       </a:buClr>
       <a:buFont typeface="Arial"/>
-      <a:defRPr b="0" i="0" sz="1400" u="none" cap="none" strike="noStrike">
+      <a:defRPr sz="1400" b="0" i="0" u="none" strike="noStrike" cap="none">
         <a:solidFill>
           <a:srgbClr val="000000"/>
         </a:solidFill>
@@ -102,7 +111,7 @@
         <a:sym typeface="Arial"/>
       </a:defRPr>
     </a:lvl2pPr>
-    <a:lvl3pPr lvl="2" marR="0" rtl="0" algn="l">
+    <a:lvl3pPr marR="0" lvl="2" algn="l" rtl="0">
       <a:lnSpc>
         <a:spcPct val="100000"/>
       </a:lnSpc>
@@ -116,7 +125,7 @@
         <a:srgbClr val="000000"/>
       </a:buClr>
       <a:buFont typeface="Arial"/>
-      <a:defRPr b="0" i="0" sz="1400" u="none" cap="none" strike="noStrike">
+      <a:defRPr sz="1400" b="0" i="0" u="none" strike="noStrike" cap="none">
         <a:solidFill>
           <a:srgbClr val="000000"/>
         </a:solidFill>
@@ -126,7 +135,7 @@
         <a:sym typeface="Arial"/>
       </a:defRPr>
     </a:lvl3pPr>
-    <a:lvl4pPr lvl="3" marR="0" rtl="0" algn="l">
+    <a:lvl4pPr marR="0" lvl="3" algn="l" rtl="0">
       <a:lnSpc>
         <a:spcPct val="100000"/>
       </a:lnSpc>
@@ -140,7 +149,7 @@
         <a:srgbClr val="000000"/>
       </a:buClr>
       <a:buFont typeface="Arial"/>
-      <a:defRPr b="0" i="0" sz="1400" u="none" cap="none" strike="noStrike">
+      <a:defRPr sz="1400" b="0" i="0" u="none" strike="noStrike" cap="none">
         <a:solidFill>
           <a:srgbClr val="000000"/>
         </a:solidFill>
@@ -150,7 +159,7 @@
         <a:sym typeface="Arial"/>
       </a:defRPr>
     </a:lvl4pPr>
-    <a:lvl5pPr lvl="4" marR="0" rtl="0" algn="l">
+    <a:lvl5pPr marR="0" lvl="4" algn="l" rtl="0">
       <a:lnSpc>
         <a:spcPct val="100000"/>
       </a:lnSpc>
@@ -164,7 +173,7 @@
         <a:srgbClr val="000000"/>
       </a:buClr>
       <a:buFont typeface="Arial"/>
-      <a:defRPr b="0" i="0" sz="1400" u="none" cap="none" strike="noStrike">
+      <a:defRPr sz="1400" b="0" i="0" u="none" strike="noStrike" cap="none">
         <a:solidFill>
           <a:srgbClr val="000000"/>
         </a:solidFill>
@@ -174,7 +183,7 @@
         <a:sym typeface="Arial"/>
       </a:defRPr>
     </a:lvl5pPr>
-    <a:lvl6pPr lvl="5" marR="0" rtl="0" algn="l">
+    <a:lvl6pPr marR="0" lvl="5" algn="l" rtl="0">
       <a:lnSpc>
         <a:spcPct val="100000"/>
       </a:lnSpc>
@@ -188,7 +197,7 @@
         <a:srgbClr val="000000"/>
       </a:buClr>
       <a:buFont typeface="Arial"/>
-      <a:defRPr b="0" i="0" sz="1400" u="none" cap="none" strike="noStrike">
+      <a:defRPr sz="1400" b="0" i="0" u="none" strike="noStrike" cap="none">
         <a:solidFill>
           <a:srgbClr val="000000"/>
         </a:solidFill>
@@ -198,7 +207,7 @@
         <a:sym typeface="Arial"/>
       </a:defRPr>
     </a:lvl6pPr>
-    <a:lvl7pPr lvl="6" marR="0" rtl="0" algn="l">
+    <a:lvl7pPr marR="0" lvl="6" algn="l" rtl="0">
       <a:lnSpc>
         <a:spcPct val="100000"/>
       </a:lnSpc>
@@ -212,7 +221,7 @@
         <a:srgbClr val="000000"/>
       </a:buClr>
       <a:buFont typeface="Arial"/>
-      <a:defRPr b="0" i="0" sz="1400" u="none" cap="none" strike="noStrike">
+      <a:defRPr sz="1400" b="0" i="0" u="none" strike="noStrike" cap="none">
         <a:solidFill>
           <a:srgbClr val="000000"/>
         </a:solidFill>
@@ -222,7 +231,7 @@
         <a:sym typeface="Arial"/>
       </a:defRPr>
     </a:lvl7pPr>
-    <a:lvl8pPr lvl="7" marR="0" rtl="0" algn="l">
+    <a:lvl8pPr marR="0" lvl="7" algn="l" rtl="0">
       <a:lnSpc>
         <a:spcPct val="100000"/>
       </a:lnSpc>
@@ -236,7 +245,7 @@
         <a:srgbClr val="000000"/>
       </a:buClr>
       <a:buFont typeface="Arial"/>
-      <a:defRPr b="0" i="0" sz="1400" u="none" cap="none" strike="noStrike">
+      <a:defRPr sz="1400" b="0" i="0" u="none" strike="noStrike" cap="none">
         <a:solidFill>
           <a:srgbClr val="000000"/>
         </a:solidFill>
@@ -246,7 +255,7 @@
         <a:sym typeface="Arial"/>
       </a:defRPr>
     </a:lvl8pPr>
-    <a:lvl9pPr lvl="8" marR="0" rtl="0" algn="l">
+    <a:lvl9pPr marR="0" lvl="8" algn="l" rtl="0">
       <a:lnSpc>
         <a:spcPct val="100000"/>
       </a:lnSpc>
@@ -260,7 +269,7 @@
         <a:srgbClr val="000000"/>
       </a:buClr>
       <a:buFont typeface="Arial"/>
-      <a:defRPr b="0" i="0" sz="1400" u="none" cap="none" strike="noStrike">
+      <a:defRPr sz="1400" b="0" i="0" u="none" strike="noStrike" cap="none">
         <a:solidFill>
           <a:srgbClr val="000000"/>
         </a:solidFill>
@@ -273,7 +282,7 @@
   </p:defaultTextStyle>
   <p:extLst>
     <p:ext uri="{EFAFB233-063F-42B5-8137-9DF3F51BA10A}">
-      <p15:sldGuideLst>
+      <p15:sldGuideLst xmlns:p15="http://schemas.microsoft.com/office/powerpoint/2012/main">
         <p15:guide id="1" orient="horz" pos="1620">
           <p15:clr>
             <a:srgbClr val="A4A3A4"/>
@@ -291,11 +300,16 @@
 </file>
 
 <file path=ppt/notesMasters/notesMaster1.xml><?xml version="1.0" encoding="utf-8"?>
-<p:notesMaster xmlns:a="http://schemas.openxmlformats.org/drawingml/2006/main" xmlns:r="http://schemas.openxmlformats.org/officeDocument/2006/relationships" xmlns:mc="http://schemas.openxmlformats.org/markup-compatibility/2006" xmlns:mv="urn:schemas-microsoft-com:mac:vml" xmlns:p="http://schemas.openxmlformats.org/presentationml/2006/main" xmlns:c="http://schemas.openxmlformats.org/drawingml/2006/chart" xmlns:dgm="http://schemas.openxmlformats.org/drawingml/2006/diagram" xmlns:o="urn:schemas-microsoft-com:office:office" xmlns:v="urn:schemas-microsoft-com:vml" xmlns:pvml="urn:schemas-microsoft-com:office:powerpoint" xmlns:com="http://schemas.openxmlformats.org/drawingml/2006/compatibility" xmlns:p14="http://schemas.microsoft.com/office/powerpoint/2010/main" xmlns:p15="http://schemas.microsoft.com/office/powerpoint/2012/main">
+<p:notesMaster xmlns:a="http://schemas.openxmlformats.org/drawingml/2006/main" xmlns:r="http://schemas.openxmlformats.org/officeDocument/2006/relationships" xmlns:p="http://schemas.openxmlformats.org/presentationml/2006/main">
   <p:cSld>
+    <p:bg>
+      <p:bgRef idx="1001">
+        <a:schemeClr val="bg1"/>
+      </p:bgRef>
+    </p:bg>
     <p:spTree>
       <p:nvGrpSpPr>
-        <p:cNvPr id="2" name="Shape 2"/>
+        <p:cNvPr id="1" name="Shape 2"/>
         <p:cNvGrpSpPr/>
         <p:nvPr/>
       </p:nvGrpSpPr>
@@ -310,9 +324,11 @@
       <p:sp>
         <p:nvSpPr>
           <p:cNvPr id="3" name="Google Shape;3;n"/>
-          <p:cNvSpPr/>
+          <p:cNvSpPr>
+            <a:spLocks noGrp="1" noRot="1" noChangeAspect="1"/>
+          </p:cNvSpPr>
           <p:nvPr>
-            <p:ph idx="2" type="sldImg"/>
+            <p:ph type="sldImg" idx="2"/>
           </p:nvPr>
         </p:nvSpPr>
         <p:spPr>
@@ -321,9 +337,13 @@
             <a:ext cx="6096075" cy="3429000"/>
           </a:xfrm>
           <a:custGeom>
-            <a:rect b="b" l="l" r="r" t="t"/>
+            <a:avLst/>
+            <a:gdLst/>
+            <a:ahLst/>
+            <a:cxnLst/>
+            <a:rect l="l" t="t" r="r" b="b"/>
             <a:pathLst>
-              <a:path extrusionOk="0" h="120000" w="120000">
+              <a:path w="120000" h="120000" extrusionOk="0">
                 <a:moveTo>
                   <a:pt x="0" y="0"/>
                 </a:moveTo>
@@ -341,23 +361,25 @@
             </a:pathLst>
           </a:custGeom>
           <a:noFill/>
-          <a:ln cap="flat" cmpd="sng" w="9525">
+          <a:ln w="9525" cap="flat" cmpd="sng">
             <a:solidFill>
               <a:srgbClr val="000000"/>
             </a:solidFill>
             <a:prstDash val="solid"/>
             <a:round/>
-            <a:headEnd len="sm" w="sm" type="none"/>
-            <a:tailEnd len="sm" w="sm" type="none"/>
+            <a:headEnd type="none" w="sm" len="sm"/>
+            <a:tailEnd type="none" w="sm" len="sm"/>
           </a:ln>
         </p:spPr>
       </p:sp>
       <p:sp>
         <p:nvSpPr>
           <p:cNvPr id="4" name="Google Shape;4;n"/>
-          <p:cNvSpPr txBox="1"/>
+          <p:cNvSpPr txBox="1">
+            <a:spLocks noGrp="1"/>
+          </p:cNvSpPr>
           <p:nvPr>
-            <p:ph idx="1" type="body"/>
+            <p:ph type="body" idx="1"/>
           </p:nvPr>
         </p:nvSpPr>
         <p:spPr>
@@ -374,11 +396,11 @@
           </a:ln>
         </p:spPr>
         <p:txBody>
-          <a:bodyPr anchorCtr="0" anchor="t" bIns="91425" lIns="91425" spcFirstLastPara="1" rIns="91425" wrap="square" tIns="91425">
+          <a:bodyPr spcFirstLastPara="1" wrap="square" lIns="91425" tIns="91425" rIns="91425" bIns="91425" anchor="t" anchorCtr="0">
             <a:noAutofit/>
           </a:bodyPr>
           <a:lstStyle>
-            <a:lvl1pPr indent="-298450" lvl="0" marL="457200">
+            <a:lvl1pPr marL="457200" lvl="0" indent="-298450">
               <a:spcBef>
                 <a:spcPts val="0"/>
               </a:spcBef>
@@ -389,7 +411,7 @@
               <a:buChar char="●"/>
               <a:defRPr sz="1100"/>
             </a:lvl1pPr>
-            <a:lvl2pPr indent="-298450" lvl="1" marL="914400">
+            <a:lvl2pPr marL="914400" lvl="1" indent="-298450">
               <a:spcBef>
                 <a:spcPts val="0"/>
               </a:spcBef>
@@ -400,7 +422,7 @@
               <a:buChar char="○"/>
               <a:defRPr sz="1100"/>
             </a:lvl2pPr>
-            <a:lvl3pPr indent="-298450" lvl="2" marL="1371600">
+            <a:lvl3pPr marL="1371600" lvl="2" indent="-298450">
               <a:spcBef>
                 <a:spcPts val="0"/>
               </a:spcBef>
@@ -411,7 +433,7 @@
               <a:buChar char="■"/>
               <a:defRPr sz="1100"/>
             </a:lvl3pPr>
-            <a:lvl4pPr indent="-298450" lvl="3" marL="1828800">
+            <a:lvl4pPr marL="1828800" lvl="3" indent="-298450">
               <a:spcBef>
                 <a:spcPts val="0"/>
               </a:spcBef>
@@ -422,7 +444,7 @@
               <a:buChar char="●"/>
               <a:defRPr sz="1100"/>
             </a:lvl4pPr>
-            <a:lvl5pPr indent="-298450" lvl="4" marL="2286000">
+            <a:lvl5pPr marL="2286000" lvl="4" indent="-298450">
               <a:spcBef>
                 <a:spcPts val="0"/>
               </a:spcBef>
@@ -433,7 +455,7 @@
               <a:buChar char="○"/>
               <a:defRPr sz="1100"/>
             </a:lvl5pPr>
-            <a:lvl6pPr indent="-298450" lvl="5" marL="2743200">
+            <a:lvl6pPr marL="2743200" lvl="5" indent="-298450">
               <a:spcBef>
                 <a:spcPts val="0"/>
               </a:spcBef>
@@ -444,7 +466,7 @@
               <a:buChar char="■"/>
               <a:defRPr sz="1100"/>
             </a:lvl6pPr>
-            <a:lvl7pPr indent="-298450" lvl="6" marL="3200400">
+            <a:lvl7pPr marL="3200400" lvl="6" indent="-298450">
               <a:spcBef>
                 <a:spcPts val="0"/>
               </a:spcBef>
@@ -455,7 +477,7 @@
               <a:buChar char="●"/>
               <a:defRPr sz="1100"/>
             </a:lvl7pPr>
-            <a:lvl8pPr indent="-298450" lvl="7" marL="3657600">
+            <a:lvl8pPr marL="3657600" lvl="7" indent="-298450">
               <a:spcBef>
                 <a:spcPts val="0"/>
               </a:spcBef>
@@ -466,7 +488,7 @@
               <a:buChar char="○"/>
               <a:defRPr sz="1100"/>
             </a:lvl8pPr>
-            <a:lvl9pPr indent="-298450" lvl="8" marL="4114800">
+            <a:lvl9pPr marL="4114800" lvl="8" indent="-298450">
               <a:spcBef>
                 <a:spcPts val="0"/>
               </a:spcBef>
@@ -478,14 +500,21 @@
               <a:defRPr sz="1100"/>
             </a:lvl9pPr>
           </a:lstStyle>
-          <a:p/>
+          <a:p>
+            <a:endParaRPr/>
+          </a:p>
         </p:txBody>
       </p:sp>
     </p:spTree>
+    <p:extLst>
+      <p:ext uri="{BB962C8B-B14F-4D97-AF65-F5344CB8AC3E}">
+        <p14:creationId xmlns:p14="http://schemas.microsoft.com/office/powerpoint/2010/main" val="2833286251"/>
+      </p:ext>
+    </p:extLst>
   </p:cSld>
-  <p:clrMap accent1="accent1" accent2="accent2" accent3="accent3" accent4="accent4" accent5="accent5" accent6="accent6" bg1="lt1" bg2="dk2" tx1="dk1" tx2="lt2" folHlink="folHlink" hlink="hlink"/>
+  <p:clrMap bg1="lt1" tx1="dk1" bg2="dk2" tx2="lt2" accent1="accent1" accent2="accent2" accent3="accent3" accent4="accent4" accent5="accent5" accent6="accent6" hlink="hlink" folHlink="folHlink"/>
   <p:notesStyle>
-    <a:defPPr lvl="0" marR="0" rtl="0" algn="l">
+    <a:defPPr marR="0" lvl="0" algn="l" rtl="0">
       <a:lnSpc>
         <a:spcPct val="100000"/>
       </a:lnSpc>
@@ -496,7 +525,7 @@
         <a:spcPts val="0"/>
       </a:spcAft>
     </a:defPPr>
-    <a:lvl1pPr lvl="0" marR="0" rtl="0" algn="l">
+    <a:lvl1pPr marR="0" lvl="0" algn="l" rtl="0">
       <a:lnSpc>
         <a:spcPct val="100000"/>
       </a:lnSpc>
@@ -510,7 +539,7 @@
         <a:srgbClr val="000000"/>
       </a:buClr>
       <a:buFont typeface="Arial"/>
-      <a:defRPr b="0" i="0" sz="1400" u="none" cap="none" strike="noStrike">
+      <a:defRPr sz="1400" b="0" i="0" u="none" strike="noStrike" cap="none">
         <a:solidFill>
           <a:srgbClr val="000000"/>
         </a:solidFill>
@@ -520,7 +549,7 @@
         <a:sym typeface="Arial"/>
       </a:defRPr>
     </a:lvl1pPr>
-    <a:lvl2pPr lvl="1" marR="0" rtl="0" algn="l">
+    <a:lvl2pPr marR="0" lvl="1" algn="l" rtl="0">
       <a:lnSpc>
         <a:spcPct val="100000"/>
       </a:lnSpc>
@@ -534,7 +563,7 @@
         <a:srgbClr val="000000"/>
       </a:buClr>
       <a:buFont typeface="Arial"/>
-      <a:defRPr b="0" i="0" sz="1400" u="none" cap="none" strike="noStrike">
+      <a:defRPr sz="1400" b="0" i="0" u="none" strike="noStrike" cap="none">
         <a:solidFill>
           <a:srgbClr val="000000"/>
         </a:solidFill>
@@ -544,7 +573,7 @@
         <a:sym typeface="Arial"/>
       </a:defRPr>
     </a:lvl2pPr>
-    <a:lvl3pPr lvl="2" marR="0" rtl="0" algn="l">
+    <a:lvl3pPr marR="0" lvl="2" algn="l" rtl="0">
       <a:lnSpc>
         <a:spcPct val="100000"/>
       </a:lnSpc>
@@ -558,7 +587,7 @@
         <a:srgbClr val="000000"/>
       </a:buClr>
       <a:buFont typeface="Arial"/>
-      <a:defRPr b="0" i="0" sz="1400" u="none" cap="none" strike="noStrike">
+      <a:defRPr sz="1400" b="0" i="0" u="none" strike="noStrike" cap="none">
         <a:solidFill>
           <a:srgbClr val="000000"/>
         </a:solidFill>
@@ -568,7 +597,7 @@
         <a:sym typeface="Arial"/>
       </a:defRPr>
     </a:lvl3pPr>
-    <a:lvl4pPr lvl="3" marR="0" rtl="0" algn="l">
+    <a:lvl4pPr marR="0" lvl="3" algn="l" rtl="0">
       <a:lnSpc>
         <a:spcPct val="100000"/>
       </a:lnSpc>
@@ -582,7 +611,7 @@
         <a:srgbClr val="000000"/>
       </a:buClr>
       <a:buFont typeface="Arial"/>
-      <a:defRPr b="0" i="0" sz="1400" u="none" cap="none" strike="noStrike">
+      <a:defRPr sz="1400" b="0" i="0" u="none" strike="noStrike" cap="none">
         <a:solidFill>
           <a:srgbClr val="000000"/>
         </a:solidFill>
@@ -592,7 +621,7 @@
         <a:sym typeface="Arial"/>
       </a:defRPr>
     </a:lvl4pPr>
-    <a:lvl5pPr lvl="4" marR="0" rtl="0" algn="l">
+    <a:lvl5pPr marR="0" lvl="4" algn="l" rtl="0">
       <a:lnSpc>
         <a:spcPct val="100000"/>
       </a:lnSpc>
@@ -606,7 +635,7 @@
         <a:srgbClr val="000000"/>
       </a:buClr>
       <a:buFont typeface="Arial"/>
-      <a:defRPr b="0" i="0" sz="1400" u="none" cap="none" strike="noStrike">
+      <a:defRPr sz="1400" b="0" i="0" u="none" strike="noStrike" cap="none">
         <a:solidFill>
           <a:srgbClr val="000000"/>
         </a:solidFill>
@@ -616,7 +645,7 @@
         <a:sym typeface="Arial"/>
       </a:defRPr>
     </a:lvl5pPr>
-    <a:lvl6pPr lvl="5" marR="0" rtl="0" algn="l">
+    <a:lvl6pPr marR="0" lvl="5" algn="l" rtl="0">
       <a:lnSpc>
         <a:spcPct val="100000"/>
       </a:lnSpc>
@@ -630,7 +659,7 @@
         <a:srgbClr val="000000"/>
       </a:buClr>
       <a:buFont typeface="Arial"/>
-      <a:defRPr b="0" i="0" sz="1400" u="none" cap="none" strike="noStrike">
+      <a:defRPr sz="1400" b="0" i="0" u="none" strike="noStrike" cap="none">
         <a:solidFill>
           <a:srgbClr val="000000"/>
         </a:solidFill>
@@ -640,7 +669,7 @@
         <a:sym typeface="Arial"/>
       </a:defRPr>
     </a:lvl6pPr>
-    <a:lvl7pPr lvl="6" marR="0" rtl="0" algn="l">
+    <a:lvl7pPr marR="0" lvl="6" algn="l" rtl="0">
       <a:lnSpc>
         <a:spcPct val="100000"/>
       </a:lnSpc>
@@ -654,7 +683,7 @@
         <a:srgbClr val="000000"/>
       </a:buClr>
       <a:buFont typeface="Arial"/>
-      <a:defRPr b="0" i="0" sz="1400" u="none" cap="none" strike="noStrike">
+      <a:defRPr sz="1400" b="0" i="0" u="none" strike="noStrike" cap="none">
         <a:solidFill>
           <a:srgbClr val="000000"/>
         </a:solidFill>
@@ -664,7 +693,7 @@
         <a:sym typeface="Arial"/>
       </a:defRPr>
     </a:lvl7pPr>
-    <a:lvl8pPr lvl="7" marR="0" rtl="0" algn="l">
+    <a:lvl8pPr marR="0" lvl="7" algn="l" rtl="0">
       <a:lnSpc>
         <a:spcPct val="100000"/>
       </a:lnSpc>
@@ -678,7 +707,7 @@
         <a:srgbClr val="000000"/>
       </a:buClr>
       <a:buFont typeface="Arial"/>
-      <a:defRPr b="0" i="0" sz="1400" u="none" cap="none" strike="noStrike">
+      <a:defRPr sz="1400" b="0" i="0" u="none" strike="noStrike" cap="none">
         <a:solidFill>
           <a:srgbClr val="000000"/>
         </a:solidFill>
@@ -688,7 +717,7 @@
         <a:sym typeface="Arial"/>
       </a:defRPr>
     </a:lvl8pPr>
-    <a:lvl9pPr lvl="8" marR="0" rtl="0" algn="l">
+    <a:lvl9pPr marR="0" lvl="8" algn="l" rtl="0">
       <a:lnSpc>
         <a:spcPct val="100000"/>
       </a:lnSpc>
@@ -702,7 +731,7 @@
         <a:srgbClr val="000000"/>
       </a:buClr>
       <a:buFont typeface="Arial"/>
-      <a:defRPr b="0" i="0" sz="1400" u="none" cap="none" strike="noStrike">
+      <a:defRPr sz="1400" b="0" i="0" u="none" strike="noStrike" cap="none">
         <a:solidFill>
           <a:srgbClr val="000000"/>
         </a:solidFill>
@@ -717,11 +746,11 @@
 </file>
 
 <file path=ppt/notesSlides/notesSlide1.xml><?xml version="1.0" encoding="utf-8"?>
-<p:notes xmlns:a="http://schemas.openxmlformats.org/drawingml/2006/main" xmlns:r="http://schemas.openxmlformats.org/officeDocument/2006/relationships" xmlns:mc="http://schemas.openxmlformats.org/markup-compatibility/2006" xmlns:mv="urn:schemas-microsoft-com:mac:vml" xmlns:p="http://schemas.openxmlformats.org/presentationml/2006/main" xmlns:c="http://schemas.openxmlformats.org/drawingml/2006/chart" xmlns:dgm="http://schemas.openxmlformats.org/drawingml/2006/diagram" xmlns:o="urn:schemas-microsoft-com:office:office" xmlns:v="urn:schemas-microsoft-com:vml" xmlns:pvml="urn:schemas-microsoft-com:office:powerpoint" xmlns:com="http://schemas.openxmlformats.org/drawingml/2006/compatibility" xmlns:p14="http://schemas.microsoft.com/office/powerpoint/2010/main" xmlns:p15="http://schemas.microsoft.com/office/powerpoint/2012/main" showMasterPhAnim="0" showMasterSp="0">
+<p:notes xmlns:a="http://schemas.openxmlformats.org/drawingml/2006/main" xmlns:r="http://schemas.openxmlformats.org/officeDocument/2006/relationships" xmlns:p="http://schemas.openxmlformats.org/presentationml/2006/main" showMasterSp="0" showMasterPhAnim="0">
   <p:cSld>
     <p:spTree>
       <p:nvGrpSpPr>
-        <p:cNvPr id="100" name="Shape 100"/>
+        <p:cNvPr id="1" name="Shape 100"/>
         <p:cNvGrpSpPr/>
         <p:nvPr/>
       </p:nvGrpSpPr>
@@ -736,20 +765,26 @@
       <p:sp>
         <p:nvSpPr>
           <p:cNvPr id="101" name="Google Shape;101;g6dd56b83e6_0_98:notes"/>
-          <p:cNvSpPr/>
+          <p:cNvSpPr>
+            <a:spLocks noGrp="1" noRot="1" noChangeAspect="1"/>
+          </p:cNvSpPr>
           <p:nvPr>
-            <p:ph idx="2" type="sldImg"/>
+            <p:ph type="sldImg" idx="2"/>
           </p:nvPr>
         </p:nvSpPr>
         <p:spPr>
           <a:xfrm>
-            <a:off x="381300" y="685800"/>
+            <a:off x="381000" y="685800"/>
             <a:ext cx="6096000" cy="3429000"/>
           </a:xfrm>
           <a:custGeom>
-            <a:rect b="b" l="l" r="r" t="t"/>
+            <a:avLst/>
+            <a:gdLst/>
+            <a:ahLst/>
+            <a:cxnLst/>
+            <a:rect l="l" t="t" r="r" b="b"/>
             <a:pathLst>
-              <a:path extrusionOk="0" h="120000" w="120000">
+              <a:path w="120000" h="120000" extrusionOk="0">
                 <a:moveTo>
                   <a:pt x="0" y="0"/>
                 </a:moveTo>
@@ -771,9 +806,11 @@
       <p:sp>
         <p:nvSpPr>
           <p:cNvPr id="102" name="Google Shape;102;g6dd56b83e6_0_98:notes"/>
-          <p:cNvSpPr txBox="1"/>
+          <p:cNvSpPr txBox="1">
+            <a:spLocks noGrp="1"/>
+          </p:cNvSpPr>
           <p:nvPr>
-            <p:ph idx="1" type="body"/>
+            <p:ph type="body" idx="1"/>
           </p:nvPr>
         </p:nvSpPr>
         <p:spPr>
@@ -786,12 +823,12 @@
           </a:prstGeom>
         </p:spPr>
         <p:txBody>
-          <a:bodyPr anchorCtr="0" anchor="t" bIns="91425" lIns="91425" spcFirstLastPara="1" rIns="91425" wrap="square" tIns="91425">
+          <a:bodyPr spcFirstLastPara="1" wrap="square" lIns="91425" tIns="91425" rIns="91425" bIns="91425" anchor="t" anchorCtr="0">
             <a:noAutofit/>
           </a:bodyPr>
           <a:lstStyle/>
           <a:p>
-            <a:pPr indent="0" lvl="0" marL="0" rtl="0" algn="l">
+            <a:pPr marL="0" lvl="0" indent="0" algn="l" rtl="0">
               <a:spcBef>
                 <a:spcPts val="0"/>
               </a:spcBef>
@@ -800,14 +837,16 @@
               </a:spcAft>
               <a:buNone/>
             </a:pPr>
-            <a:r>
-              <a:t/>
-            </a:r>
             <a:endParaRPr/>
           </a:p>
         </p:txBody>
       </p:sp>
     </p:spTree>
+    <p:extLst>
+      <p:ext uri="{BB962C8B-B14F-4D97-AF65-F5344CB8AC3E}">
+        <p14:creationId xmlns:p14="http://schemas.microsoft.com/office/powerpoint/2010/main" val="1213264915"/>
+      </p:ext>
+    </p:extLst>
   </p:cSld>
   <p:clrMapOvr>
     <a:masterClrMapping/>
@@ -816,11 +855,11 @@
 </file>
 
 <file path=ppt/notesSlides/notesSlide2.xml><?xml version="1.0" encoding="utf-8"?>
-<p:notes xmlns:a="http://schemas.openxmlformats.org/drawingml/2006/main" xmlns:r="http://schemas.openxmlformats.org/officeDocument/2006/relationships" xmlns:mc="http://schemas.openxmlformats.org/markup-compatibility/2006" xmlns:mv="urn:schemas-microsoft-com:mac:vml" xmlns:p="http://schemas.openxmlformats.org/presentationml/2006/main" xmlns:c="http://schemas.openxmlformats.org/drawingml/2006/chart" xmlns:dgm="http://schemas.openxmlformats.org/drawingml/2006/diagram" xmlns:o="urn:schemas-microsoft-com:office:office" xmlns:v="urn:schemas-microsoft-com:vml" xmlns:pvml="urn:schemas-microsoft-com:office:powerpoint" xmlns:com="http://schemas.openxmlformats.org/drawingml/2006/compatibility" xmlns:p14="http://schemas.microsoft.com/office/powerpoint/2010/main" xmlns:p15="http://schemas.microsoft.com/office/powerpoint/2012/main" showMasterPhAnim="0" showMasterSp="0">
+<p:notes xmlns:a="http://schemas.openxmlformats.org/drawingml/2006/main" xmlns:r="http://schemas.openxmlformats.org/officeDocument/2006/relationships" xmlns:p="http://schemas.openxmlformats.org/presentationml/2006/main" showMasterSp="0" showMasterPhAnim="0">
   <p:cSld>
     <p:spTree>
       <p:nvGrpSpPr>
-        <p:cNvPr id="109" name="Shape 109"/>
+        <p:cNvPr id="1" name="Shape 109"/>
         <p:cNvGrpSpPr/>
         <p:nvPr/>
       </p:nvGrpSpPr>
@@ -835,20 +874,26 @@
       <p:sp>
         <p:nvSpPr>
           <p:cNvPr id="110" name="Google Shape;110;g6dd56b83e6_0_195:notes"/>
-          <p:cNvSpPr/>
+          <p:cNvSpPr>
+            <a:spLocks noGrp="1" noRot="1" noChangeAspect="1"/>
+          </p:cNvSpPr>
           <p:nvPr>
-            <p:ph idx="2" type="sldImg"/>
+            <p:ph type="sldImg" idx="2"/>
           </p:nvPr>
         </p:nvSpPr>
         <p:spPr>
           <a:xfrm>
-            <a:off x="381300" y="685800"/>
+            <a:off x="381000" y="685800"/>
             <a:ext cx="6096000" cy="3429000"/>
           </a:xfrm>
           <a:custGeom>
-            <a:rect b="b" l="l" r="r" t="t"/>
+            <a:avLst/>
+            <a:gdLst/>
+            <a:ahLst/>
+            <a:cxnLst/>
+            <a:rect l="l" t="t" r="r" b="b"/>
             <a:pathLst>
-              <a:path extrusionOk="0" h="120000" w="120000">
+              <a:path w="120000" h="120000" extrusionOk="0">
                 <a:moveTo>
                   <a:pt x="0" y="0"/>
                 </a:moveTo>
@@ -870,9 +915,11 @@
       <p:sp>
         <p:nvSpPr>
           <p:cNvPr id="111" name="Google Shape;111;g6dd56b83e6_0_195:notes"/>
-          <p:cNvSpPr txBox="1"/>
+          <p:cNvSpPr txBox="1">
+            <a:spLocks noGrp="1"/>
+          </p:cNvSpPr>
           <p:nvPr>
-            <p:ph idx="1" type="body"/>
+            <p:ph type="body" idx="1"/>
           </p:nvPr>
         </p:nvSpPr>
         <p:spPr>
@@ -885,12 +932,12 @@
           </a:prstGeom>
         </p:spPr>
         <p:txBody>
-          <a:bodyPr anchorCtr="0" anchor="t" bIns="91425" lIns="91425" spcFirstLastPara="1" rIns="91425" wrap="square" tIns="91425">
+          <a:bodyPr spcFirstLastPara="1" wrap="square" lIns="91425" tIns="91425" rIns="91425" bIns="91425" anchor="t" anchorCtr="0">
             <a:noAutofit/>
           </a:bodyPr>
           <a:lstStyle/>
           <a:p>
-            <a:pPr indent="0" lvl="0" marL="0" rtl="0" algn="l">
+            <a:pPr marL="0" lvl="0" indent="0" algn="l" rtl="0">
               <a:spcBef>
                 <a:spcPts val="0"/>
               </a:spcBef>
@@ -899,14 +946,16 @@
               </a:spcAft>
               <a:buNone/>
             </a:pPr>
-            <a:r>
-              <a:t/>
-            </a:r>
             <a:endParaRPr/>
           </a:p>
         </p:txBody>
       </p:sp>
     </p:spTree>
+    <p:extLst>
+      <p:ext uri="{BB962C8B-B14F-4D97-AF65-F5344CB8AC3E}">
+        <p14:creationId xmlns:p14="http://schemas.microsoft.com/office/powerpoint/2010/main" val="520546283"/>
+      </p:ext>
+    </p:extLst>
   </p:cSld>
   <p:clrMapOvr>
     <a:masterClrMapping/>
@@ -915,11 +964,11 @@
 </file>
 
 <file path=ppt/notesSlides/notesSlide3.xml><?xml version="1.0" encoding="utf-8"?>
-<p:notes xmlns:a="http://schemas.openxmlformats.org/drawingml/2006/main" xmlns:r="http://schemas.openxmlformats.org/officeDocument/2006/relationships" xmlns:mc="http://schemas.openxmlformats.org/markup-compatibility/2006" xmlns:mv="urn:schemas-microsoft-com:mac:vml" xmlns:p="http://schemas.openxmlformats.org/presentationml/2006/main" xmlns:c="http://schemas.openxmlformats.org/drawingml/2006/chart" xmlns:dgm="http://schemas.openxmlformats.org/drawingml/2006/diagram" xmlns:o="urn:schemas-microsoft-com:office:office" xmlns:v="urn:schemas-microsoft-com:vml" xmlns:pvml="urn:schemas-microsoft-com:office:powerpoint" xmlns:com="http://schemas.openxmlformats.org/drawingml/2006/compatibility" xmlns:p14="http://schemas.microsoft.com/office/powerpoint/2010/main" xmlns:p15="http://schemas.microsoft.com/office/powerpoint/2012/main" showMasterPhAnim="0" showMasterSp="0">
+<p:notes xmlns:a="http://schemas.openxmlformats.org/drawingml/2006/main" xmlns:r="http://schemas.openxmlformats.org/officeDocument/2006/relationships" xmlns:p="http://schemas.openxmlformats.org/presentationml/2006/main" showMasterSp="0" showMasterPhAnim="0">
   <p:cSld>
     <p:spTree>
       <p:nvGrpSpPr>
-        <p:cNvPr id="115" name="Shape 115"/>
+        <p:cNvPr id="1" name="Shape 115"/>
         <p:cNvGrpSpPr/>
         <p:nvPr/>
       </p:nvGrpSpPr>
@@ -934,20 +983,26 @@
       <p:sp>
         <p:nvSpPr>
           <p:cNvPr id="116" name="Google Shape;116;g712596b762_0_13:notes"/>
-          <p:cNvSpPr/>
+          <p:cNvSpPr>
+            <a:spLocks noGrp="1" noRot="1" noChangeAspect="1"/>
+          </p:cNvSpPr>
           <p:nvPr>
-            <p:ph idx="2" type="sldImg"/>
+            <p:ph type="sldImg" idx="2"/>
           </p:nvPr>
         </p:nvSpPr>
         <p:spPr>
           <a:xfrm>
-            <a:off x="381300" y="685800"/>
+            <a:off x="381000" y="685800"/>
             <a:ext cx="6096000" cy="3429000"/>
           </a:xfrm>
           <a:custGeom>
-            <a:rect b="b" l="l" r="r" t="t"/>
+            <a:avLst/>
+            <a:gdLst/>
+            <a:ahLst/>
+            <a:cxnLst/>
+            <a:rect l="l" t="t" r="r" b="b"/>
             <a:pathLst>
-              <a:path extrusionOk="0" h="120000" w="120000">
+              <a:path w="120000" h="120000" extrusionOk="0">
                 <a:moveTo>
                   <a:pt x="0" y="0"/>
                 </a:moveTo>
@@ -969,9 +1024,11 @@
       <p:sp>
         <p:nvSpPr>
           <p:cNvPr id="117" name="Google Shape;117;g712596b762_0_13:notes"/>
-          <p:cNvSpPr txBox="1"/>
+          <p:cNvSpPr txBox="1">
+            <a:spLocks noGrp="1"/>
+          </p:cNvSpPr>
           <p:nvPr>
-            <p:ph idx="1" type="body"/>
+            <p:ph type="body" idx="1"/>
           </p:nvPr>
         </p:nvSpPr>
         <p:spPr>
@@ -984,12 +1041,12 @@
           </a:prstGeom>
         </p:spPr>
         <p:txBody>
-          <a:bodyPr anchorCtr="0" anchor="t" bIns="91425" lIns="91425" spcFirstLastPara="1" rIns="91425" wrap="square" tIns="91425">
+          <a:bodyPr spcFirstLastPara="1" wrap="square" lIns="91425" tIns="91425" rIns="91425" bIns="91425" anchor="t" anchorCtr="0">
             <a:noAutofit/>
           </a:bodyPr>
           <a:lstStyle/>
           <a:p>
-            <a:pPr indent="0" lvl="0" marL="0" rtl="0" algn="l">
+            <a:pPr marL="0" lvl="0" indent="0" algn="l" rtl="0">
               <a:spcBef>
                 <a:spcPts val="0"/>
               </a:spcBef>
@@ -998,14 +1055,16 @@
               </a:spcAft>
               <a:buNone/>
             </a:pPr>
-            <a:r>
-              <a:t/>
-            </a:r>
             <a:endParaRPr/>
           </a:p>
         </p:txBody>
       </p:sp>
     </p:spTree>
+    <p:extLst>
+      <p:ext uri="{BB962C8B-B14F-4D97-AF65-F5344CB8AC3E}">
+        <p14:creationId xmlns:p14="http://schemas.microsoft.com/office/powerpoint/2010/main" val="1765356672"/>
+      </p:ext>
+    </p:extLst>
   </p:cSld>
   <p:clrMapOvr>
     <a:masterClrMapping/>
@@ -1014,11 +1073,11 @@
 </file>
 
 <file path=ppt/notesSlides/notesSlide4.xml><?xml version="1.0" encoding="utf-8"?>
-<p:notes xmlns:a="http://schemas.openxmlformats.org/drawingml/2006/main" xmlns:r="http://schemas.openxmlformats.org/officeDocument/2006/relationships" xmlns:mc="http://schemas.openxmlformats.org/markup-compatibility/2006" xmlns:mv="urn:schemas-microsoft-com:mac:vml" xmlns:p="http://schemas.openxmlformats.org/presentationml/2006/main" xmlns:c="http://schemas.openxmlformats.org/drawingml/2006/chart" xmlns:dgm="http://schemas.openxmlformats.org/drawingml/2006/diagram" xmlns:o="urn:schemas-microsoft-com:office:office" xmlns:v="urn:schemas-microsoft-com:vml" xmlns:pvml="urn:schemas-microsoft-com:office:powerpoint" xmlns:com="http://schemas.openxmlformats.org/drawingml/2006/compatibility" xmlns:p14="http://schemas.microsoft.com/office/powerpoint/2010/main" xmlns:p15="http://schemas.microsoft.com/office/powerpoint/2012/main" showMasterPhAnim="0" showMasterSp="0">
+<p:notes xmlns:a="http://schemas.openxmlformats.org/drawingml/2006/main" xmlns:r="http://schemas.openxmlformats.org/officeDocument/2006/relationships" xmlns:p="http://schemas.openxmlformats.org/presentationml/2006/main" showMasterSp="0" showMasterPhAnim="0">
   <p:cSld>
     <p:spTree>
       <p:nvGrpSpPr>
-        <p:cNvPr id="121" name="Shape 121"/>
+        <p:cNvPr id="1" name="Shape 121"/>
         <p:cNvGrpSpPr/>
         <p:nvPr/>
       </p:nvGrpSpPr>
@@ -1033,20 +1092,26 @@
       <p:sp>
         <p:nvSpPr>
           <p:cNvPr id="122" name="Google Shape;122;g7130938ca7_0_0:notes"/>
-          <p:cNvSpPr/>
+          <p:cNvSpPr>
+            <a:spLocks noGrp="1" noRot="1" noChangeAspect="1"/>
+          </p:cNvSpPr>
           <p:nvPr>
-            <p:ph idx="2" type="sldImg"/>
+            <p:ph type="sldImg" idx="2"/>
           </p:nvPr>
         </p:nvSpPr>
         <p:spPr>
           <a:xfrm>
-            <a:off x="381300" y="685800"/>
+            <a:off x="381000" y="685800"/>
             <a:ext cx="6096000" cy="3429000"/>
           </a:xfrm>
           <a:custGeom>
-            <a:rect b="b" l="l" r="r" t="t"/>
+            <a:avLst/>
+            <a:gdLst/>
+            <a:ahLst/>
+            <a:cxnLst/>
+            <a:rect l="l" t="t" r="r" b="b"/>
             <a:pathLst>
-              <a:path extrusionOk="0" h="120000" w="120000">
+              <a:path w="120000" h="120000" extrusionOk="0">
                 <a:moveTo>
                   <a:pt x="0" y="0"/>
                 </a:moveTo>
@@ -1068,9 +1133,11 @@
       <p:sp>
         <p:nvSpPr>
           <p:cNvPr id="123" name="Google Shape;123;g7130938ca7_0_0:notes"/>
-          <p:cNvSpPr txBox="1"/>
+          <p:cNvSpPr txBox="1">
+            <a:spLocks noGrp="1"/>
+          </p:cNvSpPr>
           <p:nvPr>
-            <p:ph idx="1" type="body"/>
+            <p:ph type="body" idx="1"/>
           </p:nvPr>
         </p:nvSpPr>
         <p:spPr>
@@ -1083,12 +1150,12 @@
           </a:prstGeom>
         </p:spPr>
         <p:txBody>
-          <a:bodyPr anchorCtr="0" anchor="t" bIns="91425" lIns="91425" spcFirstLastPara="1" rIns="91425" wrap="square" tIns="91425">
+          <a:bodyPr spcFirstLastPara="1" wrap="square" lIns="91425" tIns="91425" rIns="91425" bIns="91425" anchor="t" anchorCtr="0">
             <a:noAutofit/>
           </a:bodyPr>
           <a:lstStyle/>
           <a:p>
-            <a:pPr indent="0" lvl="0" marL="0" rtl="0" algn="l">
+            <a:pPr marL="0" lvl="0" indent="0" algn="l" rtl="0">
               <a:spcBef>
                 <a:spcPts val="0"/>
               </a:spcBef>
@@ -1097,14 +1164,16 @@
               </a:spcAft>
               <a:buNone/>
             </a:pPr>
-            <a:r>
-              <a:t/>
-            </a:r>
             <a:endParaRPr/>
           </a:p>
         </p:txBody>
       </p:sp>
     </p:spTree>
+    <p:extLst>
+      <p:ext uri="{BB962C8B-B14F-4D97-AF65-F5344CB8AC3E}">
+        <p14:creationId xmlns:p14="http://schemas.microsoft.com/office/powerpoint/2010/main" val="1943929725"/>
+      </p:ext>
+    </p:extLst>
   </p:cSld>
   <p:clrMapOvr>
     <a:masterClrMapping/>
@@ -1113,11 +1182,11 @@
 </file>
 
 <file path=ppt/notesSlides/notesSlide5.xml><?xml version="1.0" encoding="utf-8"?>
-<p:notes xmlns:a="http://schemas.openxmlformats.org/drawingml/2006/main" xmlns:r="http://schemas.openxmlformats.org/officeDocument/2006/relationships" xmlns:mc="http://schemas.openxmlformats.org/markup-compatibility/2006" xmlns:mv="urn:schemas-microsoft-com:mac:vml" xmlns:p="http://schemas.openxmlformats.org/presentationml/2006/main" xmlns:c="http://schemas.openxmlformats.org/drawingml/2006/chart" xmlns:dgm="http://schemas.openxmlformats.org/drawingml/2006/diagram" xmlns:o="urn:schemas-microsoft-com:office:office" xmlns:v="urn:schemas-microsoft-com:vml" xmlns:pvml="urn:schemas-microsoft-com:office:powerpoint" xmlns:com="http://schemas.openxmlformats.org/drawingml/2006/compatibility" xmlns:p14="http://schemas.microsoft.com/office/powerpoint/2010/main" xmlns:p15="http://schemas.microsoft.com/office/powerpoint/2012/main" showMasterPhAnim="0" showMasterSp="0">
+<p:notes xmlns:a="http://schemas.openxmlformats.org/drawingml/2006/main" xmlns:r="http://schemas.openxmlformats.org/officeDocument/2006/relationships" xmlns:p="http://schemas.openxmlformats.org/presentationml/2006/main" showMasterSp="0" showMasterPhAnim="0">
   <p:cSld>
     <p:spTree>
       <p:nvGrpSpPr>
-        <p:cNvPr id="127" name="Shape 127"/>
+        <p:cNvPr id="1" name="Shape 127"/>
         <p:cNvGrpSpPr/>
         <p:nvPr/>
       </p:nvGrpSpPr>
@@ -1132,20 +1201,26 @@
       <p:sp>
         <p:nvSpPr>
           <p:cNvPr id="128" name="Google Shape;128;g879690bf82_3_0:notes"/>
-          <p:cNvSpPr/>
+          <p:cNvSpPr>
+            <a:spLocks noGrp="1" noRot="1" noChangeAspect="1"/>
+          </p:cNvSpPr>
           <p:nvPr>
-            <p:ph idx="2" type="sldImg"/>
+            <p:ph type="sldImg" idx="2"/>
           </p:nvPr>
         </p:nvSpPr>
         <p:spPr>
           <a:xfrm>
-            <a:off x="381300" y="685800"/>
+            <a:off x="381000" y="685800"/>
             <a:ext cx="6096000" cy="3429000"/>
           </a:xfrm>
           <a:custGeom>
-            <a:rect b="b" l="l" r="r" t="t"/>
+            <a:avLst/>
+            <a:gdLst/>
+            <a:ahLst/>
+            <a:cxnLst/>
+            <a:rect l="l" t="t" r="r" b="b"/>
             <a:pathLst>
-              <a:path extrusionOk="0" h="120000" w="120000">
+              <a:path w="120000" h="120000" extrusionOk="0">
                 <a:moveTo>
                   <a:pt x="0" y="0"/>
                 </a:moveTo>
@@ -1167,9 +1242,11 @@
       <p:sp>
         <p:nvSpPr>
           <p:cNvPr id="129" name="Google Shape;129;g879690bf82_3_0:notes"/>
-          <p:cNvSpPr txBox="1"/>
+          <p:cNvSpPr txBox="1">
+            <a:spLocks noGrp="1"/>
+          </p:cNvSpPr>
           <p:nvPr>
-            <p:ph idx="1" type="body"/>
+            <p:ph type="body" idx="1"/>
           </p:nvPr>
         </p:nvSpPr>
         <p:spPr>
@@ -1182,12 +1259,12 @@
           </a:prstGeom>
         </p:spPr>
         <p:txBody>
-          <a:bodyPr anchorCtr="0" anchor="t" bIns="91425" lIns="91425" spcFirstLastPara="1" rIns="91425" wrap="square" tIns="91425">
+          <a:bodyPr spcFirstLastPara="1" wrap="square" lIns="91425" tIns="91425" rIns="91425" bIns="91425" anchor="t" anchorCtr="0">
             <a:noAutofit/>
           </a:bodyPr>
           <a:lstStyle/>
           <a:p>
-            <a:pPr indent="0" lvl="0" marL="0" rtl="0" algn="l">
+            <a:pPr marL="0" lvl="0" indent="0" algn="l" rtl="0">
               <a:spcBef>
                 <a:spcPts val="0"/>
               </a:spcBef>
@@ -1196,14 +1273,16 @@
               </a:spcAft>
               <a:buNone/>
             </a:pPr>
-            <a:r>
-              <a:t/>
-            </a:r>
             <a:endParaRPr/>
           </a:p>
         </p:txBody>
       </p:sp>
     </p:spTree>
+    <p:extLst>
+      <p:ext uri="{BB962C8B-B14F-4D97-AF65-F5344CB8AC3E}">
+        <p14:creationId xmlns:p14="http://schemas.microsoft.com/office/powerpoint/2010/main" val="2779992574"/>
+      </p:ext>
+    </p:extLst>
   </p:cSld>
   <p:clrMapOvr>
     <a:masterClrMapping/>
@@ -1212,11 +1291,11 @@
 </file>
 
 <file path=ppt/notesSlides/notesSlide6.xml><?xml version="1.0" encoding="utf-8"?>
-<p:notes xmlns:a="http://schemas.openxmlformats.org/drawingml/2006/main" xmlns:r="http://schemas.openxmlformats.org/officeDocument/2006/relationships" xmlns:mc="http://schemas.openxmlformats.org/markup-compatibility/2006" xmlns:mv="urn:schemas-microsoft-com:mac:vml" xmlns:p="http://schemas.openxmlformats.org/presentationml/2006/main" xmlns:c="http://schemas.openxmlformats.org/drawingml/2006/chart" xmlns:dgm="http://schemas.openxmlformats.org/drawingml/2006/diagram" xmlns:o="urn:schemas-microsoft-com:office:office" xmlns:v="urn:schemas-microsoft-com:vml" xmlns:pvml="urn:schemas-microsoft-com:office:powerpoint" xmlns:com="http://schemas.openxmlformats.org/drawingml/2006/compatibility" xmlns:p14="http://schemas.microsoft.com/office/powerpoint/2010/main" xmlns:p15="http://schemas.microsoft.com/office/powerpoint/2012/main" showMasterPhAnim="0" showMasterSp="0">
+<p:notes xmlns:a="http://schemas.openxmlformats.org/drawingml/2006/main" xmlns:r="http://schemas.openxmlformats.org/officeDocument/2006/relationships" xmlns:p="http://schemas.openxmlformats.org/presentationml/2006/main" showMasterSp="0" showMasterPhAnim="0">
   <p:cSld>
     <p:spTree>
       <p:nvGrpSpPr>
-        <p:cNvPr id="133" name="Shape 133"/>
+        <p:cNvPr id="1" name="Shape 133"/>
         <p:cNvGrpSpPr/>
         <p:nvPr/>
       </p:nvGrpSpPr>
@@ -1231,20 +1310,26 @@
       <p:sp>
         <p:nvSpPr>
           <p:cNvPr id="134" name="Google Shape;134;g712596b762_0_28:notes"/>
-          <p:cNvSpPr/>
+          <p:cNvSpPr>
+            <a:spLocks noGrp="1" noRot="1" noChangeAspect="1"/>
+          </p:cNvSpPr>
           <p:nvPr>
-            <p:ph idx="2" type="sldImg"/>
+            <p:ph type="sldImg" idx="2"/>
           </p:nvPr>
         </p:nvSpPr>
         <p:spPr>
           <a:xfrm>
-            <a:off x="381300" y="685800"/>
+            <a:off x="381000" y="685800"/>
             <a:ext cx="6096000" cy="3429000"/>
           </a:xfrm>
           <a:custGeom>
-            <a:rect b="b" l="l" r="r" t="t"/>
+            <a:avLst/>
+            <a:gdLst/>
+            <a:ahLst/>
+            <a:cxnLst/>
+            <a:rect l="l" t="t" r="r" b="b"/>
             <a:pathLst>
-              <a:path extrusionOk="0" h="120000" w="120000">
+              <a:path w="120000" h="120000" extrusionOk="0">
                 <a:moveTo>
                   <a:pt x="0" y="0"/>
                 </a:moveTo>
@@ -1266,9 +1351,11 @@
       <p:sp>
         <p:nvSpPr>
           <p:cNvPr id="135" name="Google Shape;135;g712596b762_0_28:notes"/>
-          <p:cNvSpPr txBox="1"/>
+          <p:cNvSpPr txBox="1">
+            <a:spLocks noGrp="1"/>
+          </p:cNvSpPr>
           <p:nvPr>
-            <p:ph idx="1" type="body"/>
+            <p:ph type="body" idx="1"/>
           </p:nvPr>
         </p:nvSpPr>
         <p:spPr>
@@ -1281,12 +1368,12 @@
           </a:prstGeom>
         </p:spPr>
         <p:txBody>
-          <a:bodyPr anchorCtr="0" anchor="t" bIns="91425" lIns="91425" spcFirstLastPara="1" rIns="91425" wrap="square" tIns="91425">
+          <a:bodyPr spcFirstLastPara="1" wrap="square" lIns="91425" tIns="91425" rIns="91425" bIns="91425" anchor="t" anchorCtr="0">
             <a:noAutofit/>
           </a:bodyPr>
           <a:lstStyle/>
           <a:p>
-            <a:pPr indent="0" lvl="0" marL="0" rtl="0" algn="l">
+            <a:pPr marL="0" lvl="0" indent="0" algn="l" rtl="0">
               <a:spcBef>
                 <a:spcPts val="0"/>
               </a:spcBef>
@@ -1295,14 +1382,16 @@
               </a:spcAft>
               <a:buNone/>
             </a:pPr>
-            <a:r>
-              <a:t/>
-            </a:r>
             <a:endParaRPr/>
           </a:p>
         </p:txBody>
       </p:sp>
     </p:spTree>
+    <p:extLst>
+      <p:ext uri="{BB962C8B-B14F-4D97-AF65-F5344CB8AC3E}">
+        <p14:creationId xmlns:p14="http://schemas.microsoft.com/office/powerpoint/2010/main" val="3062177777"/>
+      </p:ext>
+    </p:extLst>
   </p:cSld>
   <p:clrMapOvr>
     <a:masterClrMapping/>
@@ -1311,18 +1400,19 @@
 </file>
 
 <file path=ppt/slideLayouts/slideLayout1.xml><?xml version="1.0" encoding="utf-8"?>
-<p:sldLayout xmlns:a="http://schemas.openxmlformats.org/drawingml/2006/main" xmlns:r="http://schemas.openxmlformats.org/officeDocument/2006/relationships" xmlns:mc="http://schemas.openxmlformats.org/markup-compatibility/2006" xmlns:mv="urn:schemas-microsoft-com:mac:vml" xmlns:p="http://schemas.openxmlformats.org/presentationml/2006/main" xmlns:c="http://schemas.openxmlformats.org/drawingml/2006/chart" xmlns:dgm="http://schemas.openxmlformats.org/drawingml/2006/diagram" xmlns:o="urn:schemas-microsoft-com:office:office" xmlns:v="urn:schemas-microsoft-com:vml" xmlns:pvml="urn:schemas-microsoft-com:office:powerpoint" xmlns:com="http://schemas.openxmlformats.org/drawingml/2006/compatibility" xmlns:p14="http://schemas.microsoft.com/office/powerpoint/2010/main" xmlns:p15="http://schemas.microsoft.com/office/powerpoint/2012/main" matchingName="Title slide" type="title">
+<p:sldLayout xmlns:a="http://schemas.openxmlformats.org/drawingml/2006/main" xmlns:r="http://schemas.openxmlformats.org/officeDocument/2006/relationships" xmlns:p="http://schemas.openxmlformats.org/presentationml/2006/main" matchingName="Title slide" type="title">
   <p:cSld name="TITLE">
     <p:bg>
       <p:bgPr>
         <a:solidFill>
           <a:schemeClr val="lt2"/>
         </a:solidFill>
+        <a:effectLst/>
       </p:bgPr>
     </p:bg>
     <p:spTree>
       <p:nvGrpSpPr>
-        <p:cNvPr id="9" name="Shape 9"/>
+        <p:cNvPr id="1" name="Shape 9"/>
         <p:cNvGrpSpPr/>
         <p:nvPr/>
       </p:nvGrpSpPr>
@@ -1370,12 +1460,12 @@
             </a:ln>
           </p:spPr>
           <p:txBody>
-            <a:bodyPr anchorCtr="0" anchor="ctr" bIns="91425" lIns="91425" spcFirstLastPara="1" rIns="91425" wrap="square" tIns="91425">
+            <a:bodyPr spcFirstLastPara="1" wrap="square" lIns="91425" tIns="91425" rIns="91425" bIns="91425" anchor="ctr" anchorCtr="0">
               <a:noAutofit/>
             </a:bodyPr>
             <a:lstStyle/>
             <a:p>
-              <a:pPr indent="0" lvl="0" marL="0" rtl="0" algn="l">
+              <a:pPr marL="0" lvl="0" indent="0" algn="l" rtl="0">
                 <a:spcBef>
                   <a:spcPts val="0"/>
                 </a:spcBef>
@@ -1384,9 +1474,6 @@
                 </a:spcAft>
                 <a:buNone/>
               </a:pPr>
-              <a:r>
-                <a:t/>
-              </a:r>
               <a:endParaRPr/>
             </a:p>
           </p:txBody>
@@ -1413,12 +1500,12 @@
             </a:ln>
           </p:spPr>
           <p:txBody>
-            <a:bodyPr anchorCtr="0" anchor="ctr" bIns="91425" lIns="91425" spcFirstLastPara="1" rIns="91425" wrap="square" tIns="91425">
+            <a:bodyPr spcFirstLastPara="1" wrap="square" lIns="91425" tIns="91425" rIns="91425" bIns="91425" anchor="ctr" anchorCtr="0">
               <a:noAutofit/>
             </a:bodyPr>
             <a:lstStyle/>
             <a:p>
-              <a:pPr indent="0" lvl="0" marL="0" rtl="0" algn="l">
+              <a:pPr marL="0" lvl="0" indent="0" algn="l" rtl="0">
                 <a:spcBef>
                   <a:spcPts val="0"/>
                 </a:spcBef>
@@ -1427,9 +1514,6 @@
                 </a:spcAft>
                 <a:buNone/>
               </a:pPr>
-              <a:r>
-                <a:t/>
-              </a:r>
               <a:endParaRPr/>
             </a:p>
           </p:txBody>
@@ -1438,7 +1522,9 @@
       <p:sp>
         <p:nvSpPr>
           <p:cNvPr id="13" name="Google Shape;13;p2"/>
-          <p:cNvSpPr txBox="1"/>
+          <p:cNvSpPr txBox="1">
+            <a:spLocks noGrp="1"/>
+          </p:cNvSpPr>
           <p:nvPr>
             <p:ph type="ctrTitle"/>
           </p:nvPr>
@@ -1453,7 +1539,7 @@
           </a:prstGeom>
         </p:spPr>
         <p:txBody>
-          <a:bodyPr anchorCtr="0" anchor="t" bIns="91425" lIns="91425" spcFirstLastPara="1" rIns="91425" wrap="square" tIns="91425">
+          <a:bodyPr spcFirstLastPara="1" wrap="square" lIns="91425" tIns="91425" rIns="91425" bIns="91425" anchor="t" anchorCtr="0">
             <a:noAutofit/>
           </a:bodyPr>
           <a:lstStyle>
@@ -1620,15 +1706,19 @@
               </a:defRPr>
             </a:lvl9pPr>
           </a:lstStyle>
-          <a:p/>
+          <a:p>
+            <a:endParaRPr/>
+          </a:p>
         </p:txBody>
       </p:sp>
       <p:sp>
         <p:nvSpPr>
           <p:cNvPr id="14" name="Google Shape;14;p2"/>
-          <p:cNvSpPr txBox="1"/>
+          <p:cNvSpPr txBox="1">
+            <a:spLocks noGrp="1"/>
+          </p:cNvSpPr>
           <p:nvPr>
-            <p:ph idx="1" type="subTitle"/>
+            <p:ph type="subTitle" idx="1"/>
           </p:nvPr>
         </p:nvSpPr>
         <p:spPr>
@@ -1641,7 +1731,7 @@
           </a:prstGeom>
         </p:spPr>
         <p:txBody>
-          <a:bodyPr anchorCtr="0" anchor="t" bIns="91425" lIns="91425" spcFirstLastPara="1" rIns="91425" wrap="square" tIns="91425">
+          <a:bodyPr spcFirstLastPara="1" wrap="square" lIns="91425" tIns="91425" rIns="91425" bIns="91425" anchor="t" anchorCtr="0">
             <a:noAutofit/>
           </a:bodyPr>
           <a:lstStyle>
@@ -1772,15 +1862,19 @@
               <a:defRPr sz="1600"/>
             </a:lvl9pPr>
           </a:lstStyle>
-          <a:p/>
+          <a:p>
+            <a:endParaRPr/>
+          </a:p>
         </p:txBody>
       </p:sp>
       <p:sp>
         <p:nvSpPr>
           <p:cNvPr id="15" name="Google Shape;15;p2"/>
-          <p:cNvSpPr txBox="1"/>
+          <p:cNvSpPr txBox="1">
+            <a:spLocks noGrp="1"/>
+          </p:cNvSpPr>
           <p:nvPr>
-            <p:ph idx="12" type="sldNum"/>
+            <p:ph type="sldNum" idx="12"/>
           </p:nvPr>
         </p:nvSpPr>
         <p:spPr>
@@ -1793,7 +1887,7 @@
           </a:prstGeom>
         </p:spPr>
         <p:txBody>
-          <a:bodyPr anchorCtr="0" anchor="ctr" bIns="91425" lIns="91425" spcFirstLastPara="1" rIns="91425" wrap="square" tIns="91425">
+          <a:bodyPr spcFirstLastPara="1" wrap="square" lIns="91425" tIns="91425" rIns="91425" bIns="91425" anchor="ctr" anchorCtr="0">
             <a:noAutofit/>
           </a:bodyPr>
           <a:lstStyle>
@@ -1835,7 +1929,7 @@
             </a:lvl9pPr>
           </a:lstStyle>
           <a:p>
-            <a:pPr indent="0" lvl="0" marL="0" rtl="0" algn="r">
+            <a:pPr marL="0" lvl="0" indent="0" algn="r" rtl="0">
               <a:spcBef>
                 <a:spcPts val="0"/>
               </a:spcBef>
@@ -1861,18 +1955,19 @@
 </file>
 
 <file path=ppt/slideLayouts/slideLayout10.xml><?xml version="1.0" encoding="utf-8"?>
-<p:sldLayout xmlns:a="http://schemas.openxmlformats.org/drawingml/2006/main" xmlns:r="http://schemas.openxmlformats.org/officeDocument/2006/relationships" xmlns:mc="http://schemas.openxmlformats.org/markup-compatibility/2006" xmlns:mv="urn:schemas-microsoft-com:mac:vml" xmlns:p="http://schemas.openxmlformats.org/presentationml/2006/main" xmlns:c="http://schemas.openxmlformats.org/drawingml/2006/chart" xmlns:dgm="http://schemas.openxmlformats.org/drawingml/2006/diagram" xmlns:o="urn:schemas-microsoft-com:office:office" xmlns:v="urn:schemas-microsoft-com:vml" xmlns:pvml="urn:schemas-microsoft-com:office:powerpoint" xmlns:com="http://schemas.openxmlformats.org/drawingml/2006/compatibility" xmlns:p14="http://schemas.microsoft.com/office/powerpoint/2010/main" xmlns:p15="http://schemas.microsoft.com/office/powerpoint/2012/main" matchingName="Big number">
+<p:sldLayout xmlns:a="http://schemas.openxmlformats.org/drawingml/2006/main" xmlns:r="http://schemas.openxmlformats.org/officeDocument/2006/relationships" xmlns:p="http://schemas.openxmlformats.org/presentationml/2006/main" matchingName="Big number">
   <p:cSld name="BIG_NUMBER">
     <p:bg>
       <p:bgPr>
         <a:solidFill>
           <a:schemeClr val="dk1"/>
         </a:solidFill>
+        <a:effectLst/>
       </p:bgPr>
     </p:bg>
     <p:spTree>
       <p:nvGrpSpPr>
-        <p:cNvPr id="82" name="Shape 82"/>
+        <p:cNvPr id="1" name="Shape 82"/>
         <p:cNvGrpSpPr/>
         <p:nvPr/>
       </p:nvGrpSpPr>
@@ -1906,12 +2001,12 @@
           </a:ln>
         </p:spPr>
         <p:txBody>
-          <a:bodyPr anchorCtr="0" anchor="ctr" bIns="91425" lIns="91425" spcFirstLastPara="1" rIns="91425" wrap="square" tIns="91425">
+          <a:bodyPr spcFirstLastPara="1" wrap="square" lIns="91425" tIns="91425" rIns="91425" bIns="91425" anchor="ctr" anchorCtr="0">
             <a:noAutofit/>
           </a:bodyPr>
           <a:lstStyle/>
           <a:p>
-            <a:pPr indent="0" lvl="0" marL="0" rtl="0" algn="l">
+            <a:pPr marL="0" lvl="0" indent="0" algn="l" rtl="0">
               <a:spcBef>
                 <a:spcPts val="0"/>
               </a:spcBef>
@@ -1920,9 +2015,6 @@
               </a:spcAft>
               <a:buNone/>
             </a:pPr>
-            <a:r>
-              <a:t/>
-            </a:r>
             <a:endParaRPr/>
           </a:p>
         </p:txBody>
@@ -1937,7 +2029,7 @@
           <a:blip r:embed="rId2">
             <a:alphaModFix/>
           </a:blip>
-          <a:srcRect b="31682" l="16874" r="16874" t="31678"/>
+          <a:srcRect l="16874" t="31678" r="16874" b="31682"/>
           <a:stretch/>
         </p:blipFill>
         <p:spPr>
@@ -1990,12 +2082,12 @@
             </a:ln>
           </p:spPr>
           <p:txBody>
-            <a:bodyPr anchorCtr="0" anchor="ctr" bIns="91425" lIns="91425" spcFirstLastPara="1" rIns="91425" wrap="square" tIns="91425">
+            <a:bodyPr spcFirstLastPara="1" wrap="square" lIns="91425" tIns="91425" rIns="91425" bIns="91425" anchor="ctr" anchorCtr="0">
               <a:noAutofit/>
             </a:bodyPr>
             <a:lstStyle/>
             <a:p>
-              <a:pPr indent="0" lvl="0" marL="0" rtl="0" algn="l">
+              <a:pPr marL="0" lvl="0" indent="0" algn="l" rtl="0">
                 <a:spcBef>
                   <a:spcPts val="0"/>
                 </a:spcBef>
@@ -2004,9 +2096,6 @@
                 </a:spcAft>
                 <a:buNone/>
               </a:pPr>
-              <a:r>
-                <a:t/>
-              </a:r>
               <a:endParaRPr/>
             </a:p>
           </p:txBody>
@@ -2033,12 +2122,12 @@
             </a:ln>
           </p:spPr>
           <p:txBody>
-            <a:bodyPr anchorCtr="0" anchor="ctr" bIns="91425" lIns="91425" spcFirstLastPara="1" rIns="91425" wrap="square" tIns="91425">
+            <a:bodyPr spcFirstLastPara="1" wrap="square" lIns="91425" tIns="91425" rIns="91425" bIns="91425" anchor="ctr" anchorCtr="0">
               <a:noAutofit/>
             </a:bodyPr>
             <a:lstStyle/>
             <a:p>
-              <a:pPr indent="0" lvl="0" marL="0" rtl="0" algn="l">
+              <a:pPr marL="0" lvl="0" indent="0" algn="l" rtl="0">
                 <a:spcBef>
                   <a:spcPts val="0"/>
                 </a:spcBef>
@@ -2047,9 +2136,6 @@
                 </a:spcAft>
                 <a:buNone/>
               </a:pPr>
-              <a:r>
-                <a:t/>
-              </a:r>
               <a:endParaRPr/>
             </a:p>
           </p:txBody>
@@ -2058,9 +2144,11 @@
       <p:sp>
         <p:nvSpPr>
           <p:cNvPr id="88" name="Google Shape;88;p11"/>
-          <p:cNvSpPr txBox="1"/>
+          <p:cNvSpPr txBox="1">
+            <a:spLocks noGrp="1"/>
+          </p:cNvSpPr>
           <p:nvPr>
-            <p:ph hasCustomPrompt="1" type="title"/>
+            <p:ph type="title" hasCustomPrompt="1"/>
           </p:nvPr>
         </p:nvSpPr>
         <p:spPr>
@@ -2073,7 +2161,7 @@
           </a:prstGeom>
         </p:spPr>
         <p:txBody>
-          <a:bodyPr anchorCtr="0" anchor="t" bIns="91425" lIns="91425" spcFirstLastPara="1" rIns="91425" wrap="square" tIns="91425">
+          <a:bodyPr spcFirstLastPara="1" wrap="square" lIns="91425" tIns="91425" rIns="91425" bIns="91425" anchor="t" anchorCtr="0">
             <a:noAutofit/>
           </a:bodyPr>
           <a:lstStyle>
@@ -2250,9 +2338,11 @@
       <p:sp>
         <p:nvSpPr>
           <p:cNvPr id="89" name="Google Shape;89;p11"/>
-          <p:cNvSpPr txBox="1"/>
+          <p:cNvSpPr txBox="1">
+            <a:spLocks noGrp="1"/>
+          </p:cNvSpPr>
           <p:nvPr>
-            <p:ph idx="1" type="body"/>
+            <p:ph type="body" idx="1"/>
           </p:nvPr>
         </p:nvSpPr>
         <p:spPr>
@@ -2265,11 +2355,11 @@
           </a:prstGeom>
         </p:spPr>
         <p:txBody>
-          <a:bodyPr anchorCtr="0" anchor="t" bIns="91425" lIns="91425" spcFirstLastPara="1" rIns="91425" wrap="square" tIns="91425">
+          <a:bodyPr spcFirstLastPara="1" wrap="square" lIns="91425" tIns="91425" rIns="91425" bIns="91425" anchor="t" anchorCtr="0">
             <a:noAutofit/>
           </a:bodyPr>
           <a:lstStyle>
-            <a:lvl1pPr indent="-311150" lvl="0" marL="457200">
+            <a:lvl1pPr marL="457200" lvl="0" indent="-311150">
               <a:spcBef>
                 <a:spcPts val="0"/>
               </a:spcBef>
@@ -2287,7 +2377,7 @@
                 </a:solidFill>
               </a:defRPr>
             </a:lvl1pPr>
-            <a:lvl2pPr indent="-298450" lvl="1" marL="914400">
+            <a:lvl2pPr marL="914400" lvl="1" indent="-298450">
               <a:spcBef>
                 <a:spcPts val="1600"/>
               </a:spcBef>
@@ -2305,7 +2395,7 @@
                 </a:solidFill>
               </a:defRPr>
             </a:lvl2pPr>
-            <a:lvl3pPr indent="-298450" lvl="2" marL="1371600">
+            <a:lvl3pPr marL="1371600" lvl="2" indent="-298450">
               <a:spcBef>
                 <a:spcPts val="1600"/>
               </a:spcBef>
@@ -2323,7 +2413,7 @@
                 </a:solidFill>
               </a:defRPr>
             </a:lvl3pPr>
-            <a:lvl4pPr indent="-298450" lvl="3" marL="1828800">
+            <a:lvl4pPr marL="1828800" lvl="3" indent="-298450">
               <a:spcBef>
                 <a:spcPts val="1600"/>
               </a:spcBef>
@@ -2341,7 +2431,7 @@
                 </a:solidFill>
               </a:defRPr>
             </a:lvl4pPr>
-            <a:lvl5pPr indent="-298450" lvl="4" marL="2286000">
+            <a:lvl5pPr marL="2286000" lvl="4" indent="-298450">
               <a:spcBef>
                 <a:spcPts val="1600"/>
               </a:spcBef>
@@ -2359,7 +2449,7 @@
                 </a:solidFill>
               </a:defRPr>
             </a:lvl5pPr>
-            <a:lvl6pPr indent="-298450" lvl="5" marL="2743200">
+            <a:lvl6pPr marL="2743200" lvl="5" indent="-298450">
               <a:spcBef>
                 <a:spcPts val="1600"/>
               </a:spcBef>
@@ -2377,7 +2467,7 @@
                 </a:solidFill>
               </a:defRPr>
             </a:lvl6pPr>
-            <a:lvl7pPr indent="-298450" lvl="6" marL="3200400">
+            <a:lvl7pPr marL="3200400" lvl="6" indent="-298450">
               <a:spcBef>
                 <a:spcPts val="1600"/>
               </a:spcBef>
@@ -2395,7 +2485,7 @@
                 </a:solidFill>
               </a:defRPr>
             </a:lvl7pPr>
-            <a:lvl8pPr indent="-298450" lvl="7" marL="3657600">
+            <a:lvl8pPr marL="3657600" lvl="7" indent="-298450">
               <a:spcBef>
                 <a:spcPts val="1600"/>
               </a:spcBef>
@@ -2413,7 +2503,7 @@
                 </a:solidFill>
               </a:defRPr>
             </a:lvl8pPr>
-            <a:lvl9pPr indent="-298450" lvl="8" marL="4114800">
+            <a:lvl9pPr marL="4114800" lvl="8" indent="-298450">
               <a:spcBef>
                 <a:spcPts val="1600"/>
               </a:spcBef>
@@ -2432,15 +2522,19 @@
               </a:defRPr>
             </a:lvl9pPr>
           </a:lstStyle>
-          <a:p/>
+          <a:p>
+            <a:endParaRPr/>
+          </a:p>
         </p:txBody>
       </p:sp>
       <p:sp>
         <p:nvSpPr>
           <p:cNvPr id="90" name="Google Shape;90;p11"/>
-          <p:cNvSpPr txBox="1"/>
+          <p:cNvSpPr txBox="1">
+            <a:spLocks noGrp="1"/>
+          </p:cNvSpPr>
           <p:nvPr>
-            <p:ph idx="12" type="sldNum"/>
+            <p:ph type="sldNum" idx="12"/>
           </p:nvPr>
         </p:nvSpPr>
         <p:spPr>
@@ -2453,7 +2547,7 @@
           </a:prstGeom>
         </p:spPr>
         <p:txBody>
-          <a:bodyPr anchorCtr="0" anchor="ctr" bIns="91425" lIns="91425" spcFirstLastPara="1" rIns="91425" wrap="square" tIns="91425">
+          <a:bodyPr spcFirstLastPara="1" wrap="square" lIns="91425" tIns="91425" rIns="91425" bIns="91425" anchor="ctr" anchorCtr="0">
             <a:noAutofit/>
           </a:bodyPr>
           <a:lstStyle>
@@ -2531,7 +2625,7 @@
             </a:lvl9pPr>
           </a:lstStyle>
           <a:p>
-            <a:pPr indent="0" lvl="0" marL="0" rtl="0" algn="r">
+            <a:pPr marL="0" lvl="0" indent="0" algn="r" rtl="0">
               <a:spcBef>
                 <a:spcPts val="0"/>
               </a:spcBef>
@@ -2557,11 +2651,11 @@
 </file>
 
 <file path=ppt/slideLayouts/slideLayout11.xml><?xml version="1.0" encoding="utf-8"?>
-<p:sldLayout xmlns:a="http://schemas.openxmlformats.org/drawingml/2006/main" xmlns:r="http://schemas.openxmlformats.org/officeDocument/2006/relationships" xmlns:mc="http://schemas.openxmlformats.org/markup-compatibility/2006" xmlns:mv="urn:schemas-microsoft-com:mac:vml" xmlns:p="http://schemas.openxmlformats.org/presentationml/2006/main" xmlns:c="http://schemas.openxmlformats.org/drawingml/2006/chart" xmlns:dgm="http://schemas.openxmlformats.org/drawingml/2006/diagram" xmlns:o="urn:schemas-microsoft-com:office:office" xmlns:v="urn:schemas-microsoft-com:vml" xmlns:pvml="urn:schemas-microsoft-com:office:powerpoint" xmlns:com="http://schemas.openxmlformats.org/drawingml/2006/compatibility" xmlns:p14="http://schemas.microsoft.com/office/powerpoint/2010/main" xmlns:p15="http://schemas.microsoft.com/office/powerpoint/2012/main" matchingName="Ayiti Analytics Steamline Theme" type="blank">
+<p:sldLayout xmlns:a="http://schemas.openxmlformats.org/drawingml/2006/main" xmlns:r="http://schemas.openxmlformats.org/officeDocument/2006/relationships" xmlns:p="http://schemas.openxmlformats.org/presentationml/2006/main" matchingName="Ayiti Analytics Steamline Theme" type="blank">
   <p:cSld name="BLANK">
     <p:spTree>
       <p:nvGrpSpPr>
-        <p:cNvPr id="91" name="Shape 91"/>
+        <p:cNvPr id="1" name="Shape 91"/>
         <p:cNvGrpSpPr/>
         <p:nvPr/>
       </p:nvGrpSpPr>
@@ -2576,9 +2670,11 @@
       <p:sp>
         <p:nvSpPr>
           <p:cNvPr id="92" name="Google Shape;92;p12"/>
-          <p:cNvSpPr txBox="1"/>
+          <p:cNvSpPr txBox="1">
+            <a:spLocks noGrp="1"/>
+          </p:cNvSpPr>
           <p:nvPr>
-            <p:ph idx="12" type="sldNum"/>
+            <p:ph type="sldNum" idx="12"/>
           </p:nvPr>
         </p:nvSpPr>
         <p:spPr>
@@ -2591,7 +2687,7 @@
           </a:prstGeom>
         </p:spPr>
         <p:txBody>
-          <a:bodyPr anchorCtr="0" anchor="ctr" bIns="91425" lIns="91425" spcFirstLastPara="1" rIns="91425" wrap="square" tIns="91425">
+          <a:bodyPr spcFirstLastPara="1" wrap="square" lIns="91425" tIns="91425" rIns="91425" bIns="91425" anchor="ctr" anchorCtr="0">
             <a:noAutofit/>
           </a:bodyPr>
           <a:lstStyle>
@@ -2633,7 +2729,7 @@
             </a:lvl9pPr>
           </a:lstStyle>
           <a:p>
-            <a:pPr indent="0" lvl="0" marL="0" rtl="0" algn="r">
+            <a:pPr marL="0" lvl="0" indent="0" algn="r" rtl="0">
               <a:spcBef>
                 <a:spcPts val="0"/>
               </a:spcBef>
@@ -2660,7 +2756,7 @@
           <a:blip r:embed="rId2">
             <a:alphaModFix/>
           </a:blip>
-          <a:srcRect b="31682" l="16874" r="16874" t="31678"/>
+          <a:srcRect l="16874" t="31678" r="16874" b="31682"/>
           <a:stretch/>
         </p:blipFill>
         <p:spPr>
@@ -2686,11 +2782,11 @@
 </file>
 
 <file path=ppt/slideLayouts/slideLayout12.xml><?xml version="1.0" encoding="utf-8"?>
-<p:sldLayout xmlns:a="http://schemas.openxmlformats.org/drawingml/2006/main" xmlns:r="http://schemas.openxmlformats.org/officeDocument/2006/relationships" xmlns:mc="http://schemas.openxmlformats.org/markup-compatibility/2006" xmlns:mv="urn:schemas-microsoft-com:mac:vml" xmlns:p="http://schemas.openxmlformats.org/presentationml/2006/main" xmlns:c="http://schemas.openxmlformats.org/drawingml/2006/chart" xmlns:dgm="http://schemas.openxmlformats.org/drawingml/2006/diagram" xmlns:o="urn:schemas-microsoft-com:office:office" xmlns:v="urn:schemas-microsoft-com:vml" xmlns:pvml="urn:schemas-microsoft-com:office:powerpoint" xmlns:com="http://schemas.openxmlformats.org/drawingml/2006/compatibility" xmlns:p14="http://schemas.microsoft.com/office/powerpoint/2010/main" xmlns:p15="http://schemas.microsoft.com/office/powerpoint/2012/main" matchingName="Title and Content" type="obj">
+<p:sldLayout xmlns:a="http://schemas.openxmlformats.org/drawingml/2006/main" xmlns:r="http://schemas.openxmlformats.org/officeDocument/2006/relationships" xmlns:p="http://schemas.openxmlformats.org/presentationml/2006/main" matchingName="Title and Content" type="obj">
   <p:cSld name="OBJECT">
     <p:spTree>
       <p:nvGrpSpPr>
-        <p:cNvPr id="94" name="Shape 94"/>
+        <p:cNvPr id="1" name="Shape 94"/>
         <p:cNvGrpSpPr/>
         <p:nvPr/>
       </p:nvGrpSpPr>
@@ -2705,7 +2801,9 @@
       <p:sp>
         <p:nvSpPr>
           <p:cNvPr id="95" name="Google Shape;95;p13"/>
-          <p:cNvSpPr txBox="1"/>
+          <p:cNvSpPr txBox="1">
+            <a:spLocks noGrp="1"/>
+          </p:cNvSpPr>
           <p:nvPr>
             <p:ph type="title"/>
           </p:nvPr>
@@ -2724,11 +2822,11 @@
           </a:ln>
         </p:spPr>
         <p:txBody>
-          <a:bodyPr anchorCtr="0" anchor="ctr" bIns="34275" lIns="68575" spcFirstLastPara="1" rIns="68575" wrap="square" tIns="34275">
+          <a:bodyPr spcFirstLastPara="1" wrap="square" lIns="68575" tIns="34275" rIns="68575" bIns="34275" anchor="ctr" anchorCtr="0">
             <a:noAutofit/>
           </a:bodyPr>
           <a:lstStyle>
-            <a:lvl1pPr lvl="0" rtl="0" algn="l">
+            <a:lvl1pPr lvl="0" algn="l" rtl="0">
               <a:lnSpc>
                 <a:spcPct val="90000"/>
               </a:lnSpc>
@@ -2834,15 +2932,19 @@
               <a:defRPr/>
             </a:lvl9pPr>
           </a:lstStyle>
-          <a:p/>
+          <a:p>
+            <a:endParaRPr/>
+          </a:p>
         </p:txBody>
       </p:sp>
       <p:sp>
         <p:nvSpPr>
           <p:cNvPr id="96" name="Google Shape;96;p13"/>
-          <p:cNvSpPr txBox="1"/>
+          <p:cNvSpPr txBox="1">
+            <a:spLocks noGrp="1"/>
+          </p:cNvSpPr>
           <p:nvPr>
-            <p:ph idx="1" type="body"/>
+            <p:ph type="body" idx="1"/>
           </p:nvPr>
         </p:nvSpPr>
         <p:spPr>
@@ -2859,11 +2961,11 @@
           </a:ln>
         </p:spPr>
         <p:txBody>
-          <a:bodyPr anchorCtr="0" anchor="t" bIns="34275" lIns="68575" spcFirstLastPara="1" rIns="68575" wrap="square" tIns="34275">
+          <a:bodyPr spcFirstLastPara="1" wrap="square" lIns="68575" tIns="34275" rIns="68575" bIns="34275" anchor="t" anchorCtr="0">
             <a:noAutofit/>
           </a:bodyPr>
           <a:lstStyle>
-            <a:lvl1pPr indent="-317500" lvl="0" marL="457200" rtl="0" algn="l">
+            <a:lvl1pPr marL="457200" lvl="0" indent="-317500" algn="l" rtl="0">
               <a:lnSpc>
                 <a:spcPct val="90000"/>
               </a:lnSpc>
@@ -2880,7 +2982,7 @@
               <a:buChar char="●"/>
               <a:defRPr/>
             </a:lvl1pPr>
-            <a:lvl2pPr indent="-317500" lvl="1" marL="914400" rtl="0" algn="l">
+            <a:lvl2pPr marL="914400" lvl="1" indent="-317500" algn="l" rtl="0">
               <a:lnSpc>
                 <a:spcPct val="90000"/>
               </a:lnSpc>
@@ -2897,7 +2999,7 @@
               <a:buChar char="○"/>
               <a:defRPr/>
             </a:lvl2pPr>
-            <a:lvl3pPr indent="-317500" lvl="2" marL="1371600" rtl="0" algn="l">
+            <a:lvl3pPr marL="1371600" lvl="2" indent="-317500" algn="l" rtl="0">
               <a:lnSpc>
                 <a:spcPct val="90000"/>
               </a:lnSpc>
@@ -2914,7 +3016,7 @@
               <a:buChar char="■"/>
               <a:defRPr/>
             </a:lvl3pPr>
-            <a:lvl4pPr indent="-317500" lvl="3" marL="1828800" rtl="0" algn="l">
+            <a:lvl4pPr marL="1828800" lvl="3" indent="-317500" algn="l" rtl="0">
               <a:lnSpc>
                 <a:spcPct val="90000"/>
               </a:lnSpc>
@@ -2931,7 +3033,7 @@
               <a:buChar char="●"/>
               <a:defRPr/>
             </a:lvl4pPr>
-            <a:lvl5pPr indent="-317500" lvl="4" marL="2286000" rtl="0" algn="l">
+            <a:lvl5pPr marL="2286000" lvl="4" indent="-317500" algn="l" rtl="0">
               <a:lnSpc>
                 <a:spcPct val="90000"/>
               </a:lnSpc>
@@ -2948,7 +3050,7 @@
               <a:buChar char="○"/>
               <a:defRPr/>
             </a:lvl5pPr>
-            <a:lvl6pPr indent="-317500" lvl="5" marL="2743200" rtl="0" algn="l">
+            <a:lvl6pPr marL="2743200" lvl="5" indent="-317500" algn="l" rtl="0">
               <a:lnSpc>
                 <a:spcPct val="90000"/>
               </a:lnSpc>
@@ -2965,7 +3067,7 @@
               <a:buChar char="■"/>
               <a:defRPr/>
             </a:lvl6pPr>
-            <a:lvl7pPr indent="-317500" lvl="6" marL="3200400" rtl="0" algn="l">
+            <a:lvl7pPr marL="3200400" lvl="6" indent="-317500" algn="l" rtl="0">
               <a:lnSpc>
                 <a:spcPct val="90000"/>
               </a:lnSpc>
@@ -2982,7 +3084,7 @@
               <a:buChar char="●"/>
               <a:defRPr/>
             </a:lvl7pPr>
-            <a:lvl8pPr indent="-317500" lvl="7" marL="3657600" rtl="0" algn="l">
+            <a:lvl8pPr marL="3657600" lvl="7" indent="-317500" algn="l" rtl="0">
               <a:lnSpc>
                 <a:spcPct val="90000"/>
               </a:lnSpc>
@@ -2999,7 +3101,7 @@
               <a:buChar char="○"/>
               <a:defRPr/>
             </a:lvl8pPr>
-            <a:lvl9pPr indent="-317500" lvl="8" marL="4114800" rtl="0" algn="l">
+            <a:lvl9pPr marL="4114800" lvl="8" indent="-317500" algn="l" rtl="0">
               <a:lnSpc>
                 <a:spcPct val="90000"/>
               </a:lnSpc>
@@ -3017,15 +3119,19 @@
               <a:defRPr/>
             </a:lvl9pPr>
           </a:lstStyle>
-          <a:p/>
+          <a:p>
+            <a:endParaRPr/>
+          </a:p>
         </p:txBody>
       </p:sp>
       <p:sp>
         <p:nvSpPr>
           <p:cNvPr id="97" name="Google Shape;97;p13"/>
-          <p:cNvSpPr txBox="1"/>
+          <p:cNvSpPr txBox="1">
+            <a:spLocks noGrp="1"/>
+          </p:cNvSpPr>
           <p:nvPr>
-            <p:ph idx="10" type="dt"/>
+            <p:ph type="dt" idx="10"/>
           </p:nvPr>
         </p:nvSpPr>
         <p:spPr>
@@ -3042,11 +3148,11 @@
           </a:ln>
         </p:spPr>
         <p:txBody>
-          <a:bodyPr anchorCtr="0" anchor="ctr" bIns="34275" lIns="68575" spcFirstLastPara="1" rIns="68575" wrap="square" tIns="34275">
+          <a:bodyPr spcFirstLastPara="1" wrap="square" lIns="68575" tIns="34275" rIns="68575" bIns="34275" anchor="ctr" anchorCtr="0">
             <a:noAutofit/>
           </a:bodyPr>
           <a:lstStyle>
-            <a:lvl1pPr lvl="0" rtl="0" algn="l">
+            <a:lvl1pPr lvl="0" algn="l" rtl="0">
               <a:spcBef>
                 <a:spcPts val="0"/>
               </a:spcBef>
@@ -3057,7 +3163,7 @@
               <a:buNone/>
               <a:defRPr sz="1100"/>
             </a:lvl1pPr>
-            <a:lvl2pPr lvl="1" rtl="0" algn="l">
+            <a:lvl2pPr lvl="1" algn="l" rtl="0">
               <a:spcBef>
                 <a:spcPts val="0"/>
               </a:spcBef>
@@ -3068,7 +3174,7 @@
               <a:buNone/>
               <a:defRPr sz="1100"/>
             </a:lvl2pPr>
-            <a:lvl3pPr lvl="2" rtl="0" algn="l">
+            <a:lvl3pPr lvl="2" algn="l" rtl="0">
               <a:spcBef>
                 <a:spcPts val="0"/>
               </a:spcBef>
@@ -3079,7 +3185,7 @@
               <a:buNone/>
               <a:defRPr sz="1100"/>
             </a:lvl3pPr>
-            <a:lvl4pPr lvl="3" rtl="0" algn="l">
+            <a:lvl4pPr lvl="3" algn="l" rtl="0">
               <a:spcBef>
                 <a:spcPts val="0"/>
               </a:spcBef>
@@ -3090,7 +3196,7 @@
               <a:buNone/>
               <a:defRPr sz="1100"/>
             </a:lvl4pPr>
-            <a:lvl5pPr lvl="4" rtl="0" algn="l">
+            <a:lvl5pPr lvl="4" algn="l" rtl="0">
               <a:spcBef>
                 <a:spcPts val="0"/>
               </a:spcBef>
@@ -3101,7 +3207,7 @@
               <a:buNone/>
               <a:defRPr sz="1100"/>
             </a:lvl5pPr>
-            <a:lvl6pPr lvl="5" rtl="0" algn="l">
+            <a:lvl6pPr lvl="5" algn="l" rtl="0">
               <a:spcBef>
                 <a:spcPts val="0"/>
               </a:spcBef>
@@ -3112,7 +3218,7 @@
               <a:buNone/>
               <a:defRPr sz="1100"/>
             </a:lvl6pPr>
-            <a:lvl7pPr lvl="6" rtl="0" algn="l">
+            <a:lvl7pPr lvl="6" algn="l" rtl="0">
               <a:spcBef>
                 <a:spcPts val="0"/>
               </a:spcBef>
@@ -3123,7 +3229,7 @@
               <a:buNone/>
               <a:defRPr sz="1100"/>
             </a:lvl7pPr>
-            <a:lvl8pPr lvl="7" rtl="0" algn="l">
+            <a:lvl8pPr lvl="7" algn="l" rtl="0">
               <a:spcBef>
                 <a:spcPts val="0"/>
               </a:spcBef>
@@ -3134,7 +3240,7 @@
               <a:buNone/>
               <a:defRPr sz="1100"/>
             </a:lvl8pPr>
-            <a:lvl9pPr lvl="8" rtl="0" algn="l">
+            <a:lvl9pPr lvl="8" algn="l" rtl="0">
               <a:spcBef>
                 <a:spcPts val="0"/>
               </a:spcBef>
@@ -3146,15 +3252,19 @@
               <a:defRPr sz="1100"/>
             </a:lvl9pPr>
           </a:lstStyle>
-          <a:p/>
+          <a:p>
+            <a:endParaRPr/>
+          </a:p>
         </p:txBody>
       </p:sp>
       <p:sp>
         <p:nvSpPr>
           <p:cNvPr id="98" name="Google Shape;98;p13"/>
-          <p:cNvSpPr txBox="1"/>
+          <p:cNvSpPr txBox="1">
+            <a:spLocks noGrp="1"/>
+          </p:cNvSpPr>
           <p:nvPr>
-            <p:ph idx="11" type="ftr"/>
+            <p:ph type="ftr" idx="11"/>
           </p:nvPr>
         </p:nvSpPr>
         <p:spPr>
@@ -3171,11 +3281,11 @@
           </a:ln>
         </p:spPr>
         <p:txBody>
-          <a:bodyPr anchorCtr="0" anchor="ctr" bIns="34275" lIns="68575" spcFirstLastPara="1" rIns="68575" wrap="square" tIns="34275">
+          <a:bodyPr spcFirstLastPara="1" wrap="square" lIns="68575" tIns="34275" rIns="68575" bIns="34275" anchor="ctr" anchorCtr="0">
             <a:noAutofit/>
           </a:bodyPr>
           <a:lstStyle>
-            <a:lvl1pPr lvl="0" rtl="0" algn="ctr">
+            <a:lvl1pPr lvl="0" algn="ctr" rtl="0">
               <a:spcBef>
                 <a:spcPts val="0"/>
               </a:spcBef>
@@ -3186,7 +3296,7 @@
               <a:buNone/>
               <a:defRPr sz="1100"/>
             </a:lvl1pPr>
-            <a:lvl2pPr lvl="1" rtl="0" algn="l">
+            <a:lvl2pPr lvl="1" algn="l" rtl="0">
               <a:spcBef>
                 <a:spcPts val="0"/>
               </a:spcBef>
@@ -3197,7 +3307,7 @@
               <a:buNone/>
               <a:defRPr sz="1100"/>
             </a:lvl2pPr>
-            <a:lvl3pPr lvl="2" rtl="0" algn="l">
+            <a:lvl3pPr lvl="2" algn="l" rtl="0">
               <a:spcBef>
                 <a:spcPts val="0"/>
               </a:spcBef>
@@ -3208,7 +3318,7 @@
               <a:buNone/>
               <a:defRPr sz="1100"/>
             </a:lvl3pPr>
-            <a:lvl4pPr lvl="3" rtl="0" algn="l">
+            <a:lvl4pPr lvl="3" algn="l" rtl="0">
               <a:spcBef>
                 <a:spcPts val="0"/>
               </a:spcBef>
@@ -3219,7 +3329,7 @@
               <a:buNone/>
               <a:defRPr sz="1100"/>
             </a:lvl4pPr>
-            <a:lvl5pPr lvl="4" rtl="0" algn="l">
+            <a:lvl5pPr lvl="4" algn="l" rtl="0">
               <a:spcBef>
                 <a:spcPts val="0"/>
               </a:spcBef>
@@ -3230,7 +3340,7 @@
               <a:buNone/>
               <a:defRPr sz="1100"/>
             </a:lvl5pPr>
-            <a:lvl6pPr lvl="5" rtl="0" algn="l">
+            <a:lvl6pPr lvl="5" algn="l" rtl="0">
               <a:spcBef>
                 <a:spcPts val="0"/>
               </a:spcBef>
@@ -3241,7 +3351,7 @@
               <a:buNone/>
               <a:defRPr sz="1100"/>
             </a:lvl6pPr>
-            <a:lvl7pPr lvl="6" rtl="0" algn="l">
+            <a:lvl7pPr lvl="6" algn="l" rtl="0">
               <a:spcBef>
                 <a:spcPts val="0"/>
               </a:spcBef>
@@ -3252,7 +3362,7 @@
               <a:buNone/>
               <a:defRPr sz="1100"/>
             </a:lvl7pPr>
-            <a:lvl8pPr lvl="7" rtl="0" algn="l">
+            <a:lvl8pPr lvl="7" algn="l" rtl="0">
               <a:spcBef>
                 <a:spcPts val="0"/>
               </a:spcBef>
@@ -3263,7 +3373,7 @@
               <a:buNone/>
               <a:defRPr sz="1100"/>
             </a:lvl8pPr>
-            <a:lvl9pPr lvl="8" rtl="0" algn="l">
+            <a:lvl9pPr lvl="8" algn="l" rtl="0">
               <a:spcBef>
                 <a:spcPts val="0"/>
               </a:spcBef>
@@ -3275,15 +3385,19 @@
               <a:defRPr sz="1100"/>
             </a:lvl9pPr>
           </a:lstStyle>
-          <a:p/>
+          <a:p>
+            <a:endParaRPr/>
+          </a:p>
         </p:txBody>
       </p:sp>
       <p:sp>
         <p:nvSpPr>
           <p:cNvPr id="99" name="Google Shape;99;p13"/>
-          <p:cNvSpPr txBox="1"/>
+          <p:cNvSpPr txBox="1">
+            <a:spLocks noGrp="1"/>
+          </p:cNvSpPr>
           <p:nvPr>
-            <p:ph idx="12" type="sldNum"/>
+            <p:ph type="sldNum" idx="12"/>
           </p:nvPr>
         </p:nvSpPr>
         <p:spPr>
@@ -3300,67 +3414,67 @@
           </a:ln>
         </p:spPr>
         <p:txBody>
-          <a:bodyPr anchorCtr="0" anchor="ctr" bIns="34275" lIns="68575" spcFirstLastPara="1" rIns="68575" wrap="square" tIns="34275">
+          <a:bodyPr spcFirstLastPara="1" wrap="square" lIns="68575" tIns="34275" rIns="68575" bIns="34275" anchor="ctr" anchorCtr="0">
             <a:noAutofit/>
           </a:bodyPr>
           <a:lstStyle>
-            <a:lvl1pPr indent="0" lvl="0" marL="0" rtl="0" algn="r">
+            <a:lvl1pPr marL="0" lvl="0" indent="0" algn="r" rtl="0">
               <a:spcBef>
                 <a:spcPts val="0"/>
               </a:spcBef>
               <a:buNone/>
               <a:defRPr/>
             </a:lvl1pPr>
-            <a:lvl2pPr indent="0" lvl="1" marL="0" rtl="0" algn="r">
+            <a:lvl2pPr marL="0" lvl="1" indent="0" algn="r" rtl="0">
               <a:spcBef>
                 <a:spcPts val="0"/>
               </a:spcBef>
               <a:buNone/>
               <a:defRPr/>
             </a:lvl2pPr>
-            <a:lvl3pPr indent="0" lvl="2" marL="0" rtl="0" algn="r">
+            <a:lvl3pPr marL="0" lvl="2" indent="0" algn="r" rtl="0">
               <a:spcBef>
                 <a:spcPts val="0"/>
               </a:spcBef>
               <a:buNone/>
               <a:defRPr/>
             </a:lvl3pPr>
-            <a:lvl4pPr indent="0" lvl="3" marL="0" rtl="0" algn="r">
+            <a:lvl4pPr marL="0" lvl="3" indent="0" algn="r" rtl="0">
               <a:spcBef>
                 <a:spcPts val="0"/>
               </a:spcBef>
               <a:buNone/>
               <a:defRPr/>
             </a:lvl4pPr>
-            <a:lvl5pPr indent="0" lvl="4" marL="0" rtl="0" algn="r">
+            <a:lvl5pPr marL="0" lvl="4" indent="0" algn="r" rtl="0">
               <a:spcBef>
                 <a:spcPts val="0"/>
               </a:spcBef>
               <a:buNone/>
               <a:defRPr/>
             </a:lvl5pPr>
-            <a:lvl6pPr indent="0" lvl="5" marL="0" rtl="0" algn="r">
+            <a:lvl6pPr marL="0" lvl="5" indent="0" algn="r" rtl="0">
               <a:spcBef>
                 <a:spcPts val="0"/>
               </a:spcBef>
               <a:buNone/>
               <a:defRPr/>
             </a:lvl6pPr>
-            <a:lvl7pPr indent="0" lvl="6" marL="0" rtl="0" algn="r">
+            <a:lvl7pPr marL="0" lvl="6" indent="0" algn="r" rtl="0">
               <a:spcBef>
                 <a:spcPts val="0"/>
               </a:spcBef>
               <a:buNone/>
               <a:defRPr/>
             </a:lvl7pPr>
-            <a:lvl8pPr indent="0" lvl="7" marL="0" rtl="0" algn="r">
+            <a:lvl8pPr marL="0" lvl="7" indent="0" algn="r" rtl="0">
               <a:spcBef>
                 <a:spcPts val="0"/>
               </a:spcBef>
               <a:buNone/>
               <a:defRPr/>
             </a:lvl8pPr>
-            <a:lvl9pPr indent="0" lvl="8" marL="0" rtl="0" algn="r">
+            <a:lvl9pPr marL="0" lvl="8" indent="0" algn="r" rtl="0">
               <a:spcBef>
                 <a:spcPts val="0"/>
               </a:spcBef>
@@ -3369,7 +3483,7 @@
             </a:lvl9pPr>
           </a:lstStyle>
           <a:p>
-            <a:pPr indent="0" lvl="0" marL="0" rtl="0" algn="r">
+            <a:pPr marL="0" lvl="0" indent="0" algn="r" rtl="0">
               <a:spcBef>
                 <a:spcPts val="0"/>
               </a:spcBef>
@@ -3395,18 +3509,19 @@
 </file>
 
 <file path=ppt/slideLayouts/slideLayout2.xml><?xml version="1.0" encoding="utf-8"?>
-<p:sldLayout xmlns:a="http://schemas.openxmlformats.org/drawingml/2006/main" xmlns:r="http://schemas.openxmlformats.org/officeDocument/2006/relationships" xmlns:mc="http://schemas.openxmlformats.org/markup-compatibility/2006" xmlns:mv="urn:schemas-microsoft-com:mac:vml" xmlns:p="http://schemas.openxmlformats.org/presentationml/2006/main" xmlns:c="http://schemas.openxmlformats.org/drawingml/2006/chart" xmlns:dgm="http://schemas.openxmlformats.org/drawingml/2006/diagram" xmlns:o="urn:schemas-microsoft-com:office:office" xmlns:v="urn:schemas-microsoft-com:vml" xmlns:pvml="urn:schemas-microsoft-com:office:powerpoint" xmlns:com="http://schemas.openxmlformats.org/drawingml/2006/compatibility" xmlns:p14="http://schemas.microsoft.com/office/powerpoint/2010/main" xmlns:p15="http://schemas.microsoft.com/office/powerpoint/2012/main" matchingName="Section header" type="secHead">
+<p:sldLayout xmlns:a="http://schemas.openxmlformats.org/drawingml/2006/main" xmlns:r="http://schemas.openxmlformats.org/officeDocument/2006/relationships" xmlns:p="http://schemas.openxmlformats.org/presentationml/2006/main" matchingName="Section header" type="secHead">
   <p:cSld name="SECTION_HEADER">
     <p:bg>
       <p:bgPr>
         <a:solidFill>
           <a:schemeClr val="dk1"/>
         </a:solidFill>
+        <a:effectLst/>
       </p:bgPr>
     </p:bg>
     <p:spTree>
       <p:nvGrpSpPr>
-        <p:cNvPr id="16" name="Shape 16"/>
+        <p:cNvPr id="1" name="Shape 16"/>
         <p:cNvGrpSpPr/>
         <p:nvPr/>
       </p:nvGrpSpPr>
@@ -3454,12 +3569,12 @@
             </a:ln>
           </p:spPr>
           <p:txBody>
-            <a:bodyPr anchorCtr="0" anchor="ctr" bIns="91425" lIns="91425" spcFirstLastPara="1" rIns="91425" wrap="square" tIns="91425">
+            <a:bodyPr spcFirstLastPara="1" wrap="square" lIns="91425" tIns="91425" rIns="91425" bIns="91425" anchor="ctr" anchorCtr="0">
               <a:noAutofit/>
             </a:bodyPr>
             <a:lstStyle/>
             <a:p>
-              <a:pPr indent="0" lvl="0" marL="0" rtl="0" algn="l">
+              <a:pPr marL="0" lvl="0" indent="0" algn="l" rtl="0">
                 <a:spcBef>
                   <a:spcPts val="0"/>
                 </a:spcBef>
@@ -3468,9 +3583,6 @@
                 </a:spcAft>
                 <a:buNone/>
               </a:pPr>
-              <a:r>
-                <a:t/>
-              </a:r>
               <a:endParaRPr/>
             </a:p>
           </p:txBody>
@@ -3497,12 +3609,12 @@
             </a:ln>
           </p:spPr>
           <p:txBody>
-            <a:bodyPr anchorCtr="0" anchor="ctr" bIns="91425" lIns="91425" spcFirstLastPara="1" rIns="91425" wrap="square" tIns="91425">
+            <a:bodyPr spcFirstLastPara="1" wrap="square" lIns="91425" tIns="91425" rIns="91425" bIns="91425" anchor="ctr" anchorCtr="0">
               <a:noAutofit/>
             </a:bodyPr>
             <a:lstStyle/>
             <a:p>
-              <a:pPr indent="0" lvl="0" marL="0" rtl="0" algn="l">
+              <a:pPr marL="0" lvl="0" indent="0" algn="l" rtl="0">
                 <a:spcBef>
                   <a:spcPts val="0"/>
                 </a:spcBef>
@@ -3511,9 +3623,6 @@
                 </a:spcAft>
                 <a:buNone/>
               </a:pPr>
-              <a:r>
-                <a:t/>
-              </a:r>
               <a:endParaRPr/>
             </a:p>
           </p:txBody>
@@ -3522,7 +3631,9 @@
       <p:sp>
         <p:nvSpPr>
           <p:cNvPr id="20" name="Google Shape;20;p3"/>
-          <p:cNvSpPr txBox="1"/>
+          <p:cNvSpPr txBox="1">
+            <a:spLocks noGrp="1"/>
+          </p:cNvSpPr>
           <p:nvPr>
             <p:ph type="title"/>
           </p:nvPr>
@@ -3537,7 +3648,7 @@
           </a:prstGeom>
         </p:spPr>
         <p:txBody>
-          <a:bodyPr anchorCtr="0" anchor="t" bIns="91425" lIns="91425" spcFirstLastPara="1" rIns="91425" wrap="square" tIns="91425">
+          <a:bodyPr spcFirstLastPara="1" wrap="square" lIns="91425" tIns="91425" rIns="91425" bIns="91425" anchor="t" anchorCtr="0">
             <a:noAutofit/>
           </a:bodyPr>
           <a:lstStyle>
@@ -3704,7 +3815,9 @@
               </a:defRPr>
             </a:lvl9pPr>
           </a:lstStyle>
-          <a:p/>
+          <a:p>
+            <a:endParaRPr/>
+          </a:p>
         </p:txBody>
       </p:sp>
       <p:sp>
@@ -3729,12 +3842,12 @@
           </a:ln>
         </p:spPr>
         <p:txBody>
-          <a:bodyPr anchorCtr="0" anchor="ctr" bIns="91425" lIns="91425" spcFirstLastPara="1" rIns="91425" wrap="square" tIns="91425">
+          <a:bodyPr spcFirstLastPara="1" wrap="square" lIns="91425" tIns="91425" rIns="91425" bIns="91425" anchor="ctr" anchorCtr="0">
             <a:noAutofit/>
           </a:bodyPr>
           <a:lstStyle/>
           <a:p>
-            <a:pPr indent="0" lvl="0" marL="0" rtl="0" algn="l">
+            <a:pPr marL="0" lvl="0" indent="0" algn="l" rtl="0">
               <a:spcBef>
                 <a:spcPts val="0"/>
               </a:spcBef>
@@ -3743,9 +3856,6 @@
               </a:spcAft>
               <a:buNone/>
             </a:pPr>
-            <a:r>
-              <a:t/>
-            </a:r>
             <a:endParaRPr/>
           </a:p>
         </p:txBody>
@@ -3760,7 +3870,7 @@
           <a:blip r:embed="rId2">
             <a:alphaModFix/>
           </a:blip>
-          <a:srcRect b="31682" l="16874" r="16874" t="31678"/>
+          <a:srcRect l="16874" t="31678" r="16874" b="31682"/>
           <a:stretch/>
         </p:blipFill>
         <p:spPr>
@@ -3780,9 +3890,11 @@
       <p:sp>
         <p:nvSpPr>
           <p:cNvPr id="23" name="Google Shape;23;p3"/>
-          <p:cNvSpPr txBox="1"/>
+          <p:cNvSpPr txBox="1">
+            <a:spLocks noGrp="1"/>
+          </p:cNvSpPr>
           <p:nvPr>
-            <p:ph idx="12" type="sldNum"/>
+            <p:ph type="sldNum" idx="12"/>
           </p:nvPr>
         </p:nvSpPr>
         <p:spPr>
@@ -3795,7 +3907,7 @@
           </a:prstGeom>
         </p:spPr>
         <p:txBody>
-          <a:bodyPr anchorCtr="0" anchor="ctr" bIns="91425" lIns="91425" spcFirstLastPara="1" rIns="91425" wrap="square" tIns="91425">
+          <a:bodyPr spcFirstLastPara="1" wrap="square" lIns="91425" tIns="91425" rIns="91425" bIns="91425" anchor="ctr" anchorCtr="0">
             <a:noAutofit/>
           </a:bodyPr>
           <a:lstStyle>
@@ -3873,7 +3985,7 @@
             </a:lvl9pPr>
           </a:lstStyle>
           <a:p>
-            <a:pPr indent="0" lvl="0" marL="0" rtl="0" algn="r">
+            <a:pPr marL="0" lvl="0" indent="0" algn="r" rtl="0">
               <a:spcBef>
                 <a:spcPts val="0"/>
               </a:spcBef>
@@ -3899,11 +4011,11 @@
 </file>
 
 <file path=ppt/slideLayouts/slideLayout3.xml><?xml version="1.0" encoding="utf-8"?>
-<p:sldLayout xmlns:a="http://schemas.openxmlformats.org/drawingml/2006/main" xmlns:r="http://schemas.openxmlformats.org/officeDocument/2006/relationships" xmlns:mc="http://schemas.openxmlformats.org/markup-compatibility/2006" xmlns:mv="urn:schemas-microsoft-com:mac:vml" xmlns:p="http://schemas.openxmlformats.org/presentationml/2006/main" xmlns:c="http://schemas.openxmlformats.org/drawingml/2006/chart" xmlns:dgm="http://schemas.openxmlformats.org/drawingml/2006/diagram" xmlns:o="urn:schemas-microsoft-com:office:office" xmlns:v="urn:schemas-microsoft-com:vml" xmlns:pvml="urn:schemas-microsoft-com:office:powerpoint" xmlns:com="http://schemas.openxmlformats.org/drawingml/2006/compatibility" xmlns:p14="http://schemas.microsoft.com/office/powerpoint/2010/main" xmlns:p15="http://schemas.microsoft.com/office/powerpoint/2012/main" matchingName="Title and body" type="tx">
+<p:sldLayout xmlns:a="http://schemas.openxmlformats.org/drawingml/2006/main" xmlns:r="http://schemas.openxmlformats.org/officeDocument/2006/relationships" xmlns:p="http://schemas.openxmlformats.org/presentationml/2006/main" matchingName="Title and body" type="tx">
   <p:cSld name="TITLE_AND_BODY">
     <p:spTree>
       <p:nvGrpSpPr>
-        <p:cNvPr id="24" name="Shape 24"/>
+        <p:cNvPr id="1" name="Shape 24"/>
         <p:cNvGrpSpPr/>
         <p:nvPr/>
       </p:nvGrpSpPr>
@@ -3937,12 +4049,12 @@
           </a:ln>
         </p:spPr>
         <p:txBody>
-          <a:bodyPr anchorCtr="0" anchor="ctr" bIns="91425" lIns="91425" spcFirstLastPara="1" rIns="91425" wrap="square" tIns="91425">
+          <a:bodyPr spcFirstLastPara="1" wrap="square" lIns="91425" tIns="91425" rIns="91425" bIns="91425" anchor="ctr" anchorCtr="0">
             <a:noAutofit/>
           </a:bodyPr>
           <a:lstStyle/>
           <a:p>
-            <a:pPr indent="0" lvl="0" marL="0" rtl="0" algn="l">
+            <a:pPr marL="0" lvl="0" indent="0" algn="l" rtl="0">
               <a:spcBef>
                 <a:spcPts val="0"/>
               </a:spcBef>
@@ -3951,9 +4063,6 @@
               </a:spcAft>
               <a:buNone/>
             </a:pPr>
-            <a:r>
-              <a:t/>
-            </a:r>
             <a:endParaRPr/>
           </a:p>
         </p:txBody>
@@ -3994,12 +4103,12 @@
             </a:ln>
           </p:spPr>
           <p:txBody>
-            <a:bodyPr anchorCtr="0" anchor="ctr" bIns="91425" lIns="91425" spcFirstLastPara="1" rIns="91425" wrap="square" tIns="91425">
+            <a:bodyPr spcFirstLastPara="1" wrap="square" lIns="91425" tIns="91425" rIns="91425" bIns="91425" anchor="ctr" anchorCtr="0">
               <a:noAutofit/>
             </a:bodyPr>
             <a:lstStyle/>
             <a:p>
-              <a:pPr indent="0" lvl="0" marL="0" rtl="0" algn="l">
+              <a:pPr marL="0" lvl="0" indent="0" algn="l" rtl="0">
                 <a:spcBef>
                   <a:spcPts val="0"/>
                 </a:spcBef>
@@ -4008,9 +4117,6 @@
                 </a:spcAft>
                 <a:buNone/>
               </a:pPr>
-              <a:r>
-                <a:t/>
-              </a:r>
               <a:endParaRPr/>
             </a:p>
           </p:txBody>
@@ -4037,12 +4143,12 @@
             </a:ln>
           </p:spPr>
           <p:txBody>
-            <a:bodyPr anchorCtr="0" anchor="ctr" bIns="91425" lIns="91425" spcFirstLastPara="1" rIns="91425" wrap="square" tIns="91425">
+            <a:bodyPr spcFirstLastPara="1" wrap="square" lIns="91425" tIns="91425" rIns="91425" bIns="91425" anchor="ctr" anchorCtr="0">
               <a:noAutofit/>
             </a:bodyPr>
             <a:lstStyle/>
             <a:p>
-              <a:pPr indent="0" lvl="0" marL="0" rtl="0" algn="l">
+              <a:pPr marL="0" lvl="0" indent="0" algn="l" rtl="0">
                 <a:spcBef>
                   <a:spcPts val="0"/>
                 </a:spcBef>
@@ -4051,9 +4157,6 @@
                 </a:spcAft>
                 <a:buNone/>
               </a:pPr>
-              <a:r>
-                <a:t/>
-              </a:r>
               <a:endParaRPr/>
             </a:p>
           </p:txBody>
@@ -4062,7 +4165,9 @@
       <p:sp>
         <p:nvSpPr>
           <p:cNvPr id="29" name="Google Shape;29;p4"/>
-          <p:cNvSpPr txBox="1"/>
+          <p:cNvSpPr txBox="1">
+            <a:spLocks noGrp="1"/>
+          </p:cNvSpPr>
           <p:nvPr>
             <p:ph type="title"/>
           </p:nvPr>
@@ -4077,7 +4182,7 @@
           </a:prstGeom>
         </p:spPr>
         <p:txBody>
-          <a:bodyPr anchorCtr="0" anchor="t" bIns="91425" lIns="91425" spcFirstLastPara="1" rIns="91425" wrap="square" tIns="91425">
+          <a:bodyPr spcFirstLastPara="1" wrap="square" lIns="91425" tIns="91425" rIns="91425" bIns="91425" anchor="t" anchorCtr="0">
             <a:noAutofit/>
           </a:bodyPr>
           <a:lstStyle>
@@ -4244,15 +4349,19 @@
               </a:defRPr>
             </a:lvl9pPr>
           </a:lstStyle>
-          <a:p/>
+          <a:p>
+            <a:endParaRPr/>
+          </a:p>
         </p:txBody>
       </p:sp>
       <p:sp>
         <p:nvSpPr>
           <p:cNvPr id="30" name="Google Shape;30;p4"/>
-          <p:cNvSpPr txBox="1"/>
+          <p:cNvSpPr txBox="1">
+            <a:spLocks noGrp="1"/>
+          </p:cNvSpPr>
           <p:nvPr>
-            <p:ph idx="1" type="body"/>
+            <p:ph type="body" idx="1"/>
           </p:nvPr>
         </p:nvSpPr>
         <p:spPr>
@@ -4265,11 +4374,11 @@
           </a:prstGeom>
         </p:spPr>
         <p:txBody>
-          <a:bodyPr anchorCtr="0" anchor="t" bIns="91425" lIns="91425" spcFirstLastPara="1" rIns="91425" wrap="square" tIns="91425">
+          <a:bodyPr spcFirstLastPara="1" wrap="square" lIns="91425" tIns="91425" rIns="91425" bIns="91425" anchor="t" anchorCtr="0">
             <a:noAutofit/>
           </a:bodyPr>
           <a:lstStyle>
-            <a:lvl1pPr indent="-311150" lvl="0" marL="457200">
+            <a:lvl1pPr marL="457200" lvl="0" indent="-311150">
               <a:spcBef>
                 <a:spcPts val="0"/>
               </a:spcBef>
@@ -4280,7 +4389,7 @@
               <a:buChar char="●"/>
               <a:defRPr/>
             </a:lvl1pPr>
-            <a:lvl2pPr indent="-298450" lvl="1" marL="914400">
+            <a:lvl2pPr marL="914400" lvl="1" indent="-298450">
               <a:spcBef>
                 <a:spcPts val="1600"/>
               </a:spcBef>
@@ -4291,7 +4400,7 @@
               <a:buChar char="○"/>
               <a:defRPr/>
             </a:lvl2pPr>
-            <a:lvl3pPr indent="-298450" lvl="2" marL="1371600">
+            <a:lvl3pPr marL="1371600" lvl="2" indent="-298450">
               <a:spcBef>
                 <a:spcPts val="1600"/>
               </a:spcBef>
@@ -4302,7 +4411,7 @@
               <a:buChar char="■"/>
               <a:defRPr/>
             </a:lvl3pPr>
-            <a:lvl4pPr indent="-298450" lvl="3" marL="1828800">
+            <a:lvl4pPr marL="1828800" lvl="3" indent="-298450">
               <a:spcBef>
                 <a:spcPts val="1600"/>
               </a:spcBef>
@@ -4313,7 +4422,7 @@
               <a:buChar char="●"/>
               <a:defRPr/>
             </a:lvl4pPr>
-            <a:lvl5pPr indent="-298450" lvl="4" marL="2286000">
+            <a:lvl5pPr marL="2286000" lvl="4" indent="-298450">
               <a:spcBef>
                 <a:spcPts val="1600"/>
               </a:spcBef>
@@ -4324,7 +4433,7 @@
               <a:buChar char="○"/>
               <a:defRPr/>
             </a:lvl5pPr>
-            <a:lvl6pPr indent="-298450" lvl="5" marL="2743200">
+            <a:lvl6pPr marL="2743200" lvl="5" indent="-298450">
               <a:spcBef>
                 <a:spcPts val="1600"/>
               </a:spcBef>
@@ -4335,7 +4444,7 @@
               <a:buChar char="■"/>
               <a:defRPr/>
             </a:lvl6pPr>
-            <a:lvl7pPr indent="-298450" lvl="6" marL="3200400">
+            <a:lvl7pPr marL="3200400" lvl="6" indent="-298450">
               <a:spcBef>
                 <a:spcPts val="1600"/>
               </a:spcBef>
@@ -4346,7 +4455,7 @@
               <a:buChar char="●"/>
               <a:defRPr/>
             </a:lvl7pPr>
-            <a:lvl8pPr indent="-298450" lvl="7" marL="3657600">
+            <a:lvl8pPr marL="3657600" lvl="7" indent="-298450">
               <a:spcBef>
                 <a:spcPts val="1600"/>
               </a:spcBef>
@@ -4357,7 +4466,7 @@
               <a:buChar char="○"/>
               <a:defRPr/>
             </a:lvl8pPr>
-            <a:lvl9pPr indent="-298450" lvl="8" marL="4114800">
+            <a:lvl9pPr marL="4114800" lvl="8" indent="-298450">
               <a:spcBef>
                 <a:spcPts val="1600"/>
               </a:spcBef>
@@ -4369,15 +4478,19 @@
               <a:defRPr/>
             </a:lvl9pPr>
           </a:lstStyle>
-          <a:p/>
+          <a:p>
+            <a:endParaRPr/>
+          </a:p>
         </p:txBody>
       </p:sp>
       <p:sp>
         <p:nvSpPr>
           <p:cNvPr id="31" name="Google Shape;31;p4"/>
-          <p:cNvSpPr txBox="1"/>
+          <p:cNvSpPr txBox="1">
+            <a:spLocks noGrp="1"/>
+          </p:cNvSpPr>
           <p:nvPr>
-            <p:ph idx="12" type="sldNum"/>
+            <p:ph type="sldNum" idx="12"/>
           </p:nvPr>
         </p:nvSpPr>
         <p:spPr>
@@ -4390,7 +4503,7 @@
           </a:prstGeom>
         </p:spPr>
         <p:txBody>
-          <a:bodyPr anchorCtr="0" anchor="ctr" bIns="91425" lIns="91425" spcFirstLastPara="1" rIns="91425" wrap="square" tIns="91425">
+          <a:bodyPr spcFirstLastPara="1" wrap="square" lIns="91425" tIns="91425" rIns="91425" bIns="91425" anchor="ctr" anchorCtr="0">
             <a:noAutofit/>
           </a:bodyPr>
           <a:lstStyle>
@@ -4432,7 +4545,7 @@
             </a:lvl9pPr>
           </a:lstStyle>
           <a:p>
-            <a:pPr indent="0" lvl="0" marL="0" rtl="0" algn="r">
+            <a:pPr marL="0" lvl="0" indent="0" algn="r" rtl="0">
               <a:spcBef>
                 <a:spcPts val="0"/>
               </a:spcBef>
@@ -4459,7 +4572,7 @@
           <a:blip r:embed="rId2">
             <a:alphaModFix/>
           </a:blip>
-          <a:srcRect b="31682" l="16874" r="16874" t="31678"/>
+          <a:srcRect l="16874" t="31678" r="16874" b="31682"/>
           <a:stretch/>
         </p:blipFill>
         <p:spPr>
@@ -4485,11 +4598,11 @@
 </file>
 
 <file path=ppt/slideLayouts/slideLayout4.xml><?xml version="1.0" encoding="utf-8"?>
-<p:sldLayout xmlns:a="http://schemas.openxmlformats.org/drawingml/2006/main" xmlns:r="http://schemas.openxmlformats.org/officeDocument/2006/relationships" xmlns:mc="http://schemas.openxmlformats.org/markup-compatibility/2006" xmlns:mv="urn:schemas-microsoft-com:mac:vml" xmlns:p="http://schemas.openxmlformats.org/presentationml/2006/main" xmlns:c="http://schemas.openxmlformats.org/drawingml/2006/chart" xmlns:dgm="http://schemas.openxmlformats.org/drawingml/2006/diagram" xmlns:o="urn:schemas-microsoft-com:office:office" xmlns:v="urn:schemas-microsoft-com:vml" xmlns:pvml="urn:schemas-microsoft-com:office:powerpoint" xmlns:com="http://schemas.openxmlformats.org/drawingml/2006/compatibility" xmlns:p14="http://schemas.microsoft.com/office/powerpoint/2010/main" xmlns:p15="http://schemas.microsoft.com/office/powerpoint/2012/main" matchingName="Title and two columns" type="twoColTx">
+<p:sldLayout xmlns:a="http://schemas.openxmlformats.org/drawingml/2006/main" xmlns:r="http://schemas.openxmlformats.org/officeDocument/2006/relationships" xmlns:p="http://schemas.openxmlformats.org/presentationml/2006/main" matchingName="Title and two columns" type="twoColTx">
   <p:cSld name="TITLE_AND_TWO_COLUMNS">
     <p:spTree>
       <p:nvGrpSpPr>
-        <p:cNvPr id="33" name="Shape 33"/>
+        <p:cNvPr id="1" name="Shape 33"/>
         <p:cNvGrpSpPr/>
         <p:nvPr/>
       </p:nvGrpSpPr>
@@ -4537,12 +4650,12 @@
             </a:ln>
           </p:spPr>
           <p:txBody>
-            <a:bodyPr anchorCtr="0" anchor="ctr" bIns="91425" lIns="91425" spcFirstLastPara="1" rIns="91425" wrap="square" tIns="91425">
+            <a:bodyPr spcFirstLastPara="1" wrap="square" lIns="91425" tIns="91425" rIns="91425" bIns="91425" anchor="ctr" anchorCtr="0">
               <a:noAutofit/>
             </a:bodyPr>
             <a:lstStyle/>
             <a:p>
-              <a:pPr indent="0" lvl="0" marL="0" rtl="0" algn="l">
+              <a:pPr marL="0" lvl="0" indent="0" algn="l" rtl="0">
                 <a:spcBef>
                   <a:spcPts val="0"/>
                 </a:spcBef>
@@ -4551,9 +4664,6 @@
                 </a:spcAft>
                 <a:buNone/>
               </a:pPr>
-              <a:r>
-                <a:t/>
-              </a:r>
               <a:endParaRPr/>
             </a:p>
           </p:txBody>
@@ -4580,12 +4690,12 @@
             </a:ln>
           </p:spPr>
           <p:txBody>
-            <a:bodyPr anchorCtr="0" anchor="ctr" bIns="91425" lIns="91425" spcFirstLastPara="1" rIns="91425" wrap="square" tIns="91425">
+            <a:bodyPr spcFirstLastPara="1" wrap="square" lIns="91425" tIns="91425" rIns="91425" bIns="91425" anchor="ctr" anchorCtr="0">
               <a:noAutofit/>
             </a:bodyPr>
             <a:lstStyle/>
             <a:p>
-              <a:pPr indent="0" lvl="0" marL="0" rtl="0" algn="l">
+              <a:pPr marL="0" lvl="0" indent="0" algn="l" rtl="0">
                 <a:spcBef>
                   <a:spcPts val="0"/>
                 </a:spcBef>
@@ -4594,9 +4704,6 @@
                 </a:spcAft>
                 <a:buNone/>
               </a:pPr>
-              <a:r>
-                <a:t/>
-              </a:r>
               <a:endParaRPr/>
             </a:p>
           </p:txBody>
@@ -4605,7 +4712,9 @@
       <p:sp>
         <p:nvSpPr>
           <p:cNvPr id="37" name="Google Shape;37;p5"/>
-          <p:cNvSpPr txBox="1"/>
+          <p:cNvSpPr txBox="1">
+            <a:spLocks noGrp="1"/>
+          </p:cNvSpPr>
           <p:nvPr>
             <p:ph type="title"/>
           </p:nvPr>
@@ -4620,7 +4729,7 @@
           </a:prstGeom>
         </p:spPr>
         <p:txBody>
-          <a:bodyPr anchorCtr="0" anchor="t" bIns="91425" lIns="91425" spcFirstLastPara="1" rIns="91425" wrap="square" tIns="91425">
+          <a:bodyPr spcFirstLastPara="1" wrap="square" lIns="91425" tIns="91425" rIns="91425" bIns="91425" anchor="t" anchorCtr="0">
             <a:noAutofit/>
           </a:bodyPr>
           <a:lstStyle>
@@ -4787,15 +4896,19 @@
               </a:defRPr>
             </a:lvl9pPr>
           </a:lstStyle>
-          <a:p/>
+          <a:p>
+            <a:endParaRPr/>
+          </a:p>
         </p:txBody>
       </p:sp>
       <p:sp>
         <p:nvSpPr>
           <p:cNvPr id="38" name="Google Shape;38;p5"/>
-          <p:cNvSpPr txBox="1"/>
+          <p:cNvSpPr txBox="1">
+            <a:spLocks noGrp="1"/>
+          </p:cNvSpPr>
           <p:nvPr>
-            <p:ph idx="1" type="body"/>
+            <p:ph type="body" idx="1"/>
           </p:nvPr>
         </p:nvSpPr>
         <p:spPr>
@@ -4808,11 +4921,11 @@
           </a:prstGeom>
         </p:spPr>
         <p:txBody>
-          <a:bodyPr anchorCtr="0" anchor="t" bIns="91425" lIns="91425" spcFirstLastPara="1" rIns="91425" wrap="square" tIns="91425">
+          <a:bodyPr spcFirstLastPara="1" wrap="square" lIns="91425" tIns="91425" rIns="91425" bIns="91425" anchor="t" anchorCtr="0">
             <a:noAutofit/>
           </a:bodyPr>
           <a:lstStyle>
-            <a:lvl1pPr indent="-311150" lvl="0" marL="457200">
+            <a:lvl1pPr marL="457200" lvl="0" indent="-311150">
               <a:spcBef>
                 <a:spcPts val="0"/>
               </a:spcBef>
@@ -4823,7 +4936,7 @@
               <a:buChar char="●"/>
               <a:defRPr/>
             </a:lvl1pPr>
-            <a:lvl2pPr indent="-298450" lvl="1" marL="914400">
+            <a:lvl2pPr marL="914400" lvl="1" indent="-298450">
               <a:spcBef>
                 <a:spcPts val="1600"/>
               </a:spcBef>
@@ -4834,7 +4947,7 @@
               <a:buChar char="○"/>
               <a:defRPr/>
             </a:lvl2pPr>
-            <a:lvl3pPr indent="-298450" lvl="2" marL="1371600">
+            <a:lvl3pPr marL="1371600" lvl="2" indent="-298450">
               <a:spcBef>
                 <a:spcPts val="1600"/>
               </a:spcBef>
@@ -4845,7 +4958,7 @@
               <a:buChar char="■"/>
               <a:defRPr/>
             </a:lvl3pPr>
-            <a:lvl4pPr indent="-298450" lvl="3" marL="1828800">
+            <a:lvl4pPr marL="1828800" lvl="3" indent="-298450">
               <a:spcBef>
                 <a:spcPts val="1600"/>
               </a:spcBef>
@@ -4856,7 +4969,7 @@
               <a:buChar char="●"/>
               <a:defRPr/>
             </a:lvl4pPr>
-            <a:lvl5pPr indent="-298450" lvl="4" marL="2286000">
+            <a:lvl5pPr marL="2286000" lvl="4" indent="-298450">
               <a:spcBef>
                 <a:spcPts val="1600"/>
               </a:spcBef>
@@ -4867,7 +4980,7 @@
               <a:buChar char="○"/>
               <a:defRPr/>
             </a:lvl5pPr>
-            <a:lvl6pPr indent="-298450" lvl="5" marL="2743200">
+            <a:lvl6pPr marL="2743200" lvl="5" indent="-298450">
               <a:spcBef>
                 <a:spcPts val="1600"/>
               </a:spcBef>
@@ -4878,7 +4991,7 @@
               <a:buChar char="■"/>
               <a:defRPr/>
             </a:lvl6pPr>
-            <a:lvl7pPr indent="-298450" lvl="6" marL="3200400">
+            <a:lvl7pPr marL="3200400" lvl="6" indent="-298450">
               <a:spcBef>
                 <a:spcPts val="1600"/>
               </a:spcBef>
@@ -4889,7 +5002,7 @@
               <a:buChar char="●"/>
               <a:defRPr/>
             </a:lvl7pPr>
-            <a:lvl8pPr indent="-298450" lvl="7" marL="3657600">
+            <a:lvl8pPr marL="3657600" lvl="7" indent="-298450">
               <a:spcBef>
                 <a:spcPts val="1600"/>
               </a:spcBef>
@@ -4900,7 +5013,7 @@
               <a:buChar char="○"/>
               <a:defRPr/>
             </a:lvl8pPr>
-            <a:lvl9pPr indent="-298450" lvl="8" marL="4114800">
+            <a:lvl9pPr marL="4114800" lvl="8" indent="-298450">
               <a:spcBef>
                 <a:spcPts val="1600"/>
               </a:spcBef>
@@ -4912,15 +5025,19 @@
               <a:defRPr/>
             </a:lvl9pPr>
           </a:lstStyle>
-          <a:p/>
+          <a:p>
+            <a:endParaRPr/>
+          </a:p>
         </p:txBody>
       </p:sp>
       <p:sp>
         <p:nvSpPr>
           <p:cNvPr id="39" name="Google Shape;39;p5"/>
-          <p:cNvSpPr txBox="1"/>
+          <p:cNvSpPr txBox="1">
+            <a:spLocks noGrp="1"/>
+          </p:cNvSpPr>
           <p:nvPr>
-            <p:ph idx="2" type="body"/>
+            <p:ph type="body" idx="2"/>
           </p:nvPr>
         </p:nvSpPr>
         <p:spPr>
@@ -4933,11 +5050,11 @@
           </a:prstGeom>
         </p:spPr>
         <p:txBody>
-          <a:bodyPr anchorCtr="0" anchor="t" bIns="91425" lIns="91425" spcFirstLastPara="1" rIns="91425" wrap="square" tIns="91425">
+          <a:bodyPr spcFirstLastPara="1" wrap="square" lIns="91425" tIns="91425" rIns="91425" bIns="91425" anchor="t" anchorCtr="0">
             <a:noAutofit/>
           </a:bodyPr>
           <a:lstStyle>
-            <a:lvl1pPr indent="-311150" lvl="0" marL="457200">
+            <a:lvl1pPr marL="457200" lvl="0" indent="-311150">
               <a:spcBef>
                 <a:spcPts val="0"/>
               </a:spcBef>
@@ -4948,7 +5065,7 @@
               <a:buChar char="●"/>
               <a:defRPr/>
             </a:lvl1pPr>
-            <a:lvl2pPr indent="-298450" lvl="1" marL="914400">
+            <a:lvl2pPr marL="914400" lvl="1" indent="-298450">
               <a:spcBef>
                 <a:spcPts val="1600"/>
               </a:spcBef>
@@ -4959,7 +5076,7 @@
               <a:buChar char="○"/>
               <a:defRPr/>
             </a:lvl2pPr>
-            <a:lvl3pPr indent="-298450" lvl="2" marL="1371600">
+            <a:lvl3pPr marL="1371600" lvl="2" indent="-298450">
               <a:spcBef>
                 <a:spcPts val="1600"/>
               </a:spcBef>
@@ -4970,7 +5087,7 @@
               <a:buChar char="■"/>
               <a:defRPr/>
             </a:lvl3pPr>
-            <a:lvl4pPr indent="-298450" lvl="3" marL="1828800">
+            <a:lvl4pPr marL="1828800" lvl="3" indent="-298450">
               <a:spcBef>
                 <a:spcPts val="1600"/>
               </a:spcBef>
@@ -4981,7 +5098,7 @@
               <a:buChar char="●"/>
               <a:defRPr/>
             </a:lvl4pPr>
-            <a:lvl5pPr indent="-298450" lvl="4" marL="2286000">
+            <a:lvl5pPr marL="2286000" lvl="4" indent="-298450">
               <a:spcBef>
                 <a:spcPts val="1600"/>
               </a:spcBef>
@@ -4992,7 +5109,7 @@
               <a:buChar char="○"/>
               <a:defRPr/>
             </a:lvl5pPr>
-            <a:lvl6pPr indent="-298450" lvl="5" marL="2743200">
+            <a:lvl6pPr marL="2743200" lvl="5" indent="-298450">
               <a:spcBef>
                 <a:spcPts val="1600"/>
               </a:spcBef>
@@ -5003,7 +5120,7 @@
               <a:buChar char="■"/>
               <a:defRPr/>
             </a:lvl6pPr>
-            <a:lvl7pPr indent="-298450" lvl="6" marL="3200400">
+            <a:lvl7pPr marL="3200400" lvl="6" indent="-298450">
               <a:spcBef>
                 <a:spcPts val="1600"/>
               </a:spcBef>
@@ -5014,7 +5131,7 @@
               <a:buChar char="●"/>
               <a:defRPr/>
             </a:lvl7pPr>
-            <a:lvl8pPr indent="-298450" lvl="7" marL="3657600">
+            <a:lvl8pPr marL="3657600" lvl="7" indent="-298450">
               <a:spcBef>
                 <a:spcPts val="1600"/>
               </a:spcBef>
@@ -5025,7 +5142,7 @@
               <a:buChar char="○"/>
               <a:defRPr/>
             </a:lvl8pPr>
-            <a:lvl9pPr indent="-298450" lvl="8" marL="4114800">
+            <a:lvl9pPr marL="4114800" lvl="8" indent="-298450">
               <a:spcBef>
                 <a:spcPts val="1600"/>
               </a:spcBef>
@@ -5037,15 +5154,19 @@
               <a:defRPr/>
             </a:lvl9pPr>
           </a:lstStyle>
-          <a:p/>
+          <a:p>
+            <a:endParaRPr/>
+          </a:p>
         </p:txBody>
       </p:sp>
       <p:sp>
         <p:nvSpPr>
           <p:cNvPr id="40" name="Google Shape;40;p5"/>
-          <p:cNvSpPr txBox="1"/>
+          <p:cNvSpPr txBox="1">
+            <a:spLocks noGrp="1"/>
+          </p:cNvSpPr>
           <p:nvPr>
-            <p:ph idx="12" type="sldNum"/>
+            <p:ph type="sldNum" idx="12"/>
           </p:nvPr>
         </p:nvSpPr>
         <p:spPr>
@@ -5058,7 +5179,7 @@
           </a:prstGeom>
         </p:spPr>
         <p:txBody>
-          <a:bodyPr anchorCtr="0" anchor="ctr" bIns="91425" lIns="91425" spcFirstLastPara="1" rIns="91425" wrap="square" tIns="91425">
+          <a:bodyPr spcFirstLastPara="1" wrap="square" lIns="91425" tIns="91425" rIns="91425" bIns="91425" anchor="ctr" anchorCtr="0">
             <a:noAutofit/>
           </a:bodyPr>
           <a:lstStyle>
@@ -5100,7 +5221,7 @@
             </a:lvl9pPr>
           </a:lstStyle>
           <a:p>
-            <a:pPr indent="0" lvl="0" marL="0" rtl="0" algn="r">
+            <a:pPr marL="0" lvl="0" indent="0" algn="r" rtl="0">
               <a:spcBef>
                 <a:spcPts val="0"/>
               </a:spcBef>
@@ -5139,12 +5260,12 @@
           </a:ln>
         </p:spPr>
         <p:txBody>
-          <a:bodyPr anchorCtr="0" anchor="ctr" bIns="91425" lIns="91425" spcFirstLastPara="1" rIns="91425" wrap="square" tIns="91425">
+          <a:bodyPr spcFirstLastPara="1" wrap="square" lIns="91425" tIns="91425" rIns="91425" bIns="91425" anchor="ctr" anchorCtr="0">
             <a:noAutofit/>
           </a:bodyPr>
           <a:lstStyle/>
           <a:p>
-            <a:pPr indent="0" lvl="0" marL="0" rtl="0" algn="l">
+            <a:pPr marL="0" lvl="0" indent="0" algn="l" rtl="0">
               <a:spcBef>
                 <a:spcPts val="0"/>
               </a:spcBef>
@@ -5153,9 +5274,6 @@
               </a:spcAft>
               <a:buNone/>
             </a:pPr>
-            <a:r>
-              <a:t/>
-            </a:r>
             <a:endParaRPr/>
           </a:p>
         </p:txBody>
@@ -5170,7 +5288,7 @@
           <a:blip r:embed="rId2">
             <a:alphaModFix/>
           </a:blip>
-          <a:srcRect b="31682" l="16874" r="16874" t="31678"/>
+          <a:srcRect l="16874" t="31678" r="16874" b="31682"/>
           <a:stretch/>
         </p:blipFill>
         <p:spPr>
@@ -5196,11 +5314,11 @@
 </file>
 
 <file path=ppt/slideLayouts/slideLayout5.xml><?xml version="1.0" encoding="utf-8"?>
-<p:sldLayout xmlns:a="http://schemas.openxmlformats.org/drawingml/2006/main" xmlns:r="http://schemas.openxmlformats.org/officeDocument/2006/relationships" xmlns:mc="http://schemas.openxmlformats.org/markup-compatibility/2006" xmlns:mv="urn:schemas-microsoft-com:mac:vml" xmlns:p="http://schemas.openxmlformats.org/presentationml/2006/main" xmlns:c="http://schemas.openxmlformats.org/drawingml/2006/chart" xmlns:dgm="http://schemas.openxmlformats.org/drawingml/2006/diagram" xmlns:o="urn:schemas-microsoft-com:office:office" xmlns:v="urn:schemas-microsoft-com:vml" xmlns:pvml="urn:schemas-microsoft-com:office:powerpoint" xmlns:com="http://schemas.openxmlformats.org/drawingml/2006/compatibility" xmlns:p14="http://schemas.microsoft.com/office/powerpoint/2010/main" xmlns:p15="http://schemas.microsoft.com/office/powerpoint/2012/main" matchingName="Title only" type="titleOnly">
+<p:sldLayout xmlns:a="http://schemas.openxmlformats.org/drawingml/2006/main" xmlns:r="http://schemas.openxmlformats.org/officeDocument/2006/relationships" xmlns:p="http://schemas.openxmlformats.org/presentationml/2006/main" matchingName="Title only" type="titleOnly">
   <p:cSld name="TITLE_ONLY">
     <p:spTree>
       <p:nvGrpSpPr>
-        <p:cNvPr id="43" name="Shape 43"/>
+        <p:cNvPr id="1" name="Shape 43"/>
         <p:cNvGrpSpPr/>
         <p:nvPr/>
       </p:nvGrpSpPr>
@@ -5248,12 +5366,12 @@
             </a:ln>
           </p:spPr>
           <p:txBody>
-            <a:bodyPr anchorCtr="0" anchor="ctr" bIns="91425" lIns="91425" spcFirstLastPara="1" rIns="91425" wrap="square" tIns="91425">
+            <a:bodyPr spcFirstLastPara="1" wrap="square" lIns="91425" tIns="91425" rIns="91425" bIns="91425" anchor="ctr" anchorCtr="0">
               <a:noAutofit/>
             </a:bodyPr>
             <a:lstStyle/>
             <a:p>
-              <a:pPr indent="0" lvl="0" marL="0" rtl="0" algn="l">
+              <a:pPr marL="0" lvl="0" indent="0" algn="l" rtl="0">
                 <a:spcBef>
                   <a:spcPts val="0"/>
                 </a:spcBef>
@@ -5262,9 +5380,6 @@
                 </a:spcAft>
                 <a:buNone/>
               </a:pPr>
-              <a:r>
-                <a:t/>
-              </a:r>
               <a:endParaRPr/>
             </a:p>
           </p:txBody>
@@ -5291,12 +5406,12 @@
             </a:ln>
           </p:spPr>
           <p:txBody>
-            <a:bodyPr anchorCtr="0" anchor="ctr" bIns="91425" lIns="91425" spcFirstLastPara="1" rIns="91425" wrap="square" tIns="91425">
+            <a:bodyPr spcFirstLastPara="1" wrap="square" lIns="91425" tIns="91425" rIns="91425" bIns="91425" anchor="ctr" anchorCtr="0">
               <a:noAutofit/>
             </a:bodyPr>
             <a:lstStyle/>
             <a:p>
-              <a:pPr indent="0" lvl="0" marL="0" rtl="0" algn="l">
+              <a:pPr marL="0" lvl="0" indent="0" algn="l" rtl="0">
                 <a:spcBef>
                   <a:spcPts val="0"/>
                 </a:spcBef>
@@ -5305,9 +5420,6 @@
                 </a:spcAft>
                 <a:buNone/>
               </a:pPr>
-              <a:r>
-                <a:t/>
-              </a:r>
               <a:endParaRPr/>
             </a:p>
           </p:txBody>
@@ -5316,7 +5428,9 @@
       <p:sp>
         <p:nvSpPr>
           <p:cNvPr id="47" name="Google Shape;47;p6"/>
-          <p:cNvSpPr txBox="1"/>
+          <p:cNvSpPr txBox="1">
+            <a:spLocks noGrp="1"/>
+          </p:cNvSpPr>
           <p:nvPr>
             <p:ph type="title"/>
           </p:nvPr>
@@ -5331,7 +5445,7 @@
           </a:prstGeom>
         </p:spPr>
         <p:txBody>
-          <a:bodyPr anchorCtr="0" anchor="t" bIns="91425" lIns="91425" spcFirstLastPara="1" rIns="91425" wrap="square" tIns="91425">
+          <a:bodyPr spcFirstLastPara="1" wrap="square" lIns="91425" tIns="91425" rIns="91425" bIns="91425" anchor="t" anchorCtr="0">
             <a:noAutofit/>
           </a:bodyPr>
           <a:lstStyle>
@@ -5498,7 +5612,9 @@
               </a:defRPr>
             </a:lvl9pPr>
           </a:lstStyle>
-          <a:p/>
+          <a:p>
+            <a:endParaRPr/>
+          </a:p>
         </p:txBody>
       </p:sp>
       <p:sp>
@@ -5523,12 +5639,12 @@
           </a:ln>
         </p:spPr>
         <p:txBody>
-          <a:bodyPr anchorCtr="0" anchor="ctr" bIns="91425" lIns="91425" spcFirstLastPara="1" rIns="91425" wrap="square" tIns="91425">
+          <a:bodyPr spcFirstLastPara="1" wrap="square" lIns="91425" tIns="91425" rIns="91425" bIns="91425" anchor="ctr" anchorCtr="0">
             <a:noAutofit/>
           </a:bodyPr>
           <a:lstStyle/>
           <a:p>
-            <a:pPr indent="0" lvl="0" marL="0" rtl="0" algn="l">
+            <a:pPr marL="0" lvl="0" indent="0" algn="l" rtl="0">
               <a:spcBef>
                 <a:spcPts val="0"/>
               </a:spcBef>
@@ -5537,9 +5653,6 @@
               </a:spcAft>
               <a:buNone/>
             </a:pPr>
-            <a:r>
-              <a:t/>
-            </a:r>
             <a:endParaRPr/>
           </a:p>
         </p:txBody>
@@ -5547,9 +5660,11 @@
       <p:sp>
         <p:nvSpPr>
           <p:cNvPr id="49" name="Google Shape;49;p6"/>
-          <p:cNvSpPr txBox="1"/>
+          <p:cNvSpPr txBox="1">
+            <a:spLocks noGrp="1"/>
+          </p:cNvSpPr>
           <p:nvPr>
-            <p:ph idx="12" type="sldNum"/>
+            <p:ph type="sldNum" idx="12"/>
           </p:nvPr>
         </p:nvSpPr>
         <p:spPr>
@@ -5562,7 +5677,7 @@
           </a:prstGeom>
         </p:spPr>
         <p:txBody>
-          <a:bodyPr anchorCtr="0" anchor="ctr" bIns="91425" lIns="91425" spcFirstLastPara="1" rIns="91425" wrap="square" tIns="91425">
+          <a:bodyPr spcFirstLastPara="1" wrap="square" lIns="91425" tIns="91425" rIns="91425" bIns="91425" anchor="ctr" anchorCtr="0">
             <a:noAutofit/>
           </a:bodyPr>
           <a:lstStyle>
@@ -5604,7 +5719,7 @@
             </a:lvl9pPr>
           </a:lstStyle>
           <a:p>
-            <a:pPr indent="0" lvl="0" marL="0" rtl="0" algn="r">
+            <a:pPr marL="0" lvl="0" indent="0" algn="r" rtl="0">
               <a:spcBef>
                 <a:spcPts val="0"/>
               </a:spcBef>
@@ -5631,7 +5746,7 @@
           <a:blip r:embed="rId2">
             <a:alphaModFix/>
           </a:blip>
-          <a:srcRect b="31682" l="16874" r="16874" t="31678"/>
+          <a:srcRect l="16874" t="31678" r="16874" b="31682"/>
           <a:stretch/>
         </p:blipFill>
         <p:spPr>
@@ -5657,11 +5772,11 @@
 </file>
 
 <file path=ppt/slideLayouts/slideLayout6.xml><?xml version="1.0" encoding="utf-8"?>
-<p:sldLayout xmlns:a="http://schemas.openxmlformats.org/drawingml/2006/main" xmlns:r="http://schemas.openxmlformats.org/officeDocument/2006/relationships" xmlns:mc="http://schemas.openxmlformats.org/markup-compatibility/2006" xmlns:mv="urn:schemas-microsoft-com:mac:vml" xmlns:p="http://schemas.openxmlformats.org/presentationml/2006/main" xmlns:c="http://schemas.openxmlformats.org/drawingml/2006/chart" xmlns:dgm="http://schemas.openxmlformats.org/drawingml/2006/diagram" xmlns:o="urn:schemas-microsoft-com:office:office" xmlns:v="urn:schemas-microsoft-com:vml" xmlns:pvml="urn:schemas-microsoft-com:office:powerpoint" xmlns:com="http://schemas.openxmlformats.org/drawingml/2006/compatibility" xmlns:p14="http://schemas.microsoft.com/office/powerpoint/2010/main" xmlns:p15="http://schemas.microsoft.com/office/powerpoint/2012/main" matchingName="One column text">
+<p:sldLayout xmlns:a="http://schemas.openxmlformats.org/drawingml/2006/main" xmlns:r="http://schemas.openxmlformats.org/officeDocument/2006/relationships" xmlns:p="http://schemas.openxmlformats.org/presentationml/2006/main" matchingName="One column text">
   <p:cSld name="ONE_COLUMN_TEXT">
     <p:spTree>
       <p:nvGrpSpPr>
-        <p:cNvPr id="51" name="Shape 51"/>
+        <p:cNvPr id="1" name="Shape 51"/>
         <p:cNvGrpSpPr/>
         <p:nvPr/>
       </p:nvGrpSpPr>
@@ -5695,12 +5810,12 @@
           </a:ln>
         </p:spPr>
         <p:txBody>
-          <a:bodyPr anchorCtr="0" anchor="ctr" bIns="91425" lIns="91425" spcFirstLastPara="1" rIns="91425" wrap="square" tIns="91425">
+          <a:bodyPr spcFirstLastPara="1" wrap="square" lIns="91425" tIns="91425" rIns="91425" bIns="91425" anchor="ctr" anchorCtr="0">
             <a:noAutofit/>
           </a:bodyPr>
           <a:lstStyle/>
           <a:p>
-            <a:pPr indent="0" lvl="0" marL="0" rtl="0" algn="l">
+            <a:pPr marL="0" lvl="0" indent="0" algn="l" rtl="0">
               <a:spcBef>
                 <a:spcPts val="0"/>
               </a:spcBef>
@@ -5709,9 +5824,6 @@
               </a:spcAft>
               <a:buNone/>
             </a:pPr>
-            <a:r>
-              <a:t/>
-            </a:r>
             <a:endParaRPr/>
           </a:p>
         </p:txBody>
@@ -5752,12 +5864,12 @@
             </a:ln>
           </p:spPr>
           <p:txBody>
-            <a:bodyPr anchorCtr="0" anchor="ctr" bIns="91425" lIns="91425" spcFirstLastPara="1" rIns="91425" wrap="square" tIns="91425">
+            <a:bodyPr spcFirstLastPara="1" wrap="square" lIns="91425" tIns="91425" rIns="91425" bIns="91425" anchor="ctr" anchorCtr="0">
               <a:noAutofit/>
             </a:bodyPr>
             <a:lstStyle/>
             <a:p>
-              <a:pPr indent="0" lvl="0" marL="0" rtl="0" algn="l">
+              <a:pPr marL="0" lvl="0" indent="0" algn="l" rtl="0">
                 <a:spcBef>
                   <a:spcPts val="0"/>
                 </a:spcBef>
@@ -5766,9 +5878,6 @@
                 </a:spcAft>
                 <a:buNone/>
               </a:pPr>
-              <a:r>
-                <a:t/>
-              </a:r>
               <a:endParaRPr/>
             </a:p>
           </p:txBody>
@@ -5795,12 +5904,12 @@
             </a:ln>
           </p:spPr>
           <p:txBody>
-            <a:bodyPr anchorCtr="0" anchor="ctr" bIns="91425" lIns="91425" spcFirstLastPara="1" rIns="91425" wrap="square" tIns="91425">
+            <a:bodyPr spcFirstLastPara="1" wrap="square" lIns="91425" tIns="91425" rIns="91425" bIns="91425" anchor="ctr" anchorCtr="0">
               <a:noAutofit/>
             </a:bodyPr>
             <a:lstStyle/>
             <a:p>
-              <a:pPr indent="0" lvl="0" marL="0" rtl="0" algn="l">
+              <a:pPr marL="0" lvl="0" indent="0" algn="l" rtl="0">
                 <a:spcBef>
                   <a:spcPts val="0"/>
                 </a:spcBef>
@@ -5809,9 +5918,6 @@
                 </a:spcAft>
                 <a:buNone/>
               </a:pPr>
-              <a:r>
-                <a:t/>
-              </a:r>
               <a:endParaRPr/>
             </a:p>
           </p:txBody>
@@ -5820,7 +5926,9 @@
       <p:sp>
         <p:nvSpPr>
           <p:cNvPr id="56" name="Google Shape;56;p7"/>
-          <p:cNvSpPr txBox="1"/>
+          <p:cNvSpPr txBox="1">
+            <a:spLocks noGrp="1"/>
+          </p:cNvSpPr>
           <p:nvPr>
             <p:ph type="title"/>
           </p:nvPr>
@@ -5835,7 +5943,7 @@
           </a:prstGeom>
         </p:spPr>
         <p:txBody>
-          <a:bodyPr anchorCtr="0" anchor="t" bIns="91425" lIns="91425" spcFirstLastPara="1" rIns="91425" wrap="square" tIns="91425">
+          <a:bodyPr spcFirstLastPara="1" wrap="square" lIns="91425" tIns="91425" rIns="91425" bIns="91425" anchor="t" anchorCtr="0">
             <a:noAutofit/>
           </a:bodyPr>
           <a:lstStyle>
@@ -6002,15 +6110,19 @@
               </a:defRPr>
             </a:lvl9pPr>
           </a:lstStyle>
-          <a:p/>
+          <a:p>
+            <a:endParaRPr/>
+          </a:p>
         </p:txBody>
       </p:sp>
       <p:sp>
         <p:nvSpPr>
           <p:cNvPr id="57" name="Google Shape;57;p7"/>
-          <p:cNvSpPr txBox="1"/>
+          <p:cNvSpPr txBox="1">
+            <a:spLocks noGrp="1"/>
+          </p:cNvSpPr>
           <p:nvPr>
-            <p:ph idx="1" type="body"/>
+            <p:ph type="body" idx="1"/>
           </p:nvPr>
         </p:nvSpPr>
         <p:spPr>
@@ -6023,11 +6135,11 @@
           </a:prstGeom>
         </p:spPr>
         <p:txBody>
-          <a:bodyPr anchorCtr="0" anchor="t" bIns="91425" lIns="91425" spcFirstLastPara="1" rIns="91425" wrap="square" tIns="91425">
+          <a:bodyPr spcFirstLastPara="1" wrap="square" lIns="91425" tIns="91425" rIns="91425" bIns="91425" anchor="t" anchorCtr="0">
             <a:noAutofit/>
           </a:bodyPr>
           <a:lstStyle>
-            <a:lvl1pPr indent="-311150" lvl="0" marL="457200">
+            <a:lvl1pPr marL="457200" lvl="0" indent="-311150">
               <a:spcBef>
                 <a:spcPts val="0"/>
               </a:spcBef>
@@ -6038,7 +6150,7 @@
               <a:buChar char="●"/>
               <a:defRPr/>
             </a:lvl1pPr>
-            <a:lvl2pPr indent="-298450" lvl="1" marL="914400">
+            <a:lvl2pPr marL="914400" lvl="1" indent="-298450">
               <a:spcBef>
                 <a:spcPts val="1600"/>
               </a:spcBef>
@@ -6049,7 +6161,7 @@
               <a:buChar char="○"/>
               <a:defRPr/>
             </a:lvl2pPr>
-            <a:lvl3pPr indent="-298450" lvl="2" marL="1371600">
+            <a:lvl3pPr marL="1371600" lvl="2" indent="-298450">
               <a:spcBef>
                 <a:spcPts val="1600"/>
               </a:spcBef>
@@ -6060,7 +6172,7 @@
               <a:buChar char="■"/>
               <a:defRPr/>
             </a:lvl3pPr>
-            <a:lvl4pPr indent="-298450" lvl="3" marL="1828800">
+            <a:lvl4pPr marL="1828800" lvl="3" indent="-298450">
               <a:spcBef>
                 <a:spcPts val="1600"/>
               </a:spcBef>
@@ -6071,7 +6183,7 @@
               <a:buChar char="●"/>
               <a:defRPr/>
             </a:lvl4pPr>
-            <a:lvl5pPr indent="-298450" lvl="4" marL="2286000">
+            <a:lvl5pPr marL="2286000" lvl="4" indent="-298450">
               <a:spcBef>
                 <a:spcPts val="1600"/>
               </a:spcBef>
@@ -6082,7 +6194,7 @@
               <a:buChar char="○"/>
               <a:defRPr/>
             </a:lvl5pPr>
-            <a:lvl6pPr indent="-298450" lvl="5" marL="2743200">
+            <a:lvl6pPr marL="2743200" lvl="5" indent="-298450">
               <a:spcBef>
                 <a:spcPts val="1600"/>
               </a:spcBef>
@@ -6093,7 +6205,7 @@
               <a:buChar char="■"/>
               <a:defRPr/>
             </a:lvl6pPr>
-            <a:lvl7pPr indent="-298450" lvl="6" marL="3200400">
+            <a:lvl7pPr marL="3200400" lvl="6" indent="-298450">
               <a:spcBef>
                 <a:spcPts val="1600"/>
               </a:spcBef>
@@ -6104,7 +6216,7 @@
               <a:buChar char="●"/>
               <a:defRPr/>
             </a:lvl7pPr>
-            <a:lvl8pPr indent="-298450" lvl="7" marL="3657600">
+            <a:lvl8pPr marL="3657600" lvl="7" indent="-298450">
               <a:spcBef>
                 <a:spcPts val="1600"/>
               </a:spcBef>
@@ -6115,7 +6227,7 @@
               <a:buChar char="○"/>
               <a:defRPr/>
             </a:lvl8pPr>
-            <a:lvl9pPr indent="-298450" lvl="8" marL="4114800">
+            <a:lvl9pPr marL="4114800" lvl="8" indent="-298450">
               <a:spcBef>
                 <a:spcPts val="1600"/>
               </a:spcBef>
@@ -6127,15 +6239,19 @@
               <a:defRPr/>
             </a:lvl9pPr>
           </a:lstStyle>
-          <a:p/>
+          <a:p>
+            <a:endParaRPr/>
+          </a:p>
         </p:txBody>
       </p:sp>
       <p:sp>
         <p:nvSpPr>
           <p:cNvPr id="58" name="Google Shape;58;p7"/>
-          <p:cNvSpPr txBox="1"/>
+          <p:cNvSpPr txBox="1">
+            <a:spLocks noGrp="1"/>
+          </p:cNvSpPr>
           <p:nvPr>
-            <p:ph idx="12" type="sldNum"/>
+            <p:ph type="sldNum" idx="12"/>
           </p:nvPr>
         </p:nvSpPr>
         <p:spPr>
@@ -6148,7 +6264,7 @@
           </a:prstGeom>
         </p:spPr>
         <p:txBody>
-          <a:bodyPr anchorCtr="0" anchor="ctr" bIns="91425" lIns="91425" spcFirstLastPara="1" rIns="91425" wrap="square" tIns="91425">
+          <a:bodyPr spcFirstLastPara="1" wrap="square" lIns="91425" tIns="91425" rIns="91425" bIns="91425" anchor="ctr" anchorCtr="0">
             <a:noAutofit/>
           </a:bodyPr>
           <a:lstStyle>
@@ -6190,7 +6306,7 @@
             </a:lvl9pPr>
           </a:lstStyle>
           <a:p>
-            <a:pPr indent="0" lvl="0" marL="0" rtl="0" algn="r">
+            <a:pPr marL="0" lvl="0" indent="0" algn="r" rtl="0">
               <a:spcBef>
                 <a:spcPts val="0"/>
               </a:spcBef>
@@ -6217,7 +6333,7 @@
           <a:blip r:embed="rId2">
             <a:alphaModFix/>
           </a:blip>
-          <a:srcRect b="31682" l="16874" r="16874" t="31678"/>
+          <a:srcRect l="16874" t="31678" r="16874" b="31682"/>
           <a:stretch/>
         </p:blipFill>
         <p:spPr>
@@ -6243,18 +6359,19 @@
 </file>
 
 <file path=ppt/slideLayouts/slideLayout7.xml><?xml version="1.0" encoding="utf-8"?>
-<p:sldLayout xmlns:a="http://schemas.openxmlformats.org/drawingml/2006/main" xmlns:r="http://schemas.openxmlformats.org/officeDocument/2006/relationships" xmlns:mc="http://schemas.openxmlformats.org/markup-compatibility/2006" xmlns:mv="urn:schemas-microsoft-com:mac:vml" xmlns:p="http://schemas.openxmlformats.org/presentationml/2006/main" xmlns:c="http://schemas.openxmlformats.org/drawingml/2006/chart" xmlns:dgm="http://schemas.openxmlformats.org/drawingml/2006/diagram" xmlns:o="urn:schemas-microsoft-com:office:office" xmlns:v="urn:schemas-microsoft-com:vml" xmlns:pvml="urn:schemas-microsoft-com:office:powerpoint" xmlns:com="http://schemas.openxmlformats.org/drawingml/2006/compatibility" xmlns:p14="http://schemas.microsoft.com/office/powerpoint/2010/main" xmlns:p15="http://schemas.microsoft.com/office/powerpoint/2012/main" matchingName="Main point">
+<p:sldLayout xmlns:a="http://schemas.openxmlformats.org/drawingml/2006/main" xmlns:r="http://schemas.openxmlformats.org/officeDocument/2006/relationships" xmlns:p="http://schemas.openxmlformats.org/presentationml/2006/main" matchingName="Main point">
   <p:cSld name="MAIN_POINT">
     <p:bg>
       <p:bgPr>
         <a:solidFill>
           <a:schemeClr val="accent3"/>
         </a:solidFill>
+        <a:effectLst/>
       </p:bgPr>
     </p:bg>
     <p:spTree>
       <p:nvGrpSpPr>
-        <p:cNvPr id="60" name="Shape 60"/>
+        <p:cNvPr id="1" name="Shape 60"/>
         <p:cNvGrpSpPr/>
         <p:nvPr/>
       </p:nvGrpSpPr>
@@ -6288,12 +6405,12 @@
           </a:ln>
         </p:spPr>
         <p:txBody>
-          <a:bodyPr anchorCtr="0" anchor="ctr" bIns="91425" lIns="91425" spcFirstLastPara="1" rIns="91425" wrap="square" tIns="91425">
+          <a:bodyPr spcFirstLastPara="1" wrap="square" lIns="91425" tIns="91425" rIns="91425" bIns="91425" anchor="ctr" anchorCtr="0">
             <a:noAutofit/>
           </a:bodyPr>
           <a:lstStyle/>
           <a:p>
-            <a:pPr indent="0" lvl="0" marL="0" rtl="0" algn="l">
+            <a:pPr marL="0" lvl="0" indent="0" algn="l" rtl="0">
               <a:spcBef>
                 <a:spcPts val="0"/>
               </a:spcBef>
@@ -6302,9 +6419,6 @@
               </a:spcAft>
               <a:buNone/>
             </a:pPr>
-            <a:r>
-              <a:t/>
-            </a:r>
             <a:endParaRPr/>
           </a:p>
         </p:txBody>
@@ -6345,12 +6459,12 @@
             </a:ln>
           </p:spPr>
           <p:txBody>
-            <a:bodyPr anchorCtr="0" anchor="ctr" bIns="91425" lIns="91425" spcFirstLastPara="1" rIns="91425" wrap="square" tIns="91425">
+            <a:bodyPr spcFirstLastPara="1" wrap="square" lIns="91425" tIns="91425" rIns="91425" bIns="91425" anchor="ctr" anchorCtr="0">
               <a:noAutofit/>
             </a:bodyPr>
             <a:lstStyle/>
             <a:p>
-              <a:pPr indent="0" lvl="0" marL="0" rtl="0" algn="l">
+              <a:pPr marL="0" lvl="0" indent="0" algn="l" rtl="0">
                 <a:spcBef>
                   <a:spcPts val="0"/>
                 </a:spcBef>
@@ -6359,9 +6473,6 @@
                 </a:spcAft>
                 <a:buNone/>
               </a:pPr>
-              <a:r>
-                <a:t/>
-              </a:r>
               <a:endParaRPr/>
             </a:p>
           </p:txBody>
@@ -6388,12 +6499,12 @@
             </a:ln>
           </p:spPr>
           <p:txBody>
-            <a:bodyPr anchorCtr="0" anchor="ctr" bIns="91425" lIns="91425" spcFirstLastPara="1" rIns="91425" wrap="square" tIns="91425">
+            <a:bodyPr spcFirstLastPara="1" wrap="square" lIns="91425" tIns="91425" rIns="91425" bIns="91425" anchor="ctr" anchorCtr="0">
               <a:noAutofit/>
             </a:bodyPr>
             <a:lstStyle/>
             <a:p>
-              <a:pPr indent="0" lvl="0" marL="0" rtl="0" algn="l">
+              <a:pPr marL="0" lvl="0" indent="0" algn="l" rtl="0">
                 <a:spcBef>
                   <a:spcPts val="0"/>
                 </a:spcBef>
@@ -6402,9 +6513,6 @@
                 </a:spcAft>
                 <a:buNone/>
               </a:pPr>
-              <a:r>
-                <a:t/>
-              </a:r>
               <a:endParaRPr/>
             </a:p>
           </p:txBody>
@@ -6413,7 +6521,9 @@
       <p:sp>
         <p:nvSpPr>
           <p:cNvPr id="65" name="Google Shape;65;p8"/>
-          <p:cNvSpPr txBox="1"/>
+          <p:cNvSpPr txBox="1">
+            <a:spLocks noGrp="1"/>
+          </p:cNvSpPr>
           <p:nvPr>
             <p:ph type="title"/>
           </p:nvPr>
@@ -6428,7 +6538,7 @@
           </a:prstGeom>
         </p:spPr>
         <p:txBody>
-          <a:bodyPr anchorCtr="0" anchor="ctr" bIns="91425" lIns="91425" spcFirstLastPara="1" rIns="91425" wrap="square" tIns="91425">
+          <a:bodyPr spcFirstLastPara="1" wrap="square" lIns="91425" tIns="91425" rIns="91425" bIns="91425" anchor="ctr" anchorCtr="0">
             <a:noAutofit/>
           </a:bodyPr>
           <a:lstStyle>
@@ -6595,15 +6705,19 @@
               </a:defRPr>
             </a:lvl9pPr>
           </a:lstStyle>
-          <a:p/>
+          <a:p>
+            <a:endParaRPr/>
+          </a:p>
         </p:txBody>
       </p:sp>
       <p:sp>
         <p:nvSpPr>
           <p:cNvPr id="66" name="Google Shape;66;p8"/>
-          <p:cNvSpPr txBox="1"/>
+          <p:cNvSpPr txBox="1">
+            <a:spLocks noGrp="1"/>
+          </p:cNvSpPr>
           <p:nvPr>
-            <p:ph idx="12" type="sldNum"/>
+            <p:ph type="sldNum" idx="12"/>
           </p:nvPr>
         </p:nvSpPr>
         <p:spPr>
@@ -6616,7 +6730,7 @@
           </a:prstGeom>
         </p:spPr>
         <p:txBody>
-          <a:bodyPr anchorCtr="0" anchor="ctr" bIns="91425" lIns="91425" spcFirstLastPara="1" rIns="91425" wrap="square" tIns="91425">
+          <a:bodyPr spcFirstLastPara="1" wrap="square" lIns="91425" tIns="91425" rIns="91425" bIns="91425" anchor="ctr" anchorCtr="0">
             <a:noAutofit/>
           </a:bodyPr>
           <a:lstStyle>
@@ -6694,7 +6808,7 @@
             </a:lvl9pPr>
           </a:lstStyle>
           <a:p>
-            <a:pPr indent="0" lvl="0" marL="0" rtl="0" algn="r">
+            <a:pPr marL="0" lvl="0" indent="0" algn="r" rtl="0">
               <a:spcBef>
                 <a:spcPts val="0"/>
               </a:spcBef>
@@ -6721,7 +6835,7 @@
           <a:blip r:embed="rId2">
             <a:alphaModFix/>
           </a:blip>
-          <a:srcRect b="31682" l="16874" r="16874" t="31678"/>
+          <a:srcRect l="16874" t="31678" r="16874" b="31682"/>
           <a:stretch/>
         </p:blipFill>
         <p:spPr>
@@ -6747,11 +6861,11 @@
 </file>
 
 <file path=ppt/slideLayouts/slideLayout8.xml><?xml version="1.0" encoding="utf-8"?>
-<p:sldLayout xmlns:a="http://schemas.openxmlformats.org/drawingml/2006/main" xmlns:r="http://schemas.openxmlformats.org/officeDocument/2006/relationships" xmlns:mc="http://schemas.openxmlformats.org/markup-compatibility/2006" xmlns:mv="urn:schemas-microsoft-com:mac:vml" xmlns:p="http://schemas.openxmlformats.org/presentationml/2006/main" xmlns:c="http://schemas.openxmlformats.org/drawingml/2006/chart" xmlns:dgm="http://schemas.openxmlformats.org/drawingml/2006/diagram" xmlns:o="urn:schemas-microsoft-com:office:office" xmlns:v="urn:schemas-microsoft-com:vml" xmlns:pvml="urn:schemas-microsoft-com:office:powerpoint" xmlns:com="http://schemas.openxmlformats.org/drawingml/2006/compatibility" xmlns:p14="http://schemas.microsoft.com/office/powerpoint/2010/main" xmlns:p15="http://schemas.microsoft.com/office/powerpoint/2012/main" matchingName="Section title and description">
+<p:sldLayout xmlns:a="http://schemas.openxmlformats.org/drawingml/2006/main" xmlns:r="http://schemas.openxmlformats.org/officeDocument/2006/relationships" xmlns:p="http://schemas.openxmlformats.org/presentationml/2006/main" matchingName="Section title and description">
   <p:cSld name="SECTION_TITLE_AND_DESCRIPTION">
     <p:spTree>
       <p:nvGrpSpPr>
-        <p:cNvPr id="68" name="Shape 68"/>
+        <p:cNvPr id="1" name="Shape 68"/>
         <p:cNvGrpSpPr/>
         <p:nvPr/>
       </p:nvGrpSpPr>
@@ -6785,12 +6899,12 @@
           </a:ln>
         </p:spPr>
         <p:txBody>
-          <a:bodyPr anchorCtr="0" anchor="ctr" bIns="91425" lIns="91425" spcFirstLastPara="1" rIns="91425" wrap="square" tIns="91425">
+          <a:bodyPr spcFirstLastPara="1" wrap="square" lIns="91425" tIns="91425" rIns="91425" bIns="91425" anchor="ctr" anchorCtr="0">
             <a:noAutofit/>
           </a:bodyPr>
           <a:lstStyle/>
           <a:p>
-            <a:pPr indent="0" lvl="0" marL="0" rtl="0" algn="l">
+            <a:pPr marL="0" lvl="0" indent="0" algn="l" rtl="0">
               <a:spcBef>
                 <a:spcPts val="0"/>
               </a:spcBef>
@@ -6799,9 +6913,6 @@
               </a:spcAft>
               <a:buNone/>
             </a:pPr>
-            <a:r>
-              <a:t/>
-            </a:r>
             <a:endParaRPr/>
           </a:p>
         </p:txBody>
@@ -6842,12 +6953,12 @@
             </a:ln>
           </p:spPr>
           <p:txBody>
-            <a:bodyPr anchorCtr="0" anchor="ctr" bIns="91425" lIns="91425" spcFirstLastPara="1" rIns="91425" wrap="square" tIns="91425">
+            <a:bodyPr spcFirstLastPara="1" wrap="square" lIns="91425" tIns="91425" rIns="91425" bIns="91425" anchor="ctr" anchorCtr="0">
               <a:noAutofit/>
             </a:bodyPr>
             <a:lstStyle/>
             <a:p>
-              <a:pPr indent="0" lvl="0" marL="0" rtl="0" algn="l">
+              <a:pPr marL="0" lvl="0" indent="0" algn="l" rtl="0">
                 <a:spcBef>
                   <a:spcPts val="0"/>
                 </a:spcBef>
@@ -6856,9 +6967,6 @@
                 </a:spcAft>
                 <a:buNone/>
               </a:pPr>
-              <a:r>
-                <a:t/>
-              </a:r>
               <a:endParaRPr/>
             </a:p>
           </p:txBody>
@@ -6885,12 +6993,12 @@
             </a:ln>
           </p:spPr>
           <p:txBody>
-            <a:bodyPr anchorCtr="0" anchor="ctr" bIns="91425" lIns="91425" spcFirstLastPara="1" rIns="91425" wrap="square" tIns="91425">
+            <a:bodyPr spcFirstLastPara="1" wrap="square" lIns="91425" tIns="91425" rIns="91425" bIns="91425" anchor="ctr" anchorCtr="0">
               <a:noAutofit/>
             </a:bodyPr>
             <a:lstStyle/>
             <a:p>
-              <a:pPr indent="0" lvl="0" marL="0" rtl="0" algn="l">
+              <a:pPr marL="0" lvl="0" indent="0" algn="l" rtl="0">
                 <a:spcBef>
                   <a:spcPts val="0"/>
                 </a:spcBef>
@@ -6899,9 +7007,6 @@
                 </a:spcAft>
                 <a:buNone/>
               </a:pPr>
-              <a:r>
-                <a:t/>
-              </a:r>
               <a:endParaRPr/>
             </a:p>
           </p:txBody>
@@ -6910,7 +7015,9 @@
       <p:sp>
         <p:nvSpPr>
           <p:cNvPr id="73" name="Google Shape;73;p9"/>
-          <p:cNvSpPr txBox="1"/>
+          <p:cNvSpPr txBox="1">
+            <a:spLocks noGrp="1"/>
+          </p:cNvSpPr>
           <p:nvPr>
             <p:ph type="title"/>
           </p:nvPr>
@@ -6925,7 +7032,7 @@
           </a:prstGeom>
         </p:spPr>
         <p:txBody>
-          <a:bodyPr anchorCtr="0" anchor="t" bIns="91425" lIns="91425" spcFirstLastPara="1" rIns="91425" wrap="square" tIns="91425">
+          <a:bodyPr spcFirstLastPara="1" wrap="square" lIns="91425" tIns="91425" rIns="91425" bIns="91425" anchor="t" anchorCtr="0">
             <a:noAutofit/>
           </a:bodyPr>
           <a:lstStyle>
@@ -7092,15 +7199,19 @@
               </a:defRPr>
             </a:lvl9pPr>
           </a:lstStyle>
-          <a:p/>
+          <a:p>
+            <a:endParaRPr/>
+          </a:p>
         </p:txBody>
       </p:sp>
       <p:sp>
         <p:nvSpPr>
           <p:cNvPr id="74" name="Google Shape;74;p9"/>
-          <p:cNvSpPr txBox="1"/>
+          <p:cNvSpPr txBox="1">
+            <a:spLocks noGrp="1"/>
+          </p:cNvSpPr>
           <p:nvPr>
-            <p:ph idx="1" type="subTitle"/>
+            <p:ph type="subTitle" idx="1"/>
           </p:nvPr>
         </p:nvSpPr>
         <p:spPr>
@@ -7113,7 +7224,7 @@
           </a:prstGeom>
         </p:spPr>
         <p:txBody>
-          <a:bodyPr anchorCtr="0" anchor="t" bIns="91425" lIns="91425" spcFirstLastPara="1" rIns="91425" wrap="square" tIns="91425">
+          <a:bodyPr spcFirstLastPara="1" wrap="square" lIns="91425" tIns="91425" rIns="91425" bIns="91425" anchor="t" anchorCtr="0">
             <a:noAutofit/>
           </a:bodyPr>
           <a:lstStyle>
@@ -7244,15 +7355,19 @@
               <a:defRPr sz="1600"/>
             </a:lvl9pPr>
           </a:lstStyle>
-          <a:p/>
+          <a:p>
+            <a:endParaRPr/>
+          </a:p>
         </p:txBody>
       </p:sp>
       <p:sp>
         <p:nvSpPr>
           <p:cNvPr id="75" name="Google Shape;75;p9"/>
-          <p:cNvSpPr txBox="1"/>
+          <p:cNvSpPr txBox="1">
+            <a:spLocks noGrp="1"/>
+          </p:cNvSpPr>
           <p:nvPr>
-            <p:ph idx="2" type="body"/>
+            <p:ph type="body" idx="2"/>
           </p:nvPr>
         </p:nvSpPr>
         <p:spPr>
@@ -7265,11 +7380,11 @@
           </a:prstGeom>
         </p:spPr>
         <p:txBody>
-          <a:bodyPr anchorCtr="0" anchor="t" bIns="91425" lIns="91425" spcFirstLastPara="1" rIns="91425" wrap="square" tIns="91425">
+          <a:bodyPr spcFirstLastPara="1" wrap="square" lIns="91425" tIns="91425" rIns="91425" bIns="91425" anchor="t" anchorCtr="0">
             <a:noAutofit/>
           </a:bodyPr>
           <a:lstStyle>
-            <a:lvl1pPr indent="-311150" lvl="0" marL="457200">
+            <a:lvl1pPr marL="457200" lvl="0" indent="-311150">
               <a:spcBef>
                 <a:spcPts val="0"/>
               </a:spcBef>
@@ -7280,7 +7395,7 @@
               <a:buChar char="●"/>
               <a:defRPr/>
             </a:lvl1pPr>
-            <a:lvl2pPr indent="-298450" lvl="1" marL="914400">
+            <a:lvl2pPr marL="914400" lvl="1" indent="-298450">
               <a:spcBef>
                 <a:spcPts val="1600"/>
               </a:spcBef>
@@ -7291,7 +7406,7 @@
               <a:buChar char="○"/>
               <a:defRPr/>
             </a:lvl2pPr>
-            <a:lvl3pPr indent="-298450" lvl="2" marL="1371600">
+            <a:lvl3pPr marL="1371600" lvl="2" indent="-298450">
               <a:spcBef>
                 <a:spcPts val="1600"/>
               </a:spcBef>
@@ -7302,7 +7417,7 @@
               <a:buChar char="■"/>
               <a:defRPr/>
             </a:lvl3pPr>
-            <a:lvl4pPr indent="-298450" lvl="3" marL="1828800">
+            <a:lvl4pPr marL="1828800" lvl="3" indent="-298450">
               <a:spcBef>
                 <a:spcPts val="1600"/>
               </a:spcBef>
@@ -7313,7 +7428,7 @@
               <a:buChar char="●"/>
               <a:defRPr/>
             </a:lvl4pPr>
-            <a:lvl5pPr indent="-298450" lvl="4" marL="2286000">
+            <a:lvl5pPr marL="2286000" lvl="4" indent="-298450">
               <a:spcBef>
                 <a:spcPts val="1600"/>
               </a:spcBef>
@@ -7324,7 +7439,7 @@
               <a:buChar char="○"/>
               <a:defRPr/>
             </a:lvl5pPr>
-            <a:lvl6pPr indent="-298450" lvl="5" marL="2743200">
+            <a:lvl6pPr marL="2743200" lvl="5" indent="-298450">
               <a:spcBef>
                 <a:spcPts val="1600"/>
               </a:spcBef>
@@ -7335,7 +7450,7 @@
               <a:buChar char="■"/>
               <a:defRPr/>
             </a:lvl6pPr>
-            <a:lvl7pPr indent="-298450" lvl="6" marL="3200400">
+            <a:lvl7pPr marL="3200400" lvl="6" indent="-298450">
               <a:spcBef>
                 <a:spcPts val="1600"/>
               </a:spcBef>
@@ -7346,7 +7461,7 @@
               <a:buChar char="●"/>
               <a:defRPr/>
             </a:lvl7pPr>
-            <a:lvl8pPr indent="-298450" lvl="7" marL="3657600">
+            <a:lvl8pPr marL="3657600" lvl="7" indent="-298450">
               <a:spcBef>
                 <a:spcPts val="1600"/>
               </a:spcBef>
@@ -7357,7 +7472,7 @@
               <a:buChar char="○"/>
               <a:defRPr/>
             </a:lvl8pPr>
-            <a:lvl9pPr indent="-298450" lvl="8" marL="4114800">
+            <a:lvl9pPr marL="4114800" lvl="8" indent="-298450">
               <a:spcBef>
                 <a:spcPts val="1600"/>
               </a:spcBef>
@@ -7369,15 +7484,19 @@
               <a:defRPr/>
             </a:lvl9pPr>
           </a:lstStyle>
-          <a:p/>
+          <a:p>
+            <a:endParaRPr/>
+          </a:p>
         </p:txBody>
       </p:sp>
       <p:sp>
         <p:nvSpPr>
           <p:cNvPr id="76" name="Google Shape;76;p9"/>
-          <p:cNvSpPr txBox="1"/>
+          <p:cNvSpPr txBox="1">
+            <a:spLocks noGrp="1"/>
+          </p:cNvSpPr>
           <p:nvPr>
-            <p:ph idx="12" type="sldNum"/>
+            <p:ph type="sldNum" idx="12"/>
           </p:nvPr>
         </p:nvSpPr>
         <p:spPr>
@@ -7390,7 +7509,7 @@
           </a:prstGeom>
         </p:spPr>
         <p:txBody>
-          <a:bodyPr anchorCtr="0" anchor="ctr" bIns="91425" lIns="91425" spcFirstLastPara="1" rIns="91425" wrap="square" tIns="91425">
+          <a:bodyPr spcFirstLastPara="1" wrap="square" lIns="91425" tIns="91425" rIns="91425" bIns="91425" anchor="ctr" anchorCtr="0">
             <a:noAutofit/>
           </a:bodyPr>
           <a:lstStyle>
@@ -7432,7 +7551,7 @@
             </a:lvl9pPr>
           </a:lstStyle>
           <a:p>
-            <a:pPr indent="0" lvl="0" marL="0" rtl="0" algn="r">
+            <a:pPr marL="0" lvl="0" indent="0" algn="r" rtl="0">
               <a:spcBef>
                 <a:spcPts val="0"/>
               </a:spcBef>
@@ -7459,7 +7578,7 @@
           <a:blip r:embed="rId2">
             <a:alphaModFix/>
           </a:blip>
-          <a:srcRect b="31682" l="16874" r="16874" t="31678"/>
+          <a:srcRect l="16874" t="31678" r="16874" b="31682"/>
           <a:stretch/>
         </p:blipFill>
         <p:spPr>
@@ -7485,11 +7604,11 @@
 </file>
 
 <file path=ppt/slideLayouts/slideLayout9.xml><?xml version="1.0" encoding="utf-8"?>
-<p:sldLayout xmlns:a="http://schemas.openxmlformats.org/drawingml/2006/main" xmlns:r="http://schemas.openxmlformats.org/officeDocument/2006/relationships" xmlns:mc="http://schemas.openxmlformats.org/markup-compatibility/2006" xmlns:mv="urn:schemas-microsoft-com:mac:vml" xmlns:p="http://schemas.openxmlformats.org/presentationml/2006/main" xmlns:c="http://schemas.openxmlformats.org/drawingml/2006/chart" xmlns:dgm="http://schemas.openxmlformats.org/drawingml/2006/diagram" xmlns:o="urn:schemas-microsoft-com:office:office" xmlns:v="urn:schemas-microsoft-com:vml" xmlns:pvml="urn:schemas-microsoft-com:office:powerpoint" xmlns:com="http://schemas.openxmlformats.org/drawingml/2006/compatibility" xmlns:p14="http://schemas.microsoft.com/office/powerpoint/2010/main" xmlns:p15="http://schemas.microsoft.com/office/powerpoint/2012/main" matchingName="Caption">
+<p:sldLayout xmlns:a="http://schemas.openxmlformats.org/drawingml/2006/main" xmlns:r="http://schemas.openxmlformats.org/officeDocument/2006/relationships" xmlns:p="http://schemas.openxmlformats.org/presentationml/2006/main" matchingName="Caption">
   <p:cSld name="CAPTION_ONLY">
     <p:spTree>
       <p:nvGrpSpPr>
-        <p:cNvPr id="78" name="Shape 78"/>
+        <p:cNvPr id="1" name="Shape 78"/>
         <p:cNvGrpSpPr/>
         <p:nvPr/>
       </p:nvGrpSpPr>
@@ -7504,9 +7623,11 @@
       <p:sp>
         <p:nvSpPr>
           <p:cNvPr id="79" name="Google Shape;79;p10"/>
-          <p:cNvSpPr txBox="1"/>
+          <p:cNvSpPr txBox="1">
+            <a:spLocks noGrp="1"/>
+          </p:cNvSpPr>
           <p:nvPr>
-            <p:ph idx="1" type="body"/>
+            <p:ph type="body" idx="1"/>
           </p:nvPr>
         </p:nvSpPr>
         <p:spPr>
@@ -7519,11 +7640,11 @@
           </a:prstGeom>
         </p:spPr>
         <p:txBody>
-          <a:bodyPr anchorCtr="0" anchor="ctr" bIns="91425" lIns="91425" spcFirstLastPara="1" rIns="91425" wrap="square" tIns="91425">
+          <a:bodyPr spcFirstLastPara="1" wrap="square" lIns="91425" tIns="91425" rIns="91425" bIns="91425" anchor="ctr" anchorCtr="0">
             <a:noAutofit/>
           </a:bodyPr>
           <a:lstStyle>
-            <a:lvl1pPr indent="-228600" lvl="0" marL="457200">
+            <a:lvl1pPr marL="457200" lvl="0" indent="-228600">
               <a:lnSpc>
                 <a:spcPct val="100000"/>
               </a:lnSpc>
@@ -7538,15 +7659,19 @@
               <a:defRPr/>
             </a:lvl1pPr>
           </a:lstStyle>
-          <a:p/>
+          <a:p>
+            <a:endParaRPr/>
+          </a:p>
         </p:txBody>
       </p:sp>
       <p:sp>
         <p:nvSpPr>
           <p:cNvPr id="80" name="Google Shape;80;p10"/>
-          <p:cNvSpPr txBox="1"/>
+          <p:cNvSpPr txBox="1">
+            <a:spLocks noGrp="1"/>
+          </p:cNvSpPr>
           <p:nvPr>
-            <p:ph idx="12" type="sldNum"/>
+            <p:ph type="sldNum" idx="12"/>
           </p:nvPr>
         </p:nvSpPr>
         <p:spPr>
@@ -7559,7 +7684,7 @@
           </a:prstGeom>
         </p:spPr>
         <p:txBody>
-          <a:bodyPr anchorCtr="0" anchor="ctr" bIns="91425" lIns="91425" spcFirstLastPara="1" rIns="91425" wrap="square" tIns="91425">
+          <a:bodyPr spcFirstLastPara="1" wrap="square" lIns="91425" tIns="91425" rIns="91425" bIns="91425" anchor="ctr" anchorCtr="0">
             <a:noAutofit/>
           </a:bodyPr>
           <a:lstStyle>
@@ -7601,7 +7726,7 @@
             </a:lvl9pPr>
           </a:lstStyle>
           <a:p>
-            <a:pPr indent="0" lvl="0" marL="0" rtl="0" algn="r">
+            <a:pPr marL="0" lvl="0" indent="0" algn="r" rtl="0">
               <a:spcBef>
                 <a:spcPts val="0"/>
               </a:spcBef>
@@ -7628,7 +7753,7 @@
           <a:blip r:embed="rId2">
             <a:alphaModFix/>
           </a:blip>
-          <a:srcRect b="31682" l="16874" r="16874" t="31678"/>
+          <a:srcRect l="16874" t="31678" r="16874" b="31682"/>
           <a:stretch/>
         </p:blipFill>
         <p:spPr>
@@ -7654,18 +7779,19 @@
 </file>
 
 <file path=ppt/slideMasters/slideMaster1.xml><?xml version="1.0" encoding="utf-8"?>
-<p:sldMaster xmlns:a="http://schemas.openxmlformats.org/drawingml/2006/main" xmlns:r="http://schemas.openxmlformats.org/officeDocument/2006/relationships" xmlns:mc="http://schemas.openxmlformats.org/markup-compatibility/2006" xmlns:mv="urn:schemas-microsoft-com:mac:vml" xmlns:p="http://schemas.openxmlformats.org/presentationml/2006/main" xmlns:c="http://schemas.openxmlformats.org/drawingml/2006/chart" xmlns:dgm="http://schemas.openxmlformats.org/drawingml/2006/diagram" xmlns:o="urn:schemas-microsoft-com:office:office" xmlns:v="urn:schemas-microsoft-com:vml" xmlns:pvml="urn:schemas-microsoft-com:office:powerpoint" xmlns:com="http://schemas.openxmlformats.org/drawingml/2006/compatibility" xmlns:p14="http://schemas.microsoft.com/office/powerpoint/2010/main" xmlns:p15="http://schemas.microsoft.com/office/powerpoint/2012/main">
+<p:sldMaster xmlns:a="http://schemas.openxmlformats.org/drawingml/2006/main" xmlns:r="http://schemas.openxmlformats.org/officeDocument/2006/relationships" xmlns:p="http://schemas.openxmlformats.org/presentationml/2006/main">
   <p:cSld name="streamline">
     <p:bg>
       <p:bgPr>
         <a:solidFill>
           <a:schemeClr val="lt1"/>
         </a:solidFill>
+        <a:effectLst/>
       </p:bgPr>
     </p:bg>
     <p:spTree>
       <p:nvGrpSpPr>
-        <p:cNvPr id="5" name="Shape 5"/>
+        <p:cNvPr id="1" name="Shape 5"/>
         <p:cNvGrpSpPr/>
         <p:nvPr/>
       </p:nvGrpSpPr>
@@ -7680,7 +7806,9 @@
       <p:sp>
         <p:nvSpPr>
           <p:cNvPr id="6" name="Google Shape;6;p1"/>
-          <p:cNvSpPr txBox="1"/>
+          <p:cNvSpPr txBox="1">
+            <a:spLocks noGrp="1"/>
+          </p:cNvSpPr>
           <p:nvPr>
             <p:ph type="title"/>
           </p:nvPr>
@@ -7699,7 +7827,7 @@
           </a:ln>
         </p:spPr>
         <p:txBody>
-          <a:bodyPr anchorCtr="0" anchor="t" bIns="91425" lIns="91425" spcFirstLastPara="1" rIns="91425" wrap="square" tIns="91425">
+          <a:bodyPr spcFirstLastPara="1" wrap="square" lIns="91425" tIns="91425" rIns="91425" bIns="91425" anchor="t" anchorCtr="0">
             <a:noAutofit/>
           </a:bodyPr>
           <a:lstStyle>
@@ -7713,7 +7841,7 @@
               <a:buSzPts val="2800"/>
               <a:buFont typeface="Raleway"/>
               <a:buNone/>
-              <a:defRPr b="1" sz="2800">
+              <a:defRPr sz="2800" b="1">
                 <a:latin typeface="Raleway"/>
                 <a:ea typeface="Raleway"/>
                 <a:cs typeface="Raleway"/>
@@ -7730,7 +7858,7 @@
               <a:buSzPts val="2800"/>
               <a:buFont typeface="Raleway"/>
               <a:buNone/>
-              <a:defRPr b="1" sz="2800">
+              <a:defRPr sz="2800" b="1">
                 <a:latin typeface="Raleway"/>
                 <a:ea typeface="Raleway"/>
                 <a:cs typeface="Raleway"/>
@@ -7747,7 +7875,7 @@
               <a:buSzPts val="2800"/>
               <a:buFont typeface="Raleway"/>
               <a:buNone/>
-              <a:defRPr b="1" sz="2800">
+              <a:defRPr sz="2800" b="1">
                 <a:latin typeface="Raleway"/>
                 <a:ea typeface="Raleway"/>
                 <a:cs typeface="Raleway"/>
@@ -7764,7 +7892,7 @@
               <a:buSzPts val="2800"/>
               <a:buFont typeface="Raleway"/>
               <a:buNone/>
-              <a:defRPr b="1" sz="2800">
+              <a:defRPr sz="2800" b="1">
                 <a:latin typeface="Raleway"/>
                 <a:ea typeface="Raleway"/>
                 <a:cs typeface="Raleway"/>
@@ -7781,7 +7909,7 @@
               <a:buSzPts val="2800"/>
               <a:buFont typeface="Raleway"/>
               <a:buNone/>
-              <a:defRPr b="1" sz="2800">
+              <a:defRPr sz="2800" b="1">
                 <a:latin typeface="Raleway"/>
                 <a:ea typeface="Raleway"/>
                 <a:cs typeface="Raleway"/>
@@ -7798,7 +7926,7 @@
               <a:buSzPts val="2800"/>
               <a:buFont typeface="Raleway"/>
               <a:buNone/>
-              <a:defRPr b="1" sz="2800">
+              <a:defRPr sz="2800" b="1">
                 <a:latin typeface="Raleway"/>
                 <a:ea typeface="Raleway"/>
                 <a:cs typeface="Raleway"/>
@@ -7815,7 +7943,7 @@
               <a:buSzPts val="2800"/>
               <a:buFont typeface="Raleway"/>
               <a:buNone/>
-              <a:defRPr b="1" sz="2800">
+              <a:defRPr sz="2800" b="1">
                 <a:latin typeface="Raleway"/>
                 <a:ea typeface="Raleway"/>
                 <a:cs typeface="Raleway"/>
@@ -7832,7 +7960,7 @@
               <a:buSzPts val="2800"/>
               <a:buFont typeface="Raleway"/>
               <a:buNone/>
-              <a:defRPr b="1" sz="2800">
+              <a:defRPr sz="2800" b="1">
                 <a:latin typeface="Raleway"/>
                 <a:ea typeface="Raleway"/>
                 <a:cs typeface="Raleway"/>
@@ -7849,7 +7977,7 @@
               <a:buSzPts val="2800"/>
               <a:buFont typeface="Raleway"/>
               <a:buNone/>
-              <a:defRPr b="1" sz="2800">
+              <a:defRPr sz="2800" b="1">
                 <a:latin typeface="Raleway"/>
                 <a:ea typeface="Raleway"/>
                 <a:cs typeface="Raleway"/>
@@ -7857,15 +7985,19 @@
               </a:defRPr>
             </a:lvl9pPr>
           </a:lstStyle>
-          <a:p/>
+          <a:p>
+            <a:endParaRPr/>
+          </a:p>
         </p:txBody>
       </p:sp>
       <p:sp>
         <p:nvSpPr>
           <p:cNvPr id="7" name="Google Shape;7;p1"/>
-          <p:cNvSpPr txBox="1"/>
+          <p:cNvSpPr txBox="1">
+            <a:spLocks noGrp="1"/>
+          </p:cNvSpPr>
           <p:nvPr>
-            <p:ph idx="1" type="body"/>
+            <p:ph type="body" idx="1"/>
           </p:nvPr>
         </p:nvSpPr>
         <p:spPr>
@@ -7882,11 +8014,11 @@
           </a:ln>
         </p:spPr>
         <p:txBody>
-          <a:bodyPr anchorCtr="0" anchor="t" bIns="91425" lIns="91425" spcFirstLastPara="1" rIns="91425" wrap="square" tIns="91425">
+          <a:bodyPr spcFirstLastPara="1" wrap="square" lIns="91425" tIns="91425" rIns="91425" bIns="91425" anchor="t" anchorCtr="0">
             <a:noAutofit/>
           </a:bodyPr>
           <a:lstStyle>
-            <a:lvl1pPr indent="-311150" lvl="0" marL="457200">
+            <a:lvl1pPr marL="457200" lvl="0" indent="-311150">
               <a:lnSpc>
                 <a:spcPct val="115000"/>
               </a:lnSpc>
@@ -7912,7 +8044,7 @@
                 <a:sym typeface="Lato"/>
               </a:defRPr>
             </a:lvl1pPr>
-            <a:lvl2pPr indent="-298450" lvl="1" marL="914400">
+            <a:lvl2pPr marL="914400" lvl="1" indent="-298450">
               <a:lnSpc>
                 <a:spcPct val="115000"/>
               </a:lnSpc>
@@ -7938,7 +8070,7 @@
                 <a:sym typeface="Lato"/>
               </a:defRPr>
             </a:lvl2pPr>
-            <a:lvl3pPr indent="-298450" lvl="2" marL="1371600">
+            <a:lvl3pPr marL="1371600" lvl="2" indent="-298450">
               <a:lnSpc>
                 <a:spcPct val="115000"/>
               </a:lnSpc>
@@ -7964,7 +8096,7 @@
                 <a:sym typeface="Lato"/>
               </a:defRPr>
             </a:lvl3pPr>
-            <a:lvl4pPr indent="-298450" lvl="3" marL="1828800">
+            <a:lvl4pPr marL="1828800" lvl="3" indent="-298450">
               <a:lnSpc>
                 <a:spcPct val="115000"/>
               </a:lnSpc>
@@ -7990,7 +8122,7 @@
                 <a:sym typeface="Lato"/>
               </a:defRPr>
             </a:lvl4pPr>
-            <a:lvl5pPr indent="-298450" lvl="4" marL="2286000">
+            <a:lvl5pPr marL="2286000" lvl="4" indent="-298450">
               <a:lnSpc>
                 <a:spcPct val="115000"/>
               </a:lnSpc>
@@ -8016,7 +8148,7 @@
                 <a:sym typeface="Lato"/>
               </a:defRPr>
             </a:lvl5pPr>
-            <a:lvl6pPr indent="-298450" lvl="5" marL="2743200">
+            <a:lvl6pPr marL="2743200" lvl="5" indent="-298450">
               <a:lnSpc>
                 <a:spcPct val="115000"/>
               </a:lnSpc>
@@ -8042,7 +8174,7 @@
                 <a:sym typeface="Lato"/>
               </a:defRPr>
             </a:lvl6pPr>
-            <a:lvl7pPr indent="-298450" lvl="6" marL="3200400">
+            <a:lvl7pPr marL="3200400" lvl="6" indent="-298450">
               <a:lnSpc>
                 <a:spcPct val="115000"/>
               </a:lnSpc>
@@ -8068,7 +8200,7 @@
                 <a:sym typeface="Lato"/>
               </a:defRPr>
             </a:lvl7pPr>
-            <a:lvl8pPr indent="-298450" lvl="7" marL="3657600">
+            <a:lvl8pPr marL="3657600" lvl="7" indent="-298450">
               <a:lnSpc>
                 <a:spcPct val="115000"/>
               </a:lnSpc>
@@ -8094,7 +8226,7 @@
                 <a:sym typeface="Lato"/>
               </a:defRPr>
             </a:lvl8pPr>
-            <a:lvl9pPr indent="-298450" lvl="8" marL="4114800">
+            <a:lvl9pPr marL="4114800" lvl="8" indent="-298450">
               <a:lnSpc>
                 <a:spcPct val="115000"/>
               </a:lnSpc>
@@ -8121,15 +8253,19 @@
               </a:defRPr>
             </a:lvl9pPr>
           </a:lstStyle>
-          <a:p/>
+          <a:p>
+            <a:endParaRPr/>
+          </a:p>
         </p:txBody>
       </p:sp>
       <p:sp>
         <p:nvSpPr>
           <p:cNvPr id="8" name="Google Shape;8;p1"/>
-          <p:cNvSpPr txBox="1"/>
+          <p:cNvSpPr txBox="1">
+            <a:spLocks noGrp="1"/>
+          </p:cNvSpPr>
           <p:nvPr>
-            <p:ph idx="12" type="sldNum"/>
+            <p:ph type="sldNum" idx="12"/>
           </p:nvPr>
         </p:nvSpPr>
         <p:spPr>
@@ -8146,7 +8282,7 @@
           </a:ln>
         </p:spPr>
         <p:txBody>
-          <a:bodyPr anchorCtr="0" anchor="ctr" bIns="91425" lIns="91425" spcFirstLastPara="1" rIns="91425" wrap="square" tIns="91425">
+          <a:bodyPr spcFirstLastPara="1" wrap="square" lIns="91425" tIns="91425" rIns="91425" bIns="91425" anchor="ctr" anchorCtr="0">
             <a:noAutofit/>
           </a:bodyPr>
           <a:lstStyle>
@@ -8260,7 +8396,7 @@
             </a:lvl9pPr>
           </a:lstStyle>
           <a:p>
-            <a:pPr indent="0" lvl="0" marL="0" rtl="0" algn="r">
+            <a:pPr marL="0" lvl="0" indent="0" algn="r" rtl="0">
               <a:spcBef>
                 <a:spcPts val="0"/>
               </a:spcBef>
@@ -8279,7 +8415,7 @@
       </p:sp>
     </p:spTree>
   </p:cSld>
-  <p:clrMap accent1="accent1" accent2="accent2" accent3="accent3" accent4="accent4" accent5="accent5" accent6="accent6" bg1="lt1" bg2="dk2" tx1="dk1" tx2="lt2" folHlink="folHlink" hlink="hlink"/>
+  <p:clrMap bg1="lt1" tx1="dk1" bg2="dk2" tx2="lt2" accent1="accent1" accent2="accent2" accent3="accent3" accent4="accent4" accent5="accent5" accent6="accent6" hlink="hlink" folHlink="folHlink"/>
   <p:sldLayoutIdLst>
     <p:sldLayoutId id="2147483648" r:id="rId1"/>
     <p:sldLayoutId id="2147483649" r:id="rId2"/>
@@ -8294,10 +8430,10 @@
     <p:sldLayoutId id="2147483658" r:id="rId11"/>
     <p:sldLayoutId id="2147483659" r:id="rId12"/>
   </p:sldLayoutIdLst>
-  <p:hf dt="0" ftr="0" hdr="0" sldNum="0"/>
+  <p:hf sldNum="0" hdr="0" ftr="0" dt="0"/>
   <p:txStyles>
     <p:titleStyle>
-      <a:defPPr lvl="0" marR="0" rtl="0" algn="l">
+      <a:defPPr marR="0" lvl="0" algn="l" rtl="0">
         <a:lnSpc>
           <a:spcPct val="100000"/>
         </a:lnSpc>
@@ -8308,7 +8444,7 @@
           <a:spcPts val="0"/>
         </a:spcAft>
       </a:defPPr>
-      <a:lvl1pPr lvl="0" marR="0" rtl="0" algn="l">
+      <a:lvl1pPr marR="0" lvl="0" algn="l" rtl="0">
         <a:lnSpc>
           <a:spcPct val="100000"/>
         </a:lnSpc>
@@ -8322,7 +8458,7 @@
           <a:srgbClr val="000000"/>
         </a:buClr>
         <a:buFont typeface="Arial"/>
-        <a:defRPr b="0" i="0" sz="1400" u="none" cap="none" strike="noStrike">
+        <a:defRPr sz="1400" b="0" i="0" u="none" strike="noStrike" cap="none">
           <a:solidFill>
             <a:srgbClr val="000000"/>
           </a:solidFill>
@@ -8332,7 +8468,7 @@
           <a:sym typeface="Arial"/>
         </a:defRPr>
       </a:lvl1pPr>
-      <a:lvl2pPr lvl="1" marR="0" rtl="0" algn="l">
+      <a:lvl2pPr marR="0" lvl="1" algn="l" rtl="0">
         <a:lnSpc>
           <a:spcPct val="100000"/>
         </a:lnSpc>
@@ -8346,7 +8482,7 @@
           <a:srgbClr val="000000"/>
         </a:buClr>
         <a:buFont typeface="Arial"/>
-        <a:defRPr b="0" i="0" sz="1400" u="none" cap="none" strike="noStrike">
+        <a:defRPr sz="1400" b="0" i="0" u="none" strike="noStrike" cap="none">
           <a:solidFill>
             <a:srgbClr val="000000"/>
           </a:solidFill>
@@ -8356,7 +8492,7 @@
           <a:sym typeface="Arial"/>
         </a:defRPr>
       </a:lvl2pPr>
-      <a:lvl3pPr lvl="2" marR="0" rtl="0" algn="l">
+      <a:lvl3pPr marR="0" lvl="2" algn="l" rtl="0">
         <a:lnSpc>
           <a:spcPct val="100000"/>
         </a:lnSpc>
@@ -8370,7 +8506,7 @@
           <a:srgbClr val="000000"/>
         </a:buClr>
         <a:buFont typeface="Arial"/>
-        <a:defRPr b="0" i="0" sz="1400" u="none" cap="none" strike="noStrike">
+        <a:defRPr sz="1400" b="0" i="0" u="none" strike="noStrike" cap="none">
           <a:solidFill>
             <a:srgbClr val="000000"/>
           </a:solidFill>
@@ -8380,7 +8516,7 @@
           <a:sym typeface="Arial"/>
         </a:defRPr>
       </a:lvl3pPr>
-      <a:lvl4pPr lvl="3" marR="0" rtl="0" algn="l">
+      <a:lvl4pPr marR="0" lvl="3" algn="l" rtl="0">
         <a:lnSpc>
           <a:spcPct val="100000"/>
         </a:lnSpc>
@@ -8394,7 +8530,7 @@
           <a:srgbClr val="000000"/>
         </a:buClr>
         <a:buFont typeface="Arial"/>
-        <a:defRPr b="0" i="0" sz="1400" u="none" cap="none" strike="noStrike">
+        <a:defRPr sz="1400" b="0" i="0" u="none" strike="noStrike" cap="none">
           <a:solidFill>
             <a:srgbClr val="000000"/>
           </a:solidFill>
@@ -8404,7 +8540,7 @@
           <a:sym typeface="Arial"/>
         </a:defRPr>
       </a:lvl4pPr>
-      <a:lvl5pPr lvl="4" marR="0" rtl="0" algn="l">
+      <a:lvl5pPr marR="0" lvl="4" algn="l" rtl="0">
         <a:lnSpc>
           <a:spcPct val="100000"/>
         </a:lnSpc>
@@ -8418,7 +8554,7 @@
           <a:srgbClr val="000000"/>
         </a:buClr>
         <a:buFont typeface="Arial"/>
-        <a:defRPr b="0" i="0" sz="1400" u="none" cap="none" strike="noStrike">
+        <a:defRPr sz="1400" b="0" i="0" u="none" strike="noStrike" cap="none">
           <a:solidFill>
             <a:srgbClr val="000000"/>
           </a:solidFill>
@@ -8428,7 +8564,7 @@
           <a:sym typeface="Arial"/>
         </a:defRPr>
       </a:lvl5pPr>
-      <a:lvl6pPr lvl="5" marR="0" rtl="0" algn="l">
+      <a:lvl6pPr marR="0" lvl="5" algn="l" rtl="0">
         <a:lnSpc>
           <a:spcPct val="100000"/>
         </a:lnSpc>
@@ -8442,7 +8578,7 @@
           <a:srgbClr val="000000"/>
         </a:buClr>
         <a:buFont typeface="Arial"/>
-        <a:defRPr b="0" i="0" sz="1400" u="none" cap="none" strike="noStrike">
+        <a:defRPr sz="1400" b="0" i="0" u="none" strike="noStrike" cap="none">
           <a:solidFill>
             <a:srgbClr val="000000"/>
           </a:solidFill>
@@ -8452,7 +8588,7 @@
           <a:sym typeface="Arial"/>
         </a:defRPr>
       </a:lvl6pPr>
-      <a:lvl7pPr lvl="6" marR="0" rtl="0" algn="l">
+      <a:lvl7pPr marR="0" lvl="6" algn="l" rtl="0">
         <a:lnSpc>
           <a:spcPct val="100000"/>
         </a:lnSpc>
@@ -8466,7 +8602,7 @@
           <a:srgbClr val="000000"/>
         </a:buClr>
         <a:buFont typeface="Arial"/>
-        <a:defRPr b="0" i="0" sz="1400" u="none" cap="none" strike="noStrike">
+        <a:defRPr sz="1400" b="0" i="0" u="none" strike="noStrike" cap="none">
           <a:solidFill>
             <a:srgbClr val="000000"/>
           </a:solidFill>
@@ -8476,7 +8612,7 @@
           <a:sym typeface="Arial"/>
         </a:defRPr>
       </a:lvl7pPr>
-      <a:lvl8pPr lvl="7" marR="0" rtl="0" algn="l">
+      <a:lvl8pPr marR="0" lvl="7" algn="l" rtl="0">
         <a:lnSpc>
           <a:spcPct val="100000"/>
         </a:lnSpc>
@@ -8490,7 +8626,7 @@
           <a:srgbClr val="000000"/>
         </a:buClr>
         <a:buFont typeface="Arial"/>
-        <a:defRPr b="0" i="0" sz="1400" u="none" cap="none" strike="noStrike">
+        <a:defRPr sz="1400" b="0" i="0" u="none" strike="noStrike" cap="none">
           <a:solidFill>
             <a:srgbClr val="000000"/>
           </a:solidFill>
@@ -8500,7 +8636,7 @@
           <a:sym typeface="Arial"/>
         </a:defRPr>
       </a:lvl8pPr>
-      <a:lvl9pPr lvl="8" marR="0" rtl="0" algn="l">
+      <a:lvl9pPr marR="0" lvl="8" algn="l" rtl="0">
         <a:lnSpc>
           <a:spcPct val="100000"/>
         </a:lnSpc>
@@ -8514,7 +8650,7 @@
           <a:srgbClr val="000000"/>
         </a:buClr>
         <a:buFont typeface="Arial"/>
-        <a:defRPr b="0" i="0" sz="1400" u="none" cap="none" strike="noStrike">
+        <a:defRPr sz="1400" b="0" i="0" u="none" strike="noStrike" cap="none">
           <a:solidFill>
             <a:srgbClr val="000000"/>
           </a:solidFill>
@@ -8526,7 +8662,7 @@
       </a:lvl9pPr>
     </p:titleStyle>
     <p:bodyStyle>
-      <a:defPPr lvl="0" marR="0" rtl="0" algn="l">
+      <a:defPPr marR="0" lvl="0" algn="l" rtl="0">
         <a:lnSpc>
           <a:spcPct val="100000"/>
         </a:lnSpc>
@@ -8537,7 +8673,7 @@
           <a:spcPts val="0"/>
         </a:spcAft>
       </a:defPPr>
-      <a:lvl1pPr lvl="0" marR="0" rtl="0" algn="l">
+      <a:lvl1pPr marR="0" lvl="0" algn="l" rtl="0">
         <a:lnSpc>
           <a:spcPct val="100000"/>
         </a:lnSpc>
@@ -8551,7 +8687,7 @@
           <a:srgbClr val="000000"/>
         </a:buClr>
         <a:buFont typeface="Arial"/>
-        <a:defRPr b="0" i="0" sz="1400" u="none" cap="none" strike="noStrike">
+        <a:defRPr sz="1400" b="0" i="0" u="none" strike="noStrike" cap="none">
           <a:solidFill>
             <a:srgbClr val="000000"/>
           </a:solidFill>
@@ -8561,7 +8697,7 @@
           <a:sym typeface="Arial"/>
         </a:defRPr>
       </a:lvl1pPr>
-      <a:lvl2pPr lvl="1" marR="0" rtl="0" algn="l">
+      <a:lvl2pPr marR="0" lvl="1" algn="l" rtl="0">
         <a:lnSpc>
           <a:spcPct val="100000"/>
         </a:lnSpc>
@@ -8575,7 +8711,7 @@
           <a:srgbClr val="000000"/>
         </a:buClr>
         <a:buFont typeface="Arial"/>
-        <a:defRPr b="0" i="0" sz="1400" u="none" cap="none" strike="noStrike">
+        <a:defRPr sz="1400" b="0" i="0" u="none" strike="noStrike" cap="none">
           <a:solidFill>
             <a:srgbClr val="000000"/>
           </a:solidFill>
@@ -8585,7 +8721,7 @@
           <a:sym typeface="Arial"/>
         </a:defRPr>
       </a:lvl2pPr>
-      <a:lvl3pPr lvl="2" marR="0" rtl="0" algn="l">
+      <a:lvl3pPr marR="0" lvl="2" algn="l" rtl="0">
         <a:lnSpc>
           <a:spcPct val="100000"/>
         </a:lnSpc>
@@ -8599,7 +8735,7 @@
           <a:srgbClr val="000000"/>
         </a:buClr>
         <a:buFont typeface="Arial"/>
-        <a:defRPr b="0" i="0" sz="1400" u="none" cap="none" strike="noStrike">
+        <a:defRPr sz="1400" b="0" i="0" u="none" strike="noStrike" cap="none">
           <a:solidFill>
             <a:srgbClr val="000000"/>
           </a:solidFill>
@@ -8609,7 +8745,7 @@
           <a:sym typeface="Arial"/>
         </a:defRPr>
       </a:lvl3pPr>
-      <a:lvl4pPr lvl="3" marR="0" rtl="0" algn="l">
+      <a:lvl4pPr marR="0" lvl="3" algn="l" rtl="0">
         <a:lnSpc>
           <a:spcPct val="100000"/>
         </a:lnSpc>
@@ -8623,7 +8759,7 @@
           <a:srgbClr val="000000"/>
         </a:buClr>
         <a:buFont typeface="Arial"/>
-        <a:defRPr b="0" i="0" sz="1400" u="none" cap="none" strike="noStrike">
+        <a:defRPr sz="1400" b="0" i="0" u="none" strike="noStrike" cap="none">
           <a:solidFill>
             <a:srgbClr val="000000"/>
           </a:solidFill>
@@ -8633,7 +8769,7 @@
           <a:sym typeface="Arial"/>
         </a:defRPr>
       </a:lvl4pPr>
-      <a:lvl5pPr lvl="4" marR="0" rtl="0" algn="l">
+      <a:lvl5pPr marR="0" lvl="4" algn="l" rtl="0">
         <a:lnSpc>
           <a:spcPct val="100000"/>
         </a:lnSpc>
@@ -8647,7 +8783,7 @@
           <a:srgbClr val="000000"/>
         </a:buClr>
         <a:buFont typeface="Arial"/>
-        <a:defRPr b="0" i="0" sz="1400" u="none" cap="none" strike="noStrike">
+        <a:defRPr sz="1400" b="0" i="0" u="none" strike="noStrike" cap="none">
           <a:solidFill>
             <a:srgbClr val="000000"/>
           </a:solidFill>
@@ -8657,7 +8793,7 @@
           <a:sym typeface="Arial"/>
         </a:defRPr>
       </a:lvl5pPr>
-      <a:lvl6pPr lvl="5" marR="0" rtl="0" algn="l">
+      <a:lvl6pPr marR="0" lvl="5" algn="l" rtl="0">
         <a:lnSpc>
           <a:spcPct val="100000"/>
         </a:lnSpc>
@@ -8671,7 +8807,7 @@
           <a:srgbClr val="000000"/>
         </a:buClr>
         <a:buFont typeface="Arial"/>
-        <a:defRPr b="0" i="0" sz="1400" u="none" cap="none" strike="noStrike">
+        <a:defRPr sz="1400" b="0" i="0" u="none" strike="noStrike" cap="none">
           <a:solidFill>
             <a:srgbClr val="000000"/>
           </a:solidFill>
@@ -8681,7 +8817,7 @@
           <a:sym typeface="Arial"/>
         </a:defRPr>
       </a:lvl6pPr>
-      <a:lvl7pPr lvl="6" marR="0" rtl="0" algn="l">
+      <a:lvl7pPr marR="0" lvl="6" algn="l" rtl="0">
         <a:lnSpc>
           <a:spcPct val="100000"/>
         </a:lnSpc>
@@ -8695,7 +8831,7 @@
           <a:srgbClr val="000000"/>
         </a:buClr>
         <a:buFont typeface="Arial"/>
-        <a:defRPr b="0" i="0" sz="1400" u="none" cap="none" strike="noStrike">
+        <a:defRPr sz="1400" b="0" i="0" u="none" strike="noStrike" cap="none">
           <a:solidFill>
             <a:srgbClr val="000000"/>
           </a:solidFill>
@@ -8705,7 +8841,7 @@
           <a:sym typeface="Arial"/>
         </a:defRPr>
       </a:lvl7pPr>
-      <a:lvl8pPr lvl="7" marR="0" rtl="0" algn="l">
+      <a:lvl8pPr marR="0" lvl="7" algn="l" rtl="0">
         <a:lnSpc>
           <a:spcPct val="100000"/>
         </a:lnSpc>
@@ -8719,7 +8855,7 @@
           <a:srgbClr val="000000"/>
         </a:buClr>
         <a:buFont typeface="Arial"/>
-        <a:defRPr b="0" i="0" sz="1400" u="none" cap="none" strike="noStrike">
+        <a:defRPr sz="1400" b="0" i="0" u="none" strike="noStrike" cap="none">
           <a:solidFill>
             <a:srgbClr val="000000"/>
           </a:solidFill>
@@ -8729,7 +8865,7 @@
           <a:sym typeface="Arial"/>
         </a:defRPr>
       </a:lvl8pPr>
-      <a:lvl9pPr lvl="8" marR="0" rtl="0" algn="l">
+      <a:lvl9pPr marR="0" lvl="8" algn="l" rtl="0">
         <a:lnSpc>
           <a:spcPct val="100000"/>
         </a:lnSpc>
@@ -8743,7 +8879,7 @@
           <a:srgbClr val="000000"/>
         </a:buClr>
         <a:buFont typeface="Arial"/>
-        <a:defRPr b="0" i="0" sz="1400" u="none" cap="none" strike="noStrike">
+        <a:defRPr sz="1400" b="0" i="0" u="none" strike="noStrike" cap="none">
           <a:solidFill>
             <a:srgbClr val="000000"/>
           </a:solidFill>
@@ -8755,7 +8891,7 @@
       </a:lvl9pPr>
     </p:bodyStyle>
     <p:otherStyle>
-      <a:defPPr lvl="0" marR="0" rtl="0" algn="l">
+      <a:defPPr marR="0" lvl="0" algn="l" rtl="0">
         <a:lnSpc>
           <a:spcPct val="100000"/>
         </a:lnSpc>
@@ -8766,7 +8902,7 @@
           <a:spcPts val="0"/>
         </a:spcAft>
       </a:defPPr>
-      <a:lvl1pPr lvl="0" marR="0" rtl="0" algn="l">
+      <a:lvl1pPr marR="0" lvl="0" algn="l" rtl="0">
         <a:lnSpc>
           <a:spcPct val="100000"/>
         </a:lnSpc>
@@ -8780,7 +8916,7 @@
           <a:srgbClr val="000000"/>
         </a:buClr>
         <a:buFont typeface="Arial"/>
-        <a:defRPr b="0" i="0" sz="1400" u="none" cap="none" strike="noStrike">
+        <a:defRPr sz="1400" b="0" i="0" u="none" strike="noStrike" cap="none">
           <a:solidFill>
             <a:srgbClr val="000000"/>
           </a:solidFill>
@@ -8790,7 +8926,7 @@
           <a:sym typeface="Arial"/>
         </a:defRPr>
       </a:lvl1pPr>
-      <a:lvl2pPr lvl="1" marR="0" rtl="0" algn="l">
+      <a:lvl2pPr marR="0" lvl="1" algn="l" rtl="0">
         <a:lnSpc>
           <a:spcPct val="100000"/>
         </a:lnSpc>
@@ -8804,7 +8940,7 @@
           <a:srgbClr val="000000"/>
         </a:buClr>
         <a:buFont typeface="Arial"/>
-        <a:defRPr b="0" i="0" sz="1400" u="none" cap="none" strike="noStrike">
+        <a:defRPr sz="1400" b="0" i="0" u="none" strike="noStrike" cap="none">
           <a:solidFill>
             <a:srgbClr val="000000"/>
           </a:solidFill>
@@ -8814,7 +8950,7 @@
           <a:sym typeface="Arial"/>
         </a:defRPr>
       </a:lvl2pPr>
-      <a:lvl3pPr lvl="2" marR="0" rtl="0" algn="l">
+      <a:lvl3pPr marR="0" lvl="2" algn="l" rtl="0">
         <a:lnSpc>
           <a:spcPct val="100000"/>
         </a:lnSpc>
@@ -8828,7 +8964,7 @@
           <a:srgbClr val="000000"/>
         </a:buClr>
         <a:buFont typeface="Arial"/>
-        <a:defRPr b="0" i="0" sz="1400" u="none" cap="none" strike="noStrike">
+        <a:defRPr sz="1400" b="0" i="0" u="none" strike="noStrike" cap="none">
           <a:solidFill>
             <a:srgbClr val="000000"/>
           </a:solidFill>
@@ -8838,7 +8974,7 @@
           <a:sym typeface="Arial"/>
         </a:defRPr>
       </a:lvl3pPr>
-      <a:lvl4pPr lvl="3" marR="0" rtl="0" algn="l">
+      <a:lvl4pPr marR="0" lvl="3" algn="l" rtl="0">
         <a:lnSpc>
           <a:spcPct val="100000"/>
         </a:lnSpc>
@@ -8852,7 +8988,7 @@
           <a:srgbClr val="000000"/>
         </a:buClr>
         <a:buFont typeface="Arial"/>
-        <a:defRPr b="0" i="0" sz="1400" u="none" cap="none" strike="noStrike">
+        <a:defRPr sz="1400" b="0" i="0" u="none" strike="noStrike" cap="none">
           <a:solidFill>
             <a:srgbClr val="000000"/>
           </a:solidFill>
@@ -8862,7 +8998,7 @@
           <a:sym typeface="Arial"/>
         </a:defRPr>
       </a:lvl4pPr>
-      <a:lvl5pPr lvl="4" marR="0" rtl="0" algn="l">
+      <a:lvl5pPr marR="0" lvl="4" algn="l" rtl="0">
         <a:lnSpc>
           <a:spcPct val="100000"/>
         </a:lnSpc>
@@ -8876,7 +9012,7 @@
           <a:srgbClr val="000000"/>
         </a:buClr>
         <a:buFont typeface="Arial"/>
-        <a:defRPr b="0" i="0" sz="1400" u="none" cap="none" strike="noStrike">
+        <a:defRPr sz="1400" b="0" i="0" u="none" strike="noStrike" cap="none">
           <a:solidFill>
             <a:srgbClr val="000000"/>
           </a:solidFill>
@@ -8886,7 +9022,7 @@
           <a:sym typeface="Arial"/>
         </a:defRPr>
       </a:lvl5pPr>
-      <a:lvl6pPr lvl="5" marR="0" rtl="0" algn="l">
+      <a:lvl6pPr marR="0" lvl="5" algn="l" rtl="0">
         <a:lnSpc>
           <a:spcPct val="100000"/>
         </a:lnSpc>
@@ -8900,7 +9036,7 @@
           <a:srgbClr val="000000"/>
         </a:buClr>
         <a:buFont typeface="Arial"/>
-        <a:defRPr b="0" i="0" sz="1400" u="none" cap="none" strike="noStrike">
+        <a:defRPr sz="1400" b="0" i="0" u="none" strike="noStrike" cap="none">
           <a:solidFill>
             <a:srgbClr val="000000"/>
           </a:solidFill>
@@ -8910,7 +9046,7 @@
           <a:sym typeface="Arial"/>
         </a:defRPr>
       </a:lvl6pPr>
-      <a:lvl7pPr lvl="6" marR="0" rtl="0" algn="l">
+      <a:lvl7pPr marR="0" lvl="6" algn="l" rtl="0">
         <a:lnSpc>
           <a:spcPct val="100000"/>
         </a:lnSpc>
@@ -8924,7 +9060,7 @@
           <a:srgbClr val="000000"/>
         </a:buClr>
         <a:buFont typeface="Arial"/>
-        <a:defRPr b="0" i="0" sz="1400" u="none" cap="none" strike="noStrike">
+        <a:defRPr sz="1400" b="0" i="0" u="none" strike="noStrike" cap="none">
           <a:solidFill>
             <a:srgbClr val="000000"/>
           </a:solidFill>
@@ -8934,7 +9070,7 @@
           <a:sym typeface="Arial"/>
         </a:defRPr>
       </a:lvl7pPr>
-      <a:lvl8pPr lvl="7" marR="0" rtl="0" algn="l">
+      <a:lvl8pPr marR="0" lvl="7" algn="l" rtl="0">
         <a:lnSpc>
           <a:spcPct val="100000"/>
         </a:lnSpc>
@@ -8948,7 +9084,7 @@
           <a:srgbClr val="000000"/>
         </a:buClr>
         <a:buFont typeface="Arial"/>
-        <a:defRPr b="0" i="0" sz="1400" u="none" cap="none" strike="noStrike">
+        <a:defRPr sz="1400" b="0" i="0" u="none" strike="noStrike" cap="none">
           <a:solidFill>
             <a:srgbClr val="000000"/>
           </a:solidFill>
@@ -8958,7 +9094,7 @@
           <a:sym typeface="Arial"/>
         </a:defRPr>
       </a:lvl8pPr>
-      <a:lvl9pPr lvl="8" marR="0" rtl="0" algn="l">
+      <a:lvl9pPr marR="0" lvl="8" algn="l" rtl="0">
         <a:lnSpc>
           <a:spcPct val="100000"/>
         </a:lnSpc>
@@ -8972,7 +9108,7 @@
           <a:srgbClr val="000000"/>
         </a:buClr>
         <a:buFont typeface="Arial"/>
-        <a:defRPr b="0" i="0" sz="1400" u="none" cap="none" strike="noStrike">
+        <a:defRPr sz="1400" b="0" i="0" u="none" strike="noStrike" cap="none">
           <a:solidFill>
             <a:srgbClr val="000000"/>
           </a:solidFill>
@@ -8988,11 +9124,11 @@
 </file>
 
 <file path=ppt/slides/slide1.xml><?xml version="1.0" encoding="utf-8"?>
-<p:sld xmlns:a="http://schemas.openxmlformats.org/drawingml/2006/main" xmlns:r="http://schemas.openxmlformats.org/officeDocument/2006/relationships" xmlns:mc="http://schemas.openxmlformats.org/markup-compatibility/2006" xmlns:mv="urn:schemas-microsoft-com:mac:vml" xmlns:p="http://schemas.openxmlformats.org/presentationml/2006/main" xmlns:c="http://schemas.openxmlformats.org/drawingml/2006/chart" xmlns:dgm="http://schemas.openxmlformats.org/drawingml/2006/diagram" xmlns:o="urn:schemas-microsoft-com:office:office" xmlns:v="urn:schemas-microsoft-com:vml" xmlns:pvml="urn:schemas-microsoft-com:office:powerpoint" xmlns:com="http://schemas.openxmlformats.org/drawingml/2006/compatibility" xmlns:p14="http://schemas.microsoft.com/office/powerpoint/2010/main" xmlns:p15="http://schemas.microsoft.com/office/powerpoint/2012/main">
+<p:sld xmlns:a="http://schemas.openxmlformats.org/drawingml/2006/main" xmlns:r="http://schemas.openxmlformats.org/officeDocument/2006/relationships" xmlns:p="http://schemas.openxmlformats.org/presentationml/2006/main">
   <p:cSld>
     <p:spTree>
       <p:nvGrpSpPr>
-        <p:cNvPr id="103" name="Shape 103"/>
+        <p:cNvPr id="1" name="Shape 103"/>
         <p:cNvGrpSpPr/>
         <p:nvPr/>
       </p:nvGrpSpPr>
@@ -9007,14 +9143,16 @@
       <p:sp>
         <p:nvSpPr>
           <p:cNvPr id="104" name="Google Shape;104;p14"/>
-          <p:cNvSpPr txBox="1"/>
+          <p:cNvSpPr txBox="1">
+            <a:spLocks noGrp="1"/>
+          </p:cNvSpPr>
           <p:nvPr>
             <p:ph type="ctrTitle"/>
           </p:nvPr>
         </p:nvSpPr>
         <p:spPr>
           <a:xfrm>
-            <a:off x="538975" y="1378450"/>
+            <a:off x="-23879" y="1277742"/>
             <a:ext cx="4974300" cy="2015100"/>
           </a:xfrm>
           <a:prstGeom prst="rect">
@@ -9022,12 +9160,12 @@
           </a:prstGeom>
         </p:spPr>
         <p:txBody>
-          <a:bodyPr anchorCtr="0" anchor="t" bIns="91425" lIns="91425" spcFirstLastPara="1" rIns="91425" wrap="square" tIns="91425">
+          <a:bodyPr spcFirstLastPara="1" wrap="square" lIns="91425" tIns="91425" rIns="91425" bIns="91425" anchor="t" anchorCtr="0">
             <a:noAutofit/>
           </a:bodyPr>
           <a:lstStyle/>
           <a:p>
-            <a:pPr indent="0" lvl="0" marL="0" rtl="0" algn="l">
+            <a:pPr marL="0" lvl="0" indent="0" algn="just" rtl="0">
               <a:spcBef>
                 <a:spcPts val="0"/>
               </a:spcBef>
@@ -9037,13 +9175,44 @@
               <a:buNone/>
             </a:pPr>
             <a:r>
-              <a:rPr lang="en"/>
-              <a:t>Project Submission</a:t>
+              <a:rPr lang="en-US" dirty="0" smtClean="0">
+                <a:latin typeface="Andalus" panose="02020603050405020304" pitchFamily="18" charset="-78"/>
+                <a:ea typeface="Tahoma" panose="020B0604030504040204" pitchFamily="34" charset="0"/>
+                <a:cs typeface="Andalus" panose="02020603050405020304" pitchFamily="18" charset="-78"/>
+              </a:rPr>
+              <a:t>Vanessa</a:t>
             </a:r>
-            <a:endParaRPr/>
+            <a:r>
+              <a:rPr lang="en-US" dirty="0" smtClean="0">
+                <a:latin typeface="Tahoma" panose="020B0604030504040204" pitchFamily="34" charset="0"/>
+                <a:ea typeface="Tahoma" panose="020B0604030504040204" pitchFamily="34" charset="0"/>
+                <a:cs typeface="Tahoma" panose="020B0604030504040204" pitchFamily="34" charset="0"/>
+              </a:rPr>
+              <a:t/>
+            </a:r>
+            <a:br>
+              <a:rPr lang="en-US" dirty="0" smtClean="0">
+                <a:latin typeface="Tahoma" panose="020B0604030504040204" pitchFamily="34" charset="0"/>
+                <a:ea typeface="Tahoma" panose="020B0604030504040204" pitchFamily="34" charset="0"/>
+                <a:cs typeface="Tahoma" panose="020B0604030504040204" pitchFamily="34" charset="0"/>
+              </a:rPr>
+            </a:br>
+            <a:r>
+              <a:rPr lang="en-US" dirty="0" smtClean="0">
+                <a:latin typeface="Andalus" panose="02020603050405020304" pitchFamily="18" charset="-78"/>
+                <a:ea typeface="Tahoma" panose="020B0604030504040204" pitchFamily="34" charset="0"/>
+                <a:cs typeface="Andalus" panose="02020603050405020304" pitchFamily="18" charset="-78"/>
+              </a:rPr>
+              <a:t>CHARLES</a:t>
+            </a:r>
+            <a:endParaRPr dirty="0" smtClean="0">
+              <a:latin typeface="Andalus" panose="02020603050405020304" pitchFamily="18" charset="-78"/>
+              <a:ea typeface="Tahoma" panose="020B0604030504040204" pitchFamily="34" charset="0"/>
+              <a:cs typeface="Andalus" panose="02020603050405020304" pitchFamily="18" charset="-78"/>
+            </a:endParaRPr>
           </a:p>
           <a:p>
-            <a:pPr indent="0" lvl="0" marL="0" rtl="0" algn="l">
+            <a:pPr marL="0" lvl="0" indent="0" algn="r" rtl="0">
               <a:spcBef>
                 <a:spcPts val="0"/>
               </a:spcBef>
@@ -9052,25 +9221,7 @@
               </a:spcAft>
               <a:buNone/>
             </a:pPr>
-            <a:r>
-              <a:t/>
-            </a:r>
-            <a:endParaRPr/>
-          </a:p>
-          <a:p>
-            <a:pPr indent="0" lvl="0" marL="0" rtl="0" algn="l">
-              <a:spcBef>
-                <a:spcPts val="0"/>
-              </a:spcBef>
-              <a:spcAft>
-                <a:spcPts val="0"/>
-              </a:spcAft>
-              <a:buNone/>
-            </a:pPr>
-            <a:r>
-              <a:t/>
-            </a:r>
-            <a:endParaRPr>
+            <a:endParaRPr dirty="0">
               <a:latin typeface="Cutive"/>
               <a:ea typeface="Cutive"/>
               <a:cs typeface="Cutive"/>
@@ -9082,27 +9233,29 @@
       <p:sp>
         <p:nvSpPr>
           <p:cNvPr id="105" name="Google Shape;105;p14"/>
-          <p:cNvSpPr txBox="1"/>
+          <p:cNvSpPr txBox="1">
+            <a:spLocks noGrp="1"/>
+          </p:cNvSpPr>
           <p:nvPr>
-            <p:ph idx="1" type="subTitle"/>
+            <p:ph type="subTitle" idx="1"/>
           </p:nvPr>
         </p:nvSpPr>
         <p:spPr>
           <a:xfrm>
-            <a:off x="0" y="3073925"/>
-            <a:ext cx="9040500" cy="901800"/>
+            <a:off x="0" y="3625516"/>
+            <a:ext cx="4950422" cy="945068"/>
           </a:xfrm>
           <a:prstGeom prst="rect">
             <a:avLst/>
           </a:prstGeom>
         </p:spPr>
         <p:txBody>
-          <a:bodyPr anchorCtr="0" anchor="t" bIns="91425" lIns="91425" spcFirstLastPara="1" rIns="91425" wrap="square" tIns="91425">
+          <a:bodyPr spcFirstLastPara="1" wrap="square" lIns="91425" tIns="91425" rIns="91425" bIns="91425" anchor="t" anchorCtr="0">
             <a:noAutofit/>
           </a:bodyPr>
           <a:lstStyle/>
           <a:p>
-            <a:pPr indent="0" lvl="0" marL="0" rtl="0" algn="l">
+            <a:pPr marL="0" lvl="0" indent="0" algn="l" rtl="0">
               <a:spcBef>
                 <a:spcPts val="0"/>
               </a:spcBef>
@@ -9112,44 +9265,18 @@
               <a:buNone/>
             </a:pPr>
             <a:r>
-              <a:rPr lang="en">
-                <a:latin typeface="Encode Sans SemiBold"/>
+              <a:rPr lang="en-US" dirty="0" smtClean="0">
+                <a:latin typeface="Andalus" panose="02020603050405020304" pitchFamily="18" charset="-78"/>
                 <a:ea typeface="Encode Sans SemiBold"/>
-                <a:cs typeface="Encode Sans SemiBold"/>
+                <a:cs typeface="Andalus" panose="02020603050405020304" pitchFamily="18" charset="-78"/>
                 <a:sym typeface="Encode Sans SemiBold"/>
               </a:rPr>
-              <a:t>Individual</a:t>
+              <a:t>Customer churn analysis</a:t>
             </a:r>
-            <a:r>
-              <a:rPr lang="en">
-                <a:latin typeface="Encode Sans SemiBold"/>
-                <a:ea typeface="Encode Sans SemiBold"/>
-                <a:cs typeface="Encode Sans SemiBold"/>
-                <a:sym typeface="Encode Sans SemiBold"/>
-              </a:rPr>
-              <a:t> Project  Prepared by:</a:t>
-            </a:r>
-            <a:br>
-              <a:rPr lang="en">
-                <a:latin typeface="Encode Sans SemiBold"/>
-                <a:ea typeface="Encode Sans SemiBold"/>
-                <a:cs typeface="Encode Sans SemiBold"/>
-                <a:sym typeface="Encode Sans SemiBold"/>
-              </a:rPr>
-            </a:br>
-            <a:r>
-              <a:rPr lang="en">
-                <a:latin typeface="Encode Sans SemiBold"/>
-                <a:ea typeface="Encode Sans SemiBold"/>
-                <a:cs typeface="Encode Sans SemiBold"/>
-                <a:sym typeface="Encode Sans SemiBold"/>
-              </a:rPr>
-              <a:t>Vanessa CHARLES</a:t>
-            </a:r>
-            <a:endParaRPr>
-              <a:latin typeface="Encode Sans SemiBold"/>
+            <a:endParaRPr dirty="0">
+              <a:latin typeface="Andalus" panose="02020603050405020304" pitchFamily="18" charset="-78"/>
               <a:ea typeface="Encode Sans SemiBold"/>
-              <a:cs typeface="Encode Sans SemiBold"/>
+              <a:cs typeface="Andalus" panose="02020603050405020304" pitchFamily="18" charset="-78"/>
               <a:sym typeface="Encode Sans SemiBold"/>
             </a:endParaRPr>
           </a:p>
@@ -9157,7 +9284,7 @@
       </p:sp>
       <p:pic>
         <p:nvPicPr>
-          <p:cNvPr descr="A screenshot of a cell phone&#10;&#10;Description automatically generated" id="106" name="Google Shape;106;p14"/>
+          <p:cNvPr id="106" name="Google Shape;106;p14" descr="A screenshot of a cell phone&#10;&#10;Description automatically generated"/>
           <p:cNvPicPr preferRelativeResize="0"/>
           <p:nvPr/>
         </p:nvPicPr>
@@ -9165,7 +9292,7 @@
           <a:blip r:embed="rId3">
             <a:alphaModFix/>
           </a:blip>
-          <a:srcRect b="24482" l="4073" r="9630" t="25634"/>
+          <a:srcRect l="4073" t="25634" r="9630" b="24482"/>
           <a:stretch/>
         </p:blipFill>
         <p:spPr>
@@ -9199,23 +9326,23 @@
           <a:solidFill>
             <a:srgbClr val="FFFFFF"/>
           </a:solidFill>
-          <a:ln cap="flat" cmpd="sng" w="9525">
+          <a:ln w="9525" cap="flat" cmpd="sng">
             <a:solidFill>
               <a:schemeClr val="dk2"/>
             </a:solidFill>
             <a:prstDash val="solid"/>
             <a:round/>
-            <a:headEnd len="sm" w="sm" type="none"/>
-            <a:tailEnd len="sm" w="sm" type="none"/>
+            <a:headEnd type="none" w="sm" len="sm"/>
+            <a:tailEnd type="none" w="sm" len="sm"/>
           </a:ln>
         </p:spPr>
         <p:txBody>
-          <a:bodyPr anchorCtr="0" anchor="ctr" bIns="91425" lIns="91425" spcFirstLastPara="1" rIns="91425" wrap="square" tIns="91425">
+          <a:bodyPr spcFirstLastPara="1" wrap="square" lIns="91425" tIns="91425" rIns="91425" bIns="91425" anchor="ctr" anchorCtr="0">
             <a:noAutofit/>
           </a:bodyPr>
           <a:lstStyle/>
           <a:p>
-            <a:pPr indent="0" lvl="0" marL="0" rtl="0" algn="l">
+            <a:pPr marL="0" lvl="0" indent="0" algn="l" rtl="0">
               <a:spcBef>
                 <a:spcPts val="0"/>
               </a:spcBef>
@@ -9224,16 +9351,13 @@
               </a:spcAft>
               <a:buNone/>
             </a:pPr>
-            <a:r>
-              <a:t/>
-            </a:r>
             <a:endParaRPr/>
           </a:p>
         </p:txBody>
       </p:sp>
       <p:pic>
         <p:nvPicPr>
-          <p:cNvPr descr="A screenshot of a cell phone&#10;&#10;Description automatically generated" id="108" name="Google Shape;108;p14"/>
+          <p:cNvPr id="108" name="Google Shape;108;p14" descr="A screenshot of a cell phone&#10;&#10;Description automatically generated"/>
           <p:cNvPicPr preferRelativeResize="0"/>
           <p:nvPr/>
         </p:nvPicPr>
@@ -9241,7 +9365,7 @@
           <a:blip r:embed="rId3">
             <a:alphaModFix/>
           </a:blip>
-          <a:srcRect b="24482" l="4073" r="9630" t="25634"/>
+          <a:srcRect l="4073" t="25634" r="9630" b="24482"/>
           <a:stretch/>
         </p:blipFill>
         <p:spPr>
@@ -9267,11 +9391,11 @@
 </file>
 
 <file path=ppt/slides/slide2.xml><?xml version="1.0" encoding="utf-8"?>
-<p:sld xmlns:a="http://schemas.openxmlformats.org/drawingml/2006/main" xmlns:r="http://schemas.openxmlformats.org/officeDocument/2006/relationships" xmlns:mc="http://schemas.openxmlformats.org/markup-compatibility/2006" xmlns:mv="urn:schemas-microsoft-com:mac:vml" xmlns:p="http://schemas.openxmlformats.org/presentationml/2006/main" xmlns:c="http://schemas.openxmlformats.org/drawingml/2006/chart" xmlns:dgm="http://schemas.openxmlformats.org/drawingml/2006/diagram" xmlns:o="urn:schemas-microsoft-com:office:office" xmlns:v="urn:schemas-microsoft-com:vml" xmlns:pvml="urn:schemas-microsoft-com:office:powerpoint" xmlns:com="http://schemas.openxmlformats.org/drawingml/2006/compatibility" xmlns:p14="http://schemas.microsoft.com/office/powerpoint/2010/main" xmlns:p15="http://schemas.microsoft.com/office/powerpoint/2012/main">
+<p:sld xmlns:a="http://schemas.openxmlformats.org/drawingml/2006/main" xmlns:r="http://schemas.openxmlformats.org/officeDocument/2006/relationships" xmlns:p="http://schemas.openxmlformats.org/presentationml/2006/main">
   <p:cSld>
     <p:spTree>
       <p:nvGrpSpPr>
-        <p:cNvPr id="112" name="Shape 112"/>
+        <p:cNvPr id="1" name="Shape 112"/>
         <p:cNvGrpSpPr/>
         <p:nvPr/>
       </p:nvGrpSpPr>
@@ -9286,7 +9410,9 @@
       <p:sp>
         <p:nvSpPr>
           <p:cNvPr id="113" name="Google Shape;113;p15"/>
-          <p:cNvSpPr txBox="1"/>
+          <p:cNvSpPr txBox="1">
+            <a:spLocks noGrp="1"/>
+          </p:cNvSpPr>
           <p:nvPr>
             <p:ph type="title"/>
           </p:nvPr>
@@ -9301,12 +9427,12 @@
           </a:prstGeom>
         </p:spPr>
         <p:txBody>
-          <a:bodyPr anchorCtr="0" anchor="t" bIns="91425" lIns="91425" spcFirstLastPara="1" rIns="91425" wrap="square" tIns="91425">
+          <a:bodyPr spcFirstLastPara="1" wrap="square" lIns="91425" tIns="91425" rIns="91425" bIns="91425" anchor="t" anchorCtr="0">
             <a:noAutofit/>
           </a:bodyPr>
           <a:lstStyle/>
           <a:p>
-            <a:pPr indent="0" lvl="0" marL="0" rtl="0" algn="l">
+            <a:pPr marL="0" lvl="0" indent="0" algn="l" rtl="0">
               <a:spcBef>
                 <a:spcPts val="0"/>
               </a:spcBef>
@@ -9343,12 +9469,12 @@
           </a:ln>
         </p:spPr>
         <p:txBody>
-          <a:bodyPr anchorCtr="0" anchor="t" bIns="91425" lIns="91425" spcFirstLastPara="1" rIns="91425" wrap="square" tIns="91425">
+          <a:bodyPr spcFirstLastPara="1" wrap="square" lIns="91425" tIns="91425" rIns="91425" bIns="91425" anchor="t" anchorCtr="0">
             <a:noAutofit/>
           </a:bodyPr>
           <a:lstStyle/>
           <a:p>
-            <a:pPr indent="0" lvl="0" marL="0" rtl="0" algn="l">
+            <a:pPr marL="0" lvl="0" indent="0" algn="l" rtl="0">
               <a:spcBef>
                 <a:spcPts val="0"/>
               </a:spcBef>
@@ -9358,7 +9484,7 @@
               <a:buNone/>
             </a:pPr>
             <a:r>
-              <a:rPr lang="en" sz="1600">
+              <a:rPr lang="en" sz="1600" dirty="0">
                 <a:solidFill>
                   <a:schemeClr val="accent1"/>
                 </a:solidFill>
@@ -9369,7 +9495,7 @@
               </a:rPr>
               <a:t>Describe the business problem and define the analytic approach to solving the problem.</a:t>
             </a:r>
-            <a:endParaRPr sz="1600">
+            <a:endParaRPr sz="1600" dirty="0">
               <a:solidFill>
                 <a:schemeClr val="accent1"/>
               </a:solidFill>
@@ -9380,7 +9506,7 @@
             </a:endParaRPr>
           </a:p>
           <a:p>
-            <a:pPr indent="0" lvl="0" marL="0" rtl="0" algn="l">
+            <a:pPr marL="0" lvl="0" indent="0" algn="l" rtl="0">
               <a:spcBef>
                 <a:spcPts val="0"/>
               </a:spcBef>
@@ -9389,10 +9515,7 @@
               </a:spcAft>
               <a:buNone/>
             </a:pPr>
-            <a:r>
-              <a:t/>
-            </a:r>
-            <a:endParaRPr sz="1600">
+            <a:endParaRPr sz="1600" dirty="0">
               <a:solidFill>
                 <a:schemeClr val="accent1"/>
               </a:solidFill>
@@ -9403,7 +9526,7 @@
             </a:endParaRPr>
           </a:p>
           <a:p>
-            <a:pPr indent="-330200" lvl="0" marL="457200" rtl="0" algn="l">
+            <a:pPr marL="457200" lvl="0" indent="-330200" algn="l" rtl="0">
               <a:spcBef>
                 <a:spcPts val="0"/>
               </a:spcBef>
@@ -9418,7 +9541,7 @@
               <a:buChar char="❏"/>
             </a:pPr>
             <a:r>
-              <a:rPr lang="en" sz="1600">
+              <a:rPr lang="en" sz="1600" dirty="0">
                 <a:solidFill>
                   <a:schemeClr val="accent1"/>
                 </a:solidFill>
@@ -9427,33 +9550,9 @@
                 <a:cs typeface="Lato"/>
                 <a:sym typeface="Lato"/>
               </a:rPr>
-              <a:t>The problem of the telecom company is because of  several rivals that are constantly trying to steal customers hence they lose their customers they </a:t>
+              <a:t>The problem of the telecom company is because of  several rivals that are constantly trying to steal customers hence they lose their customers they automatically they lose money .</a:t>
             </a:r>
-            <a:r>
-              <a:rPr lang="en" sz="1600">
-                <a:solidFill>
-                  <a:schemeClr val="accent1"/>
-                </a:solidFill>
-                <a:latin typeface="Lato"/>
-                <a:ea typeface="Lato"/>
-                <a:cs typeface="Lato"/>
-                <a:sym typeface="Lato"/>
-              </a:rPr>
-              <a:t>automatically they lose money</a:t>
-            </a:r>
-            <a:r>
-              <a:rPr lang="en" sz="1600">
-                <a:solidFill>
-                  <a:schemeClr val="accent1"/>
-                </a:solidFill>
-                <a:latin typeface="Lato"/>
-                <a:ea typeface="Lato"/>
-                <a:cs typeface="Lato"/>
-                <a:sym typeface="Lato"/>
-              </a:rPr>
-              <a:t> .</a:t>
-            </a:r>
-            <a:endParaRPr sz="1600">
+            <a:endParaRPr sz="1600" dirty="0">
               <a:solidFill>
                 <a:schemeClr val="accent1"/>
               </a:solidFill>
@@ -9464,7 +9563,7 @@
             </a:endParaRPr>
           </a:p>
           <a:p>
-            <a:pPr indent="-330200" lvl="0" marL="457200" rtl="0" algn="l">
+            <a:pPr marL="457200" lvl="0" indent="-330200" algn="l" rtl="0">
               <a:spcBef>
                 <a:spcPts val="0"/>
               </a:spcBef>
@@ -9479,7 +9578,7 @@
               <a:buChar char="❏"/>
             </a:pPr>
             <a:r>
-              <a:rPr lang="en" sz="1600">
+              <a:rPr lang="en" sz="1600" dirty="0">
                 <a:solidFill>
                   <a:schemeClr val="accent1"/>
                 </a:solidFill>
@@ -9490,7 +9589,7 @@
               </a:rPr>
               <a:t>The stakeholders impacted by the problem are the company executives,the marketing team and the customer service team .</a:t>
             </a:r>
-            <a:endParaRPr sz="1600">
+            <a:endParaRPr sz="1600" dirty="0">
               <a:solidFill>
                 <a:schemeClr val="accent1"/>
               </a:solidFill>
@@ -9501,7 +9600,7 @@
             </a:endParaRPr>
           </a:p>
           <a:p>
-            <a:pPr indent="-330200" lvl="0" marL="457200" rtl="0" algn="l">
+            <a:pPr marL="457200" lvl="0" indent="-330200" algn="l" rtl="0">
               <a:spcBef>
                 <a:spcPts val="0"/>
               </a:spcBef>
@@ -9516,7 +9615,7 @@
               <a:buChar char="❏"/>
             </a:pPr>
             <a:r>
-              <a:rPr lang="en" sz="1600">
+              <a:rPr lang="en" sz="1600" dirty="0">
                 <a:solidFill>
                   <a:schemeClr val="accent1"/>
                 </a:solidFill>
@@ -9525,10 +9624,22 @@
                 <a:cs typeface="Lato"/>
                 <a:sym typeface="Lato"/>
               </a:rPr>
-              <a:t>This is a huge problem for the company  because losing customers is costly for any business</a:t>
+              <a:t>This is a huge problem for the company  because losing customers is costly for any </a:t>
             </a:r>
             <a:r>
-              <a:rPr lang="en" sz="1200">
+              <a:rPr lang="en" sz="1600" dirty="0" smtClean="0">
+                <a:solidFill>
+                  <a:schemeClr val="accent1"/>
+                </a:solidFill>
+                <a:latin typeface="Lato"/>
+                <a:ea typeface="Lato"/>
+                <a:cs typeface="Lato"/>
+                <a:sym typeface="Lato"/>
+              </a:rPr>
+              <a:t>business,</a:t>
+            </a:r>
+            <a:r>
+              <a:rPr lang="en" sz="1200" dirty="0" smtClean="0">
                 <a:solidFill>
                   <a:srgbClr val="454545"/>
                 </a:solidFill>
@@ -9539,7 +9650,7 @@
               <a:t> </a:t>
             </a:r>
             <a:r>
-              <a:rPr lang="en" sz="1600">
+              <a:rPr lang="en" sz="1600" dirty="0">
                 <a:solidFill>
                   <a:schemeClr val="accent1"/>
                 </a:solidFill>
@@ -9550,7 +9661,7 @@
               </a:rPr>
               <a:t>as it can directly affect the profitability of the company.</a:t>
             </a:r>
-            <a:endParaRPr b="1" sz="1600">
+            <a:endParaRPr sz="1600" b="1" dirty="0">
               <a:solidFill>
                 <a:schemeClr val="accent1"/>
               </a:solidFill>
@@ -9561,7 +9672,7 @@
             </a:endParaRPr>
           </a:p>
           <a:p>
-            <a:pPr indent="0" lvl="0" marL="0" rtl="0" algn="l">
+            <a:pPr marL="0" lvl="0" indent="0" algn="l" rtl="0">
               <a:spcBef>
                 <a:spcPts val="0"/>
               </a:spcBef>
@@ -9570,10 +9681,7 @@
               </a:spcAft>
               <a:buNone/>
             </a:pPr>
-            <a:r>
-              <a:t/>
-            </a:r>
-            <a:endParaRPr>
+            <a:endParaRPr dirty="0">
               <a:latin typeface="Lato"/>
               <a:ea typeface="Lato"/>
               <a:cs typeface="Lato"/>
@@ -9591,11 +9699,11 @@
 </file>
 
 <file path=ppt/slides/slide3.xml><?xml version="1.0" encoding="utf-8"?>
-<p:sld xmlns:a="http://schemas.openxmlformats.org/drawingml/2006/main" xmlns:r="http://schemas.openxmlformats.org/officeDocument/2006/relationships" xmlns:mc="http://schemas.openxmlformats.org/markup-compatibility/2006" xmlns:mv="urn:schemas-microsoft-com:mac:vml" xmlns:p="http://schemas.openxmlformats.org/presentationml/2006/main" xmlns:c="http://schemas.openxmlformats.org/drawingml/2006/chart" xmlns:dgm="http://schemas.openxmlformats.org/drawingml/2006/diagram" xmlns:o="urn:schemas-microsoft-com:office:office" xmlns:v="urn:schemas-microsoft-com:vml" xmlns:pvml="urn:schemas-microsoft-com:office:powerpoint" xmlns:com="http://schemas.openxmlformats.org/drawingml/2006/compatibility" xmlns:p14="http://schemas.microsoft.com/office/powerpoint/2010/main" xmlns:p15="http://schemas.microsoft.com/office/powerpoint/2012/main">
+<p:sld xmlns:a="http://schemas.openxmlformats.org/drawingml/2006/main" xmlns:r="http://schemas.openxmlformats.org/officeDocument/2006/relationships" xmlns:p="http://schemas.openxmlformats.org/presentationml/2006/main">
   <p:cSld>
     <p:spTree>
       <p:nvGrpSpPr>
-        <p:cNvPr id="118" name="Shape 118"/>
+        <p:cNvPr id="1" name="Shape 118"/>
         <p:cNvGrpSpPr/>
         <p:nvPr/>
       </p:nvGrpSpPr>
@@ -9610,7 +9718,9 @@
       <p:sp>
         <p:nvSpPr>
           <p:cNvPr id="119" name="Google Shape;119;p16"/>
-          <p:cNvSpPr txBox="1"/>
+          <p:cNvSpPr txBox="1">
+            <a:spLocks noGrp="1"/>
+          </p:cNvSpPr>
           <p:nvPr>
             <p:ph type="title"/>
           </p:nvPr>
@@ -9625,12 +9735,12 @@
           </a:prstGeom>
         </p:spPr>
         <p:txBody>
-          <a:bodyPr anchorCtr="0" anchor="t" bIns="91425" lIns="91425" spcFirstLastPara="1" rIns="91425" wrap="square" tIns="91425">
+          <a:bodyPr spcFirstLastPara="1" wrap="square" lIns="91425" tIns="91425" rIns="91425" bIns="91425" anchor="t" anchorCtr="0">
             <a:noAutofit/>
           </a:bodyPr>
           <a:lstStyle/>
           <a:p>
-            <a:pPr indent="0" lvl="0" marL="0" rtl="0" algn="l">
+            <a:pPr marL="0" lvl="0" indent="0" algn="l" rtl="0">
               <a:spcBef>
                 <a:spcPts val="0"/>
               </a:spcBef>
@@ -9650,9 +9760,11 @@
       <p:sp>
         <p:nvSpPr>
           <p:cNvPr id="120" name="Google Shape;120;p16"/>
-          <p:cNvSpPr txBox="1"/>
+          <p:cNvSpPr txBox="1">
+            <a:spLocks noGrp="1"/>
+          </p:cNvSpPr>
           <p:nvPr>
-            <p:ph idx="1" type="body"/>
+            <p:ph type="body" idx="1"/>
           </p:nvPr>
         </p:nvSpPr>
         <p:spPr>
@@ -9665,12 +9777,12 @@
           </a:prstGeom>
         </p:spPr>
         <p:txBody>
-          <a:bodyPr anchorCtr="0" anchor="t" bIns="91425" lIns="91425" spcFirstLastPara="1" rIns="91425" wrap="square" tIns="91425">
+          <a:bodyPr spcFirstLastPara="1" wrap="square" lIns="91425" tIns="91425" rIns="91425" bIns="91425" anchor="t" anchorCtr="0">
             <a:noAutofit/>
           </a:bodyPr>
           <a:lstStyle/>
           <a:p>
-            <a:pPr indent="0" lvl="0" marL="0" rtl="0" algn="l">
+            <a:pPr marL="0" lvl="0" indent="0" algn="l" rtl="0">
               <a:spcBef>
                 <a:spcPts val="0"/>
               </a:spcBef>
@@ -9686,7 +9798,7 @@
             <a:endParaRPr sz="1600"/>
           </a:p>
           <a:p>
-            <a:pPr indent="0" lvl="0" marL="0" rtl="0" algn="l">
+            <a:pPr marL="0" lvl="0" indent="0" algn="l" rtl="0">
               <a:spcBef>
                 <a:spcPts val="1600"/>
               </a:spcBef>
@@ -9702,7 +9814,7 @@
             <a:endParaRPr sz="1600"/>
           </a:p>
           <a:p>
-            <a:pPr indent="-330200" lvl="0" marL="457200" rtl="0" algn="l">
+            <a:pPr marL="457200" lvl="0" indent="-330200" algn="l" rtl="0">
               <a:spcBef>
                 <a:spcPts val="1600"/>
               </a:spcBef>
@@ -9719,7 +9831,7 @@
             <a:endParaRPr sz="1600"/>
           </a:p>
           <a:p>
-            <a:pPr indent="-330200" lvl="0" marL="457200" rtl="0" algn="l">
+            <a:pPr marL="457200" lvl="0" indent="-330200" algn="l" rtl="0">
               <a:spcBef>
                 <a:spcPts val="0"/>
               </a:spcBef>
@@ -9736,7 +9848,7 @@
             <a:endParaRPr sz="1600"/>
           </a:p>
           <a:p>
-            <a:pPr indent="-330200" lvl="0" marL="457200" rtl="0" algn="l">
+            <a:pPr marL="457200" lvl="0" indent="-330200" algn="l" rtl="0">
               <a:spcBef>
                 <a:spcPts val="0"/>
               </a:spcBef>
@@ -9763,11 +9875,11 @@
 </file>
 
 <file path=ppt/slides/slide4.xml><?xml version="1.0" encoding="utf-8"?>
-<p:sld xmlns:a="http://schemas.openxmlformats.org/drawingml/2006/main" xmlns:r="http://schemas.openxmlformats.org/officeDocument/2006/relationships" xmlns:mc="http://schemas.openxmlformats.org/markup-compatibility/2006" xmlns:mv="urn:schemas-microsoft-com:mac:vml" xmlns:p="http://schemas.openxmlformats.org/presentationml/2006/main" xmlns:c="http://schemas.openxmlformats.org/drawingml/2006/chart" xmlns:dgm="http://schemas.openxmlformats.org/drawingml/2006/diagram" xmlns:o="urn:schemas-microsoft-com:office:office" xmlns:v="urn:schemas-microsoft-com:vml" xmlns:pvml="urn:schemas-microsoft-com:office:powerpoint" xmlns:com="http://schemas.openxmlformats.org/drawingml/2006/compatibility" xmlns:p14="http://schemas.microsoft.com/office/powerpoint/2010/main" xmlns:p15="http://schemas.microsoft.com/office/powerpoint/2012/main">
+<p:sld xmlns:a="http://schemas.openxmlformats.org/drawingml/2006/main" xmlns:r="http://schemas.openxmlformats.org/officeDocument/2006/relationships" xmlns:p="http://schemas.openxmlformats.org/presentationml/2006/main">
   <p:cSld>
     <p:spTree>
       <p:nvGrpSpPr>
-        <p:cNvPr id="124" name="Shape 124"/>
+        <p:cNvPr id="1" name="Shape 124"/>
         <p:cNvGrpSpPr/>
         <p:nvPr/>
       </p:nvGrpSpPr>
@@ -9782,7 +9894,9 @@
       <p:sp>
         <p:nvSpPr>
           <p:cNvPr id="125" name="Google Shape;125;p17"/>
-          <p:cNvSpPr txBox="1"/>
+          <p:cNvSpPr txBox="1">
+            <a:spLocks noGrp="1"/>
+          </p:cNvSpPr>
           <p:nvPr>
             <p:ph type="title"/>
           </p:nvPr>
@@ -9797,12 +9911,12 @@
           </a:prstGeom>
         </p:spPr>
         <p:txBody>
-          <a:bodyPr anchorCtr="0" anchor="t" bIns="91425" lIns="91425" spcFirstLastPara="1" rIns="91425" wrap="square" tIns="91425">
+          <a:bodyPr spcFirstLastPara="1" wrap="square" lIns="91425" tIns="91425" rIns="91425" bIns="91425" anchor="t" anchorCtr="0">
             <a:noAutofit/>
           </a:bodyPr>
           <a:lstStyle/>
           <a:p>
-            <a:pPr indent="0" lvl="0" marL="0" rtl="0" algn="l">
+            <a:pPr marL="0" lvl="0" indent="0" algn="l" rtl="0">
               <a:spcBef>
                 <a:spcPts val="0"/>
               </a:spcBef>
@@ -9822,9 +9936,11 @@
       <p:sp>
         <p:nvSpPr>
           <p:cNvPr id="126" name="Google Shape;126;p17"/>
-          <p:cNvSpPr txBox="1"/>
+          <p:cNvSpPr txBox="1">
+            <a:spLocks noGrp="1"/>
+          </p:cNvSpPr>
           <p:nvPr>
-            <p:ph idx="1" type="body"/>
+            <p:ph type="body" idx="1"/>
           </p:nvPr>
         </p:nvSpPr>
         <p:spPr>
@@ -9837,12 +9953,12 @@
           </a:prstGeom>
         </p:spPr>
         <p:txBody>
-          <a:bodyPr anchorCtr="0" anchor="t" bIns="91425" lIns="91425" spcFirstLastPara="1" rIns="91425" wrap="square" tIns="91425">
+          <a:bodyPr spcFirstLastPara="1" wrap="square" lIns="91425" tIns="91425" rIns="91425" bIns="91425" anchor="t" anchorCtr="0">
             <a:noAutofit/>
           </a:bodyPr>
           <a:lstStyle/>
           <a:p>
-            <a:pPr indent="0" lvl="0" marL="0" rtl="0" algn="l">
+            <a:pPr marL="0" lvl="0" indent="0" algn="l" rtl="0">
               <a:spcBef>
                 <a:spcPts val="0"/>
               </a:spcBef>
@@ -9851,9 +9967,6 @@
               </a:spcAft>
               <a:buNone/>
             </a:pPr>
-            <a:r>
-              <a:t/>
-            </a:r>
             <a:endParaRPr sz="1600"/>
           </a:p>
         </p:txBody>
@@ -9867,11 +9980,11 @@
 </file>
 
 <file path=ppt/slides/slide5.xml><?xml version="1.0" encoding="utf-8"?>
-<p:sld xmlns:a="http://schemas.openxmlformats.org/drawingml/2006/main" xmlns:r="http://schemas.openxmlformats.org/officeDocument/2006/relationships" xmlns:mc="http://schemas.openxmlformats.org/markup-compatibility/2006" xmlns:mv="urn:schemas-microsoft-com:mac:vml" xmlns:p="http://schemas.openxmlformats.org/presentationml/2006/main" xmlns:c="http://schemas.openxmlformats.org/drawingml/2006/chart" xmlns:dgm="http://schemas.openxmlformats.org/drawingml/2006/diagram" xmlns:o="urn:schemas-microsoft-com:office:office" xmlns:v="urn:schemas-microsoft-com:vml" xmlns:pvml="urn:schemas-microsoft-com:office:powerpoint" xmlns:com="http://schemas.openxmlformats.org/drawingml/2006/compatibility" xmlns:p14="http://schemas.microsoft.com/office/powerpoint/2010/main" xmlns:p15="http://schemas.microsoft.com/office/powerpoint/2012/main" show="0">
+<p:sld xmlns:a="http://schemas.openxmlformats.org/drawingml/2006/main" xmlns:r="http://schemas.openxmlformats.org/officeDocument/2006/relationships" xmlns:p="http://schemas.openxmlformats.org/presentationml/2006/main" show="0">
   <p:cSld>
     <p:spTree>
       <p:nvGrpSpPr>
-        <p:cNvPr id="130" name="Shape 130"/>
+        <p:cNvPr id="1" name="Shape 130"/>
         <p:cNvGrpSpPr/>
         <p:nvPr/>
       </p:nvGrpSpPr>
@@ -9886,7 +9999,9 @@
       <p:sp>
         <p:nvSpPr>
           <p:cNvPr id="131" name="Google Shape;131;p18"/>
-          <p:cNvSpPr txBox="1"/>
+          <p:cNvSpPr txBox="1">
+            <a:spLocks noGrp="1"/>
+          </p:cNvSpPr>
           <p:nvPr>
             <p:ph type="title"/>
           </p:nvPr>
@@ -9901,12 +10016,12 @@
           </a:prstGeom>
         </p:spPr>
         <p:txBody>
-          <a:bodyPr anchorCtr="0" anchor="t" bIns="91425" lIns="91425" spcFirstLastPara="1" rIns="91425" wrap="square" tIns="91425">
+          <a:bodyPr spcFirstLastPara="1" wrap="square" lIns="91425" tIns="91425" rIns="91425" bIns="91425" anchor="t" anchorCtr="0">
             <a:noAutofit/>
           </a:bodyPr>
           <a:lstStyle/>
           <a:p>
-            <a:pPr indent="0" lvl="0" marL="0" rtl="0" algn="l">
+            <a:pPr marL="0" lvl="0" indent="0" algn="l" rtl="0">
               <a:spcBef>
                 <a:spcPts val="0"/>
               </a:spcBef>
@@ -9926,9 +10041,11 @@
       <p:sp>
         <p:nvSpPr>
           <p:cNvPr id="132" name="Google Shape;132;p18"/>
-          <p:cNvSpPr txBox="1"/>
+          <p:cNvSpPr txBox="1">
+            <a:spLocks noGrp="1"/>
+          </p:cNvSpPr>
           <p:nvPr>
-            <p:ph idx="1" type="body"/>
+            <p:ph type="body" idx="1"/>
           </p:nvPr>
         </p:nvSpPr>
         <p:spPr>
@@ -9941,12 +10058,12 @@
           </a:prstGeom>
         </p:spPr>
         <p:txBody>
-          <a:bodyPr anchorCtr="0" anchor="t" bIns="91425" lIns="91425" spcFirstLastPara="1" rIns="91425" wrap="square" tIns="91425">
+          <a:bodyPr spcFirstLastPara="1" wrap="square" lIns="91425" tIns="91425" rIns="91425" bIns="91425" anchor="t" anchorCtr="0">
             <a:noAutofit/>
           </a:bodyPr>
           <a:lstStyle/>
           <a:p>
-            <a:pPr indent="0" lvl="0" marL="0" rtl="0" algn="l">
+            <a:pPr marL="0" lvl="0" indent="0" algn="l" rtl="0">
               <a:spcBef>
                 <a:spcPts val="0"/>
               </a:spcBef>
@@ -9971,7 +10088,7 @@
             <a:endParaRPr sz="1600"/>
           </a:p>
           <a:p>
-            <a:pPr indent="-330200" lvl="0" marL="457200" rtl="0" algn="l">
+            <a:pPr marL="457200" lvl="0" indent="-330200" algn="l" rtl="0">
               <a:spcBef>
                 <a:spcPts val="1600"/>
               </a:spcBef>
@@ -9988,7 +10105,7 @@
             <a:endParaRPr sz="1600"/>
           </a:p>
           <a:p>
-            <a:pPr indent="-330200" lvl="0" marL="457200" rtl="0" algn="l">
+            <a:pPr marL="457200" lvl="0" indent="-330200" algn="l" rtl="0">
               <a:spcBef>
                 <a:spcPts val="0"/>
               </a:spcBef>
@@ -10005,7 +10122,7 @@
             <a:endParaRPr sz="1600"/>
           </a:p>
           <a:p>
-            <a:pPr indent="-330200" lvl="0" marL="457200" rtl="0" algn="l">
+            <a:pPr marL="457200" lvl="0" indent="-330200" algn="l" rtl="0">
               <a:spcBef>
                 <a:spcPts val="0"/>
               </a:spcBef>
@@ -10022,7 +10139,7 @@
             <a:endParaRPr sz="1600"/>
           </a:p>
           <a:p>
-            <a:pPr indent="-330200" lvl="0" marL="457200" rtl="0" algn="l">
+            <a:pPr marL="457200" lvl="0" indent="-330200" algn="l" rtl="0">
               <a:spcBef>
                 <a:spcPts val="0"/>
               </a:spcBef>
@@ -10045,15 +10162,23 @@
   <p:clrMapOvr>
     <a:masterClrMapping/>
   </p:clrMapOvr>
+  <mc:AlternateContent xmlns:mc="http://schemas.openxmlformats.org/markup-compatibility/2006">
+    <mc:Choice xmlns:p14="http://schemas.microsoft.com/office/powerpoint/2010/main" Requires="p14">
+      <p:transition spd="slow" p14:dur="2000"/>
+    </mc:Choice>
+    <mc:Fallback>
+      <p:transition spd="slow"/>
+    </mc:Fallback>
+  </mc:AlternateContent>
 </p:sld>
 </file>
 
 <file path=ppt/slides/slide6.xml><?xml version="1.0" encoding="utf-8"?>
-<p:sld xmlns:a="http://schemas.openxmlformats.org/drawingml/2006/main" xmlns:r="http://schemas.openxmlformats.org/officeDocument/2006/relationships" xmlns:mc="http://schemas.openxmlformats.org/markup-compatibility/2006" xmlns:mv="urn:schemas-microsoft-com:mac:vml" xmlns:p="http://schemas.openxmlformats.org/presentationml/2006/main" xmlns:c="http://schemas.openxmlformats.org/drawingml/2006/chart" xmlns:dgm="http://schemas.openxmlformats.org/drawingml/2006/diagram" xmlns:o="urn:schemas-microsoft-com:office:office" xmlns:v="urn:schemas-microsoft-com:vml" xmlns:pvml="urn:schemas-microsoft-com:office:powerpoint" xmlns:com="http://schemas.openxmlformats.org/drawingml/2006/compatibility" xmlns:p14="http://schemas.microsoft.com/office/powerpoint/2010/main" xmlns:p15="http://schemas.microsoft.com/office/powerpoint/2012/main">
+<p:sld xmlns:a="http://schemas.openxmlformats.org/drawingml/2006/main" xmlns:r="http://schemas.openxmlformats.org/officeDocument/2006/relationships" xmlns:p="http://schemas.openxmlformats.org/presentationml/2006/main">
   <p:cSld>
     <p:spTree>
       <p:nvGrpSpPr>
-        <p:cNvPr id="136" name="Shape 136"/>
+        <p:cNvPr id="1" name="Shape 136"/>
         <p:cNvGrpSpPr/>
         <p:nvPr/>
       </p:nvGrpSpPr>
@@ -10068,7 +10193,9 @@
       <p:sp>
         <p:nvSpPr>
           <p:cNvPr id="137" name="Google Shape;137;p19"/>
-          <p:cNvSpPr txBox="1"/>
+          <p:cNvSpPr txBox="1">
+            <a:spLocks noGrp="1"/>
+          </p:cNvSpPr>
           <p:nvPr>
             <p:ph type="title"/>
           </p:nvPr>
@@ -10083,12 +10210,12 @@
           </a:prstGeom>
         </p:spPr>
         <p:txBody>
-          <a:bodyPr anchorCtr="0" anchor="t" bIns="91425" lIns="91425" spcFirstLastPara="1" rIns="91425" wrap="square" tIns="91425">
+          <a:bodyPr spcFirstLastPara="1" wrap="square" lIns="91425" tIns="91425" rIns="91425" bIns="91425" anchor="t" anchorCtr="0">
             <a:noAutofit/>
           </a:bodyPr>
           <a:lstStyle/>
           <a:p>
-            <a:pPr indent="0" lvl="0" marL="0" rtl="0" algn="l">
+            <a:pPr marL="0" lvl="0" indent="0" algn="l" rtl="0">
               <a:spcBef>
                 <a:spcPts val="0"/>
               </a:spcBef>
@@ -10108,9 +10235,11 @@
       <p:sp>
         <p:nvSpPr>
           <p:cNvPr id="138" name="Google Shape;138;p19"/>
-          <p:cNvSpPr txBox="1"/>
+          <p:cNvSpPr txBox="1">
+            <a:spLocks noGrp="1"/>
+          </p:cNvSpPr>
           <p:nvPr>
-            <p:ph idx="1" type="body"/>
+            <p:ph type="body" idx="1"/>
           </p:nvPr>
         </p:nvSpPr>
         <p:spPr>
@@ -10123,12 +10252,12 @@
           </a:prstGeom>
         </p:spPr>
         <p:txBody>
-          <a:bodyPr anchorCtr="0" anchor="t" bIns="91425" lIns="91425" spcFirstLastPara="1" rIns="91425" wrap="square" tIns="91425">
+          <a:bodyPr spcFirstLastPara="1" wrap="square" lIns="91425" tIns="91425" rIns="91425" bIns="91425" anchor="t" anchorCtr="0">
             <a:noAutofit/>
           </a:bodyPr>
           <a:lstStyle/>
           <a:p>
-            <a:pPr indent="0" lvl="0" marL="0" rtl="0" algn="l">
+            <a:pPr marL="0" lvl="0" indent="0" algn="l" rtl="0">
               <a:spcBef>
                 <a:spcPts val="0"/>
               </a:spcBef>
@@ -10139,15 +10268,7 @@
             </a:pPr>
             <a:r>
               <a:rPr lang="en" sz="1600"/>
-              <a:t>Provide citations for your work and </a:t>
-            </a:r>
-            <a:r>
-              <a:rPr lang="en" sz="1600"/>
-              <a:t>p</a:t>
-            </a:r>
-            <a:r>
-              <a:rPr lang="en" sz="1600"/>
-              <a:t>rovide resources for your audience to learn more about the technical aspects of your project. Share links to your GitHub repository or accompanying spreadsheets.</a:t>
+              <a:t>Provide citations for your work and provide resources for your audience to learn more about the technical aspects of your project. Share links to your GitHub repository or accompanying spreadsheets.</a:t>
             </a:r>
             <a:endParaRPr sz="1600">
               <a:solidFill>
@@ -10156,7 +10277,7 @@
             </a:endParaRPr>
           </a:p>
           <a:p>
-            <a:pPr indent="0" lvl="0" marL="0" rtl="0" algn="l">
+            <a:pPr marL="0" lvl="0" indent="0" algn="l" rtl="0">
               <a:spcBef>
                 <a:spcPts val="1600"/>
               </a:spcBef>
@@ -10165,9 +10286,6 @@
               </a:spcAft>
               <a:buNone/>
             </a:pPr>
-            <a:r>
-              <a:t/>
-            </a:r>
             <a:endParaRPr sz="1600">
               <a:solidFill>
                 <a:srgbClr val="000000"/>
@@ -10175,7 +10293,7 @@
             </a:endParaRPr>
           </a:p>
           <a:p>
-            <a:pPr indent="0" lvl="0" marL="0" rtl="0" algn="l">
+            <a:pPr marL="0" lvl="0" indent="0" algn="l" rtl="0">
               <a:spcBef>
                 <a:spcPts val="1600"/>
               </a:spcBef>
@@ -10184,9 +10302,6 @@
               </a:spcAft>
               <a:buNone/>
             </a:pPr>
-            <a:r>
-              <a:t/>
-            </a:r>
             <a:endParaRPr sz="1600">
               <a:solidFill>
                 <a:srgbClr val="000000"/>
@@ -10204,7 +10319,288 @@
 </file>
 
 <file path=ppt/theme/theme1.xml><?xml version="1.0" encoding="utf-8"?>
-<a:theme xmlns:a="http://schemas.openxmlformats.org/drawingml/2006/main" xmlns:r="http://schemas.openxmlformats.org/officeDocument/2006/relationships">
+<a:theme xmlns:a="http://schemas.openxmlformats.org/drawingml/2006/main" name="Streamline">
+  <a:themeElements>
+    <a:clrScheme name="Streamline">
+      <a:dk1>
+        <a:srgbClr val="1A9988"/>
+      </a:dk1>
+      <a:lt1>
+        <a:srgbClr val="FFFFFF"/>
+      </a:lt1>
+      <a:dk2>
+        <a:srgbClr val="1A1A1A"/>
+      </a:dk2>
+      <a:lt2>
+        <a:srgbClr val="E9EDEE"/>
+      </a:lt2>
+      <a:accent1>
+        <a:srgbClr val="595959"/>
+      </a:accent1>
+      <a:accent2>
+        <a:srgbClr val="6AA4C8"/>
+      </a:accent2>
+      <a:accent3>
+        <a:srgbClr val="EB5600"/>
+      </a:accent3>
+      <a:accent4>
+        <a:srgbClr val="A2FFE8"/>
+      </a:accent4>
+      <a:accent5>
+        <a:srgbClr val="1C3678"/>
+      </a:accent5>
+      <a:accent6>
+        <a:srgbClr val="FFB8A2"/>
+      </a:accent6>
+      <a:hlink>
+        <a:srgbClr val="1C3678"/>
+      </a:hlink>
+      <a:folHlink>
+        <a:srgbClr val="1C3678"/>
+      </a:folHlink>
+    </a:clrScheme>
+    <a:fontScheme name="Office">
+      <a:majorFont>
+        <a:latin typeface="Arial"/>
+        <a:ea typeface=""/>
+        <a:cs typeface=""/>
+        <a:font script="Jpan" typeface="ＭＳ Ｐゴシック"/>
+        <a:font script="Hang" typeface="맑은 고딕"/>
+        <a:font script="Hans" typeface="宋体"/>
+        <a:font script="Hant" typeface="新細明體"/>
+        <a:font script="Arab" typeface="Times New Roman"/>
+        <a:font script="Hebr" typeface="Times New Roman"/>
+        <a:font script="Thai" typeface="Angsana New"/>
+        <a:font script="Ethi" typeface="Nyala"/>
+        <a:font script="Beng" typeface="Vrinda"/>
+        <a:font script="Gujr" typeface="Shruti"/>
+        <a:font script="Khmr" typeface="MoolBoran"/>
+        <a:font script="Knda" typeface="Tunga"/>
+        <a:font script="Guru" typeface="Raavi"/>
+        <a:font script="Cans" typeface="Euphemia"/>
+        <a:font script="Cher" typeface="Plantagenet Cherokee"/>
+        <a:font script="Yiii" typeface="Microsoft Yi Baiti"/>
+        <a:font script="Tibt" typeface="Microsoft Himalaya"/>
+        <a:font script="Thaa" typeface="MV Boli"/>
+        <a:font script="Deva" typeface="Mangal"/>
+        <a:font script="Telu" typeface="Gautami"/>
+        <a:font script="Taml" typeface="Latha"/>
+        <a:font script="Syrc" typeface="Estrangelo Edessa"/>
+        <a:font script="Orya" typeface="Kalinga"/>
+        <a:font script="Mlym" typeface="Kartika"/>
+        <a:font script="Laoo" typeface="DokChampa"/>
+        <a:font script="Sinh" typeface="Iskoola Pota"/>
+        <a:font script="Mong" typeface="Mongolian Baiti"/>
+        <a:font script="Viet" typeface="Times New Roman"/>
+        <a:font script="Uigh" typeface="Microsoft Uighur"/>
+        <a:font script="Geor" typeface="Sylfaen"/>
+      </a:majorFont>
+      <a:minorFont>
+        <a:latin typeface="Arial"/>
+        <a:ea typeface=""/>
+        <a:cs typeface=""/>
+        <a:font script="Jpan" typeface="ＭＳ Ｐゴシック"/>
+        <a:font script="Hang" typeface="맑은 고딕"/>
+        <a:font script="Hans" typeface="宋体"/>
+        <a:font script="Hant" typeface="新細明體"/>
+        <a:font script="Arab" typeface="Arial"/>
+        <a:font script="Hebr" typeface="Arial"/>
+        <a:font script="Thai" typeface="Cordia New"/>
+        <a:font script="Ethi" typeface="Nyala"/>
+        <a:font script="Beng" typeface="Vrinda"/>
+        <a:font script="Gujr" typeface="Shruti"/>
+        <a:font script="Khmr" typeface="DaunPenh"/>
+        <a:font script="Knda" typeface="Tunga"/>
+        <a:font script="Guru" typeface="Raavi"/>
+        <a:font script="Cans" typeface="Euphemia"/>
+        <a:font script="Cher" typeface="Plantagenet Cherokee"/>
+        <a:font script="Yiii" typeface="Microsoft Yi Baiti"/>
+        <a:font script="Tibt" typeface="Microsoft Himalaya"/>
+        <a:font script="Thaa" typeface="MV Boli"/>
+        <a:font script="Deva" typeface="Mangal"/>
+        <a:font script="Telu" typeface="Gautami"/>
+        <a:font script="Taml" typeface="Latha"/>
+        <a:font script="Syrc" typeface="Estrangelo Edessa"/>
+        <a:font script="Orya" typeface="Kalinga"/>
+        <a:font script="Mlym" typeface="Kartika"/>
+        <a:font script="Laoo" typeface="DokChampa"/>
+        <a:font script="Sinh" typeface="Iskoola Pota"/>
+        <a:font script="Mong" typeface="Mongolian Baiti"/>
+        <a:font script="Viet" typeface="Arial"/>
+        <a:font script="Uigh" typeface="Microsoft Uighur"/>
+        <a:font script="Geor" typeface="Sylfaen"/>
+      </a:minorFont>
+    </a:fontScheme>
+    <a:fmtScheme name="Office">
+      <a:fillStyleLst>
+        <a:solidFill>
+          <a:schemeClr val="phClr"/>
+        </a:solidFill>
+        <a:gradFill rotWithShape="1">
+          <a:gsLst>
+            <a:gs pos="0">
+              <a:schemeClr val="phClr">
+                <a:tint val="50000"/>
+                <a:satMod val="300000"/>
+              </a:schemeClr>
+            </a:gs>
+            <a:gs pos="35000">
+              <a:schemeClr val="phClr">
+                <a:tint val="37000"/>
+                <a:satMod val="300000"/>
+              </a:schemeClr>
+            </a:gs>
+            <a:gs pos="100000">
+              <a:schemeClr val="phClr">
+                <a:tint val="15000"/>
+                <a:satMod val="350000"/>
+              </a:schemeClr>
+            </a:gs>
+          </a:gsLst>
+          <a:lin ang="16200000" scaled="1"/>
+        </a:gradFill>
+        <a:gradFill rotWithShape="1">
+          <a:gsLst>
+            <a:gs pos="0">
+              <a:schemeClr val="phClr">
+                <a:tint val="100000"/>
+                <a:shade val="100000"/>
+                <a:satMod val="130000"/>
+              </a:schemeClr>
+            </a:gs>
+            <a:gs pos="100000">
+              <a:schemeClr val="phClr">
+                <a:tint val="50000"/>
+                <a:shade val="100000"/>
+                <a:satMod val="350000"/>
+              </a:schemeClr>
+            </a:gs>
+          </a:gsLst>
+          <a:lin ang="16200000" scaled="0"/>
+        </a:gradFill>
+      </a:fillStyleLst>
+      <a:lnStyleLst>
+        <a:ln w="9525" cap="flat" cmpd="sng" algn="ctr">
+          <a:solidFill>
+            <a:schemeClr val="phClr">
+              <a:shade val="95000"/>
+              <a:satMod val="105000"/>
+            </a:schemeClr>
+          </a:solidFill>
+          <a:prstDash val="solid"/>
+        </a:ln>
+        <a:ln w="25400" cap="flat" cmpd="sng" algn="ctr">
+          <a:solidFill>
+            <a:schemeClr val="phClr"/>
+          </a:solidFill>
+          <a:prstDash val="solid"/>
+        </a:ln>
+        <a:ln w="38100" cap="flat" cmpd="sng" algn="ctr">
+          <a:solidFill>
+            <a:schemeClr val="phClr"/>
+          </a:solidFill>
+          <a:prstDash val="solid"/>
+        </a:ln>
+      </a:lnStyleLst>
+      <a:effectStyleLst>
+        <a:effectStyle>
+          <a:effectLst>
+            <a:outerShdw blurRad="40000" dist="20000" dir="5400000" rotWithShape="0">
+              <a:srgbClr val="000000">
+                <a:alpha val="38000"/>
+              </a:srgbClr>
+            </a:outerShdw>
+          </a:effectLst>
+        </a:effectStyle>
+        <a:effectStyle>
+          <a:effectLst>
+            <a:outerShdw blurRad="40000" dist="23000" dir="5400000" rotWithShape="0">
+              <a:srgbClr val="000000">
+                <a:alpha val="35000"/>
+              </a:srgbClr>
+            </a:outerShdw>
+          </a:effectLst>
+        </a:effectStyle>
+        <a:effectStyle>
+          <a:effectLst>
+            <a:outerShdw blurRad="40000" dist="23000" dir="5400000" rotWithShape="0">
+              <a:srgbClr val="000000">
+                <a:alpha val="35000"/>
+              </a:srgbClr>
+            </a:outerShdw>
+          </a:effectLst>
+          <a:scene3d>
+            <a:camera prst="orthographicFront">
+              <a:rot lat="0" lon="0" rev="0"/>
+            </a:camera>
+            <a:lightRig rig="threePt" dir="t">
+              <a:rot lat="0" lon="0" rev="1200000"/>
+            </a:lightRig>
+          </a:scene3d>
+          <a:sp3d>
+            <a:bevelT w="63500" h="25400"/>
+          </a:sp3d>
+        </a:effectStyle>
+      </a:effectStyleLst>
+      <a:bgFillStyleLst>
+        <a:solidFill>
+          <a:schemeClr val="phClr"/>
+        </a:solidFill>
+        <a:gradFill rotWithShape="1">
+          <a:gsLst>
+            <a:gs pos="0">
+              <a:schemeClr val="phClr">
+                <a:tint val="40000"/>
+                <a:satMod val="350000"/>
+              </a:schemeClr>
+            </a:gs>
+            <a:gs pos="40000">
+              <a:schemeClr val="phClr">
+                <a:tint val="45000"/>
+                <a:shade val="99000"/>
+                <a:satMod val="350000"/>
+              </a:schemeClr>
+            </a:gs>
+            <a:gs pos="100000">
+              <a:schemeClr val="phClr">
+                <a:shade val="20000"/>
+                <a:satMod val="255000"/>
+              </a:schemeClr>
+            </a:gs>
+          </a:gsLst>
+          <a:path path="circle">
+            <a:fillToRect l="50000" t="-80000" r="50000" b="180000"/>
+          </a:path>
+        </a:gradFill>
+        <a:gradFill rotWithShape="1">
+          <a:gsLst>
+            <a:gs pos="0">
+              <a:schemeClr val="phClr">
+                <a:tint val="80000"/>
+                <a:satMod val="300000"/>
+              </a:schemeClr>
+            </a:gs>
+            <a:gs pos="100000">
+              <a:schemeClr val="phClr">
+                <a:shade val="30000"/>
+                <a:satMod val="200000"/>
+              </a:schemeClr>
+            </a:gs>
+          </a:gsLst>
+          <a:path path="circle">
+            <a:fillToRect l="50000" t="50000" r="50000" b="50000"/>
+          </a:path>
+        </a:gradFill>
+      </a:bgFillStyleLst>
+    </a:fmtScheme>
+  </a:themeElements>
+  <a:objectDefaults/>
+  <a:extraClrSchemeLst/>
+</a:theme>
+</file>
+
+<file path=ppt/theme/theme2.xml><?xml version="1.0" encoding="utf-8"?>
+<a:theme xmlns:a="http://schemas.openxmlformats.org/drawingml/2006/main">
   <a:themeElements>
     <a:clrScheme name="Default">
       <a:dk1>
@@ -10479,284 +10875,7 @@
       </a:bgFillStyleLst>
     </a:fmtScheme>
   </a:themeElements>
-</a:theme>
-</file>
-
-<file path=ppt/theme/theme2.xml><?xml version="1.0" encoding="utf-8"?>
-<a:theme xmlns:a="http://schemas.openxmlformats.org/drawingml/2006/main" xmlns:r="http://schemas.openxmlformats.org/officeDocument/2006/relationships" name="Streamline">
-  <a:themeElements>
-    <a:clrScheme name="Streamline">
-      <a:dk1>
-        <a:srgbClr val="1A9988"/>
-      </a:dk1>
-      <a:lt1>
-        <a:srgbClr val="FFFFFF"/>
-      </a:lt1>
-      <a:dk2>
-        <a:srgbClr val="1A1A1A"/>
-      </a:dk2>
-      <a:lt2>
-        <a:srgbClr val="E9EDEE"/>
-      </a:lt2>
-      <a:accent1>
-        <a:srgbClr val="595959"/>
-      </a:accent1>
-      <a:accent2>
-        <a:srgbClr val="6AA4C8"/>
-      </a:accent2>
-      <a:accent3>
-        <a:srgbClr val="EB5600"/>
-      </a:accent3>
-      <a:accent4>
-        <a:srgbClr val="A2FFE8"/>
-      </a:accent4>
-      <a:accent5>
-        <a:srgbClr val="1C3678"/>
-      </a:accent5>
-      <a:accent6>
-        <a:srgbClr val="FFB8A2"/>
-      </a:accent6>
-      <a:hlink>
-        <a:srgbClr val="1C3678"/>
-      </a:hlink>
-      <a:folHlink>
-        <a:srgbClr val="1C3678"/>
-      </a:folHlink>
-    </a:clrScheme>
-    <a:fontScheme name="Office">
-      <a:majorFont>
-        <a:latin typeface="Arial"/>
-        <a:ea typeface=""/>
-        <a:cs typeface=""/>
-        <a:font script="Jpan" typeface="ＭＳ Ｐゴシック"/>
-        <a:font script="Hang" typeface="맑은 고딕"/>
-        <a:font script="Hans" typeface="宋体"/>
-        <a:font script="Hant" typeface="新細明體"/>
-        <a:font script="Arab" typeface="Times New Roman"/>
-        <a:font script="Hebr" typeface="Times New Roman"/>
-        <a:font script="Thai" typeface="Angsana New"/>
-        <a:font script="Ethi" typeface="Nyala"/>
-        <a:font script="Beng" typeface="Vrinda"/>
-        <a:font script="Gujr" typeface="Shruti"/>
-        <a:font script="Khmr" typeface="MoolBoran"/>
-        <a:font script="Knda" typeface="Tunga"/>
-        <a:font script="Guru" typeface="Raavi"/>
-        <a:font script="Cans" typeface="Euphemia"/>
-        <a:font script="Cher" typeface="Plantagenet Cherokee"/>
-        <a:font script="Yiii" typeface="Microsoft Yi Baiti"/>
-        <a:font script="Tibt" typeface="Microsoft Himalaya"/>
-        <a:font script="Thaa" typeface="MV Boli"/>
-        <a:font script="Deva" typeface="Mangal"/>
-        <a:font script="Telu" typeface="Gautami"/>
-        <a:font script="Taml" typeface="Latha"/>
-        <a:font script="Syrc" typeface="Estrangelo Edessa"/>
-        <a:font script="Orya" typeface="Kalinga"/>
-        <a:font script="Mlym" typeface="Kartika"/>
-        <a:font script="Laoo" typeface="DokChampa"/>
-        <a:font script="Sinh" typeface="Iskoola Pota"/>
-        <a:font script="Mong" typeface="Mongolian Baiti"/>
-        <a:font script="Viet" typeface="Times New Roman"/>
-        <a:font script="Uigh" typeface="Microsoft Uighur"/>
-        <a:font script="Geor" typeface="Sylfaen"/>
-      </a:majorFont>
-      <a:minorFont>
-        <a:latin typeface="Arial"/>
-        <a:ea typeface=""/>
-        <a:cs typeface=""/>
-        <a:font script="Jpan" typeface="ＭＳ Ｐゴシック"/>
-        <a:font script="Hang" typeface="맑은 고딕"/>
-        <a:font script="Hans" typeface="宋体"/>
-        <a:font script="Hant" typeface="新細明體"/>
-        <a:font script="Arab" typeface="Arial"/>
-        <a:font script="Hebr" typeface="Arial"/>
-        <a:font script="Thai" typeface="Cordia New"/>
-        <a:font script="Ethi" typeface="Nyala"/>
-        <a:font script="Beng" typeface="Vrinda"/>
-        <a:font script="Gujr" typeface="Shruti"/>
-        <a:font script="Khmr" typeface="DaunPenh"/>
-        <a:font script="Knda" typeface="Tunga"/>
-        <a:font script="Guru" typeface="Raavi"/>
-        <a:font script="Cans" typeface="Euphemia"/>
-        <a:font script="Cher" typeface="Plantagenet Cherokee"/>
-        <a:font script="Yiii" typeface="Microsoft Yi Baiti"/>
-        <a:font script="Tibt" typeface="Microsoft Himalaya"/>
-        <a:font script="Thaa" typeface="MV Boli"/>
-        <a:font script="Deva" typeface="Mangal"/>
-        <a:font script="Telu" typeface="Gautami"/>
-        <a:font script="Taml" typeface="Latha"/>
-        <a:font script="Syrc" typeface="Estrangelo Edessa"/>
-        <a:font script="Orya" typeface="Kalinga"/>
-        <a:font script="Mlym" typeface="Kartika"/>
-        <a:font script="Laoo" typeface="DokChampa"/>
-        <a:font script="Sinh" typeface="Iskoola Pota"/>
-        <a:font script="Mong" typeface="Mongolian Baiti"/>
-        <a:font script="Viet" typeface="Arial"/>
-        <a:font script="Uigh" typeface="Microsoft Uighur"/>
-        <a:font script="Geor" typeface="Sylfaen"/>
-      </a:minorFont>
-    </a:fontScheme>
-    <a:fmtScheme name="Office">
-      <a:fillStyleLst>
-        <a:solidFill>
-          <a:schemeClr val="phClr"/>
-        </a:solidFill>
-        <a:gradFill rotWithShape="1">
-          <a:gsLst>
-            <a:gs pos="0">
-              <a:schemeClr val="phClr">
-                <a:tint val="50000"/>
-                <a:satMod val="300000"/>
-              </a:schemeClr>
-            </a:gs>
-            <a:gs pos="35000">
-              <a:schemeClr val="phClr">
-                <a:tint val="37000"/>
-                <a:satMod val="300000"/>
-              </a:schemeClr>
-            </a:gs>
-            <a:gs pos="100000">
-              <a:schemeClr val="phClr">
-                <a:tint val="15000"/>
-                <a:satMod val="350000"/>
-              </a:schemeClr>
-            </a:gs>
-          </a:gsLst>
-          <a:lin ang="16200000" scaled="1"/>
-        </a:gradFill>
-        <a:gradFill rotWithShape="1">
-          <a:gsLst>
-            <a:gs pos="0">
-              <a:schemeClr val="phClr">
-                <a:tint val="100000"/>
-                <a:shade val="100000"/>
-                <a:satMod val="130000"/>
-              </a:schemeClr>
-            </a:gs>
-            <a:gs pos="100000">
-              <a:schemeClr val="phClr">
-                <a:tint val="50000"/>
-                <a:shade val="100000"/>
-                <a:satMod val="350000"/>
-              </a:schemeClr>
-            </a:gs>
-          </a:gsLst>
-          <a:lin ang="16200000" scaled="0"/>
-        </a:gradFill>
-      </a:fillStyleLst>
-      <a:lnStyleLst>
-        <a:ln w="9525" cap="flat" cmpd="sng" algn="ctr">
-          <a:solidFill>
-            <a:schemeClr val="phClr">
-              <a:shade val="95000"/>
-              <a:satMod val="105000"/>
-            </a:schemeClr>
-          </a:solidFill>
-          <a:prstDash val="solid"/>
-        </a:ln>
-        <a:ln w="25400" cap="flat" cmpd="sng" algn="ctr">
-          <a:solidFill>
-            <a:schemeClr val="phClr"/>
-          </a:solidFill>
-          <a:prstDash val="solid"/>
-        </a:ln>
-        <a:ln w="38100" cap="flat" cmpd="sng" algn="ctr">
-          <a:solidFill>
-            <a:schemeClr val="phClr"/>
-          </a:solidFill>
-          <a:prstDash val="solid"/>
-        </a:ln>
-      </a:lnStyleLst>
-      <a:effectStyleLst>
-        <a:effectStyle>
-          <a:effectLst>
-            <a:outerShdw blurRad="40000" dist="20000" dir="5400000" rotWithShape="0">
-              <a:srgbClr val="000000">
-                <a:alpha val="38000"/>
-              </a:srgbClr>
-            </a:outerShdw>
-          </a:effectLst>
-        </a:effectStyle>
-        <a:effectStyle>
-          <a:effectLst>
-            <a:outerShdw blurRad="40000" dist="23000" dir="5400000" rotWithShape="0">
-              <a:srgbClr val="000000">
-                <a:alpha val="35000"/>
-              </a:srgbClr>
-            </a:outerShdw>
-          </a:effectLst>
-        </a:effectStyle>
-        <a:effectStyle>
-          <a:effectLst>
-            <a:outerShdw blurRad="40000" dist="23000" dir="5400000" rotWithShape="0">
-              <a:srgbClr val="000000">
-                <a:alpha val="35000"/>
-              </a:srgbClr>
-            </a:outerShdw>
-          </a:effectLst>
-          <a:scene3d>
-            <a:camera prst="orthographicFront">
-              <a:rot lat="0" lon="0" rev="0"/>
-            </a:camera>
-            <a:lightRig rig="threePt" dir="t">
-              <a:rot lat="0" lon="0" rev="1200000"/>
-            </a:lightRig>
-          </a:scene3d>
-          <a:sp3d>
-            <a:bevelT w="63500" h="25400"/>
-          </a:sp3d>
-        </a:effectStyle>
-      </a:effectStyleLst>
-      <a:bgFillStyleLst>
-        <a:solidFill>
-          <a:schemeClr val="phClr"/>
-        </a:solidFill>
-        <a:gradFill rotWithShape="1">
-          <a:gsLst>
-            <a:gs pos="0">
-              <a:schemeClr val="phClr">
-                <a:tint val="40000"/>
-                <a:satMod val="350000"/>
-              </a:schemeClr>
-            </a:gs>
-            <a:gs pos="40000">
-              <a:schemeClr val="phClr">
-                <a:tint val="45000"/>
-                <a:shade val="99000"/>
-                <a:satMod val="350000"/>
-              </a:schemeClr>
-            </a:gs>
-            <a:gs pos="100000">
-              <a:schemeClr val="phClr">
-                <a:shade val="20000"/>
-                <a:satMod val="255000"/>
-              </a:schemeClr>
-            </a:gs>
-          </a:gsLst>
-          <a:path path="circle">
-            <a:fillToRect l="50000" t="-80000" r="50000" b="180000"/>
-          </a:path>
-        </a:gradFill>
-        <a:gradFill rotWithShape="1">
-          <a:gsLst>
-            <a:gs pos="0">
-              <a:schemeClr val="phClr">
-                <a:tint val="80000"/>
-                <a:satMod val="300000"/>
-              </a:schemeClr>
-            </a:gs>
-            <a:gs pos="100000">
-              <a:schemeClr val="phClr">
-                <a:shade val="30000"/>
-                <a:satMod val="200000"/>
-              </a:schemeClr>
-            </a:gs>
-          </a:gsLst>
-          <a:path path="circle">
-            <a:fillToRect l="50000" t="50000" r="50000" b="50000"/>
-          </a:path>
-        </a:gradFill>
-      </a:bgFillStyleLst>
-    </a:fmtScheme>
-  </a:themeElements>
+  <a:objectDefaults/>
+  <a:extraClrSchemeLst/>
 </a:theme>
 </file>
--- a/Result/Vanessa’s project .pptx
+++ b/Result/Vanessa’s project .pptx
@@ -5,50 +5,51 @@
     <p:sldMasterId id="2147483660" r:id="rId1"/>
   </p:sldMasterIdLst>
   <p:notesMasterIdLst>
-    <p:notesMasterId r:id="rId8"/>
+    <p:notesMasterId r:id="rId9"/>
   </p:notesMasterIdLst>
   <p:sldIdLst>
     <p:sldId id="256" r:id="rId2"/>
     <p:sldId id="257" r:id="rId3"/>
     <p:sldId id="258" r:id="rId4"/>
     <p:sldId id="259" r:id="rId5"/>
-    <p:sldId id="260" r:id="rId6"/>
-    <p:sldId id="261" r:id="rId7"/>
+    <p:sldId id="262" r:id="rId6"/>
+    <p:sldId id="260" r:id="rId7"/>
+    <p:sldId id="261" r:id="rId8"/>
   </p:sldIdLst>
   <p:sldSz cx="9144000" cy="5143500" type="screen16x9"/>
   <p:notesSz cx="6858000" cy="9144000"/>
   <p:embeddedFontLst>
     <p:embeddedFont>
-      <p:font typeface="Raleway" panose="020B0604020202020204" charset="0"/>
-      <p:regular r:id="rId9"/>
-      <p:bold r:id="rId10"/>
-      <p:italic r:id="rId11"/>
-      <p:boldItalic r:id="rId12"/>
+      <p:font typeface="Lato" panose="020B0604020202020204" charset="0"/>
+      <p:regular r:id="rId10"/>
+      <p:bold r:id="rId11"/>
+      <p:italic r:id="rId12"/>
+      <p:boldItalic r:id="rId13"/>
     </p:embeddedFont>
     <p:embeddedFont>
-      <p:font typeface="Lato" panose="020B0604020202020204" charset="0"/>
-      <p:regular r:id="rId13"/>
-      <p:bold r:id="rId14"/>
-      <p:italic r:id="rId15"/>
-      <p:boldItalic r:id="rId16"/>
+      <p:font typeface="Encode Sans SemiBold" panose="020B0604020202020204" charset="0"/>
+      <p:regular r:id="rId14"/>
+      <p:bold r:id="rId15"/>
     </p:embeddedFont>
     <p:embeddedFont>
       <p:font typeface="Tahoma" panose="020B0604030504040204" pitchFamily="34" charset="0"/>
-      <p:regular r:id="rId17"/>
-      <p:bold r:id="rId18"/>
+      <p:regular r:id="rId16"/>
+      <p:bold r:id="rId17"/>
     </p:embeddedFont>
     <p:embeddedFont>
-      <p:font typeface="Encode Sans SemiBold" panose="020B0604020202020204" charset="0"/>
-      <p:regular r:id="rId19"/>
-      <p:bold r:id="rId20"/>
-    </p:embeddedFont>
-    <p:embeddedFont>
-      <p:font typeface="Cutive" panose="020B0604020202020204" charset="0"/>
-      <p:regular r:id="rId21"/>
+      <p:font typeface="Raleway" panose="020B0604020202020204" charset="0"/>
+      <p:regular r:id="rId18"/>
+      <p:bold r:id="rId19"/>
+      <p:italic r:id="rId20"/>
+      <p:boldItalic r:id="rId21"/>
     </p:embeddedFont>
     <p:embeddedFont>
       <p:font typeface="Andalus" panose="02020603050405020304" pitchFamily="18" charset="-78"/>
       <p:regular r:id="rId22"/>
+    </p:embeddedFont>
+    <p:embeddedFont>
+      <p:font typeface="Cutive" panose="020B0604020202020204" charset="0"/>
+      <p:regular r:id="rId23"/>
     </p:embeddedFont>
   </p:embeddedFontLst>
   <p:defaultTextStyle>
@@ -9903,7 +9904,7 @@
         </p:nvSpPr>
         <p:spPr>
           <a:xfrm>
-            <a:off x="729450" y="785250"/>
+            <a:off x="755207" y="688912"/>
             <a:ext cx="7688700" cy="535200"/>
           </a:xfrm>
           <a:prstGeom prst="rect">
@@ -9933,6 +9934,30 @@
           </a:p>
         </p:txBody>
       </p:sp>
+      <p:pic>
+        <p:nvPicPr>
+          <p:cNvPr id="2" name="Picture 1"/>
+          <p:cNvPicPr>
+            <a:picLocks noChangeAspect="1"/>
+          </p:cNvPicPr>
+          <p:nvPr/>
+        </p:nvPicPr>
+        <p:blipFill>
+          <a:blip r:embed="rId3"/>
+          <a:stretch>
+            <a:fillRect/>
+          </a:stretch>
+        </p:blipFill>
+        <p:spPr>
+          <a:xfrm>
+            <a:off x="4868214" y="1416676"/>
+            <a:ext cx="4010025" cy="2781300"/>
+          </a:xfrm>
+          <a:prstGeom prst="rect">
+            <a:avLst/>
+          </a:prstGeom>
+        </p:spPr>
+      </p:pic>
       <p:sp>
         <p:nvSpPr>
           <p:cNvPr id="126" name="Google Shape;126;p17"/>
@@ -9958,16 +9983,38 @@
           </a:bodyPr>
           <a:lstStyle/>
           <a:p>
-            <a:pPr marL="0" lvl="0" indent="0" algn="l" rtl="0">
-              <a:spcBef>
-                <a:spcPts val="0"/>
-              </a:spcBef>
+            <a:pPr marL="0" lvl="0" indent="0">
               <a:spcAft>
                 <a:spcPts val="1600"/>
               </a:spcAft>
               <a:buNone/>
             </a:pPr>
-            <a:endParaRPr sz="1600"/>
+            <a:r>
+              <a:rPr lang="en-US" sz="1600" dirty="0" smtClean="0"/>
+              <a:t>There are about </a:t>
+            </a:r>
+            <a:r>
+              <a:rPr lang="en-US" sz="1600" dirty="0"/>
+              <a:t>26.54% of the customers churned </a:t>
+            </a:r>
+            <a:endParaRPr lang="en-US" sz="1600" dirty="0" smtClean="0"/>
+          </a:p>
+          <a:p>
+            <a:pPr marL="0" lvl="0" indent="0">
+              <a:spcAft>
+                <a:spcPts val="1600"/>
+              </a:spcAft>
+              <a:buNone/>
+            </a:pPr>
+            <a:r>
+              <a:rPr lang="en-US" sz="1600" dirty="0" smtClean="0"/>
+              <a:t>and </a:t>
+            </a:r>
+            <a:r>
+              <a:rPr lang="en-US" sz="1600" dirty="0"/>
+              <a:t>74.46% of the customers stayed.</a:t>
+            </a:r>
+            <a:endParaRPr sz="1600" dirty="0"/>
           </a:p>
         </p:txBody>
       </p:sp>
@@ -9980,6 +10027,125 @@
 </file>
 
 <file path=ppt/slides/slide5.xml><?xml version="1.0" encoding="utf-8"?>
+<p:sld xmlns:a="http://schemas.openxmlformats.org/drawingml/2006/main" xmlns:r="http://schemas.openxmlformats.org/officeDocument/2006/relationships" xmlns:p="http://schemas.openxmlformats.org/presentationml/2006/main">
+  <p:cSld>
+    <p:spTree>
+      <p:nvGrpSpPr>
+        <p:cNvPr id="1" name=""/>
+        <p:cNvGrpSpPr/>
+        <p:nvPr/>
+      </p:nvGrpSpPr>
+      <p:grpSpPr>
+        <a:xfrm>
+          <a:off x="0" y="0"/>
+          <a:ext cx="0" cy="0"/>
+          <a:chOff x="0" y="0"/>
+          <a:chExt cx="0" cy="0"/>
+        </a:xfrm>
+      </p:grpSpPr>
+      <p:sp>
+        <p:nvSpPr>
+          <p:cNvPr id="2" name="Title 1"/>
+          <p:cNvSpPr>
+            <a:spLocks noGrp="1"/>
+          </p:cNvSpPr>
+          <p:nvPr>
+            <p:ph type="title"/>
+          </p:nvPr>
+        </p:nvSpPr>
+        <p:spPr/>
+        <p:txBody>
+          <a:bodyPr/>
+          <a:lstStyle/>
+          <a:p>
+            <a:r>
+              <a:rPr lang="en-US" dirty="0" smtClean="0"/>
+              <a:t>Result</a:t>
+            </a:r>
+            <a:endParaRPr lang="en-US" dirty="0"/>
+          </a:p>
+        </p:txBody>
+      </p:sp>
+      <p:sp>
+        <p:nvSpPr>
+          <p:cNvPr id="3" name="Text Placeholder 2"/>
+          <p:cNvSpPr>
+            <a:spLocks noGrp="1"/>
+          </p:cNvSpPr>
+          <p:nvPr>
+            <p:ph type="body" idx="1"/>
+          </p:nvPr>
+        </p:nvSpPr>
+        <p:spPr/>
+        <p:txBody>
+          <a:bodyPr/>
+          <a:lstStyle/>
+          <a:p>
+            <a:pPr marL="146050" indent="0">
+              <a:buNone/>
+            </a:pPr>
+            <a:r>
+              <a:rPr lang="en-US" dirty="0"/>
+              <a:t>The chart above is interesting, because it helps </a:t>
+            </a:r>
+            <a:r>
+              <a:rPr lang="en-US" dirty="0" smtClean="0"/>
+              <a:t>to </a:t>
+            </a:r>
+            <a:r>
+              <a:rPr lang="en-US" dirty="0"/>
+              <a:t>discriminate retained and churned </a:t>
+            </a:r>
+            <a:r>
+              <a:rPr lang="en-US" dirty="0" smtClean="0"/>
+              <a:t>customers and it </a:t>
+            </a:r>
+            <a:r>
+              <a:rPr lang="en-US" dirty="0"/>
+              <a:t>shows that most customers that churned had the Fiber optic internet service, and the most customers that were retained had DSL internet service.</a:t>
+            </a:r>
+            <a:endParaRPr lang="en-US" dirty="0"/>
+          </a:p>
+        </p:txBody>
+      </p:sp>
+      <p:pic>
+        <p:nvPicPr>
+          <p:cNvPr id="4" name="Picture 3"/>
+          <p:cNvPicPr>
+            <a:picLocks noChangeAspect="1"/>
+          </p:cNvPicPr>
+          <p:nvPr/>
+        </p:nvPicPr>
+        <p:blipFill>
+          <a:blip r:embed="rId2"/>
+          <a:stretch>
+            <a:fillRect/>
+          </a:stretch>
+        </p:blipFill>
+        <p:spPr>
+          <a:xfrm>
+            <a:off x="4224269" y="2163650"/>
+            <a:ext cx="4707363" cy="2421229"/>
+          </a:xfrm>
+          <a:prstGeom prst="rect">
+            <a:avLst/>
+          </a:prstGeom>
+        </p:spPr>
+      </p:pic>
+    </p:spTree>
+    <p:extLst>
+      <p:ext uri="{BB962C8B-B14F-4D97-AF65-F5344CB8AC3E}">
+        <p14:creationId xmlns:p14="http://schemas.microsoft.com/office/powerpoint/2010/main" val="2460761159"/>
+      </p:ext>
+    </p:extLst>
+  </p:cSld>
+  <p:clrMapOvr>
+    <a:masterClrMapping/>
+  </p:clrMapOvr>
+</p:sld>
+</file>
+
+<file path=ppt/slides/slide6.xml><?xml version="1.0" encoding="utf-8"?>
 <p:sld xmlns:a="http://schemas.openxmlformats.org/drawingml/2006/main" xmlns:r="http://schemas.openxmlformats.org/officeDocument/2006/relationships" xmlns:p="http://schemas.openxmlformats.org/presentationml/2006/main" show="0">
   <p:cSld>
     <p:spTree>
@@ -10073,11 +10239,11 @@
               <a:buNone/>
             </a:pPr>
             <a:r>
-              <a:rPr lang="en" sz="1600"/>
+              <a:rPr lang="en" sz="1600" dirty="0"/>
               <a:t>Communicate your recommendations to your audience. Based on your results, how might you propose solving the business problem? (</a:t>
             </a:r>
             <a:r>
-              <a:rPr lang="en" sz="1600">
+              <a:rPr lang="en" sz="1600" dirty="0">
                 <a:latin typeface="Encode Sans SemiBold"/>
                 <a:ea typeface="Encode Sans SemiBold"/>
                 <a:cs typeface="Encode Sans SemiBold"/>
@@ -10085,7 +10251,7 @@
               </a:rPr>
               <a:t>June 15, 2020)</a:t>
             </a:r>
-            <a:endParaRPr sz="1600"/>
+            <a:endParaRPr sz="1600" dirty="0"/>
           </a:p>
           <a:p>
             <a:pPr marL="457200" lvl="0" indent="-330200" algn="l" rtl="0">
@@ -10099,15 +10265,18 @@
               <a:buChar char="❏"/>
             </a:pPr>
             <a:r>
-              <a:rPr lang="en" sz="1600"/>
-              <a:t>What is your proposed solution?</a:t>
+              <a:rPr lang="en" sz="1600" dirty="0"/>
+              <a:t>What is your proposed </a:t>
             </a:r>
-            <a:endParaRPr sz="1600"/>
+            <a:r>
+              <a:rPr lang="en" sz="1600" dirty="0" smtClean="0"/>
+              <a:t>solution?</a:t>
+            </a:r>
           </a:p>
           <a:p>
             <a:pPr marL="457200" lvl="0" indent="-330200" algn="l" rtl="0">
               <a:spcBef>
-                <a:spcPts val="0"/>
+                <a:spcPts val="1600"/>
               </a:spcBef>
               <a:spcAft>
                 <a:spcPts val="0"/>
@@ -10116,10 +10285,14 @@
               <a:buChar char="❏"/>
             </a:pPr>
             <a:r>
-              <a:rPr lang="en" sz="1600"/>
-              <a:t>What are strengths of the organization that you have leveraged in your solution?</a:t>
+              <a:rPr lang="en-US" sz="1600" dirty="0" smtClean="0"/>
+              <a:t>S</a:t>
             </a:r>
-            <a:endParaRPr sz="1600"/>
+            <a:r>
+              <a:rPr lang="en" sz="1600" dirty="0" smtClean="0"/>
+              <a:t>ible moun ki kite cheche konn poukisa yo kite epi propose solution</a:t>
+            </a:r>
+            <a:endParaRPr sz="1600" dirty="0"/>
           </a:p>
           <a:p>
             <a:pPr marL="457200" lvl="0" indent="-330200" algn="l" rtl="0">
@@ -10133,27 +10306,98 @@
               <a:buChar char="❏"/>
             </a:pPr>
             <a:r>
-              <a:rPr lang="en" sz="1600"/>
-              <a:t>What are weaknesses of the organization that could undermine your solution?</a:t>
+              <a:rPr lang="en" sz="1600" dirty="0"/>
+              <a:t>What are strengths of the organization that you have leveraged in your solution</a:t>
             </a:r>
-            <a:endParaRPr sz="1600"/>
+            <a:r>
+              <a:rPr lang="en" sz="1600" dirty="0" smtClean="0"/>
+              <a:t>?</a:t>
+            </a:r>
           </a:p>
           <a:p>
-            <a:pPr marL="457200" lvl="0" indent="-330200" algn="l" rtl="0">
-              <a:spcBef>
-                <a:spcPts val="0"/>
-              </a:spcBef>
-              <a:spcAft>
-                <a:spcPts val="0"/>
-              </a:spcAft>
+            <a:pPr lvl="0" indent="-330200">
               <a:buSzPts val="1600"/>
               <a:buChar char="❏"/>
             </a:pPr>
             <a:r>
-              <a:rPr lang="en" sz="1600"/>
+              <a:rPr lang="en-US" sz="1600" dirty="0" smtClean="0"/>
+              <a:t>L</a:t>
+            </a:r>
+            <a:r>
+              <a:rPr lang="en" sz="1600" dirty="0" smtClean="0"/>
+              <a:t>i ansyen sou mache a’</a:t>
+            </a:r>
+            <a:r>
+              <a:rPr lang="en-US" sz="1600" dirty="0"/>
+              <a:t> The leading telecom company has a massive market </a:t>
+            </a:r>
+            <a:r>
+              <a:rPr lang="en-US" sz="1600" dirty="0" smtClean="0"/>
+              <a:t>share,</a:t>
+            </a:r>
+            <a:r>
+              <a:rPr lang="en-US" sz="1600" dirty="0"/>
+              <a:t> Because this company has been the market leader for so many years,</a:t>
+            </a:r>
+            <a:endParaRPr sz="1600" dirty="0"/>
+          </a:p>
+          <a:p>
+            <a:pPr marL="457200" lvl="0" indent="-330200" algn="l" rtl="0">
+              <a:spcBef>
+                <a:spcPts val="0"/>
+              </a:spcBef>
+              <a:spcAft>
+                <a:spcPts val="0"/>
+              </a:spcAft>
+              <a:buSzPts val="1600"/>
+              <a:buChar char="❏"/>
+            </a:pPr>
+            <a:r>
+              <a:rPr lang="en" sz="1600" dirty="0"/>
+              <a:t>What are weaknesses of the organization that could undermine your solution</a:t>
+            </a:r>
+            <a:r>
+              <a:rPr lang="en" sz="1600" dirty="0" smtClean="0"/>
+              <a:t>?</a:t>
+            </a:r>
+          </a:p>
+          <a:p>
+            <a:pPr marL="457200" lvl="0" indent="-330200" algn="l" rtl="0">
+              <a:spcBef>
+                <a:spcPts val="0"/>
+              </a:spcBef>
+              <a:spcAft>
+                <a:spcPts val="0"/>
+              </a:spcAft>
+              <a:buSzPts val="1600"/>
+              <a:buChar char="❏"/>
+            </a:pPr>
+            <a:r>
+              <a:rPr lang="en-US" sz="1600" dirty="0" smtClean="0"/>
+              <a:t>D</a:t>
+            </a:r>
+            <a:r>
+              <a:rPr lang="en" sz="1600" dirty="0" smtClean="0"/>
+              <a:t>ifikilte pou gen nouvo kliyan</a:t>
+            </a:r>
+            <a:endParaRPr sz="1600" dirty="0"/>
+          </a:p>
+          <a:p>
+            <a:pPr marL="457200" lvl="0" indent="-330200" algn="l" rtl="0">
+              <a:spcBef>
+                <a:spcPts val="0"/>
+              </a:spcBef>
+              <a:spcAft>
+                <a:spcPts val="0"/>
+              </a:spcAft>
+              <a:buSzPts val="1600"/>
+              <a:buChar char="❏"/>
+            </a:pPr>
+            <a:r>
+              <a:rPr lang="en" sz="1600" dirty="0"/>
               <a:t>What are challenges that you might encounter? How can you mitigate them?</a:t>
             </a:r>
-            <a:endParaRPr sz="1600"/>
+            <a:endParaRPr sz="1600" dirty="0"/>
           </a:p>
         </p:txBody>
       </p:sp>
@@ -10162,18 +10406,18 @@
   <p:clrMapOvr>
     <a:masterClrMapping/>
   </p:clrMapOvr>
-  <mc:AlternateContent xmlns:mc="http://schemas.openxmlformats.org/markup-compatibility/2006">
-    <mc:Choice xmlns:p14="http://schemas.microsoft.com/office/powerpoint/2010/main" Requires="p14">
+  <mc:AlternateContent xmlns:mc="http://schemas.openxmlformats.org/markup-compatibility/2006" xmlns:p14="http://schemas.microsoft.com/office/powerpoint/2010/main">
+    <mc:Choice Requires="p14">
       <p:transition spd="slow" p14:dur="2000"/>
     </mc:Choice>
-    <mc:Fallback>
+    <mc:Fallback xmlns="">
       <p:transition spd="slow"/>
     </mc:Fallback>
   </mc:AlternateContent>
 </p:sld>
 </file>
 
-<file path=ppt/slides/slide6.xml><?xml version="1.0" encoding="utf-8"?>
+<file path=ppt/slides/slide7.xml><?xml version="1.0" encoding="utf-8"?>
 <p:sld xmlns:a="http://schemas.openxmlformats.org/drawingml/2006/main" xmlns:r="http://schemas.openxmlformats.org/officeDocument/2006/relationships" xmlns:p="http://schemas.openxmlformats.org/presentationml/2006/main">
   <p:cSld>
     <p:spTree>

--- a/Result/Vanessa’s project .pptx
+++ b/Result/Vanessa’s project .pptx
@@ -5,7 +5,7 @@
     <p:sldMasterId id="2147483660" r:id="rId1"/>
   </p:sldMasterIdLst>
   <p:notesMasterIdLst>
-    <p:notesMasterId r:id="rId9"/>
+    <p:notesMasterId r:id="rId14"/>
   </p:notesMasterIdLst>
   <p:sldIdLst>
     <p:sldId id="256" r:id="rId2"/>
@@ -13,43 +13,48 @@
     <p:sldId id="258" r:id="rId4"/>
     <p:sldId id="259" r:id="rId5"/>
     <p:sldId id="262" r:id="rId6"/>
-    <p:sldId id="260" r:id="rId7"/>
-    <p:sldId id="261" r:id="rId8"/>
+    <p:sldId id="265" r:id="rId7"/>
+    <p:sldId id="267" r:id="rId8"/>
+    <p:sldId id="266" r:id="rId9"/>
+    <p:sldId id="263" r:id="rId10"/>
+    <p:sldId id="260" r:id="rId11"/>
+    <p:sldId id="264" r:id="rId12"/>
+    <p:sldId id="261" r:id="rId13"/>
   </p:sldIdLst>
   <p:sldSz cx="9144000" cy="5143500" type="screen16x9"/>
   <p:notesSz cx="6858000" cy="9144000"/>
   <p:embeddedFontLst>
     <p:embeddedFont>
       <p:font typeface="Lato" panose="020B0604020202020204" charset="0"/>
-      <p:regular r:id="rId10"/>
-      <p:bold r:id="rId11"/>
-      <p:italic r:id="rId12"/>
-      <p:boldItalic r:id="rId13"/>
+      <p:regular r:id="rId15"/>
+      <p:bold r:id="rId16"/>
+      <p:italic r:id="rId17"/>
+      <p:boldItalic r:id="rId18"/>
     </p:embeddedFont>
     <p:embeddedFont>
       <p:font typeface="Encode Sans SemiBold" panose="020B0604020202020204" charset="0"/>
-      <p:regular r:id="rId14"/>
-      <p:bold r:id="rId15"/>
+      <p:regular r:id="rId19"/>
+      <p:bold r:id="rId20"/>
     </p:embeddedFont>
     <p:embeddedFont>
       <p:font typeface="Tahoma" panose="020B0604030504040204" pitchFamily="34" charset="0"/>
-      <p:regular r:id="rId16"/>
-      <p:bold r:id="rId17"/>
+      <p:regular r:id="rId21"/>
+      <p:bold r:id="rId22"/>
     </p:embeddedFont>
     <p:embeddedFont>
       <p:font typeface="Raleway" panose="020B0604020202020204" charset="0"/>
-      <p:regular r:id="rId18"/>
-      <p:bold r:id="rId19"/>
-      <p:italic r:id="rId20"/>
-      <p:boldItalic r:id="rId21"/>
+      <p:regular r:id="rId23"/>
+      <p:bold r:id="rId24"/>
+      <p:italic r:id="rId25"/>
+      <p:boldItalic r:id="rId26"/>
     </p:embeddedFont>
     <p:embeddedFont>
       <p:font typeface="Andalus" panose="02020603050405020304" pitchFamily="18" charset="-78"/>
-      <p:regular r:id="rId22"/>
+      <p:regular r:id="rId27"/>
     </p:embeddedFont>
     <p:embeddedFont>
       <p:font typeface="Cutive" panose="020B0604020202020204" charset="0"/>
-      <p:regular r:id="rId23"/>
+      <p:regular r:id="rId28"/>
     </p:embeddedFont>
   </p:embeddedFontLst>
   <p:defaultTextStyle>
@@ -9391,6 +9396,430 @@
 </p:sld>
 </file>
 
+<file path=ppt/slides/slide10.xml><?xml version="1.0" encoding="utf-8"?>
+<p:sld xmlns:a="http://schemas.openxmlformats.org/drawingml/2006/main" xmlns:r="http://schemas.openxmlformats.org/officeDocument/2006/relationships" xmlns:p="http://schemas.openxmlformats.org/presentationml/2006/main" show="0">
+  <p:cSld>
+    <p:spTree>
+      <p:nvGrpSpPr>
+        <p:cNvPr id="1" name="Shape 130"/>
+        <p:cNvGrpSpPr/>
+        <p:nvPr/>
+      </p:nvGrpSpPr>
+      <p:grpSpPr>
+        <a:xfrm>
+          <a:off x="0" y="0"/>
+          <a:ext cx="0" cy="0"/>
+          <a:chOff x="0" y="0"/>
+          <a:chExt cx="0" cy="0"/>
+        </a:xfrm>
+      </p:grpSpPr>
+      <p:sp>
+        <p:nvSpPr>
+          <p:cNvPr id="131" name="Google Shape;131;p18"/>
+          <p:cNvSpPr txBox="1">
+            <a:spLocks noGrp="1"/>
+          </p:cNvSpPr>
+          <p:nvPr>
+            <p:ph type="title"/>
+          </p:nvPr>
+        </p:nvSpPr>
+        <p:spPr>
+          <a:xfrm>
+            <a:off x="729450" y="785250"/>
+            <a:ext cx="7688700" cy="535200"/>
+          </a:xfrm>
+          <a:prstGeom prst="rect">
+            <a:avLst/>
+          </a:prstGeom>
+        </p:spPr>
+        <p:txBody>
+          <a:bodyPr spcFirstLastPara="1" wrap="square" lIns="91425" tIns="91425" rIns="91425" bIns="91425" anchor="t" anchorCtr="0">
+            <a:noAutofit/>
+          </a:bodyPr>
+          <a:lstStyle/>
+          <a:p>
+            <a:pPr marL="0" lvl="0" indent="0" algn="l" rtl="0">
+              <a:spcBef>
+                <a:spcPts val="0"/>
+              </a:spcBef>
+              <a:spcAft>
+                <a:spcPts val="0"/>
+              </a:spcAft>
+              <a:buNone/>
+            </a:pPr>
+            <a:r>
+              <a:rPr lang="en" dirty="0"/>
+              <a:t>Discussion &amp; Recommendations</a:t>
+            </a:r>
+            <a:endParaRPr dirty="0"/>
+          </a:p>
+        </p:txBody>
+      </p:sp>
+      <p:sp>
+        <p:nvSpPr>
+          <p:cNvPr id="132" name="Google Shape;132;p18"/>
+          <p:cNvSpPr txBox="1">
+            <a:spLocks noGrp="1"/>
+          </p:cNvSpPr>
+          <p:nvPr>
+            <p:ph type="body" idx="1"/>
+          </p:nvPr>
+        </p:nvSpPr>
+        <p:spPr>
+          <a:xfrm>
+            <a:off x="530425" y="1414475"/>
+            <a:ext cx="7847400" cy="3086100"/>
+          </a:xfrm>
+          <a:prstGeom prst="rect">
+            <a:avLst/>
+          </a:prstGeom>
+        </p:spPr>
+        <p:txBody>
+          <a:bodyPr spcFirstLastPara="1" wrap="square" lIns="91425" tIns="91425" rIns="91425" bIns="91425" anchor="t" anchorCtr="0">
+            <a:noAutofit/>
+          </a:bodyPr>
+          <a:lstStyle/>
+          <a:p>
+            <a:pPr lvl="0" indent="-330200">
+              <a:spcBef>
+                <a:spcPts val="1600"/>
+              </a:spcBef>
+              <a:buSzPts val="1600"/>
+              <a:buChar char="❏"/>
+            </a:pPr>
+            <a:r>
+              <a:rPr lang="en-US" sz="1600" dirty="0" smtClean="0"/>
+              <a:t>My </a:t>
+            </a:r>
+            <a:r>
+              <a:rPr lang="en-US" sz="1600" dirty="0"/>
+              <a:t>proposed solution: In light of competition in the market, which is one of the main causes of the churn, after identifying other reasons why customers have left, the telecom company could innovate its services to make changes that will be much more responsive to customer requirements within the carrier to be able to satisfy them much more</a:t>
+            </a:r>
+            <a:r>
+              <a:rPr lang="en-US" sz="1600" dirty="0" smtClean="0"/>
+              <a:t>.</a:t>
+            </a:r>
+            <a:endParaRPr lang="en-US" sz="1600" dirty="0"/>
+          </a:p>
+        </p:txBody>
+      </p:sp>
+    </p:spTree>
+  </p:cSld>
+  <p:clrMapOvr>
+    <a:masterClrMapping/>
+  </p:clrMapOvr>
+  <mc:AlternateContent xmlns:mc="http://schemas.openxmlformats.org/markup-compatibility/2006" xmlns:p14="http://schemas.microsoft.com/office/powerpoint/2010/main">
+    <mc:Choice Requires="p14">
+      <p:transition spd="slow" p14:dur="2000"/>
+    </mc:Choice>
+    <mc:Fallback xmlns="">
+      <p:transition spd="slow"/>
+    </mc:Fallback>
+  </mc:AlternateContent>
+</p:sld>
+</file>
+
+<file path=ppt/slides/slide11.xml><?xml version="1.0" encoding="utf-8"?>
+<p:sld xmlns:a="http://schemas.openxmlformats.org/drawingml/2006/main" xmlns:r="http://schemas.openxmlformats.org/officeDocument/2006/relationships" xmlns:p="http://schemas.openxmlformats.org/presentationml/2006/main">
+  <p:cSld>
+    <p:spTree>
+      <p:nvGrpSpPr>
+        <p:cNvPr id="1" name=""/>
+        <p:cNvGrpSpPr/>
+        <p:nvPr/>
+      </p:nvGrpSpPr>
+      <p:grpSpPr>
+        <a:xfrm>
+          <a:off x="0" y="0"/>
+          <a:ext cx="0" cy="0"/>
+          <a:chOff x="0" y="0"/>
+          <a:chExt cx="0" cy="0"/>
+        </a:xfrm>
+      </p:grpSpPr>
+      <p:sp>
+        <p:nvSpPr>
+          <p:cNvPr id="2" name="Title 1"/>
+          <p:cNvSpPr>
+            <a:spLocks noGrp="1"/>
+          </p:cNvSpPr>
+          <p:nvPr>
+            <p:ph type="title"/>
+          </p:nvPr>
+        </p:nvSpPr>
+        <p:spPr/>
+        <p:txBody>
+          <a:bodyPr/>
+          <a:lstStyle/>
+          <a:p>
+            <a:r>
+              <a:rPr lang="en" dirty="0"/>
+              <a:t>Discussion &amp; Recommendations</a:t>
+            </a:r>
+            <a:endParaRPr lang="en-US" dirty="0"/>
+          </a:p>
+        </p:txBody>
+      </p:sp>
+      <p:sp>
+        <p:nvSpPr>
+          <p:cNvPr id="3" name="Text Placeholder 2"/>
+          <p:cNvSpPr>
+            <a:spLocks noGrp="1"/>
+          </p:cNvSpPr>
+          <p:nvPr>
+            <p:ph type="body" idx="1"/>
+          </p:nvPr>
+        </p:nvSpPr>
+        <p:spPr/>
+        <p:txBody>
+          <a:bodyPr/>
+          <a:lstStyle/>
+          <a:p>
+            <a:pPr lvl="0" indent="-330200">
+              <a:buSzPts val="1600"/>
+              <a:buChar char="❏"/>
+            </a:pPr>
+            <a:r>
+              <a:rPr lang="en-US" sz="1400" dirty="0" smtClean="0"/>
+              <a:t>What </a:t>
+            </a:r>
+            <a:r>
+              <a:rPr lang="en-US" sz="1400" dirty="0"/>
+              <a:t>are strengths of the organization that you have leveraged in your solution</a:t>
+            </a:r>
+            <a:r>
+              <a:rPr lang="en-US" sz="1400" dirty="0" smtClean="0"/>
+              <a:t>?</a:t>
+            </a:r>
+          </a:p>
+          <a:p>
+            <a:pPr lvl="0" indent="-330200">
+              <a:buSzPts val="1600"/>
+              <a:buChar char="❏"/>
+            </a:pPr>
+            <a:r>
+              <a:rPr lang="en-US" sz="1400" dirty="0"/>
+              <a:t>The company has a certain renown in the market as it has been in existence for several years</a:t>
+            </a:r>
+            <a:r>
+              <a:rPr lang="en-US" sz="1400" dirty="0" smtClean="0"/>
+              <a:t>.  </a:t>
+            </a:r>
+          </a:p>
+          <a:p>
+            <a:pPr lvl="0" indent="-330200">
+              <a:buSzPts val="1600"/>
+              <a:buChar char="❏"/>
+            </a:pPr>
+            <a:r>
+              <a:rPr lang="en-US" sz="1400" dirty="0" smtClean="0"/>
+              <a:t>The company has a massive market share.</a:t>
+            </a:r>
+          </a:p>
+          <a:p>
+            <a:pPr lvl="0" indent="-330200">
+              <a:buSzPts val="1600"/>
+              <a:buChar char="❏"/>
+            </a:pPr>
+            <a:r>
+              <a:rPr lang="en-US" sz="1400" dirty="0" smtClean="0"/>
+              <a:t>What </a:t>
+            </a:r>
+            <a:r>
+              <a:rPr lang="en-US" sz="1400" dirty="0"/>
+              <a:t>are weaknesses of the organization that could undermine your solution</a:t>
+            </a:r>
+            <a:r>
+              <a:rPr lang="en-US" sz="1400" dirty="0" smtClean="0"/>
+              <a:t>?</a:t>
+            </a:r>
+          </a:p>
+          <a:p>
+            <a:pPr lvl="0" indent="-330200">
+              <a:buSzPts val="1600"/>
+              <a:buChar char="❏"/>
+            </a:pPr>
+            <a:r>
+              <a:rPr lang="en-US" sz="1400" dirty="0"/>
+              <a:t>it's hard for the company to get new customers.</a:t>
+            </a:r>
+          </a:p>
+          <a:p>
+            <a:pPr lvl="0" indent="-330200">
+              <a:buSzPts val="1600"/>
+              <a:buChar char="❏"/>
+            </a:pPr>
+            <a:r>
+              <a:rPr lang="en-US" sz="1400" dirty="0" smtClean="0"/>
+              <a:t>What </a:t>
+            </a:r>
+            <a:r>
+              <a:rPr lang="en-US" sz="1400" dirty="0"/>
+              <a:t>are challenges that you might encounter? How can you mitigate them?</a:t>
+            </a:r>
+          </a:p>
+          <a:p>
+            <a:endParaRPr lang="en-US" dirty="0"/>
+          </a:p>
+        </p:txBody>
+      </p:sp>
+    </p:spTree>
+    <p:extLst>
+      <p:ext uri="{BB962C8B-B14F-4D97-AF65-F5344CB8AC3E}">
+        <p14:creationId xmlns:p14="http://schemas.microsoft.com/office/powerpoint/2010/main" val="1067296685"/>
+      </p:ext>
+    </p:extLst>
+  </p:cSld>
+  <p:clrMapOvr>
+    <a:masterClrMapping/>
+  </p:clrMapOvr>
+</p:sld>
+</file>
+
+<file path=ppt/slides/slide12.xml><?xml version="1.0" encoding="utf-8"?>
+<p:sld xmlns:a="http://schemas.openxmlformats.org/drawingml/2006/main" xmlns:r="http://schemas.openxmlformats.org/officeDocument/2006/relationships" xmlns:p="http://schemas.openxmlformats.org/presentationml/2006/main">
+  <p:cSld>
+    <p:spTree>
+      <p:nvGrpSpPr>
+        <p:cNvPr id="1" name="Shape 136"/>
+        <p:cNvGrpSpPr/>
+        <p:nvPr/>
+      </p:nvGrpSpPr>
+      <p:grpSpPr>
+        <a:xfrm>
+          <a:off x="0" y="0"/>
+          <a:ext cx="0" cy="0"/>
+          <a:chOff x="0" y="0"/>
+          <a:chExt cx="0" cy="0"/>
+        </a:xfrm>
+      </p:grpSpPr>
+      <p:sp>
+        <p:nvSpPr>
+          <p:cNvPr id="137" name="Google Shape;137;p19"/>
+          <p:cNvSpPr txBox="1">
+            <a:spLocks noGrp="1"/>
+          </p:cNvSpPr>
+          <p:nvPr>
+            <p:ph type="title"/>
+          </p:nvPr>
+        </p:nvSpPr>
+        <p:spPr>
+          <a:xfrm>
+            <a:off x="729450" y="785250"/>
+            <a:ext cx="7688700" cy="535200"/>
+          </a:xfrm>
+          <a:prstGeom prst="rect">
+            <a:avLst/>
+          </a:prstGeom>
+        </p:spPr>
+        <p:txBody>
+          <a:bodyPr spcFirstLastPara="1" wrap="square" lIns="91425" tIns="91425" rIns="91425" bIns="91425" anchor="t" anchorCtr="0">
+            <a:noAutofit/>
+          </a:bodyPr>
+          <a:lstStyle/>
+          <a:p>
+            <a:pPr marL="0" lvl="0" indent="0" algn="l" rtl="0">
+              <a:spcBef>
+                <a:spcPts val="0"/>
+              </a:spcBef>
+              <a:spcAft>
+                <a:spcPts val="0"/>
+              </a:spcAft>
+              <a:buNone/>
+            </a:pPr>
+            <a:r>
+              <a:rPr lang="en"/>
+              <a:t>References &amp; Appendices</a:t>
+            </a:r>
+            <a:endParaRPr/>
+          </a:p>
+        </p:txBody>
+      </p:sp>
+      <p:sp>
+        <p:nvSpPr>
+          <p:cNvPr id="138" name="Google Shape;138;p19"/>
+          <p:cNvSpPr txBox="1">
+            <a:spLocks noGrp="1"/>
+          </p:cNvSpPr>
+          <p:nvPr>
+            <p:ph type="body" idx="1"/>
+          </p:nvPr>
+        </p:nvSpPr>
+        <p:spPr>
+          <a:xfrm>
+            <a:off x="729450" y="1545475"/>
+            <a:ext cx="7688700" cy="2261100"/>
+          </a:xfrm>
+          <a:prstGeom prst="rect">
+            <a:avLst/>
+          </a:prstGeom>
+        </p:spPr>
+        <p:txBody>
+          <a:bodyPr spcFirstLastPara="1" wrap="square" lIns="91425" tIns="91425" rIns="91425" bIns="91425" anchor="t" anchorCtr="0">
+            <a:noAutofit/>
+          </a:bodyPr>
+          <a:lstStyle/>
+          <a:p>
+            <a:pPr marL="0" lvl="0" indent="0" algn="l" rtl="0">
+              <a:spcBef>
+                <a:spcPts val="0"/>
+              </a:spcBef>
+              <a:spcAft>
+                <a:spcPts val="0"/>
+              </a:spcAft>
+              <a:buNone/>
+            </a:pPr>
+            <a:r>
+              <a:rPr lang="en" sz="1600"/>
+              <a:t>Provide citations for your work and provide resources for your audience to learn more about the technical aspects of your project. Share links to your GitHub repository or accompanying spreadsheets.</a:t>
+            </a:r>
+            <a:endParaRPr sz="1600">
+              <a:solidFill>
+                <a:srgbClr val="000000"/>
+              </a:solidFill>
+            </a:endParaRPr>
+          </a:p>
+          <a:p>
+            <a:pPr marL="0" lvl="0" indent="0" algn="l" rtl="0">
+              <a:spcBef>
+                <a:spcPts val="1600"/>
+              </a:spcBef>
+              <a:spcAft>
+                <a:spcPts val="0"/>
+              </a:spcAft>
+              <a:buNone/>
+            </a:pPr>
+            <a:endParaRPr sz="1600">
+              <a:solidFill>
+                <a:srgbClr val="000000"/>
+              </a:solidFill>
+            </a:endParaRPr>
+          </a:p>
+          <a:p>
+            <a:pPr marL="0" lvl="0" indent="0" algn="l" rtl="0">
+              <a:spcBef>
+                <a:spcPts val="1600"/>
+              </a:spcBef>
+              <a:spcAft>
+                <a:spcPts val="1600"/>
+              </a:spcAft>
+              <a:buNone/>
+            </a:pPr>
+            <a:endParaRPr sz="1600">
+              <a:solidFill>
+                <a:srgbClr val="000000"/>
+              </a:solidFill>
+            </a:endParaRPr>
+          </a:p>
+        </p:txBody>
+      </p:sp>
+    </p:spTree>
+  </p:cSld>
+  <p:clrMapOvr>
+    <a:masterClrMapping/>
+  </p:clrMapOvr>
+</p:sld>
+</file>
+
 <file path=ppt/slides/slide2.xml><?xml version="1.0" encoding="utf-8"?>
 <p:sld xmlns:a="http://schemas.openxmlformats.org/drawingml/2006/main" xmlns:r="http://schemas.openxmlformats.org/officeDocument/2006/relationships" xmlns:p="http://schemas.openxmlformats.org/presentationml/2006/main">
   <p:cSld>
@@ -9588,7 +10017,19 @@
                 <a:cs typeface="Lato"/>
                 <a:sym typeface="Lato"/>
               </a:rPr>
-              <a:t>The stakeholders impacted by the problem are the company executives,the marketing team and the customer service team .</a:t>
+              <a:t>The stakeholders impacted by the problem are the company executives,the marketing team and the customer service team </a:t>
+            </a:r>
+            <a:r>
+              <a:rPr lang="en" sz="1600" dirty="0" smtClean="0">
+                <a:solidFill>
+                  <a:schemeClr val="accent1"/>
+                </a:solidFill>
+                <a:latin typeface="Lato"/>
+                <a:ea typeface="Lato"/>
+                <a:cs typeface="Lato"/>
+                <a:sym typeface="Lato"/>
+              </a:rPr>
+              <a:t>and the investors.</a:t>
             </a:r>
             <a:endParaRPr sz="1600" dirty="0">
               <a:solidFill>
@@ -9917,20 +10358,20 @@
           </a:bodyPr>
           <a:lstStyle/>
           <a:p>
-            <a:pPr marL="0" lvl="0" indent="0" algn="l" rtl="0">
-              <a:spcBef>
-                <a:spcPts val="0"/>
-              </a:spcBef>
-              <a:spcAft>
-                <a:spcPts val="0"/>
-              </a:spcAft>
-              <a:buNone/>
-            </a:pPr>
+            <a:pPr lvl="0"/>
             <a:r>
-              <a:rPr lang="en"/>
-              <a:t>Results </a:t>
+              <a:rPr lang="en-US" i="1" dirty="0"/>
+              <a:t>I</a:t>
             </a:r>
-            <a:endParaRPr/>
+            <a:r>
+              <a:rPr lang="en-US" dirty="0" smtClean="0"/>
+              <a:t>mpact </a:t>
+            </a:r>
+            <a:r>
+              <a:rPr lang="en-US" dirty="0"/>
+              <a:t>of the Churn</a:t>
+            </a:r>
+            <a:endParaRPr dirty="0"/>
           </a:p>
         </p:txBody>
       </p:sp>
@@ -9950,8 +10391,8 @@
         </p:blipFill>
         <p:spPr>
           <a:xfrm>
-            <a:off x="4868214" y="1416676"/>
-            <a:ext cx="4010025" cy="2781300"/>
+            <a:off x="4868214" y="1680076"/>
+            <a:ext cx="4010025" cy="2517900"/>
           </a:xfrm>
           <a:prstGeom prst="rect">
             <a:avLst/>
@@ -9970,7 +10411,7 @@
         </p:nvSpPr>
         <p:spPr>
           <a:xfrm>
-            <a:off x="361650" y="1288300"/>
+            <a:off x="361650" y="1144876"/>
             <a:ext cx="7783200" cy="3324900"/>
           </a:xfrm>
           <a:prstGeom prst="rect">
@@ -9983,7 +10424,7 @@
           </a:bodyPr>
           <a:lstStyle/>
           <a:p>
-            <a:pPr marL="0" lvl="0" indent="0">
+            <a:pPr marL="0" indent="0">
               <a:spcAft>
                 <a:spcPts val="1600"/>
               </a:spcAft>
@@ -9991,13 +10432,8 @@
             </a:pPr>
             <a:r>
               <a:rPr lang="en-US" sz="1600" dirty="0" smtClean="0"/>
-              <a:t>There are about </a:t>
+              <a:t>There are about 26.54% of the customers churned</a:t>
             </a:r>
-            <a:r>
-              <a:rPr lang="en-US" sz="1600" dirty="0"/>
-              <a:t>26.54% of the customers churned </a:t>
-            </a:r>
-            <a:endParaRPr lang="en-US" sz="1600" dirty="0" smtClean="0"/>
           </a:p>
           <a:p>
             <a:pPr marL="0" lvl="0" indent="0">
@@ -10053,14 +10489,23 @@
             <p:ph type="title"/>
           </p:nvPr>
         </p:nvSpPr>
-        <p:spPr/>
+        <p:spPr>
+          <a:xfrm>
+            <a:off x="605307" y="637509"/>
+            <a:ext cx="7688700" cy="535200"/>
+          </a:xfrm>
+        </p:spPr>
         <p:txBody>
           <a:bodyPr/>
           <a:lstStyle/>
           <a:p>
             <a:r>
+              <a:rPr lang="en-US" dirty="0"/>
+              <a:t>Customer demographics </a:t>
+            </a:r>
+            <a:r>
               <a:rPr lang="en-US" dirty="0" smtClean="0"/>
-              <a:t>Result</a:t>
+              <a:t>: Gender</a:t>
             </a:r>
             <a:endParaRPr lang="en-US" dirty="0"/>
           </a:p>
@@ -10076,7 +10521,12 @@
             <p:ph type="body" idx="1"/>
           </p:nvPr>
         </p:nvSpPr>
-        <p:spPr/>
+        <p:spPr>
+          <a:xfrm>
+            <a:off x="605307" y="1320450"/>
+            <a:ext cx="8538693" cy="3380339"/>
+          </a:xfrm>
+        </p:spPr>
         <p:txBody>
           <a:bodyPr/>
           <a:lstStyle/>
@@ -10086,23 +10536,122 @@
             </a:pPr>
             <a:r>
               <a:rPr lang="en-US" dirty="0"/>
-              <a:t>The chart above is interesting, because it helps </a:t>
+              <a:t>From the plot, it looks like gender does not play a role in customer churn Almost as many</a:t>
+            </a:r>
+          </a:p>
+          <a:p>
+            <a:pPr marL="146050" indent="0">
+              <a:buNone/>
+            </a:pPr>
+            <a:r>
+              <a:rPr lang="en-US" dirty="0"/>
+              <a:t>women as men have churned during the past</a:t>
+            </a:r>
+          </a:p>
+          <a:p>
+            <a:pPr marL="146050" indent="0">
+              <a:buNone/>
+            </a:pPr>
+            <a:r>
+              <a:rPr lang="en-US" dirty="0"/>
+              <a:t>month.</a:t>
+            </a:r>
+          </a:p>
+          <a:p>
+            <a:pPr marL="146050" indent="0">
+              <a:buNone/>
+            </a:pPr>
+            <a:endParaRPr lang="en-US" dirty="0"/>
+          </a:p>
+          <a:p>
+            <a:pPr marL="146050" indent="0">
+              <a:buNone/>
+            </a:pPr>
+            <a:endParaRPr lang="en-US" dirty="0"/>
+          </a:p>
+        </p:txBody>
+      </p:sp>
+      <p:pic>
+        <p:nvPicPr>
+          <p:cNvPr id="4" name="Picture 3"/>
+          <p:cNvPicPr>
+            <a:picLocks noChangeAspect="1"/>
+          </p:cNvPicPr>
+          <p:nvPr/>
+        </p:nvPicPr>
+        <p:blipFill>
+          <a:blip r:embed="rId2"/>
+          <a:stretch>
+            <a:fillRect/>
+          </a:stretch>
+        </p:blipFill>
+        <p:spPr>
+          <a:xfrm>
+            <a:off x="5241701" y="2137893"/>
+            <a:ext cx="3902299" cy="2421229"/>
+          </a:xfrm>
+          <a:prstGeom prst="rect">
+            <a:avLst/>
+          </a:prstGeom>
+        </p:spPr>
+      </p:pic>
+    </p:spTree>
+    <p:extLst>
+      <p:ext uri="{BB962C8B-B14F-4D97-AF65-F5344CB8AC3E}">
+        <p14:creationId xmlns:p14="http://schemas.microsoft.com/office/powerpoint/2010/main" val="2460761159"/>
+      </p:ext>
+    </p:extLst>
+  </p:cSld>
+  <p:clrMapOvr>
+    <a:masterClrMapping/>
+  </p:clrMapOvr>
+</p:sld>
+</file>
+
+<file path=ppt/slides/slide6.xml><?xml version="1.0" encoding="utf-8"?>
+<p:sld xmlns:a="http://schemas.openxmlformats.org/drawingml/2006/main" xmlns:r="http://schemas.openxmlformats.org/officeDocument/2006/relationships" xmlns:p="http://schemas.openxmlformats.org/presentationml/2006/main">
+  <p:cSld>
+    <p:spTree>
+      <p:nvGrpSpPr>
+        <p:cNvPr id="1" name=""/>
+        <p:cNvGrpSpPr/>
+        <p:nvPr/>
+      </p:nvGrpSpPr>
+      <p:grpSpPr>
+        <a:xfrm>
+          <a:off x="0" y="0"/>
+          <a:ext cx="0" cy="0"/>
+          <a:chOff x="0" y="0"/>
+          <a:chExt cx="0" cy="0"/>
+        </a:xfrm>
+      </p:grpSpPr>
+      <p:sp>
+        <p:nvSpPr>
+          <p:cNvPr id="2" name="Title 1"/>
+          <p:cNvSpPr>
+            <a:spLocks noGrp="1"/>
+          </p:cNvSpPr>
+          <p:nvPr>
+            <p:ph type="title"/>
+          </p:nvPr>
+        </p:nvSpPr>
+        <p:spPr>
+          <a:xfrm>
+            <a:off x="729449" y="180304"/>
+            <a:ext cx="7688700" cy="522474"/>
+          </a:xfrm>
+        </p:spPr>
+        <p:txBody>
+          <a:bodyPr/>
+          <a:lstStyle/>
+          <a:p>
+            <a:r>
+              <a:rPr lang="en-US" dirty="0"/>
+              <a:t>Customer </a:t>
             </a:r>
             <a:r>
               <a:rPr lang="en-US" dirty="0" smtClean="0"/>
-              <a:t>to </a:t>
-            </a:r>
-            <a:r>
-              <a:rPr lang="en-US" dirty="0"/>
-              <a:t>discriminate retained and churned </a:t>
-            </a:r>
-            <a:r>
-              <a:rPr lang="en-US" dirty="0" smtClean="0"/>
-              <a:t>customers and it </a:t>
-            </a:r>
-            <a:r>
-              <a:rPr lang="en-US" dirty="0"/>
-              <a:t>shows that most customers that churned had the Fiber optic internet service, and the most customers that were retained had DSL internet service.</a:t>
+              <a:t>demographics: Age</a:t>
             </a:r>
             <a:endParaRPr lang="en-US" dirty="0"/>
           </a:p>
@@ -10124,18 +10673,45 @@
         </p:blipFill>
         <p:spPr>
           <a:xfrm>
-            <a:off x="4224269" y="2163650"/>
-            <a:ext cx="4707363" cy="2421229"/>
+            <a:off x="4971245" y="2498512"/>
+            <a:ext cx="4172755" cy="2196706"/>
           </a:xfrm>
           <a:prstGeom prst="rect">
             <a:avLst/>
           </a:prstGeom>
         </p:spPr>
       </p:pic>
+      <p:sp>
+        <p:nvSpPr>
+          <p:cNvPr id="3" name="Text Placeholder 2"/>
+          <p:cNvSpPr>
+            <a:spLocks noGrp="1"/>
+          </p:cNvSpPr>
+          <p:nvPr>
+            <p:ph type="body" idx="1"/>
+          </p:nvPr>
+        </p:nvSpPr>
+        <p:spPr>
+          <a:xfrm>
+            <a:off x="631065" y="824248"/>
+            <a:ext cx="8384145" cy="3870970"/>
+          </a:xfrm>
+        </p:spPr>
+        <p:txBody>
+          <a:bodyPr/>
+          <a:lstStyle/>
+          <a:p>
+            <a:pPr marL="146050" indent="0">
+              <a:buNone/>
+            </a:pPr>
+            <a:endParaRPr lang="en-US" dirty="0"/>
+          </a:p>
+        </p:txBody>
+      </p:sp>
     </p:spTree>
     <p:extLst>
       <p:ext uri="{BB962C8B-B14F-4D97-AF65-F5344CB8AC3E}">
-        <p14:creationId xmlns:p14="http://schemas.microsoft.com/office/powerpoint/2010/main" val="2460761159"/>
+        <p14:creationId xmlns:p14="http://schemas.microsoft.com/office/powerpoint/2010/main" val="1041775588"/>
       </p:ext>
     </p:extLst>
   </p:cSld>
@@ -10145,12 +10721,12 @@
 </p:sld>
 </file>
 
-<file path=ppt/slides/slide6.xml><?xml version="1.0" encoding="utf-8"?>
-<p:sld xmlns:a="http://schemas.openxmlformats.org/drawingml/2006/main" xmlns:r="http://schemas.openxmlformats.org/officeDocument/2006/relationships" xmlns:p="http://schemas.openxmlformats.org/presentationml/2006/main" show="0">
+<file path=ppt/slides/slide7.xml><?xml version="1.0" encoding="utf-8"?>
+<p:sld xmlns:a="http://schemas.openxmlformats.org/drawingml/2006/main" xmlns:r="http://schemas.openxmlformats.org/officeDocument/2006/relationships" xmlns:p="http://schemas.openxmlformats.org/presentationml/2006/main">
   <p:cSld>
     <p:spTree>
       <p:nvGrpSpPr>
-        <p:cNvPr id="1" name="Shape 130"/>
+        <p:cNvPr id="1" name=""/>
         <p:cNvGrpSpPr/>
         <p:nvPr/>
       </p:nvGrpSpPr>
@@ -10164,50 +10740,58 @@
       </p:grpSpPr>
       <p:sp>
         <p:nvSpPr>
-          <p:cNvPr id="131" name="Google Shape;131;p18"/>
-          <p:cNvSpPr txBox="1">
+          <p:cNvPr id="2" name="Title 1"/>
+          <p:cNvSpPr>
             <a:spLocks noGrp="1"/>
           </p:cNvSpPr>
           <p:nvPr>
             <p:ph type="title"/>
           </p:nvPr>
         </p:nvSpPr>
+        <p:spPr/>
+        <p:txBody>
+          <a:bodyPr/>
+          <a:lstStyle/>
+          <a:p>
+            <a:r>
+              <a:rPr lang="en-US" dirty="0"/>
+              <a:t>Services </a:t>
+            </a:r>
+            <a:r>
+              <a:rPr lang="en-US" dirty="0"/>
+              <a:t>used : INTERNET</a:t>
+            </a:r>
+          </a:p>
+        </p:txBody>
+      </p:sp>
+      <p:pic>
+        <p:nvPicPr>
+          <p:cNvPr id="4" name="Picture 3"/>
+          <p:cNvPicPr>
+            <a:picLocks noChangeAspect="1"/>
+          </p:cNvPicPr>
+          <p:nvPr/>
+        </p:nvPicPr>
+        <p:blipFill>
+          <a:blip r:embed="rId2"/>
+          <a:stretch>
+            <a:fillRect/>
+          </a:stretch>
+        </p:blipFill>
         <p:spPr>
           <a:xfrm>
-            <a:off x="729450" y="785250"/>
-            <a:ext cx="7688700" cy="535200"/>
+            <a:off x="5087155" y="1828799"/>
+            <a:ext cx="4056845" cy="2730321"/>
           </a:xfrm>
           <a:prstGeom prst="rect">
             <a:avLst/>
           </a:prstGeom>
         </p:spPr>
-        <p:txBody>
-          <a:bodyPr spcFirstLastPara="1" wrap="square" lIns="91425" tIns="91425" rIns="91425" bIns="91425" anchor="t" anchorCtr="0">
-            <a:noAutofit/>
-          </a:bodyPr>
-          <a:lstStyle/>
-          <a:p>
-            <a:pPr marL="0" lvl="0" indent="0" algn="l" rtl="0">
-              <a:spcBef>
-                <a:spcPts val="0"/>
-              </a:spcBef>
-              <a:spcAft>
-                <a:spcPts val="0"/>
-              </a:spcAft>
-              <a:buNone/>
-            </a:pPr>
-            <a:r>
-              <a:rPr lang="en"/>
-              <a:t>Discussion &amp; Recommendations</a:t>
-            </a:r>
-            <a:endParaRPr/>
-          </a:p>
-        </p:txBody>
-      </p:sp>
+      </p:pic>
       <p:sp>
         <p:nvSpPr>
-          <p:cNvPr id="132" name="Google Shape;132;p18"/>
-          <p:cNvSpPr txBox="1">
+          <p:cNvPr id="3" name="Text Placeholder 2"/>
+          <p:cNvSpPr>
             <a:spLocks noGrp="1"/>
           </p:cNvSpPr>
           <p:nvPr>
@@ -10216,213 +10800,37 @@
         </p:nvSpPr>
         <p:spPr>
           <a:xfrm>
-            <a:off x="530425" y="1414475"/>
-            <a:ext cx="7847400" cy="3086100"/>
+            <a:off x="729450" y="1545474"/>
+            <a:ext cx="8414550" cy="3168193"/>
           </a:xfrm>
-          <a:prstGeom prst="rect">
-            <a:avLst/>
-          </a:prstGeom>
         </p:spPr>
         <p:txBody>
-          <a:bodyPr spcFirstLastPara="1" wrap="square" lIns="91425" tIns="91425" rIns="91425" bIns="91425" anchor="t" anchorCtr="0">
-            <a:noAutofit/>
-          </a:bodyPr>
+          <a:bodyPr/>
           <a:lstStyle/>
           <a:p>
-            <a:pPr marL="0" lvl="0" indent="0" algn="l" rtl="0">
-              <a:spcBef>
-                <a:spcPts val="0"/>
-              </a:spcBef>
-              <a:spcAft>
-                <a:spcPts val="0"/>
-              </a:spcAft>
-              <a:buNone/>
-            </a:pPr>
-            <a:r>
-              <a:rPr lang="en" sz="1600" dirty="0"/>
-              <a:t>Communicate your recommendations to your audience. Based on your results, how might you propose solving the business problem? (</a:t>
-            </a:r>
-            <a:r>
-              <a:rPr lang="en" sz="1600" dirty="0">
-                <a:latin typeface="Encode Sans SemiBold"/>
-                <a:ea typeface="Encode Sans SemiBold"/>
-                <a:cs typeface="Encode Sans SemiBold"/>
-                <a:sym typeface="Encode Sans SemiBold"/>
-              </a:rPr>
-              <a:t>June 15, 2020)</a:t>
-            </a:r>
-            <a:endParaRPr sz="1600" dirty="0"/>
-          </a:p>
-          <a:p>
-            <a:pPr marL="457200" lvl="0" indent="-330200" algn="l" rtl="0">
-              <a:spcBef>
-                <a:spcPts val="1600"/>
-              </a:spcBef>
-              <a:spcAft>
-                <a:spcPts val="0"/>
-              </a:spcAft>
-              <a:buSzPts val="1600"/>
-              <a:buChar char="❏"/>
-            </a:pPr>
-            <a:r>
-              <a:rPr lang="en" sz="1600" dirty="0"/>
-              <a:t>What is your proposed </a:t>
-            </a:r>
-            <a:r>
-              <a:rPr lang="en" sz="1600" dirty="0" smtClean="0"/>
-              <a:t>solution?</a:t>
-            </a:r>
-          </a:p>
-          <a:p>
-            <a:pPr marL="457200" lvl="0" indent="-330200" algn="l" rtl="0">
-              <a:spcBef>
-                <a:spcPts val="1600"/>
-              </a:spcBef>
-              <a:spcAft>
-                <a:spcPts val="0"/>
-              </a:spcAft>
-              <a:buSzPts val="1600"/>
-              <a:buChar char="❏"/>
-            </a:pPr>
-            <a:r>
-              <a:rPr lang="en-US" sz="1600" dirty="0" smtClean="0"/>
-              <a:t>S</a:t>
-            </a:r>
-            <a:r>
-              <a:rPr lang="en" sz="1600" dirty="0" smtClean="0"/>
-              <a:t>ible moun ki kite cheche konn poukisa yo kite epi propose solution</a:t>
-            </a:r>
-            <a:endParaRPr sz="1600" dirty="0"/>
-          </a:p>
-          <a:p>
-            <a:pPr marL="457200" lvl="0" indent="-330200" algn="l" rtl="0">
-              <a:spcBef>
-                <a:spcPts val="0"/>
-              </a:spcBef>
-              <a:spcAft>
-                <a:spcPts val="0"/>
-              </a:spcAft>
-              <a:buSzPts val="1600"/>
-              <a:buChar char="❏"/>
-            </a:pPr>
-            <a:r>
-              <a:rPr lang="en" sz="1600" dirty="0"/>
-              <a:t>What are strengths of the organization that you have leveraged in your solution</a:t>
-            </a:r>
-            <a:r>
-              <a:rPr lang="en" sz="1600" dirty="0" smtClean="0"/>
-              <a:t>?</a:t>
-            </a:r>
-          </a:p>
-          <a:p>
-            <a:pPr lvl="0" indent="-330200">
-              <a:buSzPts val="1600"/>
-              <a:buChar char="❏"/>
-            </a:pPr>
-            <a:r>
-              <a:rPr lang="en-US" sz="1600" dirty="0" smtClean="0"/>
-              <a:t>L</a:t>
-            </a:r>
-            <a:r>
-              <a:rPr lang="en" sz="1600" dirty="0" smtClean="0"/>
-              <a:t>i ansyen sou mache a’</a:t>
-            </a:r>
-            <a:r>
-              <a:rPr lang="en-US" sz="1600" dirty="0"/>
-              <a:t> The leading telecom company has a massive market </a:t>
-            </a:r>
-            <a:r>
-              <a:rPr lang="en-US" sz="1600" dirty="0" smtClean="0"/>
-              <a:t>share,</a:t>
-            </a:r>
-            <a:r>
-              <a:rPr lang="en-US" sz="1600" dirty="0"/>
-              <a:t> Because this company has been the market leader for so many years,</a:t>
-            </a:r>
-            <a:endParaRPr sz="1600" dirty="0"/>
-          </a:p>
-          <a:p>
-            <a:pPr marL="457200" lvl="0" indent="-330200" algn="l" rtl="0">
-              <a:spcBef>
-                <a:spcPts val="0"/>
-              </a:spcBef>
-              <a:spcAft>
-                <a:spcPts val="0"/>
-              </a:spcAft>
-              <a:buSzPts val="1600"/>
-              <a:buChar char="❏"/>
-            </a:pPr>
-            <a:r>
-              <a:rPr lang="en" sz="1600" dirty="0"/>
-              <a:t>What are weaknesses of the organization that could undermine your solution</a:t>
-            </a:r>
-            <a:r>
-              <a:rPr lang="en" sz="1600" dirty="0" smtClean="0"/>
-              <a:t>?</a:t>
-            </a:r>
-          </a:p>
-          <a:p>
-            <a:pPr marL="457200" lvl="0" indent="-330200" algn="l" rtl="0">
-              <a:spcBef>
-                <a:spcPts val="0"/>
-              </a:spcBef>
-              <a:spcAft>
-                <a:spcPts val="0"/>
-              </a:spcAft>
-              <a:buSzPts val="1600"/>
-              <a:buChar char="❏"/>
-            </a:pPr>
-            <a:r>
-              <a:rPr lang="en-US" sz="1600" dirty="0" smtClean="0"/>
-              <a:t>D</a:t>
-            </a:r>
-            <a:r>
-              <a:rPr lang="en" sz="1600" dirty="0" smtClean="0"/>
-              <a:t>ifikilte pou gen nouvo kliyan</a:t>
-            </a:r>
-            <a:endParaRPr sz="1600" dirty="0"/>
-          </a:p>
-          <a:p>
-            <a:pPr marL="457200" lvl="0" indent="-330200" algn="l" rtl="0">
-              <a:spcBef>
-                <a:spcPts val="0"/>
-              </a:spcBef>
-              <a:spcAft>
-                <a:spcPts val="0"/>
-              </a:spcAft>
-              <a:buSzPts val="1600"/>
-              <a:buChar char="❏"/>
-            </a:pPr>
-            <a:r>
-              <a:rPr lang="en" sz="1600" dirty="0"/>
-              <a:t>What are challenges that you might encounter? How can you mitigate them?</a:t>
-            </a:r>
-            <a:endParaRPr sz="1600" dirty="0"/>
+            <a:endParaRPr lang="en-US" dirty="0"/>
           </a:p>
         </p:txBody>
       </p:sp>
     </p:spTree>
+    <p:extLst>
+      <p:ext uri="{BB962C8B-B14F-4D97-AF65-F5344CB8AC3E}">
+        <p14:creationId xmlns:p14="http://schemas.microsoft.com/office/powerpoint/2010/main" val="2672019679"/>
+      </p:ext>
+    </p:extLst>
   </p:cSld>
   <p:clrMapOvr>
     <a:masterClrMapping/>
   </p:clrMapOvr>
-  <mc:AlternateContent xmlns:mc="http://schemas.openxmlformats.org/markup-compatibility/2006" xmlns:p14="http://schemas.microsoft.com/office/powerpoint/2010/main">
-    <mc:Choice Requires="p14">
-      <p:transition spd="slow" p14:dur="2000"/>
-    </mc:Choice>
-    <mc:Fallback xmlns="">
-      <p:transition spd="slow"/>
-    </mc:Fallback>
-  </mc:AlternateContent>
 </p:sld>
 </file>
 
-<file path=ppt/slides/slide7.xml><?xml version="1.0" encoding="utf-8"?>
+<file path=ppt/slides/slide8.xml><?xml version="1.0" encoding="utf-8"?>
 <p:sld xmlns:a="http://schemas.openxmlformats.org/drawingml/2006/main" xmlns:r="http://schemas.openxmlformats.org/officeDocument/2006/relationships" xmlns:p="http://schemas.openxmlformats.org/presentationml/2006/main">
   <p:cSld>
     <p:spTree>
       <p:nvGrpSpPr>
-        <p:cNvPr id="1" name="Shape 136"/>
+        <p:cNvPr id="1" name=""/>
         <p:cNvGrpSpPr/>
         <p:nvPr/>
       </p:nvGrpSpPr>
@@ -10436,50 +10844,105 @@
       </p:grpSpPr>
       <p:sp>
         <p:nvSpPr>
-          <p:cNvPr id="137" name="Google Shape;137;p19"/>
-          <p:cNvSpPr txBox="1">
+          <p:cNvPr id="2" name="Title 1"/>
+          <p:cNvSpPr>
             <a:spLocks noGrp="1"/>
           </p:cNvSpPr>
           <p:nvPr>
             <p:ph type="title"/>
           </p:nvPr>
         </p:nvSpPr>
-        <p:spPr>
-          <a:xfrm>
-            <a:off x="729450" y="785250"/>
-            <a:ext cx="7688700" cy="535200"/>
-          </a:xfrm>
-          <a:prstGeom prst="rect">
-            <a:avLst/>
-          </a:prstGeom>
-        </p:spPr>
+        <p:spPr/>
         <p:txBody>
-          <a:bodyPr spcFirstLastPara="1" wrap="square" lIns="91425" tIns="91425" rIns="91425" bIns="91425" anchor="t" anchorCtr="0">
-            <a:noAutofit/>
-          </a:bodyPr>
+          <a:bodyPr/>
           <a:lstStyle/>
           <a:p>
-            <a:pPr marL="0" lvl="0" indent="0" algn="l" rtl="0">
-              <a:spcBef>
-                <a:spcPts val="0"/>
-              </a:spcBef>
-              <a:spcAft>
-                <a:spcPts val="0"/>
-              </a:spcAft>
-              <a:buNone/>
-            </a:pPr>
-            <a:r>
-              <a:rPr lang="en"/>
-              <a:t>References &amp; Appendices</a:t>
-            </a:r>
-            <a:endParaRPr/>
+            <a:endParaRPr lang="en-US"/>
           </a:p>
         </p:txBody>
       </p:sp>
       <p:sp>
         <p:nvSpPr>
-          <p:cNvPr id="138" name="Google Shape;138;p19"/>
-          <p:cNvSpPr txBox="1">
+          <p:cNvPr id="3" name="Text Placeholder 2"/>
+          <p:cNvSpPr>
+            <a:spLocks noGrp="1"/>
+          </p:cNvSpPr>
+          <p:nvPr>
+            <p:ph type="body" idx="1"/>
+          </p:nvPr>
+        </p:nvSpPr>
+        <p:spPr/>
+        <p:txBody>
+          <a:bodyPr/>
+          <a:lstStyle/>
+          <a:p>
+            <a:endParaRPr lang="en-US"/>
+          </a:p>
+        </p:txBody>
+      </p:sp>
+    </p:spTree>
+    <p:extLst>
+      <p:ext uri="{BB962C8B-B14F-4D97-AF65-F5344CB8AC3E}">
+        <p14:creationId xmlns:p14="http://schemas.microsoft.com/office/powerpoint/2010/main" val="812885212"/>
+      </p:ext>
+    </p:extLst>
+  </p:cSld>
+  <p:clrMapOvr>
+    <a:masterClrMapping/>
+  </p:clrMapOvr>
+</p:sld>
+</file>
+
+<file path=ppt/slides/slide9.xml><?xml version="1.0" encoding="utf-8"?>
+<p:sld xmlns:a="http://schemas.openxmlformats.org/drawingml/2006/main" xmlns:r="http://schemas.openxmlformats.org/officeDocument/2006/relationships" xmlns:p="http://schemas.openxmlformats.org/presentationml/2006/main">
+  <p:cSld>
+    <p:spTree>
+      <p:nvGrpSpPr>
+        <p:cNvPr id="1" name=""/>
+        <p:cNvGrpSpPr/>
+        <p:nvPr/>
+      </p:nvGrpSpPr>
+      <p:grpSpPr>
+        <a:xfrm>
+          <a:off x="0" y="0"/>
+          <a:ext cx="0" cy="0"/>
+          <a:chOff x="0" y="0"/>
+          <a:chExt cx="0" cy="0"/>
+        </a:xfrm>
+      </p:grpSpPr>
+      <p:sp>
+        <p:nvSpPr>
+          <p:cNvPr id="2" name="Title 1"/>
+          <p:cNvSpPr>
+            <a:spLocks noGrp="1"/>
+          </p:cNvSpPr>
+          <p:nvPr>
+            <p:ph type="title"/>
+          </p:nvPr>
+        </p:nvSpPr>
+        <p:spPr/>
+        <p:txBody>
+          <a:bodyPr/>
+          <a:lstStyle/>
+          <a:p>
+            <a:r>
+              <a:rPr lang="en-US" dirty="0" smtClean="0"/>
+              <a:t>Bonus</a:t>
+            </a:r>
+            <a:br>
+              <a:rPr lang="en-US" dirty="0" smtClean="0"/>
+            </a:br>
+            <a:r>
+              <a:rPr lang="en-US" dirty="0"/>
+              <a:t> </a:t>
+            </a:r>
+          </a:p>
+        </p:txBody>
+      </p:sp>
+      <p:sp>
+        <p:nvSpPr>
+          <p:cNvPr id="3" name="Text Placeholder 2"/>
+          <p:cNvSpPr>
             <a:spLocks noGrp="1"/>
           </p:cNvSpPr>
           <p:nvPr>
@@ -10488,73 +10951,39 @@
         </p:nvSpPr>
         <p:spPr>
           <a:xfrm>
-            <a:off x="729450" y="1545475"/>
-            <a:ext cx="7688700" cy="2261100"/>
+            <a:off x="819602" y="1320450"/>
+            <a:ext cx="7688700" cy="3212913"/>
           </a:xfrm>
-          <a:prstGeom prst="rect">
-            <a:avLst/>
-          </a:prstGeom>
         </p:spPr>
         <p:txBody>
-          <a:bodyPr spcFirstLastPara="1" wrap="square" lIns="91425" tIns="91425" rIns="91425" bIns="91425" anchor="t" anchorCtr="0">
-            <a:noAutofit/>
-          </a:bodyPr>
+          <a:bodyPr/>
           <a:lstStyle/>
           <a:p>
-            <a:pPr marL="0" lvl="0" indent="0" algn="l" rtl="0">
-              <a:spcBef>
-                <a:spcPts val="0"/>
-              </a:spcBef>
-              <a:spcAft>
-                <a:spcPts val="0"/>
-              </a:spcAft>
+            <a:pPr marL="146050" indent="0">
               <a:buNone/>
             </a:pPr>
             <a:r>
-              <a:rPr lang="en" sz="1600"/>
-              <a:t>Provide citations for your work and provide resources for your audience to learn more about the technical aspects of your project. Share links to your GitHub repository or accompanying spreadsheets.</a:t>
+              <a:rPr lang="en-US" dirty="0"/>
+              <a:t>After running these codes, we can see that the company's </a:t>
             </a:r>
-            <a:endParaRPr sz="1600">
-              <a:solidFill>
-                <a:srgbClr val="000000"/>
-              </a:solidFill>
-            </a:endParaRPr>
-          </a:p>
-          <a:p>
-            <a:pPr marL="0" lvl="0" indent="0" algn="l" rtl="0">
-              <a:spcBef>
-                <a:spcPts val="1600"/>
-              </a:spcBef>
-              <a:spcAft>
-                <a:spcPts val="0"/>
-              </a:spcAft>
-              <a:buNone/>
-            </a:pPr>
-            <a:endParaRPr sz="1600">
-              <a:solidFill>
-                <a:srgbClr val="000000"/>
-              </a:solidFill>
-            </a:endParaRPr>
-          </a:p>
-          <a:p>
-            <a:pPr marL="0" lvl="0" indent="0" algn="l" rtl="0">
-              <a:spcBef>
-                <a:spcPts val="1600"/>
-              </a:spcBef>
-              <a:spcAft>
-                <a:spcPts val="1600"/>
-              </a:spcAft>
-              <a:buNone/>
-            </a:pPr>
-            <a:endParaRPr sz="1600">
-              <a:solidFill>
-                <a:srgbClr val="000000"/>
-              </a:solidFill>
-            </a:endParaRPr>
+            <a:r>
+              <a:rPr lang="en-US" dirty="0" err="1"/>
+              <a:t>gonna</a:t>
+            </a:r>
+            <a:r>
+              <a:rPr lang="en-US" dirty="0"/>
+              <a:t> take about 29 days to lose all his clients.</a:t>
+            </a:r>
+            <a:endParaRPr lang="en-US" dirty="0" smtClean="0"/>
           </a:p>
         </p:txBody>
       </p:sp>
     </p:spTree>
+    <p:extLst>
+      <p:ext uri="{BB962C8B-B14F-4D97-AF65-F5344CB8AC3E}">
+        <p14:creationId xmlns:p14="http://schemas.microsoft.com/office/powerpoint/2010/main" val="1969746658"/>
+      </p:ext>
+    </p:extLst>
   </p:cSld>
   <p:clrMapOvr>
     <a:masterClrMapping/>

--- a/Result/Vanessa’s project .pptx
+++ b/Result/Vanessa’s project .pptx
@@ -10224,87 +10224,76 @@
           </a:bodyPr>
           <a:lstStyle/>
           <a:p>
-            <a:pPr marL="0" lvl="0" indent="0" algn="l" rtl="0">
-              <a:spcBef>
-                <a:spcPts val="0"/>
-              </a:spcBef>
-              <a:spcAft>
-                <a:spcPts val="0"/>
-              </a:spcAft>
-              <a:buNone/>
-            </a:pPr>
-            <a:r>
-              <a:rPr lang="en" sz="1600"/>
-              <a:t>Introduce the methods and data sources used for the analysis. Discuss your choice of variables, methods, and how they will help you address the problem.  </a:t>
-            </a:r>
-            <a:endParaRPr sz="1600"/>
-          </a:p>
-          <a:p>
-            <a:pPr marL="0" lvl="0" indent="0" algn="l" rtl="0">
-              <a:spcBef>
-                <a:spcPts val="1600"/>
-              </a:spcBef>
-              <a:spcAft>
-                <a:spcPts val="0"/>
-              </a:spcAft>
-              <a:buNone/>
-            </a:pPr>
-            <a:r>
-              <a:rPr lang="en" sz="1600"/>
-              <a:t>For running statistical models or statistical analysis:</a:t>
-            </a:r>
-            <a:endParaRPr sz="1600"/>
-          </a:p>
-          <a:p>
-            <a:pPr marL="457200" lvl="0" indent="-330200" algn="l" rtl="0">
-              <a:spcBef>
-                <a:spcPts val="1600"/>
-              </a:spcBef>
-              <a:spcAft>
-                <a:spcPts val="0"/>
-              </a:spcAft>
+            <a:pPr lvl="0" indent="-330200">
               <a:buSzPts val="1600"/>
               <a:buChar char="❏"/>
             </a:pPr>
             <a:r>
-              <a:rPr lang="en" sz="1600"/>
-              <a:t>Document techniques </a:t>
+              <a:rPr lang="en-US" sz="1600" dirty="0"/>
+              <a:t>We work on  a file of </a:t>
             </a:r>
-            <a:endParaRPr sz="1600"/>
+            <a:r>
+              <a:rPr lang="en-US" sz="1600" u="sng" dirty="0"/>
+              <a:t>7000 customers in Kaggle</a:t>
+            </a:r>
+            <a:r>
+              <a:rPr lang="en-US" sz="1600" dirty="0"/>
+              <a:t>,come from </a:t>
+            </a:r>
+            <a:r>
+              <a:rPr lang="en-US" sz="1600" dirty="0" smtClean="0"/>
+              <a:t>the </a:t>
+            </a:r>
+            <a:r>
+              <a:rPr lang="en-US" sz="1600" dirty="0" err="1" smtClean="0"/>
+              <a:t>Telcocompany</a:t>
+            </a:r>
+            <a:r>
+              <a:rPr lang="en-US" sz="1600" dirty="0" smtClean="0"/>
+              <a:t>. We </a:t>
+            </a:r>
+            <a:r>
+              <a:rPr lang="en-US" sz="1600" dirty="0"/>
+              <a:t>use Jupyter notebook to do the </a:t>
+            </a:r>
+            <a:r>
+              <a:rPr lang="en-US" sz="1600" dirty="0" smtClean="0"/>
+              <a:t>analysis, first </a:t>
+            </a:r>
+            <a:r>
+              <a:rPr lang="en-US" sz="1600" dirty="0"/>
+              <a:t>we import all the libraries needed and we start with Data </a:t>
+            </a:r>
+            <a:r>
+              <a:rPr lang="en-US" sz="1600" dirty="0" smtClean="0"/>
+              <a:t>preprocessing </a:t>
+            </a:r>
+            <a:r>
+              <a:rPr lang="en-US" sz="1600" dirty="0"/>
+              <a:t>which makes the information cleaner and more suitable to work. </a:t>
+            </a:r>
           </a:p>
           <a:p>
-            <a:pPr marL="457200" lvl="0" indent="-330200" algn="l" rtl="0">
-              <a:spcBef>
-                <a:spcPts val="0"/>
-              </a:spcBef>
-              <a:spcAft>
-                <a:spcPts val="0"/>
-              </a:spcAft>
+            <a:pPr lvl="0" indent="-330200">
               <a:buSzPts val="1600"/>
               <a:buChar char="❏"/>
             </a:pPr>
             <a:r>
-              <a:rPr lang="en" sz="1600"/>
-              <a:t>Document uncertainty</a:t>
+              <a:rPr lang="en-US" sz="1600" dirty="0"/>
+              <a:t>And we start with the data analysis, Through data analysis, we will be able to make decisions about customer trends and behaviors, which will allow us to make effective decisions</a:t>
             </a:r>
-            <a:endParaRPr sz="1600"/>
           </a:p>
           <a:p>
-            <a:pPr marL="457200" lvl="0" indent="-330200" algn="l" rtl="0">
-              <a:spcBef>
-                <a:spcPts val="0"/>
-              </a:spcBef>
-              <a:spcAft>
-                <a:spcPts val="0"/>
-              </a:spcAft>
-              <a:buSzPts val="1600"/>
-              <a:buChar char="❏"/>
+            <a:pPr marL="0" lvl="0" indent="0" algn="l" rtl="0">
+              <a:spcBef>
+                <a:spcPts val="0"/>
+              </a:spcBef>
+              <a:spcAft>
+                <a:spcPts val="0"/>
+              </a:spcAft>
+              <a:buNone/>
             </a:pPr>
-            <a:r>
-              <a:rPr lang="en" sz="1600"/>
-              <a:t>Document assumptions made </a:t>
-            </a:r>
-            <a:endParaRPr sz="1600"/>
+            <a:endParaRPr sz="1600" dirty="0"/>
           </a:p>
         </p:txBody>
       </p:sp>
@@ -10673,7 +10662,7 @@
         </p:blipFill>
         <p:spPr>
           <a:xfrm>
-            <a:off x="4971245" y="2498512"/>
+            <a:off x="4971245" y="2066201"/>
             <a:ext cx="4172755" cy="2196706"/>
           </a:xfrm>
           <a:prstGeom prst="rect">
@@ -10693,8 +10682,8 @@
         </p:nvSpPr>
         <p:spPr>
           <a:xfrm>
-            <a:off x="631065" y="824248"/>
-            <a:ext cx="8384145" cy="3870970"/>
+            <a:off x="703690" y="824248"/>
+            <a:ext cx="8384145" cy="3889420"/>
           </a:xfrm>
         </p:spPr>
         <p:txBody>
@@ -10780,8 +10769,8 @@
         </p:blipFill>
         <p:spPr>
           <a:xfrm>
-            <a:off x="5087155" y="1828799"/>
-            <a:ext cx="4056845" cy="2730321"/>
+            <a:off x="5087155" y="2150772"/>
+            <a:ext cx="4056845" cy="2992728"/>
           </a:xfrm>
           <a:prstGeom prst="rect">
             <a:avLst/>
@@ -10800,15 +10789,18 @@
         </p:nvSpPr>
         <p:spPr>
           <a:xfrm>
-            <a:off x="729450" y="1545474"/>
-            <a:ext cx="8414550" cy="3168193"/>
+            <a:off x="729450" y="1320450"/>
+            <a:ext cx="8414550" cy="3823049"/>
           </a:xfrm>
         </p:spPr>
         <p:txBody>
           <a:bodyPr/>
           <a:lstStyle/>
           <a:p>
-            <a:endParaRPr lang="en-US" dirty="0"/>
+            <a:r>
+              <a:rPr lang="en-US" dirty="0"/>
+              <a:t>The chart above is interesting, because can help us to discriminate retained and churned customers, it shows that most customers that churned had the Fiber optic internet service, and the most customers that were retained had DSL internet service. Maybe the company should only provide DSL as the internet service or stop providing Fiber optics for it’s internet service.</a:t>
+            </a:r>
           </a:p>
         </p:txBody>
       </p:sp>
@@ -10844,7 +10836,35 @@
       </p:grpSpPr>
       <p:sp>
         <p:nvSpPr>
-          <p:cNvPr id="2" name="Title 1"/>
+          <p:cNvPr id="3" name="Text Placeholder 2"/>
+          <p:cNvSpPr>
+            <a:spLocks noGrp="1"/>
+          </p:cNvSpPr>
+          <p:nvPr>
+            <p:ph type="body" idx="1"/>
+          </p:nvPr>
+        </p:nvSpPr>
+        <p:spPr>
+          <a:xfrm>
+            <a:off x="729450" y="1414586"/>
+            <a:ext cx="7688700" cy="3313722"/>
+          </a:xfrm>
+        </p:spPr>
+        <p:txBody>
+          <a:bodyPr/>
+          <a:lstStyle/>
+          <a:p>
+            <a:r>
+              <a:rPr lang="en-US" dirty="0" smtClean="0"/>
+              <a:t> </a:t>
+            </a:r>
+            <a:endParaRPr lang="en-US" dirty="0"/>
+          </a:p>
+        </p:txBody>
+      </p:sp>
+      <p:sp>
+        <p:nvSpPr>
+          <p:cNvPr id="4" name="Title 3"/>
           <p:cNvSpPr>
             <a:spLocks noGrp="1"/>
           </p:cNvSpPr>
@@ -10857,29 +10877,45 @@
           <a:bodyPr/>
           <a:lstStyle/>
           <a:p>
-            <a:endParaRPr lang="en-US"/>
+            <a:r>
+              <a:rPr lang="en-US" smtClean="0"/>
+              <a:t>ervices</a:t>
+            </a:r>
+            <a:r>
+              <a:rPr lang="en-US" dirty="0" smtClean="0"/>
+              <a:t> </a:t>
+            </a:r>
+            <a:r>
+              <a:rPr lang="en-US" dirty="0"/>
+              <a:t>typically purchased by customers who churned</a:t>
+            </a:r>
           </a:p>
         </p:txBody>
       </p:sp>
-      <p:sp>
-        <p:nvSpPr>
-          <p:cNvPr id="3" name="Text Placeholder 2"/>
-          <p:cNvSpPr>
-            <a:spLocks noGrp="1"/>
-          </p:cNvSpPr>
-          <p:nvPr>
-            <p:ph type="body" idx="1"/>
-          </p:nvPr>
-        </p:nvSpPr>
-        <p:spPr/>
-        <p:txBody>
-          <a:bodyPr/>
-          <a:lstStyle/>
-          <a:p>
-            <a:endParaRPr lang="en-US"/>
-          </a:p>
-        </p:txBody>
-      </p:sp>
+      <p:pic>
+        <p:nvPicPr>
+          <p:cNvPr id="5" name="Picture 4"/>
+          <p:cNvPicPr>
+            <a:picLocks noChangeAspect="1"/>
+          </p:cNvPicPr>
+          <p:nvPr/>
+        </p:nvPicPr>
+        <p:blipFill>
+          <a:blip r:embed="rId2"/>
+          <a:stretch>
+            <a:fillRect/>
+          </a:stretch>
+        </p:blipFill>
+        <p:spPr>
+          <a:xfrm>
+            <a:off x="5238384" y="1633415"/>
+            <a:ext cx="3905616" cy="2775804"/>
+          </a:xfrm>
+          <a:prstGeom prst="rect">
+            <a:avLst/>
+          </a:prstGeom>
+        </p:spPr>
+      </p:pic>
     </p:spTree>
     <p:extLst>
       <p:ext uri="{BB962C8B-B14F-4D97-AF65-F5344CB8AC3E}">
@@ -10920,7 +10956,12 @@
             <p:ph type="title"/>
           </p:nvPr>
         </p:nvSpPr>
-        <p:spPr/>
+        <p:spPr>
+          <a:xfrm>
+            <a:off x="704573" y="63592"/>
+            <a:ext cx="7688700" cy="535200"/>
+          </a:xfrm>
+        </p:spPr>
         <p:txBody>
           <a:bodyPr/>
           <a:lstStyle/>
@@ -10951,28 +10992,51 @@
         </p:nvSpPr>
         <p:spPr>
           <a:xfrm>
-            <a:off x="819602" y="1320450"/>
-            <a:ext cx="7688700" cy="3212913"/>
+            <a:off x="819602" y="772732"/>
+            <a:ext cx="8324398" cy="3992451"/>
           </a:xfrm>
         </p:spPr>
         <p:txBody>
           <a:bodyPr/>
           <a:lstStyle/>
           <a:p>
-            <a:pPr marL="146050" indent="0">
-              <a:buNone/>
-            </a:pPr>
             <a:r>
-              <a:rPr lang="en-US" dirty="0"/>
-              <a:t>After running these codes, we can see that the company's </a:t>
-            </a:r>
-            <a:r>
-              <a:rPr lang="en-US" dirty="0" err="1"/>
-              <a:t>gonna</a:t>
+              <a:rPr lang="en-US" dirty="0" smtClean="0"/>
+              <a:t>The </a:t>
             </a:r>
             <a:r>
               <a:rPr lang="en-US" dirty="0"/>
-              <a:t> take about 29 days to lose all his clients.</a:t>
+              <a:t>company's </a:t>
+            </a:r>
+            <a:r>
+              <a:rPr lang="en-US" dirty="0" smtClean="0"/>
+              <a:t>going to </a:t>
+            </a:r>
+            <a:r>
+              <a:rPr lang="en-US" dirty="0"/>
+              <a:t>take about 29 </a:t>
+            </a:r>
+            <a:r>
+              <a:rPr lang="en-US" dirty="0" smtClean="0"/>
+              <a:t>months to </a:t>
+            </a:r>
+            <a:r>
+              <a:rPr lang="en-US" dirty="0"/>
+              <a:t>lose all his </a:t>
+            </a:r>
+            <a:r>
+              <a:rPr lang="en-US" dirty="0" smtClean="0"/>
+              <a:t>clients.</a:t>
+            </a:r>
+          </a:p>
+          <a:p>
+            <a:r>
+              <a:rPr lang="en-US" dirty="0" smtClean="0"/>
+              <a:t>They </a:t>
+            </a:r>
+            <a:r>
+              <a:rPr lang="en-US" dirty="0"/>
+              <a:t>will lose  the  demographics  independent first because they the will churn in 5 months</a:t>
             </a:r>
             <a:endParaRPr lang="en-US" dirty="0" smtClean="0"/>
           </a:p>

--- a/Result/Vanessa’s project .pptx
+++ b/Result/Vanessa’s project .pptx
@@ -5,56 +5,60 @@
     <p:sldMasterId id="2147483660" r:id="rId1"/>
   </p:sldMasterIdLst>
   <p:notesMasterIdLst>
-    <p:notesMasterId r:id="rId14"/>
+    <p:notesMasterId r:id="rId27"/>
   </p:notesMasterIdLst>
   <p:sldIdLst>
     <p:sldId id="256" r:id="rId2"/>
     <p:sldId id="257" r:id="rId3"/>
     <p:sldId id="258" r:id="rId4"/>
     <p:sldId id="259" r:id="rId5"/>
-    <p:sldId id="262" r:id="rId6"/>
-    <p:sldId id="265" r:id="rId7"/>
-    <p:sldId id="267" r:id="rId8"/>
-    <p:sldId id="266" r:id="rId9"/>
-    <p:sldId id="263" r:id="rId10"/>
-    <p:sldId id="260" r:id="rId11"/>
-    <p:sldId id="264" r:id="rId12"/>
-    <p:sldId id="261" r:id="rId13"/>
+    <p:sldId id="272" r:id="rId6"/>
+    <p:sldId id="262" r:id="rId7"/>
+    <p:sldId id="265" r:id="rId8"/>
+    <p:sldId id="274" r:id="rId9"/>
+    <p:sldId id="267" r:id="rId10"/>
+    <p:sldId id="266" r:id="rId11"/>
+    <p:sldId id="281" r:id="rId12"/>
+    <p:sldId id="269" r:id="rId13"/>
+    <p:sldId id="277" r:id="rId14"/>
+    <p:sldId id="275" r:id="rId15"/>
+    <p:sldId id="276" r:id="rId16"/>
+    <p:sldId id="278" r:id="rId17"/>
+    <p:sldId id="279" r:id="rId18"/>
+    <p:sldId id="280" r:id="rId19"/>
+    <p:sldId id="270" r:id="rId20"/>
+    <p:sldId id="263" r:id="rId21"/>
+    <p:sldId id="268" r:id="rId22"/>
+    <p:sldId id="271" r:id="rId23"/>
+    <p:sldId id="260" r:id="rId24"/>
+    <p:sldId id="264" r:id="rId25"/>
+    <p:sldId id="261" r:id="rId26"/>
   </p:sldIdLst>
   <p:sldSz cx="9144000" cy="5143500" type="screen16x9"/>
   <p:notesSz cx="6858000" cy="9144000"/>
   <p:embeddedFontLst>
     <p:embeddedFont>
       <p:font typeface="Lato" panose="020B0604020202020204" charset="0"/>
-      <p:regular r:id="rId15"/>
-      <p:bold r:id="rId16"/>
-      <p:italic r:id="rId17"/>
-      <p:boldItalic r:id="rId18"/>
+      <p:regular r:id="rId28"/>
+      <p:bold r:id="rId29"/>
+      <p:italic r:id="rId30"/>
+      <p:boldItalic r:id="rId31"/>
+    </p:embeddedFont>
+    <p:embeddedFont>
+      <p:font typeface="Andalus" panose="02020603050405020304" pitchFamily="18" charset="-78"/>
+      <p:regular r:id="rId32"/>
     </p:embeddedFont>
     <p:embeddedFont>
       <p:font typeface="Encode Sans SemiBold" panose="020B0604020202020204" charset="0"/>
-      <p:regular r:id="rId19"/>
-      <p:bold r:id="rId20"/>
-    </p:embeddedFont>
-    <p:embeddedFont>
-      <p:font typeface="Tahoma" panose="020B0604030504040204" pitchFamily="34" charset="0"/>
-      <p:regular r:id="rId21"/>
-      <p:bold r:id="rId22"/>
+      <p:regular r:id="rId33"/>
+      <p:bold r:id="rId34"/>
     </p:embeddedFont>
     <p:embeddedFont>
       <p:font typeface="Raleway" panose="020B0604020202020204" charset="0"/>
-      <p:regular r:id="rId23"/>
-      <p:bold r:id="rId24"/>
-      <p:italic r:id="rId25"/>
-      <p:boldItalic r:id="rId26"/>
-    </p:embeddedFont>
-    <p:embeddedFont>
-      <p:font typeface="Andalus" panose="02020603050405020304" pitchFamily="18" charset="-78"/>
-      <p:regular r:id="rId27"/>
-    </p:embeddedFont>
-    <p:embeddedFont>
-      <p:font typeface="Cutive" panose="020B0604020202020204" charset="0"/>
-      <p:regular r:id="rId28"/>
+      <p:regular r:id="rId35"/>
+      <p:bold r:id="rId36"/>
+      <p:italic r:id="rId37"/>
+      <p:boldItalic r:id="rId38"/>
     </p:embeddedFont>
   </p:embeddedFontLst>
   <p:defaultTextStyle>
@@ -287,6 +291,43 @@
     </a:lvl9pPr>
   </p:defaultTextStyle>
   <p:extLst>
+    <p:ext uri="{521415D9-36F7-43E2-AB2F-B90AF26B5E84}">
+      <p14:sectionLst xmlns:p14="http://schemas.microsoft.com/office/powerpoint/2010/main">
+        <p14:section name="Default Section" id="{02DC512D-EA6B-456A-8185-3C875D8FF1D5}">
+          <p14:sldIdLst>
+            <p14:sldId id="256"/>
+            <p14:sldId id="257"/>
+            <p14:sldId id="258"/>
+            <p14:sldId id="259"/>
+            <p14:sldId id="272"/>
+            <p14:sldId id="262"/>
+            <p14:sldId id="265"/>
+            <p14:sldId id="274"/>
+            <p14:sldId id="267"/>
+            <p14:sldId id="266"/>
+            <p14:sldId id="281"/>
+            <p14:sldId id="269"/>
+            <p14:sldId id="277"/>
+            <p14:sldId id="275"/>
+            <p14:sldId id="276"/>
+            <p14:sldId id="278"/>
+            <p14:sldId id="279"/>
+            <p14:sldId id="280"/>
+            <p14:sldId id="270"/>
+            <p14:sldId id="263"/>
+          </p14:sldIdLst>
+        </p14:section>
+        <p14:section name="Untitled Section" id="{6042DD47-931A-4734-AF68-FC36C23829FB}">
+          <p14:sldIdLst>
+            <p14:sldId id="268"/>
+            <p14:sldId id="271"/>
+            <p14:sldId id="260"/>
+            <p14:sldId id="264"/>
+            <p14:sldId id="261"/>
+          </p14:sldIdLst>
+        </p14:section>
+      </p14:sectionLst>
+    </p:ext>
     <p:ext uri="{EFAFB233-063F-42B5-8137-9DF3F51BA10A}">
       <p15:sldGuideLst xmlns:p15="http://schemas.microsoft.com/office/powerpoint/2012/main">
         <p15:guide id="1" orient="horz" pos="1620">
@@ -1961,702 +2002,6 @@
 </file>
 
 <file path=ppt/slideLayouts/slideLayout10.xml><?xml version="1.0" encoding="utf-8"?>
-<p:sldLayout xmlns:a="http://schemas.openxmlformats.org/drawingml/2006/main" xmlns:r="http://schemas.openxmlformats.org/officeDocument/2006/relationships" xmlns:p="http://schemas.openxmlformats.org/presentationml/2006/main" matchingName="Big number">
-  <p:cSld name="BIG_NUMBER">
-    <p:bg>
-      <p:bgPr>
-        <a:solidFill>
-          <a:schemeClr val="dk1"/>
-        </a:solidFill>
-        <a:effectLst/>
-      </p:bgPr>
-    </p:bg>
-    <p:spTree>
-      <p:nvGrpSpPr>
-        <p:cNvPr id="1" name="Shape 82"/>
-        <p:cNvGrpSpPr/>
-        <p:nvPr/>
-      </p:nvGrpSpPr>
-      <p:grpSpPr>
-        <a:xfrm>
-          <a:off x="0" y="0"/>
-          <a:ext cx="0" cy="0"/>
-          <a:chOff x="0" y="0"/>
-          <a:chExt cx="0" cy="0"/>
-        </a:xfrm>
-      </p:grpSpPr>
-      <p:sp>
-        <p:nvSpPr>
-          <p:cNvPr id="83" name="Google Shape;83;p11"/>
-          <p:cNvSpPr/>
-          <p:nvPr/>
-        </p:nvSpPr>
-        <p:spPr>
-          <a:xfrm>
-            <a:off x="1650" y="4749880"/>
-            <a:ext cx="9144000" cy="393600"/>
-          </a:xfrm>
-          <a:prstGeom prst="rect">
-            <a:avLst/>
-          </a:prstGeom>
-          <a:solidFill>
-            <a:schemeClr val="lt1"/>
-          </a:solidFill>
-          <a:ln>
-            <a:noFill/>
-          </a:ln>
-        </p:spPr>
-        <p:txBody>
-          <a:bodyPr spcFirstLastPara="1" wrap="square" lIns="91425" tIns="91425" rIns="91425" bIns="91425" anchor="ctr" anchorCtr="0">
-            <a:noAutofit/>
-          </a:bodyPr>
-          <a:lstStyle/>
-          <a:p>
-            <a:pPr marL="0" lvl="0" indent="0" algn="l" rtl="0">
-              <a:spcBef>
-                <a:spcPts val="0"/>
-              </a:spcBef>
-              <a:spcAft>
-                <a:spcPts val="0"/>
-              </a:spcAft>
-              <a:buNone/>
-            </a:pPr>
-            <a:endParaRPr/>
-          </a:p>
-        </p:txBody>
-      </p:sp>
-      <p:pic>
-        <p:nvPicPr>
-          <p:cNvPr id="84" name="Google Shape;84;p11"/>
-          <p:cNvPicPr preferRelativeResize="0"/>
-          <p:nvPr/>
-        </p:nvPicPr>
-        <p:blipFill rotWithShape="1">
-          <a:blip r:embed="rId2">
-            <a:alphaModFix/>
-          </a:blip>
-          <a:srcRect l="16874" t="31678" r="16874" b="31682"/>
-          <a:stretch/>
-        </p:blipFill>
-        <p:spPr>
-          <a:xfrm>
-            <a:off x="748725" y="4749850"/>
-            <a:ext cx="711703" cy="393600"/>
-          </a:xfrm>
-          <a:prstGeom prst="rect">
-            <a:avLst/>
-          </a:prstGeom>
-          <a:noFill/>
-          <a:ln>
-            <a:noFill/>
-          </a:ln>
-        </p:spPr>
-      </p:pic>
-      <p:grpSp>
-        <p:nvGrpSpPr>
-          <p:cNvPr id="85" name="Google Shape;85;p11"/>
-          <p:cNvGrpSpPr/>
-          <p:nvPr/>
-        </p:nvGrpSpPr>
-        <p:grpSpPr>
-          <a:xfrm>
-            <a:off x="830392" y="4169130"/>
-            <a:ext cx="745763" cy="45826"/>
-            <a:chOff x="4580561" y="2589004"/>
-            <a:chExt cx="1064464" cy="25200"/>
-          </a:xfrm>
-        </p:grpSpPr>
-        <p:sp>
-          <p:nvSpPr>
-            <p:cNvPr id="86" name="Google Shape;86;p11"/>
-            <p:cNvSpPr/>
-            <p:nvPr/>
-          </p:nvSpPr>
-          <p:spPr>
-            <a:xfrm rot="-5400000">
-              <a:off x="5366325" y="2335504"/>
-              <a:ext cx="25200" cy="532200"/>
-            </a:xfrm>
-            <a:prstGeom prst="rect">
-              <a:avLst/>
-            </a:prstGeom>
-            <a:solidFill>
-              <a:schemeClr val="lt1"/>
-            </a:solidFill>
-            <a:ln>
-              <a:noFill/>
-            </a:ln>
-          </p:spPr>
-          <p:txBody>
-            <a:bodyPr spcFirstLastPara="1" wrap="square" lIns="91425" tIns="91425" rIns="91425" bIns="91425" anchor="ctr" anchorCtr="0">
-              <a:noAutofit/>
-            </a:bodyPr>
-            <a:lstStyle/>
-            <a:p>
-              <a:pPr marL="0" lvl="0" indent="0" algn="l" rtl="0">
-                <a:spcBef>
-                  <a:spcPts val="0"/>
-                </a:spcBef>
-                <a:spcAft>
-                  <a:spcPts val="0"/>
-                </a:spcAft>
-                <a:buNone/>
-              </a:pPr>
-              <a:endParaRPr/>
-            </a:p>
-          </p:txBody>
-        </p:sp>
-        <p:sp>
-          <p:nvSpPr>
-            <p:cNvPr id="87" name="Google Shape;87;p11"/>
-            <p:cNvSpPr/>
-            <p:nvPr/>
-          </p:nvSpPr>
-          <p:spPr>
-            <a:xfrm rot="-5400000">
-              <a:off x="4836311" y="2333254"/>
-              <a:ext cx="25200" cy="536700"/>
-            </a:xfrm>
-            <a:prstGeom prst="rect">
-              <a:avLst/>
-            </a:prstGeom>
-            <a:solidFill>
-              <a:schemeClr val="lt1"/>
-            </a:solidFill>
-            <a:ln>
-              <a:noFill/>
-            </a:ln>
-          </p:spPr>
-          <p:txBody>
-            <a:bodyPr spcFirstLastPara="1" wrap="square" lIns="91425" tIns="91425" rIns="91425" bIns="91425" anchor="ctr" anchorCtr="0">
-              <a:noAutofit/>
-            </a:bodyPr>
-            <a:lstStyle/>
-            <a:p>
-              <a:pPr marL="0" lvl="0" indent="0" algn="l" rtl="0">
-                <a:spcBef>
-                  <a:spcPts val="0"/>
-                </a:spcBef>
-                <a:spcAft>
-                  <a:spcPts val="0"/>
-                </a:spcAft>
-                <a:buNone/>
-              </a:pPr>
-              <a:endParaRPr/>
-            </a:p>
-          </p:txBody>
-        </p:sp>
-      </p:grpSp>
-      <p:sp>
-        <p:nvSpPr>
-          <p:cNvPr id="88" name="Google Shape;88;p11"/>
-          <p:cNvSpPr txBox="1">
-            <a:spLocks noGrp="1"/>
-          </p:cNvSpPr>
-          <p:nvPr>
-            <p:ph type="title" hasCustomPrompt="1"/>
-          </p:nvPr>
-        </p:nvSpPr>
-        <p:spPr>
-          <a:xfrm>
-            <a:off x="729450" y="733950"/>
-            <a:ext cx="7688400" cy="1244700"/>
-          </a:xfrm>
-          <a:prstGeom prst="rect">
-            <a:avLst/>
-          </a:prstGeom>
-        </p:spPr>
-        <p:txBody>
-          <a:bodyPr spcFirstLastPara="1" wrap="square" lIns="91425" tIns="91425" rIns="91425" bIns="91425" anchor="t" anchorCtr="0">
-            <a:noAutofit/>
-          </a:bodyPr>
-          <a:lstStyle>
-            <a:lvl1pPr lvl="0">
-              <a:spcBef>
-                <a:spcPts val="0"/>
-              </a:spcBef>
-              <a:spcAft>
-                <a:spcPts val="0"/>
-              </a:spcAft>
-              <a:buClr>
-                <a:schemeClr val="lt1"/>
-              </a:buClr>
-              <a:buSzPts val="8000"/>
-              <a:buNone/>
-              <a:defRPr sz="8000">
-                <a:solidFill>
-                  <a:schemeClr val="lt1"/>
-                </a:solidFill>
-              </a:defRPr>
-            </a:lvl1pPr>
-            <a:lvl2pPr lvl="1">
-              <a:spcBef>
-                <a:spcPts val="0"/>
-              </a:spcBef>
-              <a:spcAft>
-                <a:spcPts val="0"/>
-              </a:spcAft>
-              <a:buClr>
-                <a:schemeClr val="lt1"/>
-              </a:buClr>
-              <a:buSzPts val="8000"/>
-              <a:buNone/>
-              <a:defRPr sz="8000">
-                <a:solidFill>
-                  <a:schemeClr val="lt1"/>
-                </a:solidFill>
-              </a:defRPr>
-            </a:lvl2pPr>
-            <a:lvl3pPr lvl="2">
-              <a:spcBef>
-                <a:spcPts val="0"/>
-              </a:spcBef>
-              <a:spcAft>
-                <a:spcPts val="0"/>
-              </a:spcAft>
-              <a:buClr>
-                <a:schemeClr val="lt1"/>
-              </a:buClr>
-              <a:buSzPts val="8000"/>
-              <a:buNone/>
-              <a:defRPr sz="8000">
-                <a:solidFill>
-                  <a:schemeClr val="lt1"/>
-                </a:solidFill>
-              </a:defRPr>
-            </a:lvl3pPr>
-            <a:lvl4pPr lvl="3">
-              <a:spcBef>
-                <a:spcPts val="0"/>
-              </a:spcBef>
-              <a:spcAft>
-                <a:spcPts val="0"/>
-              </a:spcAft>
-              <a:buClr>
-                <a:schemeClr val="lt1"/>
-              </a:buClr>
-              <a:buSzPts val="8000"/>
-              <a:buNone/>
-              <a:defRPr sz="8000">
-                <a:solidFill>
-                  <a:schemeClr val="lt1"/>
-                </a:solidFill>
-              </a:defRPr>
-            </a:lvl4pPr>
-            <a:lvl5pPr lvl="4">
-              <a:spcBef>
-                <a:spcPts val="0"/>
-              </a:spcBef>
-              <a:spcAft>
-                <a:spcPts val="0"/>
-              </a:spcAft>
-              <a:buClr>
-                <a:schemeClr val="lt1"/>
-              </a:buClr>
-              <a:buSzPts val="8000"/>
-              <a:buNone/>
-              <a:defRPr sz="8000">
-                <a:solidFill>
-                  <a:schemeClr val="lt1"/>
-                </a:solidFill>
-              </a:defRPr>
-            </a:lvl5pPr>
-            <a:lvl6pPr lvl="5">
-              <a:spcBef>
-                <a:spcPts val="0"/>
-              </a:spcBef>
-              <a:spcAft>
-                <a:spcPts val="0"/>
-              </a:spcAft>
-              <a:buClr>
-                <a:schemeClr val="lt1"/>
-              </a:buClr>
-              <a:buSzPts val="8000"/>
-              <a:buNone/>
-              <a:defRPr sz="8000">
-                <a:solidFill>
-                  <a:schemeClr val="lt1"/>
-                </a:solidFill>
-              </a:defRPr>
-            </a:lvl6pPr>
-            <a:lvl7pPr lvl="6">
-              <a:spcBef>
-                <a:spcPts val="0"/>
-              </a:spcBef>
-              <a:spcAft>
-                <a:spcPts val="0"/>
-              </a:spcAft>
-              <a:buClr>
-                <a:schemeClr val="lt1"/>
-              </a:buClr>
-              <a:buSzPts val="8000"/>
-              <a:buNone/>
-              <a:defRPr sz="8000">
-                <a:solidFill>
-                  <a:schemeClr val="lt1"/>
-                </a:solidFill>
-              </a:defRPr>
-            </a:lvl7pPr>
-            <a:lvl8pPr lvl="7">
-              <a:spcBef>
-                <a:spcPts val="0"/>
-              </a:spcBef>
-              <a:spcAft>
-                <a:spcPts val="0"/>
-              </a:spcAft>
-              <a:buClr>
-                <a:schemeClr val="lt1"/>
-              </a:buClr>
-              <a:buSzPts val="8000"/>
-              <a:buNone/>
-              <a:defRPr sz="8000">
-                <a:solidFill>
-                  <a:schemeClr val="lt1"/>
-                </a:solidFill>
-              </a:defRPr>
-            </a:lvl8pPr>
-            <a:lvl9pPr lvl="8">
-              <a:spcBef>
-                <a:spcPts val="0"/>
-              </a:spcBef>
-              <a:spcAft>
-                <a:spcPts val="0"/>
-              </a:spcAft>
-              <a:buClr>
-                <a:schemeClr val="lt1"/>
-              </a:buClr>
-              <a:buSzPts val="8000"/>
-              <a:buNone/>
-              <a:defRPr sz="8000">
-                <a:solidFill>
-                  <a:schemeClr val="lt1"/>
-                </a:solidFill>
-              </a:defRPr>
-            </a:lvl9pPr>
-          </a:lstStyle>
-          <a:p>
-            <a:r>
-              <a:t>xx%</a:t>
-            </a:r>
-          </a:p>
-        </p:txBody>
-      </p:sp>
-      <p:sp>
-        <p:nvSpPr>
-          <p:cNvPr id="89" name="Google Shape;89;p11"/>
-          <p:cNvSpPr txBox="1">
-            <a:spLocks noGrp="1"/>
-          </p:cNvSpPr>
-          <p:nvPr>
-            <p:ph type="body" idx="1"/>
-          </p:nvPr>
-        </p:nvSpPr>
-        <p:spPr>
-          <a:xfrm>
-            <a:off x="729450" y="2272888"/>
-            <a:ext cx="7688400" cy="1580400"/>
-          </a:xfrm>
-          <a:prstGeom prst="rect">
-            <a:avLst/>
-          </a:prstGeom>
-        </p:spPr>
-        <p:txBody>
-          <a:bodyPr spcFirstLastPara="1" wrap="square" lIns="91425" tIns="91425" rIns="91425" bIns="91425" anchor="t" anchorCtr="0">
-            <a:noAutofit/>
-          </a:bodyPr>
-          <a:lstStyle>
-            <a:lvl1pPr marL="457200" lvl="0" indent="-311150">
-              <a:spcBef>
-                <a:spcPts val="0"/>
-              </a:spcBef>
-              <a:spcAft>
-                <a:spcPts val="0"/>
-              </a:spcAft>
-              <a:buClr>
-                <a:schemeClr val="lt1"/>
-              </a:buClr>
-              <a:buSzPts val="1300"/>
-              <a:buChar char="●"/>
-              <a:defRPr>
-                <a:solidFill>
-                  <a:schemeClr val="lt1"/>
-                </a:solidFill>
-              </a:defRPr>
-            </a:lvl1pPr>
-            <a:lvl2pPr marL="914400" lvl="1" indent="-298450">
-              <a:spcBef>
-                <a:spcPts val="1600"/>
-              </a:spcBef>
-              <a:spcAft>
-                <a:spcPts val="0"/>
-              </a:spcAft>
-              <a:buClr>
-                <a:schemeClr val="lt1"/>
-              </a:buClr>
-              <a:buSzPts val="1100"/>
-              <a:buChar char="○"/>
-              <a:defRPr>
-                <a:solidFill>
-                  <a:schemeClr val="lt1"/>
-                </a:solidFill>
-              </a:defRPr>
-            </a:lvl2pPr>
-            <a:lvl3pPr marL="1371600" lvl="2" indent="-298450">
-              <a:spcBef>
-                <a:spcPts val="1600"/>
-              </a:spcBef>
-              <a:spcAft>
-                <a:spcPts val="0"/>
-              </a:spcAft>
-              <a:buClr>
-                <a:schemeClr val="lt1"/>
-              </a:buClr>
-              <a:buSzPts val="1100"/>
-              <a:buChar char="■"/>
-              <a:defRPr>
-                <a:solidFill>
-                  <a:schemeClr val="lt1"/>
-                </a:solidFill>
-              </a:defRPr>
-            </a:lvl3pPr>
-            <a:lvl4pPr marL="1828800" lvl="3" indent="-298450">
-              <a:spcBef>
-                <a:spcPts val="1600"/>
-              </a:spcBef>
-              <a:spcAft>
-                <a:spcPts val="0"/>
-              </a:spcAft>
-              <a:buClr>
-                <a:schemeClr val="lt1"/>
-              </a:buClr>
-              <a:buSzPts val="1100"/>
-              <a:buChar char="●"/>
-              <a:defRPr>
-                <a:solidFill>
-                  <a:schemeClr val="lt1"/>
-                </a:solidFill>
-              </a:defRPr>
-            </a:lvl4pPr>
-            <a:lvl5pPr marL="2286000" lvl="4" indent="-298450">
-              <a:spcBef>
-                <a:spcPts val="1600"/>
-              </a:spcBef>
-              <a:spcAft>
-                <a:spcPts val="0"/>
-              </a:spcAft>
-              <a:buClr>
-                <a:schemeClr val="lt1"/>
-              </a:buClr>
-              <a:buSzPts val="1100"/>
-              <a:buChar char="○"/>
-              <a:defRPr>
-                <a:solidFill>
-                  <a:schemeClr val="lt1"/>
-                </a:solidFill>
-              </a:defRPr>
-            </a:lvl5pPr>
-            <a:lvl6pPr marL="2743200" lvl="5" indent="-298450">
-              <a:spcBef>
-                <a:spcPts val="1600"/>
-              </a:spcBef>
-              <a:spcAft>
-                <a:spcPts val="0"/>
-              </a:spcAft>
-              <a:buClr>
-                <a:schemeClr val="lt1"/>
-              </a:buClr>
-              <a:buSzPts val="1100"/>
-              <a:buChar char="■"/>
-              <a:defRPr>
-                <a:solidFill>
-                  <a:schemeClr val="lt1"/>
-                </a:solidFill>
-              </a:defRPr>
-            </a:lvl6pPr>
-            <a:lvl7pPr marL="3200400" lvl="6" indent="-298450">
-              <a:spcBef>
-                <a:spcPts val="1600"/>
-              </a:spcBef>
-              <a:spcAft>
-                <a:spcPts val="0"/>
-              </a:spcAft>
-              <a:buClr>
-                <a:schemeClr val="lt1"/>
-              </a:buClr>
-              <a:buSzPts val="1100"/>
-              <a:buChar char="●"/>
-              <a:defRPr>
-                <a:solidFill>
-                  <a:schemeClr val="lt1"/>
-                </a:solidFill>
-              </a:defRPr>
-            </a:lvl7pPr>
-            <a:lvl8pPr marL="3657600" lvl="7" indent="-298450">
-              <a:spcBef>
-                <a:spcPts val="1600"/>
-              </a:spcBef>
-              <a:spcAft>
-                <a:spcPts val="0"/>
-              </a:spcAft>
-              <a:buClr>
-                <a:schemeClr val="lt1"/>
-              </a:buClr>
-              <a:buSzPts val="1100"/>
-              <a:buChar char="○"/>
-              <a:defRPr>
-                <a:solidFill>
-                  <a:schemeClr val="lt1"/>
-                </a:solidFill>
-              </a:defRPr>
-            </a:lvl8pPr>
-            <a:lvl9pPr marL="4114800" lvl="8" indent="-298450">
-              <a:spcBef>
-                <a:spcPts val="1600"/>
-              </a:spcBef>
-              <a:spcAft>
-                <a:spcPts val="1600"/>
-              </a:spcAft>
-              <a:buClr>
-                <a:schemeClr val="lt1"/>
-              </a:buClr>
-              <a:buSzPts val="1100"/>
-              <a:buChar char="■"/>
-              <a:defRPr>
-                <a:solidFill>
-                  <a:schemeClr val="lt1"/>
-                </a:solidFill>
-              </a:defRPr>
-            </a:lvl9pPr>
-          </a:lstStyle>
-          <a:p>
-            <a:endParaRPr/>
-          </a:p>
-        </p:txBody>
-      </p:sp>
-      <p:sp>
-        <p:nvSpPr>
-          <p:cNvPr id="90" name="Google Shape;90;p11"/>
-          <p:cNvSpPr txBox="1">
-            <a:spLocks noGrp="1"/>
-          </p:cNvSpPr>
-          <p:nvPr>
-            <p:ph type="sldNum" idx="12"/>
-          </p:nvPr>
-        </p:nvSpPr>
-        <p:spPr>
-          <a:xfrm>
-            <a:off x="8536302" y="4749851"/>
-            <a:ext cx="548700" cy="393600"/>
-          </a:xfrm>
-          <a:prstGeom prst="rect">
-            <a:avLst/>
-          </a:prstGeom>
-        </p:spPr>
-        <p:txBody>
-          <a:bodyPr spcFirstLastPara="1" wrap="square" lIns="91425" tIns="91425" rIns="91425" bIns="91425" anchor="ctr" anchorCtr="0">
-            <a:noAutofit/>
-          </a:bodyPr>
-          <a:lstStyle>
-            <a:lvl1pPr lvl="0">
-              <a:buNone/>
-              <a:defRPr>
-                <a:solidFill>
-                  <a:srgbClr val="000000"/>
-                </a:solidFill>
-              </a:defRPr>
-            </a:lvl1pPr>
-            <a:lvl2pPr lvl="1">
-              <a:buNone/>
-              <a:defRPr>
-                <a:solidFill>
-                  <a:srgbClr val="000000"/>
-                </a:solidFill>
-              </a:defRPr>
-            </a:lvl2pPr>
-            <a:lvl3pPr lvl="2">
-              <a:buNone/>
-              <a:defRPr>
-                <a:solidFill>
-                  <a:srgbClr val="000000"/>
-                </a:solidFill>
-              </a:defRPr>
-            </a:lvl3pPr>
-            <a:lvl4pPr lvl="3">
-              <a:buNone/>
-              <a:defRPr>
-                <a:solidFill>
-                  <a:srgbClr val="000000"/>
-                </a:solidFill>
-              </a:defRPr>
-            </a:lvl4pPr>
-            <a:lvl5pPr lvl="4">
-              <a:buNone/>
-              <a:defRPr>
-                <a:solidFill>
-                  <a:srgbClr val="000000"/>
-                </a:solidFill>
-              </a:defRPr>
-            </a:lvl5pPr>
-            <a:lvl6pPr lvl="5">
-              <a:buNone/>
-              <a:defRPr>
-                <a:solidFill>
-                  <a:srgbClr val="000000"/>
-                </a:solidFill>
-              </a:defRPr>
-            </a:lvl6pPr>
-            <a:lvl7pPr lvl="6">
-              <a:buNone/>
-              <a:defRPr>
-                <a:solidFill>
-                  <a:srgbClr val="000000"/>
-                </a:solidFill>
-              </a:defRPr>
-            </a:lvl7pPr>
-            <a:lvl8pPr lvl="7">
-              <a:buNone/>
-              <a:defRPr>
-                <a:solidFill>
-                  <a:srgbClr val="000000"/>
-                </a:solidFill>
-              </a:defRPr>
-            </a:lvl8pPr>
-            <a:lvl9pPr lvl="8">
-              <a:buNone/>
-              <a:defRPr>
-                <a:solidFill>
-                  <a:srgbClr val="000000"/>
-                </a:solidFill>
-              </a:defRPr>
-            </a:lvl9pPr>
-          </a:lstStyle>
-          <a:p>
-            <a:pPr marL="0" lvl="0" indent="0" algn="r" rtl="0">
-              <a:spcBef>
-                <a:spcPts val="0"/>
-              </a:spcBef>
-              <a:spcAft>
-                <a:spcPts val="0"/>
-              </a:spcAft>
-              <a:buNone/>
-            </a:pPr>
-            <a:fld id="{00000000-1234-1234-1234-123412341234}" type="slidenum">
-              <a:rPr lang="en"/>
-              <a:t>‹#›</a:t>
-            </a:fld>
-            <a:endParaRPr/>
-          </a:p>
-        </p:txBody>
-      </p:sp>
-    </p:spTree>
-  </p:cSld>
-  <p:clrMapOvr>
-    <a:masterClrMapping/>
-  </p:clrMapOvr>
-</p:sldLayout>
-</file>
-
-<file path=ppt/slideLayouts/slideLayout11.xml><?xml version="1.0" encoding="utf-8"?>
 <p:sldLayout xmlns:a="http://schemas.openxmlformats.org/drawingml/2006/main" xmlns:r="http://schemas.openxmlformats.org/officeDocument/2006/relationships" xmlns:p="http://schemas.openxmlformats.org/presentationml/2006/main" matchingName="Ayiti Analytics Steamline Theme" type="blank">
   <p:cSld name="BLANK">
     <p:spTree>
@@ -2787,7 +2132,7 @@
 </p:sldLayout>
 </file>
 
-<file path=ppt/slideLayouts/slideLayout12.xml><?xml version="1.0" encoding="utf-8"?>
+<file path=ppt/slideLayouts/slideLayout11.xml><?xml version="1.0" encoding="utf-8"?>
 <p:sldLayout xmlns:a="http://schemas.openxmlformats.org/drawingml/2006/main" xmlns:r="http://schemas.openxmlformats.org/officeDocument/2006/relationships" xmlns:p="http://schemas.openxmlformats.org/presentationml/2006/main" matchingName="Title and Content" type="obj">
   <p:cSld name="OBJECT">
     <p:spTree>
@@ -5778,593 +5123,6 @@
 </file>
 
 <file path=ppt/slideLayouts/slideLayout6.xml><?xml version="1.0" encoding="utf-8"?>
-<p:sldLayout xmlns:a="http://schemas.openxmlformats.org/drawingml/2006/main" xmlns:r="http://schemas.openxmlformats.org/officeDocument/2006/relationships" xmlns:p="http://schemas.openxmlformats.org/presentationml/2006/main" matchingName="One column text">
-  <p:cSld name="ONE_COLUMN_TEXT">
-    <p:spTree>
-      <p:nvGrpSpPr>
-        <p:cNvPr id="1" name="Shape 51"/>
-        <p:cNvGrpSpPr/>
-        <p:nvPr/>
-      </p:nvGrpSpPr>
-      <p:grpSpPr>
-        <a:xfrm>
-          <a:off x="0" y="0"/>
-          <a:ext cx="0" cy="0"/>
-          <a:chOff x="0" y="0"/>
-          <a:chExt cx="0" cy="0"/>
-        </a:xfrm>
-      </p:grpSpPr>
-      <p:sp>
-        <p:nvSpPr>
-          <p:cNvPr id="52" name="Google Shape;52;p7"/>
-          <p:cNvSpPr/>
-          <p:nvPr/>
-        </p:nvSpPr>
-        <p:spPr>
-          <a:xfrm>
-            <a:off x="0" y="4749850"/>
-            <a:ext cx="9144000" cy="393600"/>
-          </a:xfrm>
-          <a:prstGeom prst="rect">
-            <a:avLst/>
-          </a:prstGeom>
-          <a:solidFill>
-            <a:schemeClr val="lt2"/>
-          </a:solidFill>
-          <a:ln>
-            <a:noFill/>
-          </a:ln>
-        </p:spPr>
-        <p:txBody>
-          <a:bodyPr spcFirstLastPara="1" wrap="square" lIns="91425" tIns="91425" rIns="91425" bIns="91425" anchor="ctr" anchorCtr="0">
-            <a:noAutofit/>
-          </a:bodyPr>
-          <a:lstStyle/>
-          <a:p>
-            <a:pPr marL="0" lvl="0" indent="0" algn="l" rtl="0">
-              <a:spcBef>
-                <a:spcPts val="0"/>
-              </a:spcBef>
-              <a:spcAft>
-                <a:spcPts val="0"/>
-              </a:spcAft>
-              <a:buNone/>
-            </a:pPr>
-            <a:endParaRPr/>
-          </a:p>
-        </p:txBody>
-      </p:sp>
-      <p:grpSp>
-        <p:nvGrpSpPr>
-          <p:cNvPr id="53" name="Google Shape;53;p7"/>
-          <p:cNvGrpSpPr/>
-          <p:nvPr/>
-        </p:nvGrpSpPr>
-        <p:grpSpPr>
-          <a:xfrm>
-            <a:off x="802942" y="655806"/>
-            <a:ext cx="745763" cy="45826"/>
-            <a:chOff x="4580561" y="2589004"/>
-            <a:chExt cx="1064464" cy="25200"/>
-          </a:xfrm>
-        </p:grpSpPr>
-        <p:sp>
-          <p:nvSpPr>
-            <p:cNvPr id="54" name="Google Shape;54;p7"/>
-            <p:cNvSpPr/>
-            <p:nvPr/>
-          </p:nvSpPr>
-          <p:spPr>
-            <a:xfrm rot="-5400000">
-              <a:off x="5366325" y="2335504"/>
-              <a:ext cx="25200" cy="532200"/>
-            </a:xfrm>
-            <a:prstGeom prst="rect">
-              <a:avLst/>
-            </a:prstGeom>
-            <a:solidFill>
-              <a:schemeClr val="accent3"/>
-            </a:solidFill>
-            <a:ln>
-              <a:noFill/>
-            </a:ln>
-          </p:spPr>
-          <p:txBody>
-            <a:bodyPr spcFirstLastPara="1" wrap="square" lIns="91425" tIns="91425" rIns="91425" bIns="91425" anchor="ctr" anchorCtr="0">
-              <a:noAutofit/>
-            </a:bodyPr>
-            <a:lstStyle/>
-            <a:p>
-              <a:pPr marL="0" lvl="0" indent="0" algn="l" rtl="0">
-                <a:spcBef>
-                  <a:spcPts val="0"/>
-                </a:spcBef>
-                <a:spcAft>
-                  <a:spcPts val="0"/>
-                </a:spcAft>
-                <a:buNone/>
-              </a:pPr>
-              <a:endParaRPr/>
-            </a:p>
-          </p:txBody>
-        </p:sp>
-        <p:sp>
-          <p:nvSpPr>
-            <p:cNvPr id="55" name="Google Shape;55;p7"/>
-            <p:cNvSpPr/>
-            <p:nvPr/>
-          </p:nvSpPr>
-          <p:spPr>
-            <a:xfrm rot="-5400000">
-              <a:off x="4836311" y="2333254"/>
-              <a:ext cx="25200" cy="536700"/>
-            </a:xfrm>
-            <a:prstGeom prst="rect">
-              <a:avLst/>
-            </a:prstGeom>
-            <a:solidFill>
-              <a:schemeClr val="dk1"/>
-            </a:solidFill>
-            <a:ln>
-              <a:noFill/>
-            </a:ln>
-          </p:spPr>
-          <p:txBody>
-            <a:bodyPr spcFirstLastPara="1" wrap="square" lIns="91425" tIns="91425" rIns="91425" bIns="91425" anchor="ctr" anchorCtr="0">
-              <a:noAutofit/>
-            </a:bodyPr>
-            <a:lstStyle/>
-            <a:p>
-              <a:pPr marL="0" lvl="0" indent="0" algn="l" rtl="0">
-                <a:spcBef>
-                  <a:spcPts val="0"/>
-                </a:spcBef>
-                <a:spcAft>
-                  <a:spcPts val="0"/>
-                </a:spcAft>
-                <a:buNone/>
-              </a:pPr>
-              <a:endParaRPr/>
-            </a:p>
-          </p:txBody>
-        </p:sp>
-      </p:grpSp>
-      <p:sp>
-        <p:nvSpPr>
-          <p:cNvPr id="56" name="Google Shape;56;p7"/>
-          <p:cNvSpPr txBox="1">
-            <a:spLocks noGrp="1"/>
-          </p:cNvSpPr>
-          <p:nvPr>
-            <p:ph type="title"/>
-          </p:nvPr>
-        </p:nvSpPr>
-        <p:spPr>
-          <a:xfrm>
-            <a:off x="702550" y="783200"/>
-            <a:ext cx="3300900" cy="1381500"/>
-          </a:xfrm>
-          <a:prstGeom prst="rect">
-            <a:avLst/>
-          </a:prstGeom>
-        </p:spPr>
-        <p:txBody>
-          <a:bodyPr spcFirstLastPara="1" wrap="square" lIns="91425" tIns="91425" rIns="91425" bIns="91425" anchor="t" anchorCtr="0">
-            <a:noAutofit/>
-          </a:bodyPr>
-          <a:lstStyle>
-            <a:lvl1pPr lvl="0">
-              <a:spcBef>
-                <a:spcPts val="0"/>
-              </a:spcBef>
-              <a:spcAft>
-                <a:spcPts val="0"/>
-              </a:spcAft>
-              <a:buClr>
-                <a:schemeClr val="dk2"/>
-              </a:buClr>
-              <a:buSzPts val="2600"/>
-              <a:buNone/>
-              <a:defRPr sz="2600">
-                <a:solidFill>
-                  <a:schemeClr val="dk2"/>
-                </a:solidFill>
-              </a:defRPr>
-            </a:lvl1pPr>
-            <a:lvl2pPr lvl="1">
-              <a:spcBef>
-                <a:spcPts val="0"/>
-              </a:spcBef>
-              <a:spcAft>
-                <a:spcPts val="0"/>
-              </a:spcAft>
-              <a:buClr>
-                <a:schemeClr val="dk2"/>
-              </a:buClr>
-              <a:buSzPts val="2600"/>
-              <a:buNone/>
-              <a:defRPr sz="2600">
-                <a:solidFill>
-                  <a:schemeClr val="dk2"/>
-                </a:solidFill>
-              </a:defRPr>
-            </a:lvl2pPr>
-            <a:lvl3pPr lvl="2">
-              <a:spcBef>
-                <a:spcPts val="0"/>
-              </a:spcBef>
-              <a:spcAft>
-                <a:spcPts val="0"/>
-              </a:spcAft>
-              <a:buClr>
-                <a:schemeClr val="dk2"/>
-              </a:buClr>
-              <a:buSzPts val="2600"/>
-              <a:buNone/>
-              <a:defRPr sz="2600">
-                <a:solidFill>
-                  <a:schemeClr val="dk2"/>
-                </a:solidFill>
-              </a:defRPr>
-            </a:lvl3pPr>
-            <a:lvl4pPr lvl="3">
-              <a:spcBef>
-                <a:spcPts val="0"/>
-              </a:spcBef>
-              <a:spcAft>
-                <a:spcPts val="0"/>
-              </a:spcAft>
-              <a:buClr>
-                <a:schemeClr val="dk2"/>
-              </a:buClr>
-              <a:buSzPts val="2600"/>
-              <a:buNone/>
-              <a:defRPr sz="2600">
-                <a:solidFill>
-                  <a:schemeClr val="dk2"/>
-                </a:solidFill>
-              </a:defRPr>
-            </a:lvl4pPr>
-            <a:lvl5pPr lvl="4">
-              <a:spcBef>
-                <a:spcPts val="0"/>
-              </a:spcBef>
-              <a:spcAft>
-                <a:spcPts val="0"/>
-              </a:spcAft>
-              <a:buClr>
-                <a:schemeClr val="dk2"/>
-              </a:buClr>
-              <a:buSzPts val="2600"/>
-              <a:buNone/>
-              <a:defRPr sz="2600">
-                <a:solidFill>
-                  <a:schemeClr val="dk2"/>
-                </a:solidFill>
-              </a:defRPr>
-            </a:lvl5pPr>
-            <a:lvl6pPr lvl="5">
-              <a:spcBef>
-                <a:spcPts val="0"/>
-              </a:spcBef>
-              <a:spcAft>
-                <a:spcPts val="0"/>
-              </a:spcAft>
-              <a:buClr>
-                <a:schemeClr val="dk2"/>
-              </a:buClr>
-              <a:buSzPts val="2600"/>
-              <a:buNone/>
-              <a:defRPr sz="2600">
-                <a:solidFill>
-                  <a:schemeClr val="dk2"/>
-                </a:solidFill>
-              </a:defRPr>
-            </a:lvl6pPr>
-            <a:lvl7pPr lvl="6">
-              <a:spcBef>
-                <a:spcPts val="0"/>
-              </a:spcBef>
-              <a:spcAft>
-                <a:spcPts val="0"/>
-              </a:spcAft>
-              <a:buClr>
-                <a:schemeClr val="dk2"/>
-              </a:buClr>
-              <a:buSzPts val="2600"/>
-              <a:buNone/>
-              <a:defRPr sz="2600">
-                <a:solidFill>
-                  <a:schemeClr val="dk2"/>
-                </a:solidFill>
-              </a:defRPr>
-            </a:lvl7pPr>
-            <a:lvl8pPr lvl="7">
-              <a:spcBef>
-                <a:spcPts val="0"/>
-              </a:spcBef>
-              <a:spcAft>
-                <a:spcPts val="0"/>
-              </a:spcAft>
-              <a:buClr>
-                <a:schemeClr val="dk2"/>
-              </a:buClr>
-              <a:buSzPts val="2600"/>
-              <a:buNone/>
-              <a:defRPr sz="2600">
-                <a:solidFill>
-                  <a:schemeClr val="dk2"/>
-                </a:solidFill>
-              </a:defRPr>
-            </a:lvl8pPr>
-            <a:lvl9pPr lvl="8">
-              <a:spcBef>
-                <a:spcPts val="0"/>
-              </a:spcBef>
-              <a:spcAft>
-                <a:spcPts val="0"/>
-              </a:spcAft>
-              <a:buClr>
-                <a:schemeClr val="dk2"/>
-              </a:buClr>
-              <a:buSzPts val="2600"/>
-              <a:buNone/>
-              <a:defRPr sz="2600">
-                <a:solidFill>
-                  <a:schemeClr val="dk2"/>
-                </a:solidFill>
-              </a:defRPr>
-            </a:lvl9pPr>
-          </a:lstStyle>
-          <a:p>
-            <a:endParaRPr/>
-          </a:p>
-        </p:txBody>
-      </p:sp>
-      <p:sp>
-        <p:nvSpPr>
-          <p:cNvPr id="57" name="Google Shape;57;p7"/>
-          <p:cNvSpPr txBox="1">
-            <a:spLocks noGrp="1"/>
-          </p:cNvSpPr>
-          <p:nvPr>
-            <p:ph type="body" idx="1"/>
-          </p:nvPr>
-        </p:nvSpPr>
-        <p:spPr>
-          <a:xfrm>
-            <a:off x="693775" y="2246275"/>
-            <a:ext cx="3300900" cy="1597500"/>
-          </a:xfrm>
-          <a:prstGeom prst="rect">
-            <a:avLst/>
-          </a:prstGeom>
-        </p:spPr>
-        <p:txBody>
-          <a:bodyPr spcFirstLastPara="1" wrap="square" lIns="91425" tIns="91425" rIns="91425" bIns="91425" anchor="t" anchorCtr="0">
-            <a:noAutofit/>
-          </a:bodyPr>
-          <a:lstStyle>
-            <a:lvl1pPr marL="457200" lvl="0" indent="-311150">
-              <a:spcBef>
-                <a:spcPts val="0"/>
-              </a:spcBef>
-              <a:spcAft>
-                <a:spcPts val="0"/>
-              </a:spcAft>
-              <a:buSzPts val="1300"/>
-              <a:buChar char="●"/>
-              <a:defRPr/>
-            </a:lvl1pPr>
-            <a:lvl2pPr marL="914400" lvl="1" indent="-298450">
-              <a:spcBef>
-                <a:spcPts val="1600"/>
-              </a:spcBef>
-              <a:spcAft>
-                <a:spcPts val="0"/>
-              </a:spcAft>
-              <a:buSzPts val="1100"/>
-              <a:buChar char="○"/>
-              <a:defRPr/>
-            </a:lvl2pPr>
-            <a:lvl3pPr marL="1371600" lvl="2" indent="-298450">
-              <a:spcBef>
-                <a:spcPts val="1600"/>
-              </a:spcBef>
-              <a:spcAft>
-                <a:spcPts val="0"/>
-              </a:spcAft>
-              <a:buSzPts val="1100"/>
-              <a:buChar char="■"/>
-              <a:defRPr/>
-            </a:lvl3pPr>
-            <a:lvl4pPr marL="1828800" lvl="3" indent="-298450">
-              <a:spcBef>
-                <a:spcPts val="1600"/>
-              </a:spcBef>
-              <a:spcAft>
-                <a:spcPts val="0"/>
-              </a:spcAft>
-              <a:buSzPts val="1100"/>
-              <a:buChar char="●"/>
-              <a:defRPr/>
-            </a:lvl4pPr>
-            <a:lvl5pPr marL="2286000" lvl="4" indent="-298450">
-              <a:spcBef>
-                <a:spcPts val="1600"/>
-              </a:spcBef>
-              <a:spcAft>
-                <a:spcPts val="0"/>
-              </a:spcAft>
-              <a:buSzPts val="1100"/>
-              <a:buChar char="○"/>
-              <a:defRPr/>
-            </a:lvl5pPr>
-            <a:lvl6pPr marL="2743200" lvl="5" indent="-298450">
-              <a:spcBef>
-                <a:spcPts val="1600"/>
-              </a:spcBef>
-              <a:spcAft>
-                <a:spcPts val="0"/>
-              </a:spcAft>
-              <a:buSzPts val="1100"/>
-              <a:buChar char="■"/>
-              <a:defRPr/>
-            </a:lvl6pPr>
-            <a:lvl7pPr marL="3200400" lvl="6" indent="-298450">
-              <a:spcBef>
-                <a:spcPts val="1600"/>
-              </a:spcBef>
-              <a:spcAft>
-                <a:spcPts val="0"/>
-              </a:spcAft>
-              <a:buSzPts val="1100"/>
-              <a:buChar char="●"/>
-              <a:defRPr/>
-            </a:lvl7pPr>
-            <a:lvl8pPr marL="3657600" lvl="7" indent="-298450">
-              <a:spcBef>
-                <a:spcPts val="1600"/>
-              </a:spcBef>
-              <a:spcAft>
-                <a:spcPts val="0"/>
-              </a:spcAft>
-              <a:buSzPts val="1100"/>
-              <a:buChar char="○"/>
-              <a:defRPr/>
-            </a:lvl8pPr>
-            <a:lvl9pPr marL="4114800" lvl="8" indent="-298450">
-              <a:spcBef>
-                <a:spcPts val="1600"/>
-              </a:spcBef>
-              <a:spcAft>
-                <a:spcPts val="1600"/>
-              </a:spcAft>
-              <a:buSzPts val="1100"/>
-              <a:buChar char="■"/>
-              <a:defRPr/>
-            </a:lvl9pPr>
-          </a:lstStyle>
-          <a:p>
-            <a:endParaRPr/>
-          </a:p>
-        </p:txBody>
-      </p:sp>
-      <p:sp>
-        <p:nvSpPr>
-          <p:cNvPr id="58" name="Google Shape;58;p7"/>
-          <p:cNvSpPr txBox="1">
-            <a:spLocks noGrp="1"/>
-          </p:cNvSpPr>
-          <p:nvPr>
-            <p:ph type="sldNum" idx="12"/>
-          </p:nvPr>
-        </p:nvSpPr>
-        <p:spPr>
-          <a:xfrm>
-            <a:off x="8536302" y="4749851"/>
-            <a:ext cx="548700" cy="393600"/>
-          </a:xfrm>
-          <a:prstGeom prst="rect">
-            <a:avLst/>
-          </a:prstGeom>
-        </p:spPr>
-        <p:txBody>
-          <a:bodyPr spcFirstLastPara="1" wrap="square" lIns="91425" tIns="91425" rIns="91425" bIns="91425" anchor="ctr" anchorCtr="0">
-            <a:noAutofit/>
-          </a:bodyPr>
-          <a:lstStyle>
-            <a:lvl1pPr lvl="0">
-              <a:buNone/>
-              <a:defRPr/>
-            </a:lvl1pPr>
-            <a:lvl2pPr lvl="1">
-              <a:buNone/>
-              <a:defRPr/>
-            </a:lvl2pPr>
-            <a:lvl3pPr lvl="2">
-              <a:buNone/>
-              <a:defRPr/>
-            </a:lvl3pPr>
-            <a:lvl4pPr lvl="3">
-              <a:buNone/>
-              <a:defRPr/>
-            </a:lvl4pPr>
-            <a:lvl5pPr lvl="4">
-              <a:buNone/>
-              <a:defRPr/>
-            </a:lvl5pPr>
-            <a:lvl6pPr lvl="5">
-              <a:buNone/>
-              <a:defRPr/>
-            </a:lvl6pPr>
-            <a:lvl7pPr lvl="6">
-              <a:buNone/>
-              <a:defRPr/>
-            </a:lvl7pPr>
-            <a:lvl8pPr lvl="7">
-              <a:buNone/>
-              <a:defRPr/>
-            </a:lvl8pPr>
-            <a:lvl9pPr lvl="8">
-              <a:buNone/>
-              <a:defRPr/>
-            </a:lvl9pPr>
-          </a:lstStyle>
-          <a:p>
-            <a:pPr marL="0" lvl="0" indent="0" algn="r" rtl="0">
-              <a:spcBef>
-                <a:spcPts val="0"/>
-              </a:spcBef>
-              <a:spcAft>
-                <a:spcPts val="0"/>
-              </a:spcAft>
-              <a:buNone/>
-            </a:pPr>
-            <a:fld id="{00000000-1234-1234-1234-123412341234}" type="slidenum">
-              <a:rPr lang="en"/>
-              <a:t>‹#›</a:t>
-            </a:fld>
-            <a:endParaRPr/>
-          </a:p>
-        </p:txBody>
-      </p:sp>
-      <p:pic>
-        <p:nvPicPr>
-          <p:cNvPr id="59" name="Google Shape;59;p7"/>
-          <p:cNvPicPr preferRelativeResize="0"/>
-          <p:nvPr/>
-        </p:nvPicPr>
-        <p:blipFill rotWithShape="1">
-          <a:blip r:embed="rId2">
-            <a:alphaModFix/>
-          </a:blip>
-          <a:srcRect l="16874" t="31678" r="16874" b="31682"/>
-          <a:stretch/>
-        </p:blipFill>
-        <p:spPr>
-          <a:xfrm>
-            <a:off x="748725" y="4749850"/>
-            <a:ext cx="711703" cy="393600"/>
-          </a:xfrm>
-          <a:prstGeom prst="rect">
-            <a:avLst/>
-          </a:prstGeom>
-          <a:noFill/>
-          <a:ln>
-            <a:noFill/>
-          </a:ln>
-        </p:spPr>
-      </p:pic>
-    </p:spTree>
-  </p:cSld>
-  <p:clrMapOvr>
-    <a:masterClrMapping/>
-  </p:clrMapOvr>
-</p:sldLayout>
-</file>
-
-<file path=ppt/slideLayouts/slideLayout7.xml><?xml version="1.0" encoding="utf-8"?>
 <p:sldLayout xmlns:a="http://schemas.openxmlformats.org/drawingml/2006/main" xmlns:r="http://schemas.openxmlformats.org/officeDocument/2006/relationships" xmlns:p="http://schemas.openxmlformats.org/presentationml/2006/main" matchingName="Main point">
   <p:cSld name="MAIN_POINT">
     <p:bg>
@@ -6866,7 +5624,7 @@
 </p:sldLayout>
 </file>
 
-<file path=ppt/slideLayouts/slideLayout8.xml><?xml version="1.0" encoding="utf-8"?>
+<file path=ppt/slideLayouts/slideLayout7.xml><?xml version="1.0" encoding="utf-8"?>
 <p:sldLayout xmlns:a="http://schemas.openxmlformats.org/drawingml/2006/main" xmlns:r="http://schemas.openxmlformats.org/officeDocument/2006/relationships" xmlns:p="http://schemas.openxmlformats.org/presentationml/2006/main" matchingName="Section title and description">
   <p:cSld name="SECTION_TITLE_AND_DESCRIPTION">
     <p:spTree>
@@ -7609,7 +6367,7 @@
 </p:sldLayout>
 </file>
 
-<file path=ppt/slideLayouts/slideLayout9.xml><?xml version="1.0" encoding="utf-8"?>
+<file path=ppt/slideLayouts/slideLayout8.xml><?xml version="1.0" encoding="utf-8"?>
 <p:sldLayout xmlns:a="http://schemas.openxmlformats.org/drawingml/2006/main" xmlns:r="http://schemas.openxmlformats.org/officeDocument/2006/relationships" xmlns:p="http://schemas.openxmlformats.org/presentationml/2006/main" matchingName="Caption">
   <p:cSld name="CAPTION_ONLY">
     <p:spTree>
@@ -7776,6 +6534,702 @@
           </a:ln>
         </p:spPr>
       </p:pic>
+    </p:spTree>
+  </p:cSld>
+  <p:clrMapOvr>
+    <a:masterClrMapping/>
+  </p:clrMapOvr>
+</p:sldLayout>
+</file>
+
+<file path=ppt/slideLayouts/slideLayout9.xml><?xml version="1.0" encoding="utf-8"?>
+<p:sldLayout xmlns:a="http://schemas.openxmlformats.org/drawingml/2006/main" xmlns:r="http://schemas.openxmlformats.org/officeDocument/2006/relationships" xmlns:p="http://schemas.openxmlformats.org/presentationml/2006/main" matchingName="Big number">
+  <p:cSld name="BIG_NUMBER">
+    <p:bg>
+      <p:bgPr>
+        <a:solidFill>
+          <a:schemeClr val="dk1"/>
+        </a:solidFill>
+        <a:effectLst/>
+      </p:bgPr>
+    </p:bg>
+    <p:spTree>
+      <p:nvGrpSpPr>
+        <p:cNvPr id="1" name="Shape 82"/>
+        <p:cNvGrpSpPr/>
+        <p:nvPr/>
+      </p:nvGrpSpPr>
+      <p:grpSpPr>
+        <a:xfrm>
+          <a:off x="0" y="0"/>
+          <a:ext cx="0" cy="0"/>
+          <a:chOff x="0" y="0"/>
+          <a:chExt cx="0" cy="0"/>
+        </a:xfrm>
+      </p:grpSpPr>
+      <p:sp>
+        <p:nvSpPr>
+          <p:cNvPr id="83" name="Google Shape;83;p11"/>
+          <p:cNvSpPr/>
+          <p:nvPr/>
+        </p:nvSpPr>
+        <p:spPr>
+          <a:xfrm>
+            <a:off x="1650" y="4749880"/>
+            <a:ext cx="9144000" cy="393600"/>
+          </a:xfrm>
+          <a:prstGeom prst="rect">
+            <a:avLst/>
+          </a:prstGeom>
+          <a:solidFill>
+            <a:schemeClr val="lt1"/>
+          </a:solidFill>
+          <a:ln>
+            <a:noFill/>
+          </a:ln>
+        </p:spPr>
+        <p:txBody>
+          <a:bodyPr spcFirstLastPara="1" wrap="square" lIns="91425" tIns="91425" rIns="91425" bIns="91425" anchor="ctr" anchorCtr="0">
+            <a:noAutofit/>
+          </a:bodyPr>
+          <a:lstStyle/>
+          <a:p>
+            <a:pPr marL="0" lvl="0" indent="0" algn="l" rtl="0">
+              <a:spcBef>
+                <a:spcPts val="0"/>
+              </a:spcBef>
+              <a:spcAft>
+                <a:spcPts val="0"/>
+              </a:spcAft>
+              <a:buNone/>
+            </a:pPr>
+            <a:endParaRPr/>
+          </a:p>
+        </p:txBody>
+      </p:sp>
+      <p:pic>
+        <p:nvPicPr>
+          <p:cNvPr id="84" name="Google Shape;84;p11"/>
+          <p:cNvPicPr preferRelativeResize="0"/>
+          <p:nvPr/>
+        </p:nvPicPr>
+        <p:blipFill rotWithShape="1">
+          <a:blip r:embed="rId2">
+            <a:alphaModFix/>
+          </a:blip>
+          <a:srcRect l="16874" t="31678" r="16874" b="31682"/>
+          <a:stretch/>
+        </p:blipFill>
+        <p:spPr>
+          <a:xfrm>
+            <a:off x="748725" y="4749850"/>
+            <a:ext cx="711703" cy="393600"/>
+          </a:xfrm>
+          <a:prstGeom prst="rect">
+            <a:avLst/>
+          </a:prstGeom>
+          <a:noFill/>
+          <a:ln>
+            <a:noFill/>
+          </a:ln>
+        </p:spPr>
+      </p:pic>
+      <p:grpSp>
+        <p:nvGrpSpPr>
+          <p:cNvPr id="85" name="Google Shape;85;p11"/>
+          <p:cNvGrpSpPr/>
+          <p:nvPr/>
+        </p:nvGrpSpPr>
+        <p:grpSpPr>
+          <a:xfrm>
+            <a:off x="830392" y="4169130"/>
+            <a:ext cx="745763" cy="45826"/>
+            <a:chOff x="4580561" y="2589004"/>
+            <a:chExt cx="1064464" cy="25200"/>
+          </a:xfrm>
+        </p:grpSpPr>
+        <p:sp>
+          <p:nvSpPr>
+            <p:cNvPr id="86" name="Google Shape;86;p11"/>
+            <p:cNvSpPr/>
+            <p:nvPr/>
+          </p:nvSpPr>
+          <p:spPr>
+            <a:xfrm rot="-5400000">
+              <a:off x="5366325" y="2335504"/>
+              <a:ext cx="25200" cy="532200"/>
+            </a:xfrm>
+            <a:prstGeom prst="rect">
+              <a:avLst/>
+            </a:prstGeom>
+            <a:solidFill>
+              <a:schemeClr val="lt1"/>
+            </a:solidFill>
+            <a:ln>
+              <a:noFill/>
+            </a:ln>
+          </p:spPr>
+          <p:txBody>
+            <a:bodyPr spcFirstLastPara="1" wrap="square" lIns="91425" tIns="91425" rIns="91425" bIns="91425" anchor="ctr" anchorCtr="0">
+              <a:noAutofit/>
+            </a:bodyPr>
+            <a:lstStyle/>
+            <a:p>
+              <a:pPr marL="0" lvl="0" indent="0" algn="l" rtl="0">
+                <a:spcBef>
+                  <a:spcPts val="0"/>
+                </a:spcBef>
+                <a:spcAft>
+                  <a:spcPts val="0"/>
+                </a:spcAft>
+                <a:buNone/>
+              </a:pPr>
+              <a:endParaRPr/>
+            </a:p>
+          </p:txBody>
+        </p:sp>
+        <p:sp>
+          <p:nvSpPr>
+            <p:cNvPr id="87" name="Google Shape;87;p11"/>
+            <p:cNvSpPr/>
+            <p:nvPr/>
+          </p:nvSpPr>
+          <p:spPr>
+            <a:xfrm rot="-5400000">
+              <a:off x="4836311" y="2333254"/>
+              <a:ext cx="25200" cy="536700"/>
+            </a:xfrm>
+            <a:prstGeom prst="rect">
+              <a:avLst/>
+            </a:prstGeom>
+            <a:solidFill>
+              <a:schemeClr val="lt1"/>
+            </a:solidFill>
+            <a:ln>
+              <a:noFill/>
+            </a:ln>
+          </p:spPr>
+          <p:txBody>
+            <a:bodyPr spcFirstLastPara="1" wrap="square" lIns="91425" tIns="91425" rIns="91425" bIns="91425" anchor="ctr" anchorCtr="0">
+              <a:noAutofit/>
+            </a:bodyPr>
+            <a:lstStyle/>
+            <a:p>
+              <a:pPr marL="0" lvl="0" indent="0" algn="l" rtl="0">
+                <a:spcBef>
+                  <a:spcPts val="0"/>
+                </a:spcBef>
+                <a:spcAft>
+                  <a:spcPts val="0"/>
+                </a:spcAft>
+                <a:buNone/>
+              </a:pPr>
+              <a:endParaRPr/>
+            </a:p>
+          </p:txBody>
+        </p:sp>
+      </p:grpSp>
+      <p:sp>
+        <p:nvSpPr>
+          <p:cNvPr id="88" name="Google Shape;88;p11"/>
+          <p:cNvSpPr txBox="1">
+            <a:spLocks noGrp="1"/>
+          </p:cNvSpPr>
+          <p:nvPr>
+            <p:ph type="title" hasCustomPrompt="1"/>
+          </p:nvPr>
+        </p:nvSpPr>
+        <p:spPr>
+          <a:xfrm>
+            <a:off x="729450" y="733950"/>
+            <a:ext cx="7688400" cy="1244700"/>
+          </a:xfrm>
+          <a:prstGeom prst="rect">
+            <a:avLst/>
+          </a:prstGeom>
+        </p:spPr>
+        <p:txBody>
+          <a:bodyPr spcFirstLastPara="1" wrap="square" lIns="91425" tIns="91425" rIns="91425" bIns="91425" anchor="t" anchorCtr="0">
+            <a:noAutofit/>
+          </a:bodyPr>
+          <a:lstStyle>
+            <a:lvl1pPr lvl="0">
+              <a:spcBef>
+                <a:spcPts val="0"/>
+              </a:spcBef>
+              <a:spcAft>
+                <a:spcPts val="0"/>
+              </a:spcAft>
+              <a:buClr>
+                <a:schemeClr val="lt1"/>
+              </a:buClr>
+              <a:buSzPts val="8000"/>
+              <a:buNone/>
+              <a:defRPr sz="8000">
+                <a:solidFill>
+                  <a:schemeClr val="lt1"/>
+                </a:solidFill>
+              </a:defRPr>
+            </a:lvl1pPr>
+            <a:lvl2pPr lvl="1">
+              <a:spcBef>
+                <a:spcPts val="0"/>
+              </a:spcBef>
+              <a:spcAft>
+                <a:spcPts val="0"/>
+              </a:spcAft>
+              <a:buClr>
+                <a:schemeClr val="lt1"/>
+              </a:buClr>
+              <a:buSzPts val="8000"/>
+              <a:buNone/>
+              <a:defRPr sz="8000">
+                <a:solidFill>
+                  <a:schemeClr val="lt1"/>
+                </a:solidFill>
+              </a:defRPr>
+            </a:lvl2pPr>
+            <a:lvl3pPr lvl="2">
+              <a:spcBef>
+                <a:spcPts val="0"/>
+              </a:spcBef>
+              <a:spcAft>
+                <a:spcPts val="0"/>
+              </a:spcAft>
+              <a:buClr>
+                <a:schemeClr val="lt1"/>
+              </a:buClr>
+              <a:buSzPts val="8000"/>
+              <a:buNone/>
+              <a:defRPr sz="8000">
+                <a:solidFill>
+                  <a:schemeClr val="lt1"/>
+                </a:solidFill>
+              </a:defRPr>
+            </a:lvl3pPr>
+            <a:lvl4pPr lvl="3">
+              <a:spcBef>
+                <a:spcPts val="0"/>
+              </a:spcBef>
+              <a:spcAft>
+                <a:spcPts val="0"/>
+              </a:spcAft>
+              <a:buClr>
+                <a:schemeClr val="lt1"/>
+              </a:buClr>
+              <a:buSzPts val="8000"/>
+              <a:buNone/>
+              <a:defRPr sz="8000">
+                <a:solidFill>
+                  <a:schemeClr val="lt1"/>
+                </a:solidFill>
+              </a:defRPr>
+            </a:lvl4pPr>
+            <a:lvl5pPr lvl="4">
+              <a:spcBef>
+                <a:spcPts val="0"/>
+              </a:spcBef>
+              <a:spcAft>
+                <a:spcPts val="0"/>
+              </a:spcAft>
+              <a:buClr>
+                <a:schemeClr val="lt1"/>
+              </a:buClr>
+              <a:buSzPts val="8000"/>
+              <a:buNone/>
+              <a:defRPr sz="8000">
+                <a:solidFill>
+                  <a:schemeClr val="lt1"/>
+                </a:solidFill>
+              </a:defRPr>
+            </a:lvl5pPr>
+            <a:lvl6pPr lvl="5">
+              <a:spcBef>
+                <a:spcPts val="0"/>
+              </a:spcBef>
+              <a:spcAft>
+                <a:spcPts val="0"/>
+              </a:spcAft>
+              <a:buClr>
+                <a:schemeClr val="lt1"/>
+              </a:buClr>
+              <a:buSzPts val="8000"/>
+              <a:buNone/>
+              <a:defRPr sz="8000">
+                <a:solidFill>
+                  <a:schemeClr val="lt1"/>
+                </a:solidFill>
+              </a:defRPr>
+            </a:lvl6pPr>
+            <a:lvl7pPr lvl="6">
+              <a:spcBef>
+                <a:spcPts val="0"/>
+              </a:spcBef>
+              <a:spcAft>
+                <a:spcPts val="0"/>
+              </a:spcAft>
+              <a:buClr>
+                <a:schemeClr val="lt1"/>
+              </a:buClr>
+              <a:buSzPts val="8000"/>
+              <a:buNone/>
+              <a:defRPr sz="8000">
+                <a:solidFill>
+                  <a:schemeClr val="lt1"/>
+                </a:solidFill>
+              </a:defRPr>
+            </a:lvl7pPr>
+            <a:lvl8pPr lvl="7">
+              <a:spcBef>
+                <a:spcPts val="0"/>
+              </a:spcBef>
+              <a:spcAft>
+                <a:spcPts val="0"/>
+              </a:spcAft>
+              <a:buClr>
+                <a:schemeClr val="lt1"/>
+              </a:buClr>
+              <a:buSzPts val="8000"/>
+              <a:buNone/>
+              <a:defRPr sz="8000">
+                <a:solidFill>
+                  <a:schemeClr val="lt1"/>
+                </a:solidFill>
+              </a:defRPr>
+            </a:lvl8pPr>
+            <a:lvl9pPr lvl="8">
+              <a:spcBef>
+                <a:spcPts val="0"/>
+              </a:spcBef>
+              <a:spcAft>
+                <a:spcPts val="0"/>
+              </a:spcAft>
+              <a:buClr>
+                <a:schemeClr val="lt1"/>
+              </a:buClr>
+              <a:buSzPts val="8000"/>
+              <a:buNone/>
+              <a:defRPr sz="8000">
+                <a:solidFill>
+                  <a:schemeClr val="lt1"/>
+                </a:solidFill>
+              </a:defRPr>
+            </a:lvl9pPr>
+          </a:lstStyle>
+          <a:p>
+            <a:r>
+              <a:t>xx%</a:t>
+            </a:r>
+          </a:p>
+        </p:txBody>
+      </p:sp>
+      <p:sp>
+        <p:nvSpPr>
+          <p:cNvPr id="89" name="Google Shape;89;p11"/>
+          <p:cNvSpPr txBox="1">
+            <a:spLocks noGrp="1"/>
+          </p:cNvSpPr>
+          <p:nvPr>
+            <p:ph type="body" idx="1"/>
+          </p:nvPr>
+        </p:nvSpPr>
+        <p:spPr>
+          <a:xfrm>
+            <a:off x="729450" y="2272888"/>
+            <a:ext cx="7688400" cy="1580400"/>
+          </a:xfrm>
+          <a:prstGeom prst="rect">
+            <a:avLst/>
+          </a:prstGeom>
+        </p:spPr>
+        <p:txBody>
+          <a:bodyPr spcFirstLastPara="1" wrap="square" lIns="91425" tIns="91425" rIns="91425" bIns="91425" anchor="t" anchorCtr="0">
+            <a:noAutofit/>
+          </a:bodyPr>
+          <a:lstStyle>
+            <a:lvl1pPr marL="457200" lvl="0" indent="-311150">
+              <a:spcBef>
+                <a:spcPts val="0"/>
+              </a:spcBef>
+              <a:spcAft>
+                <a:spcPts val="0"/>
+              </a:spcAft>
+              <a:buClr>
+                <a:schemeClr val="lt1"/>
+              </a:buClr>
+              <a:buSzPts val="1300"/>
+              <a:buChar char="●"/>
+              <a:defRPr>
+                <a:solidFill>
+                  <a:schemeClr val="lt1"/>
+                </a:solidFill>
+              </a:defRPr>
+            </a:lvl1pPr>
+            <a:lvl2pPr marL="914400" lvl="1" indent="-298450">
+              <a:spcBef>
+                <a:spcPts val="1600"/>
+              </a:spcBef>
+              <a:spcAft>
+                <a:spcPts val="0"/>
+              </a:spcAft>
+              <a:buClr>
+                <a:schemeClr val="lt1"/>
+              </a:buClr>
+              <a:buSzPts val="1100"/>
+              <a:buChar char="○"/>
+              <a:defRPr>
+                <a:solidFill>
+                  <a:schemeClr val="lt1"/>
+                </a:solidFill>
+              </a:defRPr>
+            </a:lvl2pPr>
+            <a:lvl3pPr marL="1371600" lvl="2" indent="-298450">
+              <a:spcBef>
+                <a:spcPts val="1600"/>
+              </a:spcBef>
+              <a:spcAft>
+                <a:spcPts val="0"/>
+              </a:spcAft>
+              <a:buClr>
+                <a:schemeClr val="lt1"/>
+              </a:buClr>
+              <a:buSzPts val="1100"/>
+              <a:buChar char="■"/>
+              <a:defRPr>
+                <a:solidFill>
+                  <a:schemeClr val="lt1"/>
+                </a:solidFill>
+              </a:defRPr>
+            </a:lvl3pPr>
+            <a:lvl4pPr marL="1828800" lvl="3" indent="-298450">
+              <a:spcBef>
+                <a:spcPts val="1600"/>
+              </a:spcBef>
+              <a:spcAft>
+                <a:spcPts val="0"/>
+              </a:spcAft>
+              <a:buClr>
+                <a:schemeClr val="lt1"/>
+              </a:buClr>
+              <a:buSzPts val="1100"/>
+              <a:buChar char="●"/>
+              <a:defRPr>
+                <a:solidFill>
+                  <a:schemeClr val="lt1"/>
+                </a:solidFill>
+              </a:defRPr>
+            </a:lvl4pPr>
+            <a:lvl5pPr marL="2286000" lvl="4" indent="-298450">
+              <a:spcBef>
+                <a:spcPts val="1600"/>
+              </a:spcBef>
+              <a:spcAft>
+                <a:spcPts val="0"/>
+              </a:spcAft>
+              <a:buClr>
+                <a:schemeClr val="lt1"/>
+              </a:buClr>
+              <a:buSzPts val="1100"/>
+              <a:buChar char="○"/>
+              <a:defRPr>
+                <a:solidFill>
+                  <a:schemeClr val="lt1"/>
+                </a:solidFill>
+              </a:defRPr>
+            </a:lvl5pPr>
+            <a:lvl6pPr marL="2743200" lvl="5" indent="-298450">
+              <a:spcBef>
+                <a:spcPts val="1600"/>
+              </a:spcBef>
+              <a:spcAft>
+                <a:spcPts val="0"/>
+              </a:spcAft>
+              <a:buClr>
+                <a:schemeClr val="lt1"/>
+              </a:buClr>
+              <a:buSzPts val="1100"/>
+              <a:buChar char="■"/>
+              <a:defRPr>
+                <a:solidFill>
+                  <a:schemeClr val="lt1"/>
+                </a:solidFill>
+              </a:defRPr>
+            </a:lvl6pPr>
+            <a:lvl7pPr marL="3200400" lvl="6" indent="-298450">
+              <a:spcBef>
+                <a:spcPts val="1600"/>
+              </a:spcBef>
+              <a:spcAft>
+                <a:spcPts val="0"/>
+              </a:spcAft>
+              <a:buClr>
+                <a:schemeClr val="lt1"/>
+              </a:buClr>
+              <a:buSzPts val="1100"/>
+              <a:buChar char="●"/>
+              <a:defRPr>
+                <a:solidFill>
+                  <a:schemeClr val="lt1"/>
+                </a:solidFill>
+              </a:defRPr>
+            </a:lvl7pPr>
+            <a:lvl8pPr marL="3657600" lvl="7" indent="-298450">
+              <a:spcBef>
+                <a:spcPts val="1600"/>
+              </a:spcBef>
+              <a:spcAft>
+                <a:spcPts val="0"/>
+              </a:spcAft>
+              <a:buClr>
+                <a:schemeClr val="lt1"/>
+              </a:buClr>
+              <a:buSzPts val="1100"/>
+              <a:buChar char="○"/>
+              <a:defRPr>
+                <a:solidFill>
+                  <a:schemeClr val="lt1"/>
+                </a:solidFill>
+              </a:defRPr>
+            </a:lvl8pPr>
+            <a:lvl9pPr marL="4114800" lvl="8" indent="-298450">
+              <a:spcBef>
+                <a:spcPts val="1600"/>
+              </a:spcBef>
+              <a:spcAft>
+                <a:spcPts val="1600"/>
+              </a:spcAft>
+              <a:buClr>
+                <a:schemeClr val="lt1"/>
+              </a:buClr>
+              <a:buSzPts val="1100"/>
+              <a:buChar char="■"/>
+              <a:defRPr>
+                <a:solidFill>
+                  <a:schemeClr val="lt1"/>
+                </a:solidFill>
+              </a:defRPr>
+            </a:lvl9pPr>
+          </a:lstStyle>
+          <a:p>
+            <a:endParaRPr/>
+          </a:p>
+        </p:txBody>
+      </p:sp>
+      <p:sp>
+        <p:nvSpPr>
+          <p:cNvPr id="90" name="Google Shape;90;p11"/>
+          <p:cNvSpPr txBox="1">
+            <a:spLocks noGrp="1"/>
+          </p:cNvSpPr>
+          <p:nvPr>
+            <p:ph type="sldNum" idx="12"/>
+          </p:nvPr>
+        </p:nvSpPr>
+        <p:spPr>
+          <a:xfrm>
+            <a:off x="8536302" y="4749851"/>
+            <a:ext cx="548700" cy="393600"/>
+          </a:xfrm>
+          <a:prstGeom prst="rect">
+            <a:avLst/>
+          </a:prstGeom>
+        </p:spPr>
+        <p:txBody>
+          <a:bodyPr spcFirstLastPara="1" wrap="square" lIns="91425" tIns="91425" rIns="91425" bIns="91425" anchor="ctr" anchorCtr="0">
+            <a:noAutofit/>
+          </a:bodyPr>
+          <a:lstStyle>
+            <a:lvl1pPr lvl="0">
+              <a:buNone/>
+              <a:defRPr>
+                <a:solidFill>
+                  <a:srgbClr val="000000"/>
+                </a:solidFill>
+              </a:defRPr>
+            </a:lvl1pPr>
+            <a:lvl2pPr lvl="1">
+              <a:buNone/>
+              <a:defRPr>
+                <a:solidFill>
+                  <a:srgbClr val="000000"/>
+                </a:solidFill>
+              </a:defRPr>
+            </a:lvl2pPr>
+            <a:lvl3pPr lvl="2">
+              <a:buNone/>
+              <a:defRPr>
+                <a:solidFill>
+                  <a:srgbClr val="000000"/>
+                </a:solidFill>
+              </a:defRPr>
+            </a:lvl3pPr>
+            <a:lvl4pPr lvl="3">
+              <a:buNone/>
+              <a:defRPr>
+                <a:solidFill>
+                  <a:srgbClr val="000000"/>
+                </a:solidFill>
+              </a:defRPr>
+            </a:lvl4pPr>
+            <a:lvl5pPr lvl="4">
+              <a:buNone/>
+              <a:defRPr>
+                <a:solidFill>
+                  <a:srgbClr val="000000"/>
+                </a:solidFill>
+              </a:defRPr>
+            </a:lvl5pPr>
+            <a:lvl6pPr lvl="5">
+              <a:buNone/>
+              <a:defRPr>
+                <a:solidFill>
+                  <a:srgbClr val="000000"/>
+                </a:solidFill>
+              </a:defRPr>
+            </a:lvl6pPr>
+            <a:lvl7pPr lvl="6">
+              <a:buNone/>
+              <a:defRPr>
+                <a:solidFill>
+                  <a:srgbClr val="000000"/>
+                </a:solidFill>
+              </a:defRPr>
+            </a:lvl7pPr>
+            <a:lvl8pPr lvl="7">
+              <a:buNone/>
+              <a:defRPr>
+                <a:solidFill>
+                  <a:srgbClr val="000000"/>
+                </a:solidFill>
+              </a:defRPr>
+            </a:lvl8pPr>
+            <a:lvl9pPr lvl="8">
+              <a:buNone/>
+              <a:defRPr>
+                <a:solidFill>
+                  <a:srgbClr val="000000"/>
+                </a:solidFill>
+              </a:defRPr>
+            </a:lvl9pPr>
+          </a:lstStyle>
+          <a:p>
+            <a:pPr marL="0" lvl="0" indent="0" algn="r" rtl="0">
+              <a:spcBef>
+                <a:spcPts val="0"/>
+              </a:spcBef>
+              <a:spcAft>
+                <a:spcPts val="0"/>
+              </a:spcAft>
+              <a:buNone/>
+            </a:pPr>
+            <a:fld id="{00000000-1234-1234-1234-123412341234}" type="slidenum">
+              <a:rPr lang="en"/>
+              <a:t>‹#›</a:t>
+            </a:fld>
+            <a:endParaRPr/>
+          </a:p>
+        </p:txBody>
+      </p:sp>
     </p:spTree>
   </p:cSld>
   <p:clrMapOvr>
@@ -8428,13 +7882,12 @@
     <p:sldLayoutId id="2147483650" r:id="rId3"/>
     <p:sldLayoutId id="2147483651" r:id="rId4"/>
     <p:sldLayoutId id="2147483652" r:id="rId5"/>
-    <p:sldLayoutId id="2147483653" r:id="rId6"/>
-    <p:sldLayoutId id="2147483654" r:id="rId7"/>
-    <p:sldLayoutId id="2147483655" r:id="rId8"/>
-    <p:sldLayoutId id="2147483656" r:id="rId9"/>
-    <p:sldLayoutId id="2147483657" r:id="rId10"/>
-    <p:sldLayoutId id="2147483658" r:id="rId11"/>
-    <p:sldLayoutId id="2147483659" r:id="rId12"/>
+    <p:sldLayoutId id="2147483654" r:id="rId6"/>
+    <p:sldLayoutId id="2147483655" r:id="rId7"/>
+    <p:sldLayoutId id="2147483656" r:id="rId8"/>
+    <p:sldLayoutId id="2147483657" r:id="rId9"/>
+    <p:sldLayoutId id="2147483658" r:id="rId10"/>
+    <p:sldLayoutId id="2147483659" r:id="rId11"/>
   </p:sldLayoutIdLst>
   <p:hf sldNum="0" hdr="0" ftr="0" dt="0"/>
   <p:txStyles>
@@ -9171,67 +8624,36 @@
           </a:bodyPr>
           <a:lstStyle/>
           <a:p>
-            <a:pPr marL="0" lvl="0" indent="0" algn="just" rtl="0">
-              <a:spcBef>
-                <a:spcPts val="0"/>
-              </a:spcBef>
-              <a:spcAft>
-                <a:spcPts val="0"/>
-              </a:spcAft>
-              <a:buNone/>
-            </a:pPr>
+            <a:pPr lvl="0"/>
             <a:r>
               <a:rPr lang="en-US" dirty="0" smtClean="0">
                 <a:latin typeface="Andalus" panose="02020603050405020304" pitchFamily="18" charset="-78"/>
-                <a:ea typeface="Tahoma" panose="020B0604030504040204" pitchFamily="34" charset="0"/>
+                <a:ea typeface="Encode Sans SemiBold"/>
+                <a:cs typeface="Andalus" panose="02020603050405020304" pitchFamily="18" charset="-78"/>
+                <a:sym typeface="Encode Sans SemiBold"/>
+              </a:rPr>
+              <a:t>BI-Project</a:t>
+            </a:r>
+            <a:br>
+              <a:rPr lang="en-US" dirty="0" smtClean="0">
+                <a:latin typeface="Andalus" panose="02020603050405020304" pitchFamily="18" charset="-78"/>
+                <a:ea typeface="Encode Sans SemiBold"/>
+                <a:cs typeface="Andalus" panose="02020603050405020304" pitchFamily="18" charset="-78"/>
+                <a:sym typeface="Encode Sans SemiBold"/>
+              </a:rPr>
+            </a:br>
+            <a:r>
+              <a:rPr lang="en-US" dirty="0" smtClean="0">
+                <a:latin typeface="Andalus" panose="02020603050405020304" pitchFamily="18" charset="-78"/>
                 <a:cs typeface="Andalus" panose="02020603050405020304" pitchFamily="18" charset="-78"/>
               </a:rPr>
-              <a:t>Vanessa</a:t>
-            </a:r>
-            <a:r>
-              <a:rPr lang="en-US" dirty="0" smtClean="0">
-                <a:latin typeface="Tahoma" panose="020B0604030504040204" pitchFamily="34" charset="0"/>
-                <a:ea typeface="Tahoma" panose="020B0604030504040204" pitchFamily="34" charset="0"/>
-                <a:cs typeface="Tahoma" panose="020B0604030504040204" pitchFamily="34" charset="0"/>
-              </a:rPr>
-              <a:t/>
-            </a:r>
-            <a:br>
-              <a:rPr lang="en-US" dirty="0" smtClean="0">
-                <a:latin typeface="Tahoma" panose="020B0604030504040204" pitchFamily="34" charset="0"/>
-                <a:ea typeface="Tahoma" panose="020B0604030504040204" pitchFamily="34" charset="0"/>
-                <a:cs typeface="Tahoma" panose="020B0604030504040204" pitchFamily="34" charset="0"/>
-              </a:rPr>
-            </a:br>
-            <a:r>
-              <a:rPr lang="en-US" dirty="0" smtClean="0">
-                <a:latin typeface="Andalus" panose="02020603050405020304" pitchFamily="18" charset="-78"/>
-                <a:ea typeface="Tahoma" panose="020B0604030504040204" pitchFamily="34" charset="0"/>
-                <a:cs typeface="Andalus" panose="02020603050405020304" pitchFamily="18" charset="-78"/>
-              </a:rPr>
-              <a:t>CHARLES</a:t>
-            </a:r>
-            <a:endParaRPr dirty="0" smtClean="0">
+              <a:t>Customer Churn Analysis</a:t>
+            </a:r>
+            <a:endParaRPr lang="en-US" dirty="0">
               <a:latin typeface="Andalus" panose="02020603050405020304" pitchFamily="18" charset="-78"/>
-              <a:ea typeface="Tahoma" panose="020B0604030504040204" pitchFamily="34" charset="0"/>
+              <a:ea typeface="Encode Sans SemiBold"/>
               <a:cs typeface="Andalus" panose="02020603050405020304" pitchFamily="18" charset="-78"/>
-            </a:endParaRPr>
-          </a:p>
-          <a:p>
-            <a:pPr marL="0" lvl="0" indent="0" algn="r" rtl="0">
-              <a:spcBef>
-                <a:spcPts val="0"/>
-              </a:spcBef>
-              <a:spcAft>
-                <a:spcPts val="0"/>
-              </a:spcAft>
-              <a:buNone/>
-            </a:pPr>
-            <a:endParaRPr dirty="0">
-              <a:latin typeface="Cutive"/>
-              <a:ea typeface="Cutive"/>
-              <a:cs typeface="Cutive"/>
-              <a:sym typeface="Cutive"/>
+              <a:sym typeface="Encode Sans SemiBold"/>
             </a:endParaRPr>
           </a:p>
         </p:txBody>
@@ -9277,7 +8699,63 @@
                 <a:cs typeface="Andalus" panose="02020603050405020304" pitchFamily="18" charset="-78"/>
                 <a:sym typeface="Encode Sans SemiBold"/>
               </a:rPr>
-              <a:t>Customer churn analysis</a:t>
+              <a:t>Prepared by Vanessa CHARLES </a:t>
+            </a:r>
+          </a:p>
+          <a:p>
+            <a:pPr marL="0" lvl="0" indent="0" algn="l" rtl="0">
+              <a:spcBef>
+                <a:spcPts val="0"/>
+              </a:spcBef>
+              <a:spcAft>
+                <a:spcPts val="0"/>
+              </a:spcAft>
+              <a:buNone/>
+            </a:pPr>
+            <a:r>
+              <a:rPr lang="en-US" dirty="0" smtClean="0">
+                <a:latin typeface="Andalus" panose="02020603050405020304" pitchFamily="18" charset="-78"/>
+                <a:ea typeface="Encode Sans SemiBold"/>
+                <a:cs typeface="Andalus" panose="02020603050405020304" pitchFamily="18" charset="-78"/>
+                <a:sym typeface="Encode Sans SemiBold"/>
+              </a:rPr>
+              <a:t>email : </a:t>
+            </a:r>
+            <a:r>
+              <a:rPr lang="en-US" dirty="0" smtClean="0">
+                <a:latin typeface="Andalus" panose="02020603050405020304" pitchFamily="18" charset="-78"/>
+                <a:ea typeface="Encode Sans SemiBold"/>
+                <a:cs typeface="Andalus" panose="02020603050405020304" pitchFamily="18" charset="-78"/>
+                <a:sym typeface="Encode Sans SemiBold"/>
+                <a:hlinkClick r:id="rId3"/>
+              </a:rPr>
+              <a:t>vanessacharleshaiti@gmail.com</a:t>
+            </a:r>
+            <a:endParaRPr lang="en-US" dirty="0" smtClean="0">
+              <a:latin typeface="Andalus" panose="02020603050405020304" pitchFamily="18" charset="-78"/>
+              <a:ea typeface="Encode Sans SemiBold"/>
+              <a:cs typeface="Andalus" panose="02020603050405020304" pitchFamily="18" charset="-78"/>
+              <a:sym typeface="Encode Sans SemiBold"/>
+            </a:endParaRPr>
+          </a:p>
+          <a:p>
+            <a:pPr marL="0" lvl="0" indent="0" algn="l" rtl="0">
+              <a:spcBef>
+                <a:spcPts val="0"/>
+              </a:spcBef>
+              <a:spcAft>
+                <a:spcPts val="0"/>
+              </a:spcAft>
+              <a:buNone/>
+            </a:pPr>
+            <a:r>
+              <a:rPr lang="en-US" dirty="0" smtClean="0">
+                <a:latin typeface="Andalus" panose="02020603050405020304" pitchFamily="18" charset="-78"/>
+                <a:ea typeface="Encode Sans SemiBold"/>
+                <a:cs typeface="Andalus" panose="02020603050405020304" pitchFamily="18" charset="-78"/>
+                <a:sym typeface="Encode Sans SemiBold"/>
+              </a:rPr>
+              <a:t>Phone : 44713802</a:t>
             </a:r>
             <a:endParaRPr dirty="0">
               <a:latin typeface="Andalus" panose="02020603050405020304" pitchFamily="18" charset="-78"/>
@@ -9295,7 +8773,7 @@
           <p:nvPr/>
         </p:nvPicPr>
         <p:blipFill rotWithShape="1">
-          <a:blip r:embed="rId3">
+          <a:blip r:embed="rId4">
             <a:alphaModFix/>
           </a:blip>
           <a:srcRect l="4073" t="25634" r="9630" b="24482"/>
@@ -9368,7 +8846,7 @@
           <p:nvPr/>
         </p:nvPicPr>
         <p:blipFill rotWithShape="1">
-          <a:blip r:embed="rId3">
+          <a:blip r:embed="rId4">
             <a:alphaModFix/>
           </a:blip>
           <a:srcRect l="4073" t="25634" r="9630" b="24482"/>
@@ -9397,11 +8875,11 @@
 </file>
 
 <file path=ppt/slides/slide10.xml><?xml version="1.0" encoding="utf-8"?>
-<p:sld xmlns:a="http://schemas.openxmlformats.org/drawingml/2006/main" xmlns:r="http://schemas.openxmlformats.org/officeDocument/2006/relationships" xmlns:p="http://schemas.openxmlformats.org/presentationml/2006/main" show="0">
+<p:sld xmlns:a="http://schemas.openxmlformats.org/drawingml/2006/main" xmlns:r="http://schemas.openxmlformats.org/officeDocument/2006/relationships" xmlns:p="http://schemas.openxmlformats.org/presentationml/2006/main">
   <p:cSld>
     <p:spTree>
       <p:nvGrpSpPr>
-        <p:cNvPr id="1" name="Shape 130"/>
+        <p:cNvPr id="1" name=""/>
         <p:cNvGrpSpPr/>
         <p:nvPr/>
       </p:nvGrpSpPr>
@@ -9415,8 +8893,43 @@
       </p:grpSpPr>
       <p:sp>
         <p:nvSpPr>
-          <p:cNvPr id="131" name="Google Shape;131;p18"/>
-          <p:cNvSpPr txBox="1">
+          <p:cNvPr id="3" name="Text Placeholder 2"/>
+          <p:cNvSpPr>
+            <a:spLocks noGrp="1"/>
+          </p:cNvSpPr>
+          <p:nvPr>
+            <p:ph type="body" idx="1"/>
+          </p:nvPr>
+        </p:nvSpPr>
+        <p:spPr>
+          <a:xfrm rot="21338727">
+            <a:off x="1758951" y="3555998"/>
+            <a:ext cx="4345354" cy="2876062"/>
+          </a:xfrm>
+        </p:spPr>
+        <p:txBody>
+          <a:bodyPr/>
+          <a:lstStyle/>
+          <a:p>
+            <a:pPr marL="146050" indent="0">
+              <a:buNone/>
+            </a:pPr>
+            <a:r>
+              <a:rPr lang="en-US" dirty="0" smtClean="0"/>
+              <a:t> </a:t>
+            </a:r>
+            <a:r>
+              <a:rPr lang="en-US" dirty="0" smtClean="0"/>
+              <a:t>                                                                                                                     </a:t>
+            </a:r>
+            <a:endParaRPr lang="en-US" dirty="0"/>
+          </a:p>
+        </p:txBody>
+      </p:sp>
+      <p:sp>
+        <p:nvSpPr>
+          <p:cNvPr id="4" name="Title 3"/>
+          <p:cNvSpPr>
             <a:spLocks noGrp="1"/>
           </p:cNvSpPr>
           <p:nvPr>
@@ -9425,97 +8938,90 @@
         </p:nvSpPr>
         <p:spPr>
           <a:xfrm>
-            <a:off x="729450" y="785250"/>
-            <a:ext cx="7688700" cy="535200"/>
+            <a:off x="125046" y="601783"/>
+            <a:ext cx="7613165" cy="812801"/>
+          </a:xfrm>
+        </p:spPr>
+        <p:txBody>
+          <a:bodyPr/>
+          <a:lstStyle/>
+          <a:p>
+            <a:r>
+              <a:rPr lang="en-US" dirty="0" err="1" smtClean="0"/>
+              <a:t>PhoneService</a:t>
+            </a:r>
+            <a:r>
+              <a:rPr lang="en-US" dirty="0" smtClean="0"/>
+              <a:t/>
+            </a:r>
+            <a:br>
+              <a:rPr lang="en-US" dirty="0" smtClean="0"/>
+            </a:br>
+            <a:r>
+              <a:rPr lang="en-US" sz="2000" b="0" dirty="0" smtClean="0"/>
+              <a:t/>
+            </a:r>
+            <a:br>
+              <a:rPr lang="en-US" sz="2000" b="0" dirty="0" smtClean="0"/>
+            </a:br>
+            <a:r>
+              <a:rPr lang="en-US" sz="2000" b="0" dirty="0" smtClean="0">
+                <a:latin typeface="Lato" panose="020B0604020202020204" charset="0"/>
+              </a:rPr>
+              <a:t>Customers who use phone services churn less than customers who not use phone services.</a:t>
+            </a:r>
+            <a:r>
+              <a:rPr lang="en-US" dirty="0" smtClean="0"/>
+              <a:t/>
+            </a:r>
+            <a:br>
+              <a:rPr lang="en-US" dirty="0" smtClean="0"/>
+            </a:br>
+            <a:r>
+              <a:rPr lang="en-US" dirty="0" smtClean="0"/>
+              <a:t/>
+            </a:r>
+            <a:br>
+              <a:rPr lang="en-US" dirty="0" smtClean="0"/>
+            </a:br>
+            <a:endParaRPr lang="en-US" dirty="0"/>
+          </a:p>
+        </p:txBody>
+      </p:sp>
+      <p:pic>
+        <p:nvPicPr>
+          <p:cNvPr id="6" name="Picture 5"/>
+          <p:cNvPicPr>
+            <a:picLocks noChangeAspect="1"/>
+          </p:cNvPicPr>
+          <p:nvPr/>
+        </p:nvPicPr>
+        <p:blipFill>
+          <a:blip r:embed="rId2"/>
+          <a:stretch>
+            <a:fillRect/>
+          </a:stretch>
+        </p:blipFill>
+        <p:spPr>
+          <a:xfrm>
+            <a:off x="5603630" y="2571259"/>
+            <a:ext cx="3384063" cy="2016370"/>
           </a:xfrm>
           <a:prstGeom prst="rect">
             <a:avLst/>
           </a:prstGeom>
         </p:spPr>
-        <p:txBody>
-          <a:bodyPr spcFirstLastPara="1" wrap="square" lIns="91425" tIns="91425" rIns="91425" bIns="91425" anchor="t" anchorCtr="0">
-            <a:noAutofit/>
-          </a:bodyPr>
-          <a:lstStyle/>
-          <a:p>
-            <a:pPr marL="0" lvl="0" indent="0" algn="l" rtl="0">
-              <a:spcBef>
-                <a:spcPts val="0"/>
-              </a:spcBef>
-              <a:spcAft>
-                <a:spcPts val="0"/>
-              </a:spcAft>
-              <a:buNone/>
-            </a:pPr>
-            <a:r>
-              <a:rPr lang="en" dirty="0"/>
-              <a:t>Discussion &amp; Recommendations</a:t>
-            </a:r>
-            <a:endParaRPr dirty="0"/>
-          </a:p>
-        </p:txBody>
-      </p:sp>
-      <p:sp>
-        <p:nvSpPr>
-          <p:cNvPr id="132" name="Google Shape;132;p18"/>
-          <p:cNvSpPr txBox="1">
-            <a:spLocks noGrp="1"/>
-          </p:cNvSpPr>
-          <p:nvPr>
-            <p:ph type="body" idx="1"/>
-          </p:nvPr>
-        </p:nvSpPr>
-        <p:spPr>
-          <a:xfrm>
-            <a:off x="530425" y="1414475"/>
-            <a:ext cx="7847400" cy="3086100"/>
-          </a:xfrm>
-          <a:prstGeom prst="rect">
-            <a:avLst/>
-          </a:prstGeom>
-        </p:spPr>
-        <p:txBody>
-          <a:bodyPr spcFirstLastPara="1" wrap="square" lIns="91425" tIns="91425" rIns="91425" bIns="91425" anchor="t" anchorCtr="0">
-            <a:noAutofit/>
-          </a:bodyPr>
-          <a:lstStyle/>
-          <a:p>
-            <a:pPr lvl="0" indent="-330200">
-              <a:spcBef>
-                <a:spcPts val="1600"/>
-              </a:spcBef>
-              <a:buSzPts val="1600"/>
-              <a:buChar char="❏"/>
-            </a:pPr>
-            <a:r>
-              <a:rPr lang="en-US" sz="1600" dirty="0" smtClean="0"/>
-              <a:t>My </a:t>
-            </a:r>
-            <a:r>
-              <a:rPr lang="en-US" sz="1600" dirty="0"/>
-              <a:t>proposed solution: In light of competition in the market, which is one of the main causes of the churn, after identifying other reasons why customers have left, the telecom company could innovate its services to make changes that will be much more responsive to customer requirements within the carrier to be able to satisfy them much more</a:t>
-            </a:r>
-            <a:r>
-              <a:rPr lang="en-US" sz="1600" dirty="0" smtClean="0"/>
-              <a:t>.</a:t>
-            </a:r>
-            <a:endParaRPr lang="en-US" sz="1600" dirty="0"/>
-          </a:p>
-        </p:txBody>
-      </p:sp>
+      </p:pic>
     </p:spTree>
+    <p:extLst>
+      <p:ext uri="{BB962C8B-B14F-4D97-AF65-F5344CB8AC3E}">
+        <p14:creationId xmlns:p14="http://schemas.microsoft.com/office/powerpoint/2010/main" val="812885212"/>
+      </p:ext>
+    </p:extLst>
   </p:cSld>
   <p:clrMapOvr>
     <a:masterClrMapping/>
   </p:clrMapOvr>
-  <mc:AlternateContent xmlns:mc="http://schemas.openxmlformats.org/markup-compatibility/2006" xmlns:p14="http://schemas.microsoft.com/office/powerpoint/2010/main">
-    <mc:Choice Requires="p14">
-      <p:transition spd="slow" p14:dur="2000"/>
-    </mc:Choice>
-    <mc:Fallback xmlns="">
-      <p:transition spd="slow"/>
-    </mc:Fallback>
-  </mc:AlternateContent>
 </p:sld>
 </file>
 
@@ -9552,10 +9058,887 @@
           <a:lstStyle/>
           <a:p>
             <a:r>
-              <a:rPr lang="en" dirty="0"/>
-              <a:t>Discussion &amp; Recommendations</a:t>
-            </a:r>
+              <a:rPr lang="en-US" dirty="0" smtClean="0"/>
+              <a:t>Service </a:t>
+            </a:r>
+            <a:r>
+              <a:rPr lang="en-US" dirty="0" err="1" smtClean="0"/>
+              <a:t>MultipleLines</a:t>
+            </a:r>
+            <a:endParaRPr lang="fr-FR" dirty="0"/>
+          </a:p>
+        </p:txBody>
+      </p:sp>
+      <p:sp>
+        <p:nvSpPr>
+          <p:cNvPr id="3" name="Text Placeholder 2"/>
+          <p:cNvSpPr>
+            <a:spLocks noGrp="1"/>
+          </p:cNvSpPr>
+          <p:nvPr>
+            <p:ph type="body" idx="1"/>
+          </p:nvPr>
+        </p:nvSpPr>
+        <p:spPr>
+          <a:xfrm>
+            <a:off x="729450" y="1545474"/>
+            <a:ext cx="4037935" cy="3198463"/>
+          </a:xfrm>
+        </p:spPr>
+        <p:txBody>
+          <a:bodyPr/>
+          <a:lstStyle/>
+          <a:p>
+            <a:pPr marL="146050" indent="0">
+              <a:buNone/>
+            </a:pPr>
+            <a:r>
+              <a:rPr lang="en-US" dirty="0" smtClean="0"/>
+              <a:t>Customers who not use phone service churn less .</a:t>
+            </a:r>
+            <a:endParaRPr lang="fr-FR" dirty="0"/>
+          </a:p>
+        </p:txBody>
+      </p:sp>
+      <p:pic>
+        <p:nvPicPr>
+          <p:cNvPr id="4" name="Picture 3"/>
+          <p:cNvPicPr>
+            <a:picLocks noChangeAspect="1"/>
+          </p:cNvPicPr>
+          <p:nvPr/>
+        </p:nvPicPr>
+        <p:blipFill>
+          <a:blip r:embed="rId2"/>
+          <a:stretch>
+            <a:fillRect/>
+          </a:stretch>
+        </p:blipFill>
+        <p:spPr>
+          <a:xfrm>
+            <a:off x="4829908" y="1545474"/>
+            <a:ext cx="3750896" cy="3128126"/>
+          </a:xfrm>
+          <a:prstGeom prst="rect">
+            <a:avLst/>
+          </a:prstGeom>
+        </p:spPr>
+      </p:pic>
+    </p:spTree>
+    <p:extLst>
+      <p:ext uri="{BB962C8B-B14F-4D97-AF65-F5344CB8AC3E}">
+        <p14:creationId xmlns:p14="http://schemas.microsoft.com/office/powerpoint/2010/main" val="3383596216"/>
+      </p:ext>
+    </p:extLst>
+  </p:cSld>
+  <p:clrMapOvr>
+    <a:masterClrMapping/>
+  </p:clrMapOvr>
+</p:sld>
+</file>
+
+<file path=ppt/slides/slide12.xml><?xml version="1.0" encoding="utf-8"?>
+<p:sld xmlns:a="http://schemas.openxmlformats.org/drawingml/2006/main" xmlns:r="http://schemas.openxmlformats.org/officeDocument/2006/relationships" xmlns:p="http://schemas.openxmlformats.org/presentationml/2006/main">
+  <p:cSld>
+    <p:spTree>
+      <p:nvGrpSpPr>
+        <p:cNvPr id="1" name=""/>
+        <p:cNvGrpSpPr/>
+        <p:nvPr/>
+      </p:nvGrpSpPr>
+      <p:grpSpPr>
+        <a:xfrm>
+          <a:off x="0" y="0"/>
+          <a:ext cx="0" cy="0"/>
+          <a:chOff x="0" y="0"/>
+          <a:chExt cx="0" cy="0"/>
+        </a:xfrm>
+      </p:grpSpPr>
+      <p:sp>
+        <p:nvSpPr>
+          <p:cNvPr id="2" name="Title 1"/>
+          <p:cNvSpPr>
+            <a:spLocks noGrp="1"/>
+          </p:cNvSpPr>
+          <p:nvPr>
+            <p:ph type="title"/>
+          </p:nvPr>
+        </p:nvSpPr>
+        <p:spPr/>
+        <p:txBody>
+          <a:bodyPr/>
+          <a:lstStyle/>
+          <a:p>
+            <a:r>
+              <a:rPr lang="en-US" dirty="0" smtClean="0"/>
+              <a:t>Service </a:t>
+            </a:r>
+            <a:r>
+              <a:rPr lang="en-US" dirty="0" err="1" smtClean="0"/>
+              <a:t>OnlineBackup</a:t>
+            </a:r>
+            <a:r>
+              <a:rPr lang="en-US" dirty="0" smtClean="0"/>
+              <a:t/>
+            </a:r>
+            <a:br>
+              <a:rPr lang="en-US" dirty="0" smtClean="0"/>
+            </a:br>
             <a:endParaRPr lang="en-US" dirty="0"/>
+          </a:p>
+        </p:txBody>
+      </p:sp>
+      <p:pic>
+        <p:nvPicPr>
+          <p:cNvPr id="4" name="Picture 3"/>
+          <p:cNvPicPr>
+            <a:picLocks noChangeAspect="1"/>
+          </p:cNvPicPr>
+          <p:nvPr/>
+        </p:nvPicPr>
+        <p:blipFill>
+          <a:blip r:embed="rId2"/>
+          <a:stretch>
+            <a:fillRect/>
+          </a:stretch>
+        </p:blipFill>
+        <p:spPr>
+          <a:xfrm>
+            <a:off x="5033108" y="1490765"/>
+            <a:ext cx="4056184" cy="3159387"/>
+          </a:xfrm>
+          <a:prstGeom prst="rect">
+            <a:avLst/>
+          </a:prstGeom>
+        </p:spPr>
+      </p:pic>
+      <p:sp>
+        <p:nvSpPr>
+          <p:cNvPr id="3" name="Text Placeholder 2"/>
+          <p:cNvSpPr>
+            <a:spLocks noGrp="1"/>
+          </p:cNvSpPr>
+          <p:nvPr>
+            <p:ph type="body" idx="1"/>
+          </p:nvPr>
+        </p:nvSpPr>
+        <p:spPr>
+          <a:xfrm>
+            <a:off x="877941" y="1490765"/>
+            <a:ext cx="4155167" cy="3159387"/>
+          </a:xfrm>
+        </p:spPr>
+        <p:txBody>
+          <a:bodyPr/>
+          <a:lstStyle/>
+          <a:p>
+            <a:pPr marL="146050" indent="0">
+              <a:buNone/>
+            </a:pPr>
+            <a:r>
+              <a:rPr lang="en-US" dirty="0" smtClean="0"/>
+              <a:t>The customers who use online backup services churn less but we can see there </a:t>
+            </a:r>
+            <a:r>
+              <a:rPr lang="en-US" dirty="0"/>
+              <a:t>is </a:t>
+            </a:r>
+            <a:r>
+              <a:rPr lang="en-US" dirty="0" smtClean="0"/>
+              <a:t>a little difference </a:t>
+            </a:r>
+            <a:r>
+              <a:rPr lang="en-US" dirty="0"/>
+              <a:t>in the distribution of people with No Online Backup and people with Online Backup.</a:t>
+            </a:r>
+          </a:p>
+          <a:p>
+            <a:pPr marL="146050" indent="0">
+              <a:buNone/>
+            </a:pPr>
+            <a:endParaRPr lang="en-US" dirty="0"/>
+          </a:p>
+        </p:txBody>
+      </p:sp>
+    </p:spTree>
+    <p:extLst>
+      <p:ext uri="{BB962C8B-B14F-4D97-AF65-F5344CB8AC3E}">
+        <p14:creationId xmlns:p14="http://schemas.microsoft.com/office/powerpoint/2010/main" val="62152435"/>
+      </p:ext>
+    </p:extLst>
+  </p:cSld>
+  <p:clrMapOvr>
+    <a:masterClrMapping/>
+  </p:clrMapOvr>
+</p:sld>
+</file>
+
+<file path=ppt/slides/slide13.xml><?xml version="1.0" encoding="utf-8"?>
+<p:sld xmlns:a="http://schemas.openxmlformats.org/drawingml/2006/main" xmlns:r="http://schemas.openxmlformats.org/officeDocument/2006/relationships" xmlns:p="http://schemas.openxmlformats.org/presentationml/2006/main">
+  <p:cSld>
+    <p:spTree>
+      <p:nvGrpSpPr>
+        <p:cNvPr id="1" name=""/>
+        <p:cNvGrpSpPr/>
+        <p:nvPr/>
+      </p:nvGrpSpPr>
+      <p:grpSpPr>
+        <a:xfrm>
+          <a:off x="0" y="0"/>
+          <a:ext cx="0" cy="0"/>
+          <a:chOff x="0" y="0"/>
+          <a:chExt cx="0" cy="0"/>
+        </a:xfrm>
+      </p:grpSpPr>
+      <p:sp>
+        <p:nvSpPr>
+          <p:cNvPr id="2" name="Title 1"/>
+          <p:cNvSpPr>
+            <a:spLocks noGrp="1"/>
+          </p:cNvSpPr>
+          <p:nvPr>
+            <p:ph type="title"/>
+          </p:nvPr>
+        </p:nvSpPr>
+        <p:spPr>
+          <a:xfrm>
+            <a:off x="729450" y="683650"/>
+            <a:ext cx="7688700" cy="535200"/>
+          </a:xfrm>
+        </p:spPr>
+        <p:txBody>
+          <a:bodyPr/>
+          <a:lstStyle/>
+          <a:p>
+            <a:r>
+              <a:rPr lang="en-US" dirty="0" smtClean="0"/>
+              <a:t>Service </a:t>
+            </a:r>
+            <a:r>
+              <a:rPr lang="en-US" dirty="0" err="1" smtClean="0"/>
+              <a:t>OnlineSecurity</a:t>
+            </a:r>
+            <a:endParaRPr lang="fr-FR" dirty="0"/>
+          </a:p>
+        </p:txBody>
+      </p:sp>
+      <p:sp>
+        <p:nvSpPr>
+          <p:cNvPr id="3" name="Text Placeholder 2"/>
+          <p:cNvSpPr>
+            <a:spLocks noGrp="1"/>
+          </p:cNvSpPr>
+          <p:nvPr>
+            <p:ph type="body" idx="1"/>
+          </p:nvPr>
+        </p:nvSpPr>
+        <p:spPr>
+          <a:xfrm>
+            <a:off x="729450" y="1545474"/>
+            <a:ext cx="4225504" cy="3003079"/>
+          </a:xfrm>
+        </p:spPr>
+        <p:txBody>
+          <a:bodyPr/>
+          <a:lstStyle/>
+          <a:p>
+            <a:pPr marL="146050" indent="0">
+              <a:buNone/>
+            </a:pPr>
+            <a:r>
+              <a:rPr lang="en-US" dirty="0" smtClean="0"/>
+              <a:t>Customers who not use the </a:t>
+            </a:r>
+            <a:r>
+              <a:rPr lang="en-US" dirty="0" err="1" smtClean="0"/>
+              <a:t>OnlineServices</a:t>
+            </a:r>
+            <a:r>
+              <a:rPr lang="en-US" dirty="0" smtClean="0"/>
+              <a:t> churn more than customers who use it.</a:t>
+            </a:r>
+            <a:endParaRPr lang="fr-FR" dirty="0"/>
+          </a:p>
+        </p:txBody>
+      </p:sp>
+      <p:pic>
+        <p:nvPicPr>
+          <p:cNvPr id="4" name="Picture 3"/>
+          <p:cNvPicPr>
+            <a:picLocks noChangeAspect="1"/>
+          </p:cNvPicPr>
+          <p:nvPr/>
+        </p:nvPicPr>
+        <p:blipFill>
+          <a:blip r:embed="rId2"/>
+          <a:stretch>
+            <a:fillRect/>
+          </a:stretch>
+        </p:blipFill>
+        <p:spPr>
+          <a:xfrm>
+            <a:off x="5009661" y="1545474"/>
+            <a:ext cx="3527669" cy="2908701"/>
+          </a:xfrm>
+          <a:prstGeom prst="rect">
+            <a:avLst/>
+          </a:prstGeom>
+        </p:spPr>
+      </p:pic>
+    </p:spTree>
+    <p:extLst>
+      <p:ext uri="{BB962C8B-B14F-4D97-AF65-F5344CB8AC3E}">
+        <p14:creationId xmlns:p14="http://schemas.microsoft.com/office/powerpoint/2010/main" val="1536277356"/>
+      </p:ext>
+    </p:extLst>
+  </p:cSld>
+  <p:clrMapOvr>
+    <a:masterClrMapping/>
+  </p:clrMapOvr>
+</p:sld>
+</file>
+
+<file path=ppt/slides/slide14.xml><?xml version="1.0" encoding="utf-8"?>
+<p:sld xmlns:a="http://schemas.openxmlformats.org/drawingml/2006/main" xmlns:r="http://schemas.openxmlformats.org/officeDocument/2006/relationships" xmlns:p="http://schemas.openxmlformats.org/presentationml/2006/main">
+  <p:cSld>
+    <p:spTree>
+      <p:nvGrpSpPr>
+        <p:cNvPr id="1" name=""/>
+        <p:cNvGrpSpPr/>
+        <p:nvPr/>
+      </p:nvGrpSpPr>
+      <p:grpSpPr>
+        <a:xfrm>
+          <a:off x="0" y="0"/>
+          <a:ext cx="0" cy="0"/>
+          <a:chOff x="0" y="0"/>
+          <a:chExt cx="0" cy="0"/>
+        </a:xfrm>
+      </p:grpSpPr>
+      <p:sp>
+        <p:nvSpPr>
+          <p:cNvPr id="2" name="Title 1"/>
+          <p:cNvSpPr>
+            <a:spLocks noGrp="1"/>
+          </p:cNvSpPr>
+          <p:nvPr>
+            <p:ph type="title"/>
+          </p:nvPr>
+        </p:nvSpPr>
+        <p:spPr/>
+        <p:txBody>
+          <a:bodyPr/>
+          <a:lstStyle/>
+          <a:p>
+            <a:r>
+              <a:rPr lang="en-US" dirty="0" smtClean="0"/>
+              <a:t>Service </a:t>
+            </a:r>
+            <a:r>
+              <a:rPr lang="en-US" dirty="0" err="1" smtClean="0"/>
+              <a:t>TechSupport</a:t>
+            </a:r>
+            <a:endParaRPr lang="fr-FR" dirty="0"/>
+          </a:p>
+        </p:txBody>
+      </p:sp>
+      <p:pic>
+        <p:nvPicPr>
+          <p:cNvPr id="4" name="Picture 3"/>
+          <p:cNvPicPr>
+            <a:picLocks noChangeAspect="1"/>
+          </p:cNvPicPr>
+          <p:nvPr/>
+        </p:nvPicPr>
+        <p:blipFill>
+          <a:blip r:embed="rId2"/>
+          <a:stretch>
+            <a:fillRect/>
+          </a:stretch>
+        </p:blipFill>
+        <p:spPr>
+          <a:xfrm>
+            <a:off x="5666155" y="1545475"/>
+            <a:ext cx="3217252" cy="2799128"/>
+          </a:xfrm>
+          <a:prstGeom prst="rect">
+            <a:avLst/>
+          </a:prstGeom>
+        </p:spPr>
+      </p:pic>
+      <p:sp>
+        <p:nvSpPr>
+          <p:cNvPr id="3" name="Text Placeholder 2"/>
+          <p:cNvSpPr>
+            <a:spLocks noGrp="1"/>
+          </p:cNvSpPr>
+          <p:nvPr>
+            <p:ph type="body" idx="1"/>
+          </p:nvPr>
+        </p:nvSpPr>
+        <p:spPr>
+          <a:xfrm>
+            <a:off x="729450" y="1828800"/>
+            <a:ext cx="4741319" cy="2821353"/>
+          </a:xfrm>
+        </p:spPr>
+        <p:txBody>
+          <a:bodyPr/>
+          <a:lstStyle/>
+          <a:p>
+            <a:r>
+              <a:rPr lang="en-US" dirty="0" smtClean="0"/>
+              <a:t>Customers who don’t use </a:t>
+            </a:r>
+            <a:r>
+              <a:rPr lang="en-US" dirty="0" err="1" smtClean="0"/>
+              <a:t>TechSupport</a:t>
+            </a:r>
+            <a:r>
+              <a:rPr lang="en-US" dirty="0" smtClean="0"/>
+              <a:t> churn less than customers who use it.</a:t>
+            </a:r>
+            <a:endParaRPr lang="fr-FR" dirty="0"/>
+          </a:p>
+        </p:txBody>
+      </p:sp>
+    </p:spTree>
+    <p:extLst>
+      <p:ext uri="{BB962C8B-B14F-4D97-AF65-F5344CB8AC3E}">
+        <p14:creationId xmlns:p14="http://schemas.microsoft.com/office/powerpoint/2010/main" val="1795741222"/>
+      </p:ext>
+    </p:extLst>
+  </p:cSld>
+  <p:clrMapOvr>
+    <a:masterClrMapping/>
+  </p:clrMapOvr>
+</p:sld>
+</file>
+
+<file path=ppt/slides/slide15.xml><?xml version="1.0" encoding="utf-8"?>
+<p:sld xmlns:a="http://schemas.openxmlformats.org/drawingml/2006/main" xmlns:r="http://schemas.openxmlformats.org/officeDocument/2006/relationships" xmlns:p="http://schemas.openxmlformats.org/presentationml/2006/main">
+  <p:cSld>
+    <p:spTree>
+      <p:nvGrpSpPr>
+        <p:cNvPr id="1" name=""/>
+        <p:cNvGrpSpPr/>
+        <p:nvPr/>
+      </p:nvGrpSpPr>
+      <p:grpSpPr>
+        <a:xfrm>
+          <a:off x="0" y="0"/>
+          <a:ext cx="0" cy="0"/>
+          <a:chOff x="0" y="0"/>
+          <a:chExt cx="0" cy="0"/>
+        </a:xfrm>
+      </p:grpSpPr>
+      <p:sp>
+        <p:nvSpPr>
+          <p:cNvPr id="2" name="Title 1"/>
+          <p:cNvSpPr>
+            <a:spLocks noGrp="1"/>
+          </p:cNvSpPr>
+          <p:nvPr>
+            <p:ph type="title"/>
+          </p:nvPr>
+        </p:nvSpPr>
+        <p:spPr/>
+        <p:txBody>
+          <a:bodyPr/>
+          <a:lstStyle/>
+          <a:p>
+            <a:r>
+              <a:rPr lang="en-US" dirty="0" smtClean="0"/>
+              <a:t>Service </a:t>
+            </a:r>
+            <a:r>
+              <a:rPr lang="en-US" dirty="0" err="1" smtClean="0"/>
+              <a:t>DeviceProtection</a:t>
+            </a:r>
+            <a:endParaRPr lang="fr-FR" dirty="0"/>
+          </a:p>
+        </p:txBody>
+      </p:sp>
+      <p:sp>
+        <p:nvSpPr>
+          <p:cNvPr id="3" name="Text Placeholder 2"/>
+          <p:cNvSpPr>
+            <a:spLocks noGrp="1"/>
+          </p:cNvSpPr>
+          <p:nvPr>
+            <p:ph type="body" idx="1"/>
+          </p:nvPr>
+        </p:nvSpPr>
+        <p:spPr>
+          <a:xfrm>
+            <a:off x="729450" y="1545475"/>
+            <a:ext cx="4311473" cy="3120310"/>
+          </a:xfrm>
+        </p:spPr>
+        <p:txBody>
+          <a:bodyPr/>
+          <a:lstStyle/>
+          <a:p>
+            <a:pPr marL="146050" indent="0">
+              <a:buNone/>
+            </a:pPr>
+            <a:r>
+              <a:rPr lang="en-US" dirty="0" smtClean="0"/>
+              <a:t>There is a little difference in the distribution between customers with </a:t>
+            </a:r>
+            <a:r>
+              <a:rPr lang="en-US" dirty="0" err="1" smtClean="0"/>
+              <a:t>DeviceProtection</a:t>
+            </a:r>
+            <a:r>
+              <a:rPr lang="en-US" dirty="0" smtClean="0"/>
+              <a:t> and customers with no </a:t>
+            </a:r>
+            <a:r>
+              <a:rPr lang="en-US" dirty="0" err="1" smtClean="0"/>
+              <a:t>Deviceprotection</a:t>
+            </a:r>
+            <a:r>
+              <a:rPr lang="en-US" dirty="0" smtClean="0"/>
+              <a:t> , but we can see customers with </a:t>
+            </a:r>
+            <a:r>
+              <a:rPr lang="en-US" dirty="0" err="1" smtClean="0"/>
+              <a:t>DeviceProtection</a:t>
+            </a:r>
+            <a:r>
+              <a:rPr lang="en-US" dirty="0" smtClean="0"/>
+              <a:t> churn less than customers with no </a:t>
+            </a:r>
+            <a:r>
+              <a:rPr lang="en-US" dirty="0" err="1" smtClean="0"/>
+              <a:t>DeviceProtection</a:t>
+            </a:r>
+            <a:r>
+              <a:rPr lang="en-US" dirty="0" smtClean="0"/>
+              <a:t>.</a:t>
+            </a:r>
+            <a:endParaRPr lang="fr-FR" dirty="0"/>
+          </a:p>
+        </p:txBody>
+      </p:sp>
+      <p:pic>
+        <p:nvPicPr>
+          <p:cNvPr id="4" name="Picture 3"/>
+          <p:cNvPicPr>
+            <a:picLocks noChangeAspect="1"/>
+          </p:cNvPicPr>
+          <p:nvPr/>
+        </p:nvPicPr>
+        <p:blipFill>
+          <a:blip r:embed="rId2"/>
+          <a:stretch>
+            <a:fillRect/>
+          </a:stretch>
+        </p:blipFill>
+        <p:spPr>
+          <a:xfrm>
+            <a:off x="5392615" y="1445968"/>
+            <a:ext cx="3095503" cy="3095625"/>
+          </a:xfrm>
+          <a:prstGeom prst="rect">
+            <a:avLst/>
+          </a:prstGeom>
+        </p:spPr>
+      </p:pic>
+    </p:spTree>
+    <p:extLst>
+      <p:ext uri="{BB962C8B-B14F-4D97-AF65-F5344CB8AC3E}">
+        <p14:creationId xmlns:p14="http://schemas.microsoft.com/office/powerpoint/2010/main" val="2237785292"/>
+      </p:ext>
+    </p:extLst>
+  </p:cSld>
+  <p:clrMapOvr>
+    <a:masterClrMapping/>
+  </p:clrMapOvr>
+</p:sld>
+</file>
+
+<file path=ppt/slides/slide16.xml><?xml version="1.0" encoding="utf-8"?>
+<p:sld xmlns:a="http://schemas.openxmlformats.org/drawingml/2006/main" xmlns:r="http://schemas.openxmlformats.org/officeDocument/2006/relationships" xmlns:p="http://schemas.openxmlformats.org/presentationml/2006/main">
+  <p:cSld>
+    <p:spTree>
+      <p:nvGrpSpPr>
+        <p:cNvPr id="1" name=""/>
+        <p:cNvGrpSpPr/>
+        <p:nvPr/>
+      </p:nvGrpSpPr>
+      <p:grpSpPr>
+        <a:xfrm>
+          <a:off x="0" y="0"/>
+          <a:ext cx="0" cy="0"/>
+          <a:chOff x="0" y="0"/>
+          <a:chExt cx="0" cy="0"/>
+        </a:xfrm>
+      </p:grpSpPr>
+      <p:sp>
+        <p:nvSpPr>
+          <p:cNvPr id="2" name="Title 1"/>
+          <p:cNvSpPr>
+            <a:spLocks noGrp="1"/>
+          </p:cNvSpPr>
+          <p:nvPr>
+            <p:ph type="title"/>
+          </p:nvPr>
+        </p:nvSpPr>
+        <p:spPr/>
+        <p:txBody>
+          <a:bodyPr/>
+          <a:lstStyle/>
+          <a:p>
+            <a:r>
+              <a:rPr lang="en-US" dirty="0" smtClean="0"/>
+              <a:t>Service Streaming TV </a:t>
+            </a:r>
+            <a:endParaRPr lang="fr-FR" dirty="0"/>
+          </a:p>
+        </p:txBody>
+      </p:sp>
+      <p:sp>
+        <p:nvSpPr>
+          <p:cNvPr id="3" name="Text Placeholder 2"/>
+          <p:cNvSpPr>
+            <a:spLocks noGrp="1"/>
+          </p:cNvSpPr>
+          <p:nvPr>
+            <p:ph type="body" idx="1"/>
+          </p:nvPr>
+        </p:nvSpPr>
+        <p:spPr>
+          <a:xfrm>
+            <a:off x="729450" y="1545474"/>
+            <a:ext cx="4655350" cy="3175017"/>
+          </a:xfrm>
+        </p:spPr>
+        <p:txBody>
+          <a:bodyPr/>
+          <a:lstStyle/>
+          <a:p>
+            <a:pPr marL="146050" indent="0">
+              <a:buNone/>
+            </a:pPr>
+            <a:r>
+              <a:rPr lang="en-US" dirty="0" smtClean="0"/>
+              <a:t>Customers with no internet service churn less, but customers who not use streaming TV churn a little bit more than customers who use it .</a:t>
+            </a:r>
+            <a:endParaRPr lang="fr-FR" dirty="0"/>
+          </a:p>
+        </p:txBody>
+      </p:sp>
+      <p:pic>
+        <p:nvPicPr>
+          <p:cNvPr id="4" name="Picture 3"/>
+          <p:cNvPicPr>
+            <a:picLocks noChangeAspect="1"/>
+          </p:cNvPicPr>
+          <p:nvPr/>
+        </p:nvPicPr>
+        <p:blipFill>
+          <a:blip r:embed="rId2"/>
+          <a:stretch>
+            <a:fillRect/>
+          </a:stretch>
+        </p:blipFill>
+        <p:spPr>
+          <a:xfrm>
+            <a:off x="5486400" y="1545474"/>
+            <a:ext cx="3657600" cy="3219450"/>
+          </a:xfrm>
+          <a:prstGeom prst="rect">
+            <a:avLst/>
+          </a:prstGeom>
+        </p:spPr>
+      </p:pic>
+    </p:spTree>
+    <p:extLst>
+      <p:ext uri="{BB962C8B-B14F-4D97-AF65-F5344CB8AC3E}">
+        <p14:creationId xmlns:p14="http://schemas.microsoft.com/office/powerpoint/2010/main" val="3736714486"/>
+      </p:ext>
+    </p:extLst>
+  </p:cSld>
+  <p:clrMapOvr>
+    <a:masterClrMapping/>
+  </p:clrMapOvr>
+</p:sld>
+</file>
+
+<file path=ppt/slides/slide17.xml><?xml version="1.0" encoding="utf-8"?>
+<p:sld xmlns:a="http://schemas.openxmlformats.org/drawingml/2006/main" xmlns:r="http://schemas.openxmlformats.org/officeDocument/2006/relationships" xmlns:p="http://schemas.openxmlformats.org/presentationml/2006/main">
+  <p:cSld>
+    <p:spTree>
+      <p:nvGrpSpPr>
+        <p:cNvPr id="1" name=""/>
+        <p:cNvGrpSpPr/>
+        <p:nvPr/>
+      </p:nvGrpSpPr>
+      <p:grpSpPr>
+        <a:xfrm>
+          <a:off x="0" y="0"/>
+          <a:ext cx="0" cy="0"/>
+          <a:chOff x="0" y="0"/>
+          <a:chExt cx="0" cy="0"/>
+        </a:xfrm>
+      </p:grpSpPr>
+      <p:sp>
+        <p:nvSpPr>
+          <p:cNvPr id="2" name="Title 1"/>
+          <p:cNvSpPr>
+            <a:spLocks noGrp="1"/>
+          </p:cNvSpPr>
+          <p:nvPr>
+            <p:ph type="title"/>
+          </p:nvPr>
+        </p:nvSpPr>
+        <p:spPr>
+          <a:xfrm>
+            <a:off x="696388" y="683650"/>
+            <a:ext cx="7688700" cy="535200"/>
+          </a:xfrm>
+        </p:spPr>
+        <p:txBody>
+          <a:bodyPr/>
+          <a:lstStyle/>
+          <a:p>
+            <a:r>
+              <a:rPr lang="en-US" dirty="0" smtClean="0"/>
+              <a:t>Service Streaming Movies </a:t>
+            </a:r>
+            <a:endParaRPr lang="fr-FR" dirty="0"/>
+          </a:p>
+        </p:txBody>
+      </p:sp>
+      <p:sp>
+        <p:nvSpPr>
+          <p:cNvPr id="3" name="Text Placeholder 2"/>
+          <p:cNvSpPr>
+            <a:spLocks noGrp="1"/>
+          </p:cNvSpPr>
+          <p:nvPr>
+            <p:ph type="body" idx="1"/>
+          </p:nvPr>
+        </p:nvSpPr>
+        <p:spPr>
+          <a:xfrm>
+            <a:off x="729450" y="1545475"/>
+            <a:ext cx="3811288" cy="3120310"/>
+          </a:xfrm>
+        </p:spPr>
+        <p:txBody>
+          <a:bodyPr/>
+          <a:lstStyle/>
+          <a:p>
+            <a:pPr marL="146050" indent="0">
+              <a:buNone/>
+            </a:pPr>
+            <a:r>
+              <a:rPr lang="en-US" dirty="0" smtClean="0"/>
+              <a:t>There it’s like the previous </a:t>
+            </a:r>
+            <a:r>
+              <a:rPr lang="en-US" dirty="0" err="1" smtClean="0"/>
+              <a:t>slide,customers</a:t>
+            </a:r>
+            <a:r>
+              <a:rPr lang="en-US" dirty="0" smtClean="0"/>
+              <a:t> </a:t>
+            </a:r>
+            <a:r>
+              <a:rPr lang="en-US" dirty="0"/>
+              <a:t>with no internet service churn less, but customers who not use streaming </a:t>
+            </a:r>
+            <a:r>
+              <a:rPr lang="en-US" dirty="0" smtClean="0"/>
+              <a:t>Movies </a:t>
+            </a:r>
+            <a:r>
+              <a:rPr lang="en-US" dirty="0"/>
+              <a:t>churn a little bit more than customers who use it .</a:t>
+            </a:r>
+            <a:endParaRPr lang="fr-FR" dirty="0"/>
+          </a:p>
+          <a:p>
+            <a:pPr marL="146050" indent="0">
+              <a:buNone/>
+            </a:pPr>
+            <a:endParaRPr lang="fr-FR" dirty="0"/>
+          </a:p>
+        </p:txBody>
+      </p:sp>
+      <p:pic>
+        <p:nvPicPr>
+          <p:cNvPr id="4" name="Picture 3"/>
+          <p:cNvPicPr>
+            <a:picLocks noChangeAspect="1"/>
+          </p:cNvPicPr>
+          <p:nvPr/>
+        </p:nvPicPr>
+        <p:blipFill>
+          <a:blip r:embed="rId2"/>
+          <a:stretch>
+            <a:fillRect/>
+          </a:stretch>
+        </p:blipFill>
+        <p:spPr>
+          <a:xfrm>
+            <a:off x="4720492" y="1545474"/>
+            <a:ext cx="4082927" cy="3089675"/>
+          </a:xfrm>
+          <a:prstGeom prst="rect">
+            <a:avLst/>
+          </a:prstGeom>
+        </p:spPr>
+      </p:pic>
+    </p:spTree>
+    <p:extLst>
+      <p:ext uri="{BB962C8B-B14F-4D97-AF65-F5344CB8AC3E}">
+        <p14:creationId xmlns:p14="http://schemas.microsoft.com/office/powerpoint/2010/main" val="595851459"/>
+      </p:ext>
+    </p:extLst>
+  </p:cSld>
+  <p:clrMapOvr>
+    <a:masterClrMapping/>
+  </p:clrMapOvr>
+</p:sld>
+</file>
+
+<file path=ppt/slides/slide18.xml><?xml version="1.0" encoding="utf-8"?>
+<p:sld xmlns:a="http://schemas.openxmlformats.org/drawingml/2006/main" xmlns:r="http://schemas.openxmlformats.org/officeDocument/2006/relationships" xmlns:p="http://schemas.openxmlformats.org/presentationml/2006/main">
+  <p:cSld>
+    <p:spTree>
+      <p:nvGrpSpPr>
+        <p:cNvPr id="1" name=""/>
+        <p:cNvGrpSpPr/>
+        <p:nvPr/>
+      </p:nvGrpSpPr>
+      <p:grpSpPr>
+        <a:xfrm>
+          <a:off x="0" y="0"/>
+          <a:ext cx="0" cy="0"/>
+          <a:chOff x="0" y="0"/>
+          <a:chExt cx="0" cy="0"/>
+        </a:xfrm>
+      </p:grpSpPr>
+      <p:sp>
+        <p:nvSpPr>
+          <p:cNvPr id="2" name="Title 1"/>
+          <p:cNvSpPr>
+            <a:spLocks noGrp="1"/>
+          </p:cNvSpPr>
+          <p:nvPr>
+            <p:ph type="title"/>
+          </p:nvPr>
+        </p:nvSpPr>
+        <p:spPr/>
+        <p:txBody>
+          <a:bodyPr/>
+          <a:lstStyle/>
+          <a:p>
+            <a:endParaRPr lang="fr-FR"/>
           </a:p>
         </p:txBody>
       </p:sp>
@@ -9574,98 +9957,14 @@
           <a:bodyPr/>
           <a:lstStyle/>
           <a:p>
-            <a:pPr lvl="0" indent="-330200">
-              <a:buSzPts val="1600"/>
-              <a:buChar char="❏"/>
-            </a:pPr>
-            <a:r>
-              <a:rPr lang="en-US" sz="1400" dirty="0" smtClean="0"/>
-              <a:t>What </a:t>
-            </a:r>
-            <a:r>
-              <a:rPr lang="en-US" sz="1400" dirty="0"/>
-              <a:t>are strengths of the organization that you have leveraged in your solution</a:t>
-            </a:r>
-            <a:r>
-              <a:rPr lang="en-US" sz="1400" dirty="0" smtClean="0"/>
-              <a:t>?</a:t>
-            </a:r>
-          </a:p>
-          <a:p>
-            <a:pPr lvl="0" indent="-330200">
-              <a:buSzPts val="1600"/>
-              <a:buChar char="❏"/>
-            </a:pPr>
-            <a:r>
-              <a:rPr lang="en-US" sz="1400" dirty="0"/>
-              <a:t>The company has a certain renown in the market as it has been in existence for several years</a:t>
-            </a:r>
-            <a:r>
-              <a:rPr lang="en-US" sz="1400" dirty="0" smtClean="0"/>
-              <a:t>.  </a:t>
-            </a:r>
-          </a:p>
-          <a:p>
-            <a:pPr lvl="0" indent="-330200">
-              <a:buSzPts val="1600"/>
-              <a:buChar char="❏"/>
-            </a:pPr>
-            <a:r>
-              <a:rPr lang="en-US" sz="1400" dirty="0" smtClean="0"/>
-              <a:t>The company has a massive market share.</a:t>
-            </a:r>
-          </a:p>
-          <a:p>
-            <a:pPr lvl="0" indent="-330200">
-              <a:buSzPts val="1600"/>
-              <a:buChar char="❏"/>
-            </a:pPr>
-            <a:r>
-              <a:rPr lang="en-US" sz="1400" dirty="0" smtClean="0"/>
-              <a:t>What </a:t>
-            </a:r>
-            <a:r>
-              <a:rPr lang="en-US" sz="1400" dirty="0"/>
-              <a:t>are weaknesses of the organization that could undermine your solution</a:t>
-            </a:r>
-            <a:r>
-              <a:rPr lang="en-US" sz="1400" dirty="0" smtClean="0"/>
-              <a:t>?</a:t>
-            </a:r>
-          </a:p>
-          <a:p>
-            <a:pPr lvl="0" indent="-330200">
-              <a:buSzPts val="1600"/>
-              <a:buChar char="❏"/>
-            </a:pPr>
-            <a:r>
-              <a:rPr lang="en-US" sz="1400" dirty="0"/>
-              <a:t>it's hard for the company to get new customers.</a:t>
-            </a:r>
-          </a:p>
-          <a:p>
-            <a:pPr lvl="0" indent="-330200">
-              <a:buSzPts val="1600"/>
-              <a:buChar char="❏"/>
-            </a:pPr>
-            <a:r>
-              <a:rPr lang="en-US" sz="1400" dirty="0" smtClean="0"/>
-              <a:t>What </a:t>
-            </a:r>
-            <a:r>
-              <a:rPr lang="en-US" sz="1400" dirty="0"/>
-              <a:t>are challenges that you might encounter? How can you mitigate them?</a:t>
-            </a:r>
-          </a:p>
-          <a:p>
-            <a:endParaRPr lang="en-US" dirty="0"/>
+            <a:endParaRPr lang="fr-FR" dirty="0"/>
           </a:p>
         </p:txBody>
       </p:sp>
     </p:spTree>
     <p:extLst>
       <p:ext uri="{BB962C8B-B14F-4D97-AF65-F5344CB8AC3E}">
-        <p14:creationId xmlns:p14="http://schemas.microsoft.com/office/powerpoint/2010/main" val="1067296685"/>
+        <p14:creationId xmlns:p14="http://schemas.microsoft.com/office/powerpoint/2010/main" val="2648175154"/>
       </p:ext>
     </p:extLst>
   </p:cSld>
@@ -9675,12 +9974,12 @@
 </p:sld>
 </file>
 
-<file path=ppt/slides/slide12.xml><?xml version="1.0" encoding="utf-8"?>
+<file path=ppt/slides/slide19.xml><?xml version="1.0" encoding="utf-8"?>
 <p:sld xmlns:a="http://schemas.openxmlformats.org/drawingml/2006/main" xmlns:r="http://schemas.openxmlformats.org/officeDocument/2006/relationships" xmlns:p="http://schemas.openxmlformats.org/presentationml/2006/main">
   <p:cSld>
     <p:spTree>
       <p:nvGrpSpPr>
-        <p:cNvPr id="1" name="Shape 136"/>
+        <p:cNvPr id="1" name=""/>
         <p:cNvGrpSpPr/>
         <p:nvPr/>
       </p:nvGrpSpPr>
@@ -9694,50 +9993,27 @@
       </p:grpSpPr>
       <p:sp>
         <p:nvSpPr>
-          <p:cNvPr id="137" name="Google Shape;137;p19"/>
-          <p:cNvSpPr txBox="1">
+          <p:cNvPr id="2" name="Title 1"/>
+          <p:cNvSpPr>
             <a:spLocks noGrp="1"/>
           </p:cNvSpPr>
           <p:nvPr>
             <p:ph type="title"/>
           </p:nvPr>
         </p:nvSpPr>
-        <p:spPr>
-          <a:xfrm>
-            <a:off x="729450" y="785250"/>
-            <a:ext cx="7688700" cy="535200"/>
-          </a:xfrm>
-          <a:prstGeom prst="rect">
-            <a:avLst/>
-          </a:prstGeom>
-        </p:spPr>
+        <p:spPr/>
         <p:txBody>
-          <a:bodyPr spcFirstLastPara="1" wrap="square" lIns="91425" tIns="91425" rIns="91425" bIns="91425" anchor="t" anchorCtr="0">
-            <a:noAutofit/>
-          </a:bodyPr>
+          <a:bodyPr/>
           <a:lstStyle/>
           <a:p>
-            <a:pPr marL="0" lvl="0" indent="0" algn="l" rtl="0">
-              <a:spcBef>
-                <a:spcPts val="0"/>
-              </a:spcBef>
-              <a:spcAft>
-                <a:spcPts val="0"/>
-              </a:spcAft>
-              <a:buNone/>
-            </a:pPr>
-            <a:r>
-              <a:rPr lang="en"/>
-              <a:t>References &amp; Appendices</a:t>
-            </a:r>
-            <a:endParaRPr/>
+            <a:endParaRPr lang="en-US"/>
           </a:p>
         </p:txBody>
       </p:sp>
       <p:sp>
         <p:nvSpPr>
-          <p:cNvPr id="138" name="Google Shape;138;p19"/>
-          <p:cNvSpPr txBox="1">
+          <p:cNvPr id="3" name="Text Placeholder 2"/>
+          <p:cNvSpPr>
             <a:spLocks noGrp="1"/>
           </p:cNvSpPr>
           <p:nvPr>
@@ -9746,73 +10022,51 @@
         </p:nvSpPr>
         <p:spPr>
           <a:xfrm>
-            <a:off x="729450" y="1545475"/>
-            <a:ext cx="7688700" cy="2261100"/>
+            <a:off x="824215" y="1600183"/>
+            <a:ext cx="4240153" cy="3034340"/>
+          </a:xfrm>
+        </p:spPr>
+        <p:txBody>
+          <a:bodyPr/>
+          <a:lstStyle/>
+          <a:p>
+            <a:pPr marL="146050" indent="0">
+              <a:buNone/>
+            </a:pPr>
+            <a:endParaRPr lang="en-US" dirty="0"/>
+          </a:p>
+        </p:txBody>
+      </p:sp>
+      <p:pic>
+        <p:nvPicPr>
+          <p:cNvPr id="5" name="Picture 4"/>
+          <p:cNvPicPr>
+            <a:picLocks noChangeAspect="1"/>
+          </p:cNvPicPr>
+          <p:nvPr/>
+        </p:nvPicPr>
+        <p:blipFill>
+          <a:blip r:embed="rId2"/>
+          <a:stretch>
+            <a:fillRect/>
+          </a:stretch>
+        </p:blipFill>
+        <p:spPr>
+          <a:xfrm>
+            <a:off x="5259754" y="1477107"/>
+            <a:ext cx="3071446" cy="2746252"/>
           </a:xfrm>
           <a:prstGeom prst="rect">
             <a:avLst/>
           </a:prstGeom>
         </p:spPr>
-        <p:txBody>
-          <a:bodyPr spcFirstLastPara="1" wrap="square" lIns="91425" tIns="91425" rIns="91425" bIns="91425" anchor="t" anchorCtr="0">
-            <a:noAutofit/>
-          </a:bodyPr>
-          <a:lstStyle/>
-          <a:p>
-            <a:pPr marL="0" lvl="0" indent="0" algn="l" rtl="0">
-              <a:spcBef>
-                <a:spcPts val="0"/>
-              </a:spcBef>
-              <a:spcAft>
-                <a:spcPts val="0"/>
-              </a:spcAft>
-              <a:buNone/>
-            </a:pPr>
-            <a:r>
-              <a:rPr lang="en" sz="1600"/>
-              <a:t>Provide citations for your work and provide resources for your audience to learn more about the technical aspects of your project. Share links to your GitHub repository or accompanying spreadsheets.</a:t>
-            </a:r>
-            <a:endParaRPr sz="1600">
-              <a:solidFill>
-                <a:srgbClr val="000000"/>
-              </a:solidFill>
-            </a:endParaRPr>
-          </a:p>
-          <a:p>
-            <a:pPr marL="0" lvl="0" indent="0" algn="l" rtl="0">
-              <a:spcBef>
-                <a:spcPts val="1600"/>
-              </a:spcBef>
-              <a:spcAft>
-                <a:spcPts val="0"/>
-              </a:spcAft>
-              <a:buNone/>
-            </a:pPr>
-            <a:endParaRPr sz="1600">
-              <a:solidFill>
-                <a:srgbClr val="000000"/>
-              </a:solidFill>
-            </a:endParaRPr>
-          </a:p>
-          <a:p>
-            <a:pPr marL="0" lvl="0" indent="0" algn="l" rtl="0">
-              <a:spcBef>
-                <a:spcPts val="1600"/>
-              </a:spcBef>
-              <a:spcAft>
-                <a:spcPts val="1600"/>
-              </a:spcAft>
-              <a:buNone/>
-            </a:pPr>
-            <a:endParaRPr sz="1600">
-              <a:solidFill>
-                <a:srgbClr val="000000"/>
-              </a:solidFill>
-            </a:endParaRPr>
-          </a:p>
-        </p:txBody>
-      </p:sp>
+      </p:pic>
     </p:spTree>
+    <p:extLst>
+      <p:ext uri="{BB962C8B-B14F-4D97-AF65-F5344CB8AC3E}">
+        <p14:creationId xmlns:p14="http://schemas.microsoft.com/office/powerpoint/2010/main" val="1067114341"/>
+      </p:ext>
+    </p:extLst>
   </p:cSld>
   <p:clrMapOvr>
     <a:masterClrMapping/>
@@ -10128,6 +10382,1085 @@
               <a:ea typeface="Lato"/>
               <a:cs typeface="Lato"/>
               <a:sym typeface="Lato"/>
+            </a:endParaRPr>
+          </a:p>
+        </p:txBody>
+      </p:sp>
+    </p:spTree>
+  </p:cSld>
+  <p:clrMapOvr>
+    <a:masterClrMapping/>
+  </p:clrMapOvr>
+</p:sld>
+</file>
+
+<file path=ppt/slides/slide20.xml><?xml version="1.0" encoding="utf-8"?>
+<p:sld xmlns:a="http://schemas.openxmlformats.org/drawingml/2006/main" xmlns:r="http://schemas.openxmlformats.org/officeDocument/2006/relationships" xmlns:p="http://schemas.openxmlformats.org/presentationml/2006/main">
+  <p:cSld>
+    <p:spTree>
+      <p:nvGrpSpPr>
+        <p:cNvPr id="1" name=""/>
+        <p:cNvGrpSpPr/>
+        <p:nvPr/>
+      </p:nvGrpSpPr>
+      <p:grpSpPr>
+        <a:xfrm>
+          <a:off x="0" y="0"/>
+          <a:ext cx="0" cy="0"/>
+          <a:chOff x="0" y="0"/>
+          <a:chExt cx="0" cy="0"/>
+        </a:xfrm>
+      </p:grpSpPr>
+      <p:sp>
+        <p:nvSpPr>
+          <p:cNvPr id="2" name="Title 1"/>
+          <p:cNvSpPr>
+            <a:spLocks noGrp="1"/>
+          </p:cNvSpPr>
+          <p:nvPr>
+            <p:ph type="title"/>
+          </p:nvPr>
+        </p:nvSpPr>
+        <p:spPr>
+          <a:xfrm>
+            <a:off x="704573" y="63592"/>
+            <a:ext cx="7688700" cy="535200"/>
+          </a:xfrm>
+        </p:spPr>
+        <p:txBody>
+          <a:bodyPr/>
+          <a:lstStyle/>
+          <a:p>
+            <a:r>
+              <a:rPr lang="en-US" dirty="0" smtClean="0"/>
+              <a:t>Bonus</a:t>
+            </a:r>
+            <a:br>
+              <a:rPr lang="en-US" dirty="0" smtClean="0"/>
+            </a:br>
+            <a:r>
+              <a:rPr lang="en-US" dirty="0"/>
+              <a:t> </a:t>
+            </a:r>
+          </a:p>
+        </p:txBody>
+      </p:sp>
+      <p:sp>
+        <p:nvSpPr>
+          <p:cNvPr id="3" name="Text Placeholder 2"/>
+          <p:cNvSpPr>
+            <a:spLocks noGrp="1"/>
+          </p:cNvSpPr>
+          <p:nvPr>
+            <p:ph type="body" idx="1"/>
+          </p:nvPr>
+        </p:nvSpPr>
+        <p:spPr>
+          <a:xfrm>
+            <a:off x="819602" y="772732"/>
+            <a:ext cx="8324398" cy="3992451"/>
+          </a:xfrm>
+        </p:spPr>
+        <p:txBody>
+          <a:bodyPr/>
+          <a:lstStyle/>
+          <a:p>
+            <a:r>
+              <a:rPr lang="en-US" dirty="0" smtClean="0"/>
+              <a:t>The </a:t>
+            </a:r>
+            <a:r>
+              <a:rPr lang="en-US" dirty="0"/>
+              <a:t>company's </a:t>
+            </a:r>
+            <a:r>
+              <a:rPr lang="en-US" dirty="0" smtClean="0"/>
+              <a:t>going to </a:t>
+            </a:r>
+            <a:r>
+              <a:rPr lang="en-US" dirty="0"/>
+              <a:t>take about 29 </a:t>
+            </a:r>
+            <a:r>
+              <a:rPr lang="en-US" dirty="0" smtClean="0"/>
+              <a:t>months to </a:t>
+            </a:r>
+            <a:r>
+              <a:rPr lang="en-US" dirty="0"/>
+              <a:t>lose all his </a:t>
+            </a:r>
+            <a:r>
+              <a:rPr lang="en-US" dirty="0" smtClean="0"/>
+              <a:t>clients.</a:t>
+            </a:r>
+          </a:p>
+          <a:p>
+            <a:r>
+              <a:rPr lang="en-US" dirty="0" smtClean="0"/>
+              <a:t>They </a:t>
+            </a:r>
+            <a:r>
+              <a:rPr lang="en-US" dirty="0"/>
+              <a:t>will lose  the  demographics  independent first because they the will churn in 5 months</a:t>
+            </a:r>
+            <a:endParaRPr lang="en-US" dirty="0" smtClean="0"/>
+          </a:p>
+        </p:txBody>
+      </p:sp>
+    </p:spTree>
+    <p:extLst>
+      <p:ext uri="{BB962C8B-B14F-4D97-AF65-F5344CB8AC3E}">
+        <p14:creationId xmlns:p14="http://schemas.microsoft.com/office/powerpoint/2010/main" val="1969746658"/>
+      </p:ext>
+    </p:extLst>
+  </p:cSld>
+  <p:clrMapOvr>
+    <a:masterClrMapping/>
+  </p:clrMapOvr>
+</p:sld>
+</file>
+
+<file path=ppt/slides/slide21.xml><?xml version="1.0" encoding="utf-8"?>
+<p:sld xmlns:a="http://schemas.openxmlformats.org/drawingml/2006/main" xmlns:r="http://schemas.openxmlformats.org/officeDocument/2006/relationships" xmlns:p="http://schemas.openxmlformats.org/presentationml/2006/main">
+  <p:cSld>
+    <p:spTree>
+      <p:nvGrpSpPr>
+        <p:cNvPr id="1" name=""/>
+        <p:cNvGrpSpPr/>
+        <p:nvPr/>
+      </p:nvGrpSpPr>
+      <p:grpSpPr>
+        <a:xfrm>
+          <a:off x="0" y="0"/>
+          <a:ext cx="0" cy="0"/>
+          <a:chOff x="0" y="0"/>
+          <a:chExt cx="0" cy="0"/>
+        </a:xfrm>
+      </p:grpSpPr>
+      <p:sp>
+        <p:nvSpPr>
+          <p:cNvPr id="2" name="Title 1"/>
+          <p:cNvSpPr>
+            <a:spLocks noGrp="1"/>
+          </p:cNvSpPr>
+          <p:nvPr>
+            <p:ph type="title"/>
+          </p:nvPr>
+        </p:nvSpPr>
+        <p:spPr/>
+        <p:txBody>
+          <a:bodyPr/>
+          <a:lstStyle/>
+          <a:p>
+            <a:r>
+              <a:rPr lang="en-US" dirty="0" smtClean="0"/>
+              <a:t>Radar Chart</a:t>
+            </a:r>
+            <a:endParaRPr lang="en-US" dirty="0"/>
+          </a:p>
+        </p:txBody>
+      </p:sp>
+      <p:pic>
+        <p:nvPicPr>
+          <p:cNvPr id="5" name="Picture 4"/>
+          <p:cNvPicPr>
+            <a:picLocks noChangeAspect="1"/>
+          </p:cNvPicPr>
+          <p:nvPr/>
+        </p:nvPicPr>
+        <p:blipFill>
+          <a:blip r:embed="rId2"/>
+          <a:stretch>
+            <a:fillRect/>
+          </a:stretch>
+        </p:blipFill>
+        <p:spPr>
+          <a:xfrm>
+            <a:off x="0" y="1695938"/>
+            <a:ext cx="4653521" cy="2192155"/>
+          </a:xfrm>
+          <a:prstGeom prst="rect">
+            <a:avLst/>
+          </a:prstGeom>
+        </p:spPr>
+      </p:pic>
+      <p:pic>
+        <p:nvPicPr>
+          <p:cNvPr id="7" name="Picture 6"/>
+          <p:cNvPicPr>
+            <a:picLocks noChangeAspect="1"/>
+          </p:cNvPicPr>
+          <p:nvPr/>
+        </p:nvPicPr>
+        <p:blipFill>
+          <a:blip r:embed="rId3"/>
+          <a:stretch>
+            <a:fillRect/>
+          </a:stretch>
+        </p:blipFill>
+        <p:spPr>
+          <a:xfrm>
+            <a:off x="4306276" y="1695938"/>
+            <a:ext cx="4172799" cy="2036354"/>
+          </a:xfrm>
+          <a:prstGeom prst="rect">
+            <a:avLst/>
+          </a:prstGeom>
+        </p:spPr>
+      </p:pic>
+    </p:spTree>
+    <p:extLst>
+      <p:ext uri="{BB962C8B-B14F-4D97-AF65-F5344CB8AC3E}">
+        <p14:creationId xmlns:p14="http://schemas.microsoft.com/office/powerpoint/2010/main" val="2075561354"/>
+      </p:ext>
+    </p:extLst>
+  </p:cSld>
+  <p:clrMapOvr>
+    <a:masterClrMapping/>
+  </p:clrMapOvr>
+</p:sld>
+</file>
+
+<file path=ppt/slides/slide22.xml><?xml version="1.0" encoding="utf-8"?>
+<p:sld xmlns:a="http://schemas.openxmlformats.org/drawingml/2006/main" xmlns:r="http://schemas.openxmlformats.org/officeDocument/2006/relationships" xmlns:p="http://schemas.openxmlformats.org/presentationml/2006/main">
+  <p:cSld>
+    <p:spTree>
+      <p:nvGrpSpPr>
+        <p:cNvPr id="1" name=""/>
+        <p:cNvGrpSpPr/>
+        <p:nvPr/>
+      </p:nvGrpSpPr>
+      <p:grpSpPr>
+        <a:xfrm>
+          <a:off x="0" y="0"/>
+          <a:ext cx="0" cy="0"/>
+          <a:chOff x="0" y="0"/>
+          <a:chExt cx="0" cy="0"/>
+        </a:xfrm>
+      </p:grpSpPr>
+      <p:sp>
+        <p:nvSpPr>
+          <p:cNvPr id="2" name="Title 1"/>
+          <p:cNvSpPr>
+            <a:spLocks noGrp="1"/>
+          </p:cNvSpPr>
+          <p:nvPr>
+            <p:ph type="title"/>
+          </p:nvPr>
+        </p:nvSpPr>
+        <p:spPr/>
+        <p:txBody>
+          <a:bodyPr/>
+          <a:lstStyle/>
+          <a:p>
+            <a:endParaRPr lang="en-US"/>
+          </a:p>
+        </p:txBody>
+      </p:sp>
+      <p:sp>
+        <p:nvSpPr>
+          <p:cNvPr id="3" name="Text Placeholder 2"/>
+          <p:cNvSpPr>
+            <a:spLocks noGrp="1"/>
+          </p:cNvSpPr>
+          <p:nvPr>
+            <p:ph type="body" idx="1"/>
+          </p:nvPr>
+        </p:nvSpPr>
+        <p:spPr/>
+        <p:txBody>
+          <a:bodyPr/>
+          <a:lstStyle/>
+          <a:p>
+            <a:endParaRPr lang="en-US"/>
+          </a:p>
+        </p:txBody>
+      </p:sp>
+    </p:spTree>
+    <p:extLst>
+      <p:ext uri="{BB962C8B-B14F-4D97-AF65-F5344CB8AC3E}">
+        <p14:creationId xmlns:p14="http://schemas.microsoft.com/office/powerpoint/2010/main" val="1326382628"/>
+      </p:ext>
+    </p:extLst>
+  </p:cSld>
+  <p:clrMapOvr>
+    <a:masterClrMapping/>
+  </p:clrMapOvr>
+</p:sld>
+</file>
+
+<file path=ppt/slides/slide23.xml><?xml version="1.0" encoding="utf-8"?>
+<p:sld xmlns:a="http://schemas.openxmlformats.org/drawingml/2006/main" xmlns:r="http://schemas.openxmlformats.org/officeDocument/2006/relationships" xmlns:p="http://schemas.openxmlformats.org/presentationml/2006/main" show="0">
+  <p:cSld>
+    <p:spTree>
+      <p:nvGrpSpPr>
+        <p:cNvPr id="1" name="Shape 130"/>
+        <p:cNvGrpSpPr/>
+        <p:nvPr/>
+      </p:nvGrpSpPr>
+      <p:grpSpPr>
+        <a:xfrm>
+          <a:off x="0" y="0"/>
+          <a:ext cx="0" cy="0"/>
+          <a:chOff x="0" y="0"/>
+          <a:chExt cx="0" cy="0"/>
+        </a:xfrm>
+      </p:grpSpPr>
+      <p:sp>
+        <p:nvSpPr>
+          <p:cNvPr id="131" name="Google Shape;131;p18"/>
+          <p:cNvSpPr txBox="1">
+            <a:spLocks noGrp="1"/>
+          </p:cNvSpPr>
+          <p:nvPr>
+            <p:ph type="title"/>
+          </p:nvPr>
+        </p:nvSpPr>
+        <p:spPr>
+          <a:xfrm>
+            <a:off x="729450" y="785250"/>
+            <a:ext cx="7688700" cy="535200"/>
+          </a:xfrm>
+          <a:prstGeom prst="rect">
+            <a:avLst/>
+          </a:prstGeom>
+        </p:spPr>
+        <p:txBody>
+          <a:bodyPr spcFirstLastPara="1" wrap="square" lIns="91425" tIns="91425" rIns="91425" bIns="91425" anchor="t" anchorCtr="0">
+            <a:noAutofit/>
+          </a:bodyPr>
+          <a:lstStyle/>
+          <a:p>
+            <a:pPr marL="0" lvl="0" indent="0" algn="l" rtl="0">
+              <a:spcBef>
+                <a:spcPts val="0"/>
+              </a:spcBef>
+              <a:spcAft>
+                <a:spcPts val="0"/>
+              </a:spcAft>
+              <a:buNone/>
+            </a:pPr>
+            <a:r>
+              <a:rPr lang="en" dirty="0"/>
+              <a:t>Discussion &amp; Recommendations</a:t>
+            </a:r>
+            <a:endParaRPr dirty="0"/>
+          </a:p>
+        </p:txBody>
+      </p:sp>
+      <p:sp>
+        <p:nvSpPr>
+          <p:cNvPr id="132" name="Google Shape;132;p18"/>
+          <p:cNvSpPr txBox="1">
+            <a:spLocks noGrp="1"/>
+          </p:cNvSpPr>
+          <p:nvPr>
+            <p:ph type="body" idx="1"/>
+          </p:nvPr>
+        </p:nvSpPr>
+        <p:spPr>
+          <a:xfrm>
+            <a:off x="530425" y="1414475"/>
+            <a:ext cx="7847400" cy="3086100"/>
+          </a:xfrm>
+          <a:prstGeom prst="rect">
+            <a:avLst/>
+          </a:prstGeom>
+        </p:spPr>
+        <p:txBody>
+          <a:bodyPr spcFirstLastPara="1" wrap="square" lIns="91425" tIns="91425" rIns="91425" bIns="91425" anchor="t" anchorCtr="0">
+            <a:noAutofit/>
+          </a:bodyPr>
+          <a:lstStyle/>
+          <a:p>
+            <a:pPr lvl="0" indent="-330200">
+              <a:spcBef>
+                <a:spcPts val="1600"/>
+              </a:spcBef>
+              <a:buSzPts val="1600"/>
+              <a:buChar char="❏"/>
+            </a:pPr>
+            <a:r>
+              <a:rPr lang="en-US" sz="1600" dirty="0" smtClean="0"/>
+              <a:t>My </a:t>
+            </a:r>
+            <a:r>
+              <a:rPr lang="en-US" sz="1600" dirty="0"/>
+              <a:t>proposed solution: In light of competition in the market, which is one of the main causes of the churn, after identifying other reasons why customers have left, the telecom company could innovate its services to make changes that will be much more responsive to customer requirements within the carrier to be able to satisfy them much more</a:t>
+            </a:r>
+            <a:r>
+              <a:rPr lang="en-US" sz="1600" dirty="0" smtClean="0"/>
+              <a:t>.</a:t>
+            </a:r>
+            <a:endParaRPr lang="en-US" sz="1600" dirty="0"/>
+          </a:p>
+        </p:txBody>
+      </p:sp>
+    </p:spTree>
+  </p:cSld>
+  <p:clrMapOvr>
+    <a:masterClrMapping/>
+  </p:clrMapOvr>
+  <mc:AlternateContent xmlns:mc="http://schemas.openxmlformats.org/markup-compatibility/2006" xmlns:p14="http://schemas.microsoft.com/office/powerpoint/2010/main">
+    <mc:Choice Requires="p14">
+      <p:transition spd="slow" p14:dur="2000"/>
+    </mc:Choice>
+    <mc:Fallback xmlns="">
+      <p:transition spd="slow"/>
+    </mc:Fallback>
+  </mc:AlternateContent>
+</p:sld>
+</file>
+
+<file path=ppt/slides/slide24.xml><?xml version="1.0" encoding="utf-8"?>
+<p:sld xmlns:a="http://schemas.openxmlformats.org/drawingml/2006/main" xmlns:r="http://schemas.openxmlformats.org/officeDocument/2006/relationships" xmlns:p="http://schemas.openxmlformats.org/presentationml/2006/main">
+  <p:cSld>
+    <p:spTree>
+      <p:nvGrpSpPr>
+        <p:cNvPr id="1" name=""/>
+        <p:cNvGrpSpPr/>
+        <p:nvPr/>
+      </p:nvGrpSpPr>
+      <p:grpSpPr>
+        <a:xfrm>
+          <a:off x="0" y="0"/>
+          <a:ext cx="0" cy="0"/>
+          <a:chOff x="0" y="0"/>
+          <a:chExt cx="0" cy="0"/>
+        </a:xfrm>
+      </p:grpSpPr>
+      <p:sp>
+        <p:nvSpPr>
+          <p:cNvPr id="2" name="Title 1"/>
+          <p:cNvSpPr>
+            <a:spLocks noGrp="1"/>
+          </p:cNvSpPr>
+          <p:nvPr>
+            <p:ph type="title"/>
+          </p:nvPr>
+        </p:nvSpPr>
+        <p:spPr/>
+        <p:txBody>
+          <a:bodyPr/>
+          <a:lstStyle/>
+          <a:p>
+            <a:r>
+              <a:rPr lang="en" dirty="0"/>
+              <a:t>Discussion &amp; Recommendations</a:t>
+            </a:r>
+            <a:endParaRPr lang="en-US" dirty="0"/>
+          </a:p>
+        </p:txBody>
+      </p:sp>
+      <p:sp>
+        <p:nvSpPr>
+          <p:cNvPr id="3" name="Text Placeholder 2"/>
+          <p:cNvSpPr>
+            <a:spLocks noGrp="1"/>
+          </p:cNvSpPr>
+          <p:nvPr>
+            <p:ph type="body" idx="1"/>
+          </p:nvPr>
+        </p:nvSpPr>
+        <p:spPr>
+          <a:xfrm>
+            <a:off x="729450" y="1320450"/>
+            <a:ext cx="7688700" cy="3392227"/>
+          </a:xfrm>
+        </p:spPr>
+        <p:txBody>
+          <a:bodyPr/>
+          <a:lstStyle/>
+          <a:p>
+            <a:pPr lvl="0" indent="-330200">
+              <a:buSzPts val="1600"/>
+              <a:buChar char="❏"/>
+            </a:pPr>
+            <a:r>
+              <a:rPr lang="en-US" sz="1400" dirty="0" smtClean="0"/>
+              <a:t>What </a:t>
+            </a:r>
+            <a:r>
+              <a:rPr lang="en-US" sz="1400" dirty="0"/>
+              <a:t>are strengths of the organization that you have leveraged in your solution</a:t>
+            </a:r>
+            <a:r>
+              <a:rPr lang="en-US" sz="1400" dirty="0" smtClean="0"/>
+              <a:t>?</a:t>
+            </a:r>
+          </a:p>
+          <a:p>
+            <a:pPr lvl="0" indent="-330200">
+              <a:buSzPts val="1600"/>
+              <a:buChar char="❏"/>
+            </a:pPr>
+            <a:r>
+              <a:rPr lang="en-US" sz="1400" dirty="0"/>
+              <a:t>The company has a certain renown in the market as it has been in existence for several years</a:t>
+            </a:r>
+            <a:r>
+              <a:rPr lang="en-US" sz="1400" dirty="0" smtClean="0"/>
+              <a:t>.  </a:t>
+            </a:r>
+          </a:p>
+          <a:p>
+            <a:pPr lvl="0" indent="-330200">
+              <a:buSzPts val="1600"/>
+              <a:buChar char="❏"/>
+            </a:pPr>
+            <a:r>
+              <a:rPr lang="en-US" sz="1400" dirty="0" smtClean="0"/>
+              <a:t>The company has a massive market share.</a:t>
+            </a:r>
+          </a:p>
+          <a:p>
+            <a:pPr marL="127000" lvl="0" indent="0">
+              <a:buSzPts val="1600"/>
+              <a:buNone/>
+            </a:pPr>
+            <a:endParaRPr lang="en-US" sz="1400" dirty="0" smtClean="0"/>
+          </a:p>
+          <a:p>
+            <a:pPr lvl="0" indent="-330200">
+              <a:buSzPts val="1600"/>
+              <a:buChar char="❏"/>
+            </a:pPr>
+            <a:r>
+              <a:rPr lang="en-US" sz="1400" dirty="0" smtClean="0"/>
+              <a:t>What </a:t>
+            </a:r>
+            <a:r>
+              <a:rPr lang="en-US" sz="1400" dirty="0"/>
+              <a:t>are weaknesses of the organization that could undermine your solution</a:t>
+            </a:r>
+            <a:r>
+              <a:rPr lang="en-US" sz="1400" dirty="0" smtClean="0"/>
+              <a:t>?</a:t>
+            </a:r>
+          </a:p>
+          <a:p>
+            <a:pPr lvl="0" indent="-330200">
+              <a:buSzPts val="1600"/>
+              <a:buChar char="❏"/>
+            </a:pPr>
+            <a:r>
+              <a:rPr lang="en-US" sz="1400" dirty="0"/>
+              <a:t>I</a:t>
+            </a:r>
+            <a:r>
+              <a:rPr lang="en-US" sz="1400" dirty="0" smtClean="0"/>
+              <a:t>t's difficult </a:t>
+            </a:r>
+            <a:r>
+              <a:rPr lang="en-US" sz="1400" dirty="0"/>
+              <a:t>for the company to get new customers</a:t>
+            </a:r>
+            <a:r>
+              <a:rPr lang="en-US" sz="1400" dirty="0" smtClean="0"/>
+              <a:t>.</a:t>
+            </a:r>
+          </a:p>
+          <a:p>
+            <a:pPr marL="127000" lvl="0" indent="0">
+              <a:buSzPts val="1600"/>
+              <a:buNone/>
+            </a:pPr>
+            <a:endParaRPr lang="en-US" sz="1400" dirty="0"/>
+          </a:p>
+          <a:p>
+            <a:pPr lvl="0" indent="-330200">
+              <a:buSzPts val="1600"/>
+              <a:buChar char="❏"/>
+            </a:pPr>
+            <a:r>
+              <a:rPr lang="en-US" sz="1400" dirty="0" smtClean="0"/>
+              <a:t>What </a:t>
+            </a:r>
+            <a:r>
+              <a:rPr lang="en-US" sz="1400" dirty="0"/>
+              <a:t>are challenges that you might encounter? How can you mitigate them</a:t>
+            </a:r>
+            <a:r>
+              <a:rPr lang="en-US" sz="1400" dirty="0" smtClean="0"/>
+              <a:t>?</a:t>
+            </a:r>
+          </a:p>
+          <a:p>
+            <a:pPr lvl="0" indent="-330200">
+              <a:buSzPts val="1600"/>
+              <a:buChar char="❏"/>
+            </a:pPr>
+            <a:r>
+              <a:rPr lang="en-US" sz="1400" dirty="0"/>
+              <a:t>the customers can be a little reluctant despite we have proposed new services much more advantageous.</a:t>
+            </a:r>
+          </a:p>
+          <a:p>
+            <a:pPr lvl="0" indent="-330200">
+              <a:buSzPts val="1600"/>
+              <a:buChar char="❏"/>
+            </a:pPr>
+            <a:r>
+              <a:rPr lang="en-US" sz="1400" dirty="0"/>
+              <a:t>In this case we can generate within the marketing department to make advertising quite real and convincing.</a:t>
+            </a:r>
+          </a:p>
+          <a:p>
+            <a:endParaRPr lang="en-US" dirty="0"/>
+          </a:p>
+        </p:txBody>
+      </p:sp>
+    </p:spTree>
+    <p:extLst>
+      <p:ext uri="{BB962C8B-B14F-4D97-AF65-F5344CB8AC3E}">
+        <p14:creationId xmlns:p14="http://schemas.microsoft.com/office/powerpoint/2010/main" val="1067296685"/>
+      </p:ext>
+    </p:extLst>
+  </p:cSld>
+  <p:clrMapOvr>
+    <a:masterClrMapping/>
+  </p:clrMapOvr>
+</p:sld>
+</file>
+
+<file path=ppt/slides/slide25.xml><?xml version="1.0" encoding="utf-8"?>
+<p:sld xmlns:a="http://schemas.openxmlformats.org/drawingml/2006/main" xmlns:r="http://schemas.openxmlformats.org/officeDocument/2006/relationships" xmlns:p="http://schemas.openxmlformats.org/presentationml/2006/main">
+  <p:cSld>
+    <p:spTree>
+      <p:nvGrpSpPr>
+        <p:cNvPr id="1" name="Shape 136"/>
+        <p:cNvGrpSpPr/>
+        <p:nvPr/>
+      </p:nvGrpSpPr>
+      <p:grpSpPr>
+        <a:xfrm>
+          <a:off x="0" y="0"/>
+          <a:ext cx="0" cy="0"/>
+          <a:chOff x="0" y="0"/>
+          <a:chExt cx="0" cy="0"/>
+        </a:xfrm>
+      </p:grpSpPr>
+      <p:sp>
+        <p:nvSpPr>
+          <p:cNvPr id="137" name="Google Shape;137;p19"/>
+          <p:cNvSpPr txBox="1">
+            <a:spLocks noGrp="1"/>
+          </p:cNvSpPr>
+          <p:nvPr>
+            <p:ph type="title"/>
+          </p:nvPr>
+        </p:nvSpPr>
+        <p:spPr>
+          <a:xfrm>
+            <a:off x="729450" y="785250"/>
+            <a:ext cx="7688700" cy="535200"/>
+          </a:xfrm>
+          <a:prstGeom prst="rect">
+            <a:avLst/>
+          </a:prstGeom>
+        </p:spPr>
+        <p:txBody>
+          <a:bodyPr spcFirstLastPara="1" wrap="square" lIns="91425" tIns="91425" rIns="91425" bIns="91425" anchor="t" anchorCtr="0">
+            <a:noAutofit/>
+          </a:bodyPr>
+          <a:lstStyle/>
+          <a:p>
+            <a:pPr marL="0" lvl="0" indent="0" algn="l" rtl="0">
+              <a:spcBef>
+                <a:spcPts val="0"/>
+              </a:spcBef>
+              <a:spcAft>
+                <a:spcPts val="0"/>
+              </a:spcAft>
+              <a:buNone/>
+            </a:pPr>
+            <a:r>
+              <a:rPr lang="en" dirty="0"/>
+              <a:t>References &amp; Appendices</a:t>
+            </a:r>
+            <a:endParaRPr dirty="0"/>
+          </a:p>
+        </p:txBody>
+      </p:sp>
+      <p:sp>
+        <p:nvSpPr>
+          <p:cNvPr id="138" name="Google Shape;138;p19"/>
+          <p:cNvSpPr txBox="1">
+            <a:spLocks noGrp="1"/>
+          </p:cNvSpPr>
+          <p:nvPr>
+            <p:ph type="body" idx="1"/>
+          </p:nvPr>
+        </p:nvSpPr>
+        <p:spPr>
+          <a:xfrm>
+            <a:off x="729450" y="1545475"/>
+            <a:ext cx="7688700" cy="2261100"/>
+          </a:xfrm>
+          <a:prstGeom prst="rect">
+            <a:avLst/>
+          </a:prstGeom>
+        </p:spPr>
+        <p:txBody>
+          <a:bodyPr spcFirstLastPara="1" wrap="square" lIns="91425" tIns="91425" rIns="91425" bIns="91425" anchor="t" anchorCtr="0">
+            <a:noAutofit/>
+          </a:bodyPr>
+          <a:lstStyle/>
+          <a:p>
+            <a:pPr marL="0" lvl="0" indent="0">
+              <a:spcBef>
+                <a:spcPts val="1600"/>
+              </a:spcBef>
+              <a:buNone/>
+            </a:pPr>
+            <a:r>
+              <a:rPr lang="en-US" sz="1600" dirty="0">
+                <a:hlinkClick r:id="rId3"/>
+              </a:rPr>
+              <a:t>https://medium.com/@</a:t>
+            </a:r>
+            <a:r>
+              <a:rPr lang="en-US" sz="1600" dirty="0" smtClean="0">
+                <a:hlinkClick r:id="rId3"/>
+              </a:rPr>
+              <a:t>randerson112358/predict-customer-churn-using-python-machine-learning-b92f39685f4c</a:t>
+            </a:r>
+            <a:endParaRPr lang="en-US" sz="1600" dirty="0" smtClean="0"/>
+          </a:p>
+          <a:p>
+            <a:pPr marL="0" lvl="0" indent="0">
+              <a:spcBef>
+                <a:spcPts val="1600"/>
+              </a:spcBef>
+              <a:buNone/>
+            </a:pPr>
+            <a:r>
+              <a:rPr lang="en-US" sz="1600" dirty="0">
+                <a:solidFill>
+                  <a:srgbClr val="1155CC"/>
+                </a:solidFill>
+                <a:latin typeface="Arial" panose="020B0604020202020204" pitchFamily="34" charset="0"/>
+                <a:cs typeface="Arial" panose="020B0604020202020204" pitchFamily="34" charset="0"/>
+                <a:hlinkClick r:id="rId4"/>
+              </a:rPr>
+              <a:t/>
+            </a:r>
+            <a:br>
+              <a:rPr lang="en-US" sz="1600" dirty="0">
+                <a:solidFill>
+                  <a:srgbClr val="1155CC"/>
+                </a:solidFill>
+                <a:latin typeface="Arial" panose="020B0604020202020204" pitchFamily="34" charset="0"/>
+                <a:cs typeface="Arial" panose="020B0604020202020204" pitchFamily="34" charset="0"/>
+                <a:hlinkClick r:id="rId4"/>
+              </a:rPr>
+            </a:br>
+            <a:r>
+              <a:rPr lang="en-US" sz="1600" dirty="0">
+                <a:solidFill>
+                  <a:srgbClr val="1155CC"/>
+                </a:solidFill>
+                <a:latin typeface="Arial" panose="020B0604020202020204" pitchFamily="34" charset="0"/>
+                <a:cs typeface="Arial" panose="020B0604020202020204" pitchFamily="34" charset="0"/>
+                <a:hlinkClick r:id="rId4"/>
+              </a:rPr>
+              <a:t>https://github.com/Chvava11/Bi_project_customer_churn</a:t>
+            </a:r>
+            <a:r>
+              <a:rPr lang="en-US" sz="1600" dirty="0">
+                <a:solidFill>
+                  <a:srgbClr val="222222"/>
+                </a:solidFill>
+                <a:latin typeface="Arial" panose="020B0604020202020204" pitchFamily="34" charset="0"/>
+                <a:cs typeface="Arial" panose="020B0604020202020204" pitchFamily="34" charset="0"/>
+              </a:rPr>
+              <a:t> </a:t>
+            </a:r>
+            <a:endParaRPr sz="1600" dirty="0">
+              <a:solidFill>
+                <a:srgbClr val="000000"/>
+              </a:solidFill>
+            </a:endParaRPr>
+          </a:p>
+          <a:p>
+            <a:pPr marL="0" lvl="0" indent="0" algn="l" rtl="0">
+              <a:spcBef>
+                <a:spcPts val="1600"/>
+              </a:spcBef>
+              <a:spcAft>
+                <a:spcPts val="1600"/>
+              </a:spcAft>
+              <a:buNone/>
+            </a:pPr>
+            <a:endParaRPr sz="1600" dirty="0">
+              <a:solidFill>
+                <a:srgbClr val="000000"/>
+              </a:solidFill>
+            </a:endParaRPr>
+          </a:p>
+        </p:txBody>
+      </p:sp>
+      <p:sp>
+        <p:nvSpPr>
+          <p:cNvPr id="2" name="Rectangle 1"/>
+          <p:cNvSpPr>
+            <a:spLocks noChangeArrowheads="1"/>
+          </p:cNvSpPr>
+          <p:nvPr/>
+        </p:nvSpPr>
+        <p:spPr bwMode="auto">
+          <a:xfrm>
+            <a:off x="0" y="-323165"/>
+            <a:ext cx="9144000" cy="646331"/>
+          </a:xfrm>
+          <a:prstGeom prst="rect">
+            <a:avLst/>
+          </a:prstGeom>
+          <a:solidFill>
+            <a:srgbClr val="FFFFFF"/>
+          </a:solidFill>
+          <a:ln>
+            <a:noFill/>
+          </a:ln>
+          <a:effectLst/>
+          <a:extLst>
+            <a:ext uri="{91240B29-F687-4F45-9708-019B960494DF}">
+              <a14:hiddenLine xmlns:a14="http://schemas.microsoft.com/office/drawing/2010/main" w="9525">
+                <a:solidFill>
+                  <a:schemeClr val="tx1"/>
+                </a:solidFill>
+                <a:miter lim="800000"/>
+                <a:headEnd/>
+                <a:tailEnd/>
+              </a14:hiddenLine>
+            </a:ext>
+            <a:ext uri="{AF507438-7753-43E0-B8FC-AC1667EBCBE1}">
+              <a14:hiddenEffects xmlns:a14="http://schemas.microsoft.com/office/drawing/2010/main">
+                <a:effectLst>
+                  <a:outerShdw dist="35921" dir="2700000" algn="ctr" rotWithShape="0">
+                    <a:schemeClr val="bg2"/>
+                  </a:outerShdw>
+                </a:effectLst>
+              </a14:hiddenEffects>
+            </a:ext>
+          </a:extLst>
+        </p:spPr>
+        <p:txBody>
+          <a:bodyPr vert="horz" wrap="square" lIns="91440" tIns="45720" rIns="91440" bIns="45720" numCol="1" anchor="ctr" anchorCtr="0" compatLnSpc="1">
+            <a:prstTxWarp prst="textNoShape">
+              <a:avLst/>
+            </a:prstTxWarp>
+            <a:spAutoFit/>
+          </a:bodyPr>
+          <a:lstStyle>
+            <a:lvl1pPr eaLnBrk="0" fontAlgn="base" hangingPunct="0">
+              <a:spcBef>
+                <a:spcPct val="0"/>
+              </a:spcBef>
+              <a:spcAft>
+                <a:spcPct val="0"/>
+              </a:spcAft>
+              <a:defRPr>
+                <a:solidFill>
+                  <a:schemeClr val="tx1"/>
+                </a:solidFill>
+                <a:latin typeface="Arial" panose="020B0604020202020204" pitchFamily="34" charset="0"/>
+              </a:defRPr>
+            </a:lvl1pPr>
+            <a:lvl2pPr marL="457200" eaLnBrk="0" fontAlgn="base" hangingPunct="0">
+              <a:spcBef>
+                <a:spcPct val="0"/>
+              </a:spcBef>
+              <a:spcAft>
+                <a:spcPct val="0"/>
+              </a:spcAft>
+              <a:defRPr>
+                <a:solidFill>
+                  <a:schemeClr val="tx1"/>
+                </a:solidFill>
+                <a:latin typeface="Arial" panose="020B0604020202020204" pitchFamily="34" charset="0"/>
+              </a:defRPr>
+            </a:lvl2pPr>
+            <a:lvl3pPr marL="914400" eaLnBrk="0" fontAlgn="base" hangingPunct="0">
+              <a:spcBef>
+                <a:spcPct val="0"/>
+              </a:spcBef>
+              <a:spcAft>
+                <a:spcPct val="0"/>
+              </a:spcAft>
+              <a:defRPr>
+                <a:solidFill>
+                  <a:schemeClr val="tx1"/>
+                </a:solidFill>
+                <a:latin typeface="Arial" panose="020B0604020202020204" pitchFamily="34" charset="0"/>
+              </a:defRPr>
+            </a:lvl3pPr>
+            <a:lvl4pPr marL="1371600" eaLnBrk="0" fontAlgn="base" hangingPunct="0">
+              <a:spcBef>
+                <a:spcPct val="0"/>
+              </a:spcBef>
+              <a:spcAft>
+                <a:spcPct val="0"/>
+              </a:spcAft>
+              <a:defRPr>
+                <a:solidFill>
+                  <a:schemeClr val="tx1"/>
+                </a:solidFill>
+                <a:latin typeface="Arial" panose="020B0604020202020204" pitchFamily="34" charset="0"/>
+              </a:defRPr>
+            </a:lvl4pPr>
+            <a:lvl5pPr marL="1828800" eaLnBrk="0" fontAlgn="base" hangingPunct="0">
+              <a:spcBef>
+                <a:spcPct val="0"/>
+              </a:spcBef>
+              <a:spcAft>
+                <a:spcPct val="0"/>
+              </a:spcAft>
+              <a:defRPr>
+                <a:solidFill>
+                  <a:schemeClr val="tx1"/>
+                </a:solidFill>
+                <a:latin typeface="Arial" panose="020B0604020202020204" pitchFamily="34" charset="0"/>
+              </a:defRPr>
+            </a:lvl5pPr>
+            <a:lvl6pPr marL="2286000" eaLnBrk="0" fontAlgn="base" hangingPunct="0">
+              <a:spcBef>
+                <a:spcPct val="0"/>
+              </a:spcBef>
+              <a:spcAft>
+                <a:spcPct val="0"/>
+              </a:spcAft>
+              <a:defRPr>
+                <a:solidFill>
+                  <a:schemeClr val="tx1"/>
+                </a:solidFill>
+                <a:latin typeface="Arial" panose="020B0604020202020204" pitchFamily="34" charset="0"/>
+              </a:defRPr>
+            </a:lvl6pPr>
+            <a:lvl7pPr marL="2743200" eaLnBrk="0" fontAlgn="base" hangingPunct="0">
+              <a:spcBef>
+                <a:spcPct val="0"/>
+              </a:spcBef>
+              <a:spcAft>
+                <a:spcPct val="0"/>
+              </a:spcAft>
+              <a:defRPr>
+                <a:solidFill>
+                  <a:schemeClr val="tx1"/>
+                </a:solidFill>
+                <a:latin typeface="Arial" panose="020B0604020202020204" pitchFamily="34" charset="0"/>
+              </a:defRPr>
+            </a:lvl7pPr>
+            <a:lvl8pPr marL="3200400" eaLnBrk="0" fontAlgn="base" hangingPunct="0">
+              <a:spcBef>
+                <a:spcPct val="0"/>
+              </a:spcBef>
+              <a:spcAft>
+                <a:spcPct val="0"/>
+              </a:spcAft>
+              <a:defRPr>
+                <a:solidFill>
+                  <a:schemeClr val="tx1"/>
+                </a:solidFill>
+                <a:latin typeface="Arial" panose="020B0604020202020204" pitchFamily="34" charset="0"/>
+              </a:defRPr>
+            </a:lvl8pPr>
+            <a:lvl9pPr marL="3657600" eaLnBrk="0" fontAlgn="base" hangingPunct="0">
+              <a:spcBef>
+                <a:spcPct val="0"/>
+              </a:spcBef>
+              <a:spcAft>
+                <a:spcPct val="0"/>
+              </a:spcAft>
+              <a:defRPr>
+                <a:solidFill>
+                  <a:schemeClr val="tx1"/>
+                </a:solidFill>
+                <a:latin typeface="Arial" panose="020B0604020202020204" pitchFamily="34" charset="0"/>
+              </a:defRPr>
+            </a:lvl9pPr>
+          </a:lstStyle>
+          <a:p>
+            <a:pPr marL="0" marR="0" lvl="0" indent="0" algn="l" defTabSz="914400" rtl="0" eaLnBrk="0" fontAlgn="base" latinLnBrk="0" hangingPunct="0">
+              <a:lnSpc>
+                <a:spcPct val="100000"/>
+              </a:lnSpc>
+              <a:spcBef>
+                <a:spcPct val="0"/>
+              </a:spcBef>
+              <a:spcAft>
+                <a:spcPct val="0"/>
+              </a:spcAft>
+              <a:buClrTx/>
+              <a:buSzTx/>
+              <a:buFontTx/>
+              <a:buNone/>
+              <a:tabLst/>
+            </a:pPr>
+            <a:r>
+              <a:rPr kumimoji="0" lang="en-US" sz="1800" b="0" i="0" u="none" strike="noStrike" cap="none" normalizeH="0" baseline="0" dirty="0" smtClean="0">
+                <a:ln>
+                  <a:noFill/>
+                </a:ln>
+                <a:solidFill>
+                  <a:srgbClr val="1155CC"/>
+                </a:solidFill>
+                <a:effectLst/>
+                <a:latin typeface="Arial" panose="020B0604020202020204" pitchFamily="34" charset="0"/>
+                <a:cs typeface="Arial" panose="020B0604020202020204" pitchFamily="34" charset="0"/>
+                <a:hlinkClick r:id="rId4"/>
+              </a:rPr>
+              <a:t/>
+            </a:r>
+            <a:br>
+              <a:rPr kumimoji="0" lang="en-US" sz="1800" b="0" i="0" u="none" strike="noStrike" cap="none" normalizeH="0" baseline="0" dirty="0" smtClean="0">
+                <a:ln>
+                  <a:noFill/>
+                </a:ln>
+                <a:solidFill>
+                  <a:srgbClr val="1155CC"/>
+                </a:solidFill>
+                <a:effectLst/>
+                <a:latin typeface="Arial" panose="020B0604020202020204" pitchFamily="34" charset="0"/>
+                <a:cs typeface="Arial" panose="020B0604020202020204" pitchFamily="34" charset="0"/>
+                <a:hlinkClick r:id="rId4"/>
+              </a:rPr>
+            </a:br>
+            <a:r>
+              <a:rPr kumimoji="0" lang="en-US" sz="1800" b="0" i="0" u="none" strike="noStrike" cap="none" normalizeH="0" baseline="0" dirty="0" smtClean="0">
+                <a:ln>
+                  <a:noFill/>
+                </a:ln>
+                <a:solidFill>
+                  <a:srgbClr val="222222"/>
+                </a:solidFill>
+                <a:effectLst/>
+                <a:latin typeface="Arial" panose="020B0604020202020204" pitchFamily="34" charset="0"/>
+                <a:cs typeface="Arial" panose="020B0604020202020204" pitchFamily="34" charset="0"/>
+              </a:rPr>
+              <a:t> </a:t>
+            </a:r>
+            <a:r>
+              <a:rPr kumimoji="0" lang="en-US" sz="1800" b="0" i="0" u="none" strike="noStrike" cap="none" normalizeH="0" baseline="0" dirty="0" smtClean="0">
+                <a:ln>
+                  <a:noFill/>
+                </a:ln>
+                <a:solidFill>
+                  <a:schemeClr val="tx1"/>
+                </a:solidFill>
+                <a:effectLst/>
+              </a:rPr>
+              <a:t> </a:t>
+            </a:r>
+            <a:endParaRPr kumimoji="0" lang="en-US" sz="1800" b="0" i="0" u="none" strike="noStrike" cap="none" normalizeH="0" baseline="0" dirty="0" smtClean="0">
+              <a:ln>
+                <a:noFill/>
+              </a:ln>
+              <a:solidFill>
+                <a:schemeClr val="tx1"/>
+              </a:solidFill>
+              <a:effectLst/>
+              <a:latin typeface="Arial" panose="020B0604020202020204" pitchFamily="34" charset="0"/>
             </a:endParaRPr>
           </a:p>
         </p:txBody>
@@ -10349,7 +11682,7 @@
           <a:p>
             <a:pPr lvl="0"/>
             <a:r>
-              <a:rPr lang="en-US" i="1" dirty="0"/>
+              <a:rPr lang="en-US" i="1" dirty="0" smtClean="0"/>
               <a:t>I</a:t>
             </a:r>
             <a:r>
@@ -10413,15 +11746,38 @@
           </a:bodyPr>
           <a:lstStyle/>
           <a:p>
-            <a:pPr marL="0" indent="0">
+            <a:pPr marL="0" lvl="0" indent="0">
               <a:spcAft>
                 <a:spcPts val="1600"/>
               </a:spcAft>
               <a:buNone/>
             </a:pPr>
             <a:r>
-              <a:rPr lang="en-US" sz="1600" dirty="0" smtClean="0"/>
-              <a:t>There are about 26.54% of the customers churned</a:t>
+              <a:rPr lang="en-US" sz="1600" dirty="0" smtClean="0">
+                <a:latin typeface="Lato" panose="020B0604020202020204" charset="0"/>
+              </a:rPr>
+              <a:t>The telecompany</a:t>
+            </a:r>
+            <a:r>
+              <a:rPr lang="en-US" sz="1600" dirty="0" smtClean="0">
+                <a:latin typeface="Lato" panose="020B0604020202020204" charset="0"/>
+                <a:cs typeface="Times New Roman" pitchFamily="18" charset="0"/>
+              </a:rPr>
+              <a:t> </a:t>
+            </a:r>
+            <a:r>
+              <a:rPr lang="en-US" sz="1600" dirty="0">
+                <a:latin typeface="Lato" panose="020B0604020202020204" charset="0"/>
+                <a:cs typeface="Times New Roman" pitchFamily="18" charset="0"/>
+              </a:rPr>
+              <a:t>has had </a:t>
+            </a:r>
+            <a:r>
+              <a:rPr lang="en-US" sz="1600" dirty="0" smtClean="0">
+                <a:latin typeface="Lato" panose="020B0604020202020204" charset="0"/>
+                <a:cs typeface="Times New Roman" pitchFamily="18" charset="0"/>
+              </a:rPr>
+              <a:t> a total of 7043 </a:t>
             </a:r>
           </a:p>
           <a:p>
@@ -10432,13 +11788,98 @@
               <a:buNone/>
             </a:pPr>
             <a:r>
-              <a:rPr lang="en-US" sz="1600" dirty="0" smtClean="0"/>
-              <a:t>and </a:t>
-            </a:r>
-            <a:r>
-              <a:rPr lang="en-US" sz="1600" dirty="0"/>
-              <a:t>74.46% of the customers stayed.</a:t>
-            </a:r>
+              <a:rPr lang="en-US" sz="1600" dirty="0" smtClean="0">
+                <a:latin typeface="Lato" panose="020B0604020202020204" charset="0"/>
+                <a:cs typeface="Times New Roman" pitchFamily="18" charset="0"/>
+              </a:rPr>
+              <a:t>customers in </a:t>
+            </a:r>
+            <a:r>
+              <a:rPr lang="en-US" sz="1600" dirty="0">
+                <a:latin typeface="Lato" panose="020B0604020202020204" charset="0"/>
+                <a:cs typeface="Times New Roman" pitchFamily="18" charset="0"/>
+              </a:rPr>
+              <a:t>the past month but </a:t>
+            </a:r>
+            <a:r>
+              <a:rPr lang="en-US" sz="1600" dirty="0" smtClean="0">
+                <a:latin typeface="Lato" panose="020B0604020202020204" charset="0"/>
+                <a:cs typeface="Times New Roman" pitchFamily="18" charset="0"/>
+              </a:rPr>
+              <a:t>has  lost about 1869 customers</a:t>
+            </a:r>
+          </a:p>
+          <a:p>
+            <a:pPr marL="0" lvl="0" indent="0">
+              <a:spcAft>
+                <a:spcPts val="1600"/>
+              </a:spcAft>
+              <a:buNone/>
+            </a:pPr>
+            <a:r>
+              <a:rPr lang="en-US" sz="1600" dirty="0" smtClean="0">
+                <a:latin typeface="Lato" panose="020B0604020202020204" charset="0"/>
+              </a:rPr>
+              <a:t>(26.54%) any category combined and now the company</a:t>
+            </a:r>
+          </a:p>
+          <a:p>
+            <a:pPr marL="0" lvl="0" indent="0">
+              <a:spcAft>
+                <a:spcPts val="1600"/>
+              </a:spcAft>
+              <a:buNone/>
+            </a:pPr>
+            <a:r>
+              <a:rPr lang="en-US" sz="1600" dirty="0" smtClean="0">
+                <a:latin typeface="Lato" panose="020B0604020202020204" charset="0"/>
+                <a:cs typeface="Times New Roman" pitchFamily="18" charset="0"/>
+              </a:rPr>
+              <a:t>have 5174 </a:t>
+            </a:r>
+            <a:r>
+              <a:rPr lang="en-US" sz="1600" dirty="0">
+                <a:latin typeface="Lato" panose="020B0604020202020204" charset="0"/>
+                <a:cs typeface="Times New Roman" pitchFamily="18" charset="0"/>
+              </a:rPr>
+              <a:t>customer </a:t>
+            </a:r>
+            <a:r>
+              <a:rPr lang="en-US" sz="1600" dirty="0" smtClean="0">
+                <a:latin typeface="Lato" panose="020B0604020202020204" charset="0"/>
+                <a:cs typeface="Times New Roman" pitchFamily="18" charset="0"/>
+              </a:rPr>
+              <a:t>(73.46%)</a:t>
+            </a:r>
+            <a:r>
+              <a:rPr lang="fr-CA" sz="1600" dirty="0" smtClean="0">
+                <a:solidFill>
+                  <a:schemeClr val="dk2"/>
+                </a:solidFill>
+                <a:latin typeface="Lato" panose="020B0604020202020204" charset="0"/>
+                <a:ea typeface="Raleway"/>
+                <a:cs typeface="Times New Roman" pitchFamily="18" charset="0"/>
+                <a:sym typeface="Raleway"/>
+              </a:rPr>
+              <a:t>.</a:t>
+            </a:r>
+            <a:endParaRPr lang="fr-CA" sz="1600" dirty="0">
+              <a:solidFill>
+                <a:schemeClr val="dk2"/>
+              </a:solidFill>
+              <a:latin typeface="Lato" panose="020B0604020202020204" charset="0"/>
+              <a:ea typeface="Raleway"/>
+              <a:cs typeface="Times New Roman" pitchFamily="18" charset="0"/>
+              <a:sym typeface="Raleway"/>
+            </a:endParaRPr>
+          </a:p>
+          <a:p>
+            <a:pPr marL="0" lvl="0" indent="0">
+              <a:spcAft>
+                <a:spcPts val="1600"/>
+              </a:spcAft>
+              <a:buNone/>
+            </a:pPr>
             <a:endParaRPr sz="1600" dirty="0"/>
           </a:p>
         </p:txBody>
@@ -10478,25 +11919,16 @@
             <p:ph type="title"/>
           </p:nvPr>
         </p:nvSpPr>
-        <p:spPr>
-          <a:xfrm>
-            <a:off x="605307" y="637509"/>
-            <a:ext cx="7688700" cy="535200"/>
-          </a:xfrm>
-        </p:spPr>
+        <p:spPr/>
         <p:txBody>
           <a:bodyPr/>
           <a:lstStyle/>
           <a:p>
             <a:r>
-              <a:rPr lang="en-US" dirty="0"/>
-              <a:t>Customer demographics </a:t>
-            </a:r>
-            <a:r>
               <a:rPr lang="en-US" dirty="0" smtClean="0"/>
-              <a:t>: Gender</a:t>
-            </a:r>
-            <a:endParaRPr lang="en-US" dirty="0"/>
+              <a:t>How much is churn affecting the company</a:t>
+            </a:r>
+            <a:endParaRPr lang="fr-FR" dirty="0"/>
           </a:p>
         </p:txBody>
       </p:sp>
@@ -10510,12 +11942,7 @@
             <p:ph type="body" idx="1"/>
           </p:nvPr>
         </p:nvSpPr>
-        <p:spPr>
-          <a:xfrm>
-            <a:off x="605307" y="1320450"/>
-            <a:ext cx="8538693" cy="3380339"/>
-          </a:xfrm>
-        </p:spPr>
+        <p:spPr/>
         <p:txBody>
           <a:bodyPr/>
           <a:lstStyle/>
@@ -10524,45 +11951,74 @@
               <a:buNone/>
             </a:pPr>
             <a:r>
-              <a:rPr lang="en-US" dirty="0"/>
-              <a:t>From the plot, it looks like gender does not play a role in customer churn Almost as many</a:t>
-            </a:r>
+              <a:rPr lang="en-US" sz="1400" dirty="0" smtClean="0">
+                <a:solidFill>
+                  <a:schemeClr val="bg2"/>
+                </a:solidFill>
+                <a:latin typeface="Times New Roman" pitchFamily="18" charset="0"/>
+                <a:cs typeface="Times New Roman" pitchFamily="18" charset="0"/>
+              </a:rPr>
+              <a:t>Monthly the company </a:t>
+            </a:r>
+            <a:r>
+              <a:rPr lang="en-US" sz="1400" dirty="0">
+                <a:solidFill>
+                  <a:schemeClr val="bg2"/>
+                </a:solidFill>
+                <a:latin typeface="Times New Roman" pitchFamily="18" charset="0"/>
+                <a:cs typeface="Times New Roman" pitchFamily="18" charset="0"/>
+              </a:rPr>
+              <a:t>lost </a:t>
+            </a:r>
+            <a:r>
+              <a:rPr lang="en-US" sz="1400" dirty="0" smtClean="0">
+                <a:solidFill>
+                  <a:schemeClr val="bg2"/>
+                </a:solidFill>
+                <a:latin typeface="Times New Roman" pitchFamily="18" charset="0"/>
+                <a:cs typeface="Times New Roman" pitchFamily="18" charset="0"/>
+              </a:rPr>
+              <a:t>30.5% of </a:t>
+            </a:r>
+            <a:r>
+              <a:rPr lang="en-US" sz="1400" dirty="0">
+                <a:solidFill>
+                  <a:schemeClr val="bg2"/>
+                </a:solidFill>
+                <a:latin typeface="Times New Roman" pitchFamily="18" charset="0"/>
+                <a:cs typeface="Times New Roman" pitchFamily="18" charset="0"/>
+              </a:rPr>
+              <a:t>the </a:t>
+            </a:r>
+            <a:r>
+              <a:rPr lang="en-US" sz="1400" dirty="0" smtClean="0">
+                <a:solidFill>
+                  <a:schemeClr val="bg2"/>
+                </a:solidFill>
+                <a:latin typeface="Times New Roman" pitchFamily="18" charset="0"/>
+                <a:cs typeface="Times New Roman" pitchFamily="18" charset="0"/>
+              </a:rPr>
+              <a:t>revenue.</a:t>
+            </a:r>
+            <a:endParaRPr lang="en-US" sz="1400" dirty="0">
+              <a:solidFill>
+                <a:schemeClr val="bg2"/>
+              </a:solidFill>
+              <a:latin typeface="Times New Roman" pitchFamily="18" charset="0"/>
+              <a:cs typeface="Times New Roman" pitchFamily="18" charset="0"/>
+            </a:endParaRPr>
           </a:p>
           <a:p>
             <a:pPr marL="146050" indent="0">
               <a:buNone/>
             </a:pPr>
-            <a:r>
-              <a:rPr lang="en-US" dirty="0"/>
-              <a:t>women as men have churned during the past</a:t>
-            </a:r>
-          </a:p>
-          <a:p>
-            <a:pPr marL="146050" indent="0">
-              <a:buNone/>
-            </a:pPr>
-            <a:r>
-              <a:rPr lang="en-US" dirty="0"/>
-              <a:t>month.</a:t>
-            </a:r>
-          </a:p>
-          <a:p>
-            <a:pPr marL="146050" indent="0">
-              <a:buNone/>
-            </a:pPr>
-            <a:endParaRPr lang="en-US" dirty="0"/>
-          </a:p>
-          <a:p>
-            <a:pPr marL="146050" indent="0">
-              <a:buNone/>
-            </a:pPr>
-            <a:endParaRPr lang="en-US" dirty="0"/>
+            <a:endParaRPr lang="fr-FR" dirty="0"/>
           </a:p>
         </p:txBody>
       </p:sp>
       <p:pic>
         <p:nvPicPr>
-          <p:cNvPr id="4" name="Picture 3"/>
+          <p:cNvPr id="4" name="Image 6" descr="churn impact1.png"/>
           <p:cNvPicPr>
             <a:picLocks noChangeAspect="1"/>
           </p:cNvPicPr>
@@ -10576,8 +12032,8 @@
         </p:blipFill>
         <p:spPr>
           <a:xfrm>
-            <a:off x="5241701" y="2137893"/>
-            <a:ext cx="3902299" cy="2421229"/>
+            <a:off x="5717433" y="1514312"/>
+            <a:ext cx="2476520" cy="1161713"/>
           </a:xfrm>
           <a:prstGeom prst="rect">
             <a:avLst/>
@@ -10587,7 +12043,7 @@
     </p:spTree>
     <p:extLst>
       <p:ext uri="{BB962C8B-B14F-4D97-AF65-F5344CB8AC3E}">
-        <p14:creationId xmlns:p14="http://schemas.microsoft.com/office/powerpoint/2010/main" val="2460761159"/>
+        <p14:creationId xmlns:p14="http://schemas.microsoft.com/office/powerpoint/2010/main" val="2522611645"/>
       </p:ext>
     </p:extLst>
   </p:cSld>
@@ -10626,8 +12082,8 @@
         </p:nvSpPr>
         <p:spPr>
           <a:xfrm>
-            <a:off x="729449" y="180304"/>
-            <a:ext cx="7688700" cy="522474"/>
+            <a:off x="605307" y="637509"/>
+            <a:ext cx="7688700" cy="535200"/>
           </a:xfrm>
         </p:spPr>
         <p:txBody>
@@ -10636,19 +12092,79 @@
           <a:p>
             <a:r>
               <a:rPr lang="en-US" dirty="0"/>
-              <a:t>Customer </a:t>
+              <a:t>Customer demographics </a:t>
             </a:r>
             <a:r>
               <a:rPr lang="en-US" dirty="0" smtClean="0"/>
-              <a:t>demographics: Age</a:t>
-            </a:r>
+              <a:t>: Gender</a:t>
+            </a:r>
+            <a:endParaRPr lang="en-US" dirty="0"/>
+          </a:p>
+        </p:txBody>
+      </p:sp>
+      <p:sp>
+        <p:nvSpPr>
+          <p:cNvPr id="3" name="Text Placeholder 2"/>
+          <p:cNvSpPr>
+            <a:spLocks noGrp="1"/>
+          </p:cNvSpPr>
+          <p:nvPr>
+            <p:ph type="body" idx="1"/>
+          </p:nvPr>
+        </p:nvSpPr>
+        <p:spPr>
+          <a:xfrm>
+            <a:off x="605307" y="1320450"/>
+            <a:ext cx="8538693" cy="3380339"/>
+          </a:xfrm>
+        </p:spPr>
+        <p:txBody>
+          <a:bodyPr/>
+          <a:lstStyle/>
+          <a:p>
+            <a:pPr marL="146050" indent="0">
+              <a:buNone/>
+            </a:pPr>
+            <a:r>
+              <a:rPr lang="en-US" dirty="0"/>
+              <a:t>From the plot, it looks like gender does not play a role in customer churn Almost as many</a:t>
+            </a:r>
+          </a:p>
+          <a:p>
+            <a:pPr marL="146050" indent="0">
+              <a:buNone/>
+            </a:pPr>
+            <a:r>
+              <a:rPr lang="en-US" dirty="0"/>
+              <a:t>women as men have churned during the past</a:t>
+            </a:r>
+          </a:p>
+          <a:p>
+            <a:pPr marL="146050" indent="0">
+              <a:buNone/>
+            </a:pPr>
+            <a:r>
+              <a:rPr lang="en-US" dirty="0"/>
+              <a:t>month.</a:t>
+            </a:r>
+          </a:p>
+          <a:p>
+            <a:pPr marL="146050" indent="0">
+              <a:buNone/>
+            </a:pPr>
+            <a:endParaRPr lang="en-US" dirty="0"/>
+          </a:p>
+          <a:p>
+            <a:pPr marL="146050" indent="0">
+              <a:buNone/>
+            </a:pPr>
             <a:endParaRPr lang="en-US" dirty="0"/>
           </a:p>
         </p:txBody>
       </p:sp>
       <p:pic>
         <p:nvPicPr>
-          <p:cNvPr id="4" name="Picture 3"/>
+          <p:cNvPr id="7" name="Picture 6"/>
           <p:cNvPicPr>
             <a:picLocks noChangeAspect="1"/>
           </p:cNvPicPr>
@@ -10662,45 +12178,18 @@
         </p:blipFill>
         <p:spPr>
           <a:xfrm>
-            <a:off x="4971245" y="2066201"/>
-            <a:ext cx="4172755" cy="2196706"/>
+            <a:off x="3005138" y="1914769"/>
+            <a:ext cx="5568340" cy="2786020"/>
           </a:xfrm>
           <a:prstGeom prst="rect">
             <a:avLst/>
           </a:prstGeom>
         </p:spPr>
       </p:pic>
-      <p:sp>
-        <p:nvSpPr>
-          <p:cNvPr id="3" name="Text Placeholder 2"/>
-          <p:cNvSpPr>
-            <a:spLocks noGrp="1"/>
-          </p:cNvSpPr>
-          <p:nvPr>
-            <p:ph type="body" idx="1"/>
-          </p:nvPr>
-        </p:nvSpPr>
-        <p:spPr>
-          <a:xfrm>
-            <a:off x="703690" y="824248"/>
-            <a:ext cx="8384145" cy="3889420"/>
-          </a:xfrm>
-        </p:spPr>
-        <p:txBody>
-          <a:bodyPr/>
-          <a:lstStyle/>
-          <a:p>
-            <a:pPr marL="146050" indent="0">
-              <a:buNone/>
-            </a:pPr>
-            <a:endParaRPr lang="en-US" dirty="0"/>
-          </a:p>
-        </p:txBody>
-      </p:sp>
     </p:spTree>
     <p:extLst>
       <p:ext uri="{BB962C8B-B14F-4D97-AF65-F5344CB8AC3E}">
-        <p14:creationId xmlns:p14="http://schemas.microsoft.com/office/powerpoint/2010/main" val="1041775588"/>
+        <p14:creationId xmlns:p14="http://schemas.microsoft.com/office/powerpoint/2010/main" val="2460761159"/>
       </p:ext>
     </p:extLst>
   </p:cSld>
@@ -10737,25 +12226,83 @@
             <p:ph type="title"/>
           </p:nvPr>
         </p:nvSpPr>
-        <p:spPr/>
+        <p:spPr>
+          <a:xfrm>
+            <a:off x="729449" y="180304"/>
+            <a:ext cx="7688700" cy="522474"/>
+          </a:xfrm>
+        </p:spPr>
         <p:txBody>
           <a:bodyPr/>
           <a:lstStyle/>
           <a:p>
             <a:r>
               <a:rPr lang="en-US" dirty="0"/>
-              <a:t>Services </a:t>
-            </a:r>
-            <a:r>
-              <a:rPr lang="en-US" dirty="0"/>
-              <a:t>used : INTERNET</a:t>
-            </a:r>
+              <a:t>Customer </a:t>
+            </a:r>
+            <a:r>
+              <a:rPr lang="en-US" dirty="0" smtClean="0"/>
+              <a:t>demographics</a:t>
+            </a:r>
+            <a:r>
+              <a:rPr lang="en-US" dirty="0" smtClean="0"/>
+              <a:t>: Age </a:t>
+            </a:r>
+            <a:endParaRPr lang="en-US" dirty="0"/>
+          </a:p>
+        </p:txBody>
+      </p:sp>
+      <p:sp>
+        <p:nvSpPr>
+          <p:cNvPr id="3" name="Text Placeholder 2"/>
+          <p:cNvSpPr>
+            <a:spLocks noGrp="1"/>
+          </p:cNvSpPr>
+          <p:nvPr>
+            <p:ph type="body" idx="1"/>
+          </p:nvPr>
+        </p:nvSpPr>
+        <p:spPr>
+          <a:xfrm>
+            <a:off x="703690" y="824248"/>
+            <a:ext cx="8384145" cy="3943137"/>
+          </a:xfrm>
+        </p:spPr>
+        <p:txBody>
+          <a:bodyPr/>
+          <a:lstStyle/>
+          <a:p>
+            <a:pPr marL="146050" indent="0">
+              <a:buNone/>
+            </a:pPr>
+            <a:r>
+              <a:rPr lang="en-US" dirty="0" smtClean="0"/>
+              <a:t>As we can see </a:t>
+            </a:r>
+            <a:r>
+              <a:rPr lang="en-US" dirty="0" err="1" smtClean="0"/>
+              <a:t>youngs</a:t>
+            </a:r>
+            <a:r>
+              <a:rPr lang="en-US" dirty="0" smtClean="0"/>
+              <a:t> customers churn less than </a:t>
+            </a:r>
+          </a:p>
+          <a:p>
+            <a:pPr marL="146050" indent="0">
+              <a:buNone/>
+            </a:pPr>
+            <a:r>
+              <a:rPr lang="en-US" dirty="0" smtClean="0"/>
+              <a:t>Seniors.  </a:t>
+            </a:r>
+            <a:endParaRPr lang="en-US" dirty="0"/>
           </a:p>
         </p:txBody>
       </p:sp>
       <p:pic>
         <p:nvPicPr>
-          <p:cNvPr id="4" name="Picture 3"/>
+          <p:cNvPr id="6" name="Picture 5"/>
           <p:cNvPicPr>
             <a:picLocks noChangeAspect="1"/>
           </p:cNvPicPr>
@@ -10769,45 +12316,18 @@
         </p:blipFill>
         <p:spPr>
           <a:xfrm>
-            <a:off x="5087155" y="2150772"/>
-            <a:ext cx="4056845" cy="2992728"/>
+            <a:off x="4759569" y="1306984"/>
+            <a:ext cx="4384431" cy="3196493"/>
           </a:xfrm>
           <a:prstGeom prst="rect">
             <a:avLst/>
           </a:prstGeom>
         </p:spPr>
       </p:pic>
-      <p:sp>
-        <p:nvSpPr>
-          <p:cNvPr id="3" name="Text Placeholder 2"/>
-          <p:cNvSpPr>
-            <a:spLocks noGrp="1"/>
-          </p:cNvSpPr>
-          <p:nvPr>
-            <p:ph type="body" idx="1"/>
-          </p:nvPr>
-        </p:nvSpPr>
-        <p:spPr>
-          <a:xfrm>
-            <a:off x="729450" y="1320450"/>
-            <a:ext cx="8414550" cy="3823049"/>
-          </a:xfrm>
-        </p:spPr>
-        <p:txBody>
-          <a:bodyPr/>
-          <a:lstStyle/>
-          <a:p>
-            <a:r>
-              <a:rPr lang="en-US" dirty="0"/>
-              <a:t>The chart above is interesting, because can help us to discriminate retained and churned customers, it shows that most customers that churned had the Fiber optic internet service, and the most customers that were retained had DSL internet service. Maybe the company should only provide DSL as the internet service or stop providing Fiber optics for it’s internet service.</a:t>
-            </a:r>
-          </a:p>
-        </p:txBody>
-      </p:sp>
     </p:spTree>
     <p:extLst>
       <p:ext uri="{BB962C8B-B14F-4D97-AF65-F5344CB8AC3E}">
-        <p14:creationId xmlns:p14="http://schemas.microsoft.com/office/powerpoint/2010/main" val="2672019679"/>
+        <p14:creationId xmlns:p14="http://schemas.microsoft.com/office/powerpoint/2010/main" val="1041775588"/>
       </p:ext>
     </p:extLst>
   </p:cSld>
@@ -10836,7 +12356,7 @@
       </p:grpSpPr>
       <p:sp>
         <p:nvSpPr>
-          <p:cNvPr id="3" name="Text Placeholder 2"/>
+          <p:cNvPr id="2" name="Text Placeholder 1"/>
           <p:cNvSpPr>
             <a:spLocks noGrp="1"/>
           </p:cNvSpPr>
@@ -10846,80 +12366,46 @@
         </p:nvSpPr>
         <p:spPr>
           <a:xfrm>
-            <a:off x="729450" y="1414586"/>
-            <a:ext cx="7688700" cy="3313722"/>
+            <a:off x="529565" y="2149231"/>
+            <a:ext cx="7697400" cy="839389"/>
           </a:xfrm>
         </p:spPr>
         <p:txBody>
           <a:bodyPr/>
           <a:lstStyle/>
           <a:p>
-            <a:r>
-              <a:rPr lang="en-US" dirty="0" smtClean="0"/>
-              <a:t> </a:t>
-            </a:r>
-            <a:endParaRPr lang="en-US" dirty="0"/>
+            <a:pPr marL="0" lvl="0" indent="0" algn="ctr">
+              <a:buSzPts val="2600"/>
+            </a:pPr>
+            <a:r>
+              <a:rPr lang="en-US" sz="2400" b="1" i="1" dirty="0">
+                <a:solidFill>
+                  <a:srgbClr val="666666"/>
+                </a:solidFill>
+              </a:rPr>
+              <a:t>DISTRIBUTION OF CHURN BY</a:t>
+            </a:r>
+          </a:p>
+          <a:p>
+            <a:pPr marL="0" lvl="0" indent="0" algn="ctr">
+              <a:buSzPts val="2600"/>
+            </a:pPr>
+            <a:r>
+              <a:rPr lang="en-US" sz="2400" b="1" i="1" dirty="0" smtClean="0">
+                <a:solidFill>
+                  <a:srgbClr val="434343"/>
+                </a:solidFill>
+              </a:rPr>
+              <a:t>SERVICES</a:t>
+            </a:r>
+            <a:endParaRPr lang="fr-FR" sz="2400" b="1" i="1" dirty="0"/>
           </a:p>
         </p:txBody>
       </p:sp>
-      <p:sp>
-        <p:nvSpPr>
-          <p:cNvPr id="4" name="Title 3"/>
-          <p:cNvSpPr>
-            <a:spLocks noGrp="1"/>
-          </p:cNvSpPr>
-          <p:nvPr>
-            <p:ph type="title"/>
-          </p:nvPr>
-        </p:nvSpPr>
-        <p:spPr/>
-        <p:txBody>
-          <a:bodyPr/>
-          <a:lstStyle/>
-          <a:p>
-            <a:r>
-              <a:rPr lang="en-US" smtClean="0"/>
-              <a:t>ervices</a:t>
-            </a:r>
-            <a:r>
-              <a:rPr lang="en-US" dirty="0" smtClean="0"/>
-              <a:t> </a:t>
-            </a:r>
-            <a:r>
-              <a:rPr lang="en-US" dirty="0"/>
-              <a:t>typically purchased by customers who churned</a:t>
-            </a:r>
-          </a:p>
-        </p:txBody>
-      </p:sp>
-      <p:pic>
-        <p:nvPicPr>
-          <p:cNvPr id="5" name="Picture 4"/>
-          <p:cNvPicPr>
-            <a:picLocks noChangeAspect="1"/>
-          </p:cNvPicPr>
-          <p:nvPr/>
-        </p:nvPicPr>
-        <p:blipFill>
-          <a:blip r:embed="rId2"/>
-          <a:stretch>
-            <a:fillRect/>
-          </a:stretch>
-        </p:blipFill>
-        <p:spPr>
-          <a:xfrm>
-            <a:off x="5238384" y="1633415"/>
-            <a:ext cx="3905616" cy="2775804"/>
-          </a:xfrm>
-          <a:prstGeom prst="rect">
-            <a:avLst/>
-          </a:prstGeom>
-        </p:spPr>
-      </p:pic>
     </p:spTree>
     <p:extLst>
       <p:ext uri="{BB962C8B-B14F-4D97-AF65-F5344CB8AC3E}">
-        <p14:creationId xmlns:p14="http://schemas.microsoft.com/office/powerpoint/2010/main" val="812885212"/>
+        <p14:creationId xmlns:p14="http://schemas.microsoft.com/office/powerpoint/2010/main" val="2635783170"/>
       </p:ext>
     </p:extLst>
   </p:cSld>
@@ -10956,26 +12442,18 @@
             <p:ph type="title"/>
           </p:nvPr>
         </p:nvSpPr>
-        <p:spPr>
-          <a:xfrm>
-            <a:off x="704573" y="63592"/>
-            <a:ext cx="7688700" cy="535200"/>
-          </a:xfrm>
-        </p:spPr>
+        <p:spPr/>
         <p:txBody>
           <a:bodyPr/>
           <a:lstStyle/>
           <a:p>
             <a:r>
               <a:rPr lang="en-US" dirty="0" smtClean="0"/>
-              <a:t>Bonus</a:t>
-            </a:r>
-            <a:br>
-              <a:rPr lang="en-US" dirty="0" smtClean="0"/>
-            </a:br>
+              <a:t>Service </a:t>
+            </a:r>
             <a:r>
               <a:rPr lang="en-US" dirty="0"/>
-              <a:t> </a:t>
+              <a:t>INTERNET</a:t>
             </a:r>
           </a:p>
         </p:txBody>
@@ -10992,8 +12470,8 @@
         </p:nvSpPr>
         <p:spPr>
           <a:xfrm>
-            <a:off x="819602" y="772732"/>
-            <a:ext cx="8324398" cy="3992451"/>
+            <a:off x="729450" y="1320450"/>
+            <a:ext cx="8414550" cy="3823049"/>
           </a:xfrm>
         </p:spPr>
         <p:txBody>
@@ -11001,51 +12479,40 @@
           <a:lstStyle/>
           <a:p>
             <a:r>
-              <a:rPr lang="en-US" dirty="0" smtClean="0"/>
-              <a:t>The </a:t>
-            </a:r>
-            <a:r>
               <a:rPr lang="en-US" dirty="0"/>
-              <a:t>company's </a:t>
-            </a:r>
-            <a:r>
-              <a:rPr lang="en-US" dirty="0" smtClean="0"/>
-              <a:t>going to </a:t>
-            </a:r>
-            <a:r>
-              <a:rPr lang="en-US" dirty="0"/>
-              <a:t>take about 29 </a:t>
-            </a:r>
-            <a:r>
-              <a:rPr lang="en-US" dirty="0" smtClean="0"/>
-              <a:t>months to </a:t>
-            </a:r>
-            <a:r>
-              <a:rPr lang="en-US" dirty="0"/>
-              <a:t>lose all his </a:t>
-            </a:r>
-            <a:r>
-              <a:rPr lang="en-US" dirty="0" smtClean="0"/>
-              <a:t>clients.</a:t>
-            </a:r>
-          </a:p>
-          <a:p>
-            <a:r>
-              <a:rPr lang="en-US" dirty="0" smtClean="0"/>
-              <a:t>They </a:t>
-            </a:r>
-            <a:r>
-              <a:rPr lang="en-US" dirty="0"/>
-              <a:t>will lose  the  demographics  independent first because they the will churn in 5 months</a:t>
-            </a:r>
-            <a:endParaRPr lang="en-US" dirty="0" smtClean="0"/>
+              <a:t>The chart above is interesting, because can help us to discriminate retained and churned customers, it shows that most customers that churned had the Fiber optic internet service, and the most customers that were retained had DSL internet service. Maybe the company should only provide DSL as the internet service or stop providing Fiber optics for it’s internet service.</a:t>
+            </a:r>
           </a:p>
         </p:txBody>
       </p:sp>
+      <p:pic>
+        <p:nvPicPr>
+          <p:cNvPr id="6" name="Picture 5"/>
+          <p:cNvPicPr>
+            <a:picLocks noChangeAspect="1"/>
+          </p:cNvPicPr>
+          <p:nvPr/>
+        </p:nvPicPr>
+        <p:blipFill>
+          <a:blip r:embed="rId2"/>
+          <a:stretch>
+            <a:fillRect/>
+          </a:stretch>
+        </p:blipFill>
+        <p:spPr>
+          <a:xfrm>
+            <a:off x="3923323" y="2352431"/>
+            <a:ext cx="5040923" cy="2352431"/>
+          </a:xfrm>
+          <a:prstGeom prst="rect">
+            <a:avLst/>
+          </a:prstGeom>
+        </p:spPr>
+      </p:pic>
     </p:spTree>
     <p:extLst>
       <p:ext uri="{BB962C8B-B14F-4D97-AF65-F5344CB8AC3E}">
-        <p14:creationId xmlns:p14="http://schemas.microsoft.com/office/powerpoint/2010/main" val="1969746658"/>
+        <p14:creationId xmlns:p14="http://schemas.microsoft.com/office/powerpoint/2010/main" val="2672019679"/>
       </p:ext>
     </p:extLst>
   </p:cSld>

--- a/Result/Vanessa’s project .pptx
+++ b/Result/Vanessa’s project .pptx
@@ -5,7 +5,7 @@
     <p:sldMasterId id="2147483660" r:id="rId1"/>
   </p:sldMasterIdLst>
   <p:notesMasterIdLst>
-    <p:notesMasterId r:id="rId27"/>
+    <p:notesMasterId r:id="rId28"/>
   </p:notesMasterIdLst>
   <p:sldIdLst>
     <p:sldId id="256" r:id="rId2"/>
@@ -25,40 +25,41 @@
     <p:sldId id="276" r:id="rId16"/>
     <p:sldId id="278" r:id="rId17"/>
     <p:sldId id="279" r:id="rId18"/>
-    <p:sldId id="280" r:id="rId19"/>
+    <p:sldId id="282" r:id="rId19"/>
     <p:sldId id="270" r:id="rId20"/>
-    <p:sldId id="263" r:id="rId21"/>
-    <p:sldId id="268" r:id="rId22"/>
-    <p:sldId id="271" r:id="rId23"/>
-    <p:sldId id="260" r:id="rId24"/>
-    <p:sldId id="264" r:id="rId25"/>
-    <p:sldId id="261" r:id="rId26"/>
+    <p:sldId id="283" r:id="rId21"/>
+    <p:sldId id="284" r:id="rId22"/>
+    <p:sldId id="263" r:id="rId23"/>
+    <p:sldId id="268" r:id="rId24"/>
+    <p:sldId id="285" r:id="rId25"/>
+    <p:sldId id="264" r:id="rId26"/>
+    <p:sldId id="261" r:id="rId27"/>
   </p:sldIdLst>
   <p:sldSz cx="9144000" cy="5143500" type="screen16x9"/>
   <p:notesSz cx="6858000" cy="9144000"/>
   <p:embeddedFontLst>
     <p:embeddedFont>
       <p:font typeface="Lato" panose="020B0604020202020204" charset="0"/>
-      <p:regular r:id="rId28"/>
-      <p:bold r:id="rId29"/>
-      <p:italic r:id="rId30"/>
-      <p:boldItalic r:id="rId31"/>
+      <p:regular r:id="rId29"/>
+      <p:bold r:id="rId30"/>
+      <p:italic r:id="rId31"/>
+      <p:boldItalic r:id="rId32"/>
     </p:embeddedFont>
     <p:embeddedFont>
       <p:font typeface="Andalus" panose="02020603050405020304" pitchFamily="18" charset="-78"/>
-      <p:regular r:id="rId32"/>
+      <p:regular r:id="rId33"/>
     </p:embeddedFont>
     <p:embeddedFont>
       <p:font typeface="Encode Sans SemiBold" panose="020B0604020202020204" charset="0"/>
-      <p:regular r:id="rId33"/>
-      <p:bold r:id="rId34"/>
+      <p:regular r:id="rId34"/>
+      <p:bold r:id="rId35"/>
     </p:embeddedFont>
     <p:embeddedFont>
       <p:font typeface="Raleway" panose="020B0604020202020204" charset="0"/>
-      <p:regular r:id="rId35"/>
-      <p:bold r:id="rId36"/>
-      <p:italic r:id="rId37"/>
-      <p:boldItalic r:id="rId38"/>
+      <p:regular r:id="rId36"/>
+      <p:bold r:id="rId37"/>
+      <p:italic r:id="rId38"/>
+      <p:boldItalic r:id="rId39"/>
     </p:embeddedFont>
   </p:embeddedFontLst>
   <p:defaultTextStyle>
@@ -312,16 +313,17 @@
             <p14:sldId id="276"/>
             <p14:sldId id="278"/>
             <p14:sldId id="279"/>
-            <p14:sldId id="280"/>
+            <p14:sldId id="282"/>
             <p14:sldId id="270"/>
+            <p14:sldId id="283"/>
+            <p14:sldId id="284"/>
             <p14:sldId id="263"/>
           </p14:sldIdLst>
         </p14:section>
         <p14:section name="Untitled Section" id="{6042DD47-931A-4734-AF68-FC36C23829FB}">
           <p14:sldIdLst>
             <p14:sldId id="268"/>
-            <p14:sldId id="271"/>
-            <p14:sldId id="260"/>
+            <p14:sldId id="285"/>
             <p14:sldId id="264"/>
             <p14:sldId id="261"/>
           </p14:sldIdLst>
@@ -1229,115 +1231,6 @@
 </file>
 
 <file path=ppt/notesSlides/notesSlide5.xml><?xml version="1.0" encoding="utf-8"?>
-<p:notes xmlns:a="http://schemas.openxmlformats.org/drawingml/2006/main" xmlns:r="http://schemas.openxmlformats.org/officeDocument/2006/relationships" xmlns:p="http://schemas.openxmlformats.org/presentationml/2006/main" showMasterSp="0" showMasterPhAnim="0">
-  <p:cSld>
-    <p:spTree>
-      <p:nvGrpSpPr>
-        <p:cNvPr id="1" name="Shape 127"/>
-        <p:cNvGrpSpPr/>
-        <p:nvPr/>
-      </p:nvGrpSpPr>
-      <p:grpSpPr>
-        <a:xfrm>
-          <a:off x="0" y="0"/>
-          <a:ext cx="0" cy="0"/>
-          <a:chOff x="0" y="0"/>
-          <a:chExt cx="0" cy="0"/>
-        </a:xfrm>
-      </p:grpSpPr>
-      <p:sp>
-        <p:nvSpPr>
-          <p:cNvPr id="128" name="Google Shape;128;g879690bf82_3_0:notes"/>
-          <p:cNvSpPr>
-            <a:spLocks noGrp="1" noRot="1" noChangeAspect="1"/>
-          </p:cNvSpPr>
-          <p:nvPr>
-            <p:ph type="sldImg" idx="2"/>
-          </p:nvPr>
-        </p:nvSpPr>
-        <p:spPr>
-          <a:xfrm>
-            <a:off x="381000" y="685800"/>
-            <a:ext cx="6096000" cy="3429000"/>
-          </a:xfrm>
-          <a:custGeom>
-            <a:avLst/>
-            <a:gdLst/>
-            <a:ahLst/>
-            <a:cxnLst/>
-            <a:rect l="l" t="t" r="r" b="b"/>
-            <a:pathLst>
-              <a:path w="120000" h="120000" extrusionOk="0">
-                <a:moveTo>
-                  <a:pt x="0" y="0"/>
-                </a:moveTo>
-                <a:lnTo>
-                  <a:pt x="120000" y="0"/>
-                </a:lnTo>
-                <a:lnTo>
-                  <a:pt x="120000" y="120000"/>
-                </a:lnTo>
-                <a:lnTo>
-                  <a:pt x="0" y="120000"/>
-                </a:lnTo>
-                <a:close/>
-              </a:path>
-            </a:pathLst>
-          </a:custGeom>
-        </p:spPr>
-      </p:sp>
-      <p:sp>
-        <p:nvSpPr>
-          <p:cNvPr id="129" name="Google Shape;129;g879690bf82_3_0:notes"/>
-          <p:cNvSpPr txBox="1">
-            <a:spLocks noGrp="1"/>
-          </p:cNvSpPr>
-          <p:nvPr>
-            <p:ph type="body" idx="1"/>
-          </p:nvPr>
-        </p:nvSpPr>
-        <p:spPr>
-          <a:xfrm>
-            <a:off x="685800" y="4343400"/>
-            <a:ext cx="5486400" cy="4114800"/>
-          </a:xfrm>
-          <a:prstGeom prst="rect">
-            <a:avLst/>
-          </a:prstGeom>
-        </p:spPr>
-        <p:txBody>
-          <a:bodyPr spcFirstLastPara="1" wrap="square" lIns="91425" tIns="91425" rIns="91425" bIns="91425" anchor="t" anchorCtr="0">
-            <a:noAutofit/>
-          </a:bodyPr>
-          <a:lstStyle/>
-          <a:p>
-            <a:pPr marL="0" lvl="0" indent="0" algn="l" rtl="0">
-              <a:spcBef>
-                <a:spcPts val="0"/>
-              </a:spcBef>
-              <a:spcAft>
-                <a:spcPts val="0"/>
-              </a:spcAft>
-              <a:buNone/>
-            </a:pPr>
-            <a:endParaRPr/>
-          </a:p>
-        </p:txBody>
-      </p:sp>
-    </p:spTree>
-    <p:extLst>
-      <p:ext uri="{BB962C8B-B14F-4D97-AF65-F5344CB8AC3E}">
-        <p14:creationId xmlns:p14="http://schemas.microsoft.com/office/powerpoint/2010/main" val="2779992574"/>
-      </p:ext>
-    </p:extLst>
-  </p:cSld>
-  <p:clrMapOvr>
-    <a:masterClrMapping/>
-  </p:clrMapOvr>
-</p:notes>
-</file>
-
-<file path=ppt/notesSlides/notesSlide6.xml><?xml version="1.0" encoding="utf-8"?>
 <p:notes xmlns:a="http://schemas.openxmlformats.org/drawingml/2006/main" xmlns:r="http://schemas.openxmlformats.org/officeDocument/2006/relationships" xmlns:p="http://schemas.openxmlformats.org/presentationml/2006/main" showMasterSp="0" showMasterPhAnim="0">
   <p:cSld>
     <p:spTree>
@@ -8916,11 +8809,7 @@
             </a:pPr>
             <a:r>
               <a:rPr lang="en-US" dirty="0" smtClean="0"/>
-              <a:t> </a:t>
-            </a:r>
-            <a:r>
-              <a:rPr lang="en-US" dirty="0" smtClean="0"/>
-              <a:t>                                                                                                                     </a:t>
+              <a:t>                                                                                                                      </a:t>
             </a:r>
             <a:endParaRPr lang="en-US" dirty="0"/>
           </a:p>
@@ -9933,38 +9822,53 @@
             <p:ph type="title"/>
           </p:nvPr>
         </p:nvSpPr>
-        <p:spPr/>
+        <p:spPr>
+          <a:xfrm>
+            <a:off x="666927" y="2453834"/>
+            <a:ext cx="7688400" cy="922412"/>
+          </a:xfrm>
+        </p:spPr>
         <p:txBody>
           <a:bodyPr/>
           <a:lstStyle/>
           <a:p>
-            <a:endParaRPr lang="fr-FR"/>
-          </a:p>
-        </p:txBody>
-      </p:sp>
-      <p:sp>
-        <p:nvSpPr>
-          <p:cNvPr id="3" name="Text Placeholder 2"/>
-          <p:cNvSpPr>
-            <a:spLocks noGrp="1"/>
-          </p:cNvSpPr>
-          <p:nvPr>
-            <p:ph type="body" idx="1"/>
-          </p:nvPr>
-        </p:nvSpPr>
-        <p:spPr/>
-        <p:txBody>
-          <a:bodyPr/>
-          <a:lstStyle/>
-          <a:p>
-            <a:endParaRPr lang="fr-FR" dirty="0"/>
+            <a:pPr lvl="0"/>
+            <a:r>
+              <a:rPr lang="en-US" sz="2800" i="1" dirty="0">
+                <a:solidFill>
+                  <a:srgbClr val="666666"/>
+                </a:solidFill>
+                <a:latin typeface="Lato" panose="020B0604020202020204" charset="0"/>
+              </a:rPr>
+              <a:t>DISTRIBUTION OF CHURN BY</a:t>
+            </a:r>
+            <a:br>
+              <a:rPr lang="en-US" sz="2800" i="1" dirty="0">
+                <a:solidFill>
+                  <a:srgbClr val="666666"/>
+                </a:solidFill>
+                <a:latin typeface="Lato" panose="020B0604020202020204" charset="0"/>
+              </a:rPr>
+            </a:br>
+            <a:r>
+              <a:rPr lang="en-US" i="1" dirty="0">
+                <a:solidFill>
+                  <a:srgbClr val="434343"/>
+                </a:solidFill>
+                <a:latin typeface="Lato" panose="020B0604020202020204" charset="0"/>
+              </a:rPr>
+              <a:t>BILLING INFORMATION</a:t>
+            </a:r>
+            <a:endParaRPr lang="fr-FR" i="1" dirty="0">
+              <a:latin typeface="Lato" panose="020B0604020202020204" charset="0"/>
+            </a:endParaRPr>
           </a:p>
         </p:txBody>
       </p:sp>
     </p:spTree>
     <p:extLst>
       <p:ext uri="{BB962C8B-B14F-4D97-AF65-F5344CB8AC3E}">
-        <p14:creationId xmlns:p14="http://schemas.microsoft.com/office/powerpoint/2010/main" val="2648175154"/>
+        <p14:creationId xmlns:p14="http://schemas.microsoft.com/office/powerpoint/2010/main" val="3480535512"/>
       </p:ext>
     </p:extLst>
   </p:cSld>
@@ -10006,7 +9910,15 @@
           <a:bodyPr/>
           <a:lstStyle/>
           <a:p>
-            <a:endParaRPr lang="en-US"/>
+            <a:r>
+              <a:rPr lang="en-US" dirty="0" err="1" smtClean="0"/>
+              <a:t>PaymentMethod</a:t>
+            </a:r>
+            <a:r>
+              <a:rPr lang="en-US" dirty="0" smtClean="0"/>
+              <a:t> </a:t>
+            </a:r>
+            <a:endParaRPr lang="en-US" dirty="0"/>
           </a:p>
         </p:txBody>
       </p:sp>
@@ -10033,6 +9945,10 @@
             <a:pPr marL="146050" indent="0">
               <a:buNone/>
             </a:pPr>
+            <a:r>
+              <a:rPr lang="en-US" dirty="0" smtClean="0"/>
+              <a:t>Customers with electronic check churn more.</a:t>
+            </a:r>
             <a:endParaRPr lang="en-US" dirty="0"/>
           </a:p>
         </p:txBody>
@@ -10421,6 +10337,222 @@
             <p:ph type="title"/>
           </p:nvPr>
         </p:nvSpPr>
+        <p:spPr/>
+        <p:txBody>
+          <a:bodyPr/>
+          <a:lstStyle/>
+          <a:p>
+            <a:r>
+              <a:rPr lang="en-US" dirty="0" smtClean="0"/>
+              <a:t>Contract</a:t>
+            </a:r>
+            <a:endParaRPr lang="fr-FR" dirty="0"/>
+          </a:p>
+        </p:txBody>
+      </p:sp>
+      <p:sp>
+        <p:nvSpPr>
+          <p:cNvPr id="3" name="Text Placeholder 2"/>
+          <p:cNvSpPr>
+            <a:spLocks noGrp="1"/>
+          </p:cNvSpPr>
+          <p:nvPr>
+            <p:ph type="body" idx="1"/>
+          </p:nvPr>
+        </p:nvSpPr>
+        <p:spPr>
+          <a:xfrm>
+            <a:off x="664308" y="1607998"/>
+            <a:ext cx="3860800" cy="2261100"/>
+          </a:xfrm>
+        </p:spPr>
+        <p:txBody>
+          <a:bodyPr/>
+          <a:lstStyle/>
+          <a:p>
+            <a:pPr marL="146050" indent="0">
+              <a:buNone/>
+            </a:pPr>
+            <a:r>
+              <a:rPr lang="en-US" dirty="0" smtClean="0"/>
+              <a:t>Customers with a month to month contract are those who churn more and we can see customers with one year contract churn a little bit more than the two years contract .</a:t>
+            </a:r>
+            <a:endParaRPr lang="fr-FR" dirty="0"/>
+          </a:p>
+        </p:txBody>
+      </p:sp>
+      <p:pic>
+        <p:nvPicPr>
+          <p:cNvPr id="4" name="Picture 3"/>
+          <p:cNvPicPr>
+            <a:picLocks noChangeAspect="1"/>
+          </p:cNvPicPr>
+          <p:nvPr/>
+        </p:nvPicPr>
+        <p:blipFill>
+          <a:blip r:embed="rId2"/>
+          <a:stretch>
+            <a:fillRect/>
+          </a:stretch>
+        </p:blipFill>
+        <p:spPr>
+          <a:xfrm>
+            <a:off x="4587630" y="1607997"/>
+            <a:ext cx="3830520" cy="2261101"/>
+          </a:xfrm>
+          <a:prstGeom prst="rect">
+            <a:avLst/>
+          </a:prstGeom>
+        </p:spPr>
+      </p:pic>
+    </p:spTree>
+    <p:extLst>
+      <p:ext uri="{BB962C8B-B14F-4D97-AF65-F5344CB8AC3E}">
+        <p14:creationId xmlns:p14="http://schemas.microsoft.com/office/powerpoint/2010/main" val="371195741"/>
+      </p:ext>
+    </p:extLst>
+  </p:cSld>
+  <p:clrMapOvr>
+    <a:masterClrMapping/>
+  </p:clrMapOvr>
+</p:sld>
+</file>
+
+<file path=ppt/slides/slide21.xml><?xml version="1.0" encoding="utf-8"?>
+<p:sld xmlns:a="http://schemas.openxmlformats.org/drawingml/2006/main" xmlns:r="http://schemas.openxmlformats.org/officeDocument/2006/relationships" xmlns:p="http://schemas.openxmlformats.org/presentationml/2006/main">
+  <p:cSld>
+    <p:spTree>
+      <p:nvGrpSpPr>
+        <p:cNvPr id="1" name=""/>
+        <p:cNvGrpSpPr/>
+        <p:nvPr/>
+      </p:nvGrpSpPr>
+      <p:grpSpPr>
+        <a:xfrm>
+          <a:off x="0" y="0"/>
+          <a:ext cx="0" cy="0"/>
+          <a:chOff x="0" y="0"/>
+          <a:chExt cx="0" cy="0"/>
+        </a:xfrm>
+      </p:grpSpPr>
+      <p:sp>
+        <p:nvSpPr>
+          <p:cNvPr id="2" name="Title 1"/>
+          <p:cNvSpPr>
+            <a:spLocks noGrp="1"/>
+          </p:cNvSpPr>
+          <p:nvPr>
+            <p:ph type="title"/>
+          </p:nvPr>
+        </p:nvSpPr>
+        <p:spPr/>
+        <p:txBody>
+          <a:bodyPr/>
+          <a:lstStyle/>
+          <a:p>
+            <a:r>
+              <a:rPr lang="en-US" dirty="0" err="1" smtClean="0"/>
+              <a:t>PaperlessBillinng</a:t>
+            </a:r>
+            <a:endParaRPr lang="fr-FR" dirty="0"/>
+          </a:p>
+        </p:txBody>
+      </p:sp>
+      <p:sp>
+        <p:nvSpPr>
+          <p:cNvPr id="3" name="Text Placeholder 2"/>
+          <p:cNvSpPr>
+            <a:spLocks noGrp="1"/>
+          </p:cNvSpPr>
+          <p:nvPr>
+            <p:ph type="body" idx="1"/>
+          </p:nvPr>
+        </p:nvSpPr>
+        <p:spPr>
+          <a:xfrm>
+            <a:off x="729450" y="1506398"/>
+            <a:ext cx="3576827" cy="2261100"/>
+          </a:xfrm>
+        </p:spPr>
+        <p:txBody>
+          <a:bodyPr/>
+          <a:lstStyle/>
+          <a:p>
+            <a:pPr marL="146050" indent="0">
+              <a:buNone/>
+            </a:pPr>
+            <a:r>
+              <a:rPr lang="en-US" dirty="0" smtClean="0"/>
+              <a:t>Customers who  use the paperless billing churn more than customers who do not use it.</a:t>
+            </a:r>
+            <a:endParaRPr lang="fr-FR" dirty="0"/>
+          </a:p>
+        </p:txBody>
+      </p:sp>
+      <p:pic>
+        <p:nvPicPr>
+          <p:cNvPr id="4" name="Picture 3"/>
+          <p:cNvPicPr>
+            <a:picLocks noChangeAspect="1"/>
+          </p:cNvPicPr>
+          <p:nvPr/>
+        </p:nvPicPr>
+        <p:blipFill>
+          <a:blip r:embed="rId2"/>
+          <a:stretch>
+            <a:fillRect/>
+          </a:stretch>
+        </p:blipFill>
+        <p:spPr>
+          <a:xfrm>
+            <a:off x="4493845" y="1506398"/>
+            <a:ext cx="3924305" cy="2261100"/>
+          </a:xfrm>
+          <a:prstGeom prst="rect">
+            <a:avLst/>
+          </a:prstGeom>
+        </p:spPr>
+      </p:pic>
+    </p:spTree>
+    <p:extLst>
+      <p:ext uri="{BB962C8B-B14F-4D97-AF65-F5344CB8AC3E}">
+        <p14:creationId xmlns:p14="http://schemas.microsoft.com/office/powerpoint/2010/main" val="74084095"/>
+      </p:ext>
+    </p:extLst>
+  </p:cSld>
+  <p:clrMapOvr>
+    <a:masterClrMapping/>
+  </p:clrMapOvr>
+</p:sld>
+</file>
+
+<file path=ppt/slides/slide22.xml><?xml version="1.0" encoding="utf-8"?>
+<p:sld xmlns:a="http://schemas.openxmlformats.org/drawingml/2006/main" xmlns:r="http://schemas.openxmlformats.org/officeDocument/2006/relationships" xmlns:p="http://schemas.openxmlformats.org/presentationml/2006/main">
+  <p:cSld>
+    <p:spTree>
+      <p:nvGrpSpPr>
+        <p:cNvPr id="1" name=""/>
+        <p:cNvGrpSpPr/>
+        <p:nvPr/>
+      </p:nvGrpSpPr>
+      <p:grpSpPr>
+        <a:xfrm>
+          <a:off x="0" y="0"/>
+          <a:ext cx="0" cy="0"/>
+          <a:chOff x="0" y="0"/>
+          <a:chExt cx="0" cy="0"/>
+        </a:xfrm>
+      </p:grpSpPr>
+      <p:sp>
+        <p:nvSpPr>
+          <p:cNvPr id="2" name="Title 1"/>
+          <p:cNvSpPr>
+            <a:spLocks noGrp="1"/>
+          </p:cNvSpPr>
+          <p:nvPr>
+            <p:ph type="title"/>
+          </p:nvPr>
+        </p:nvSpPr>
         <p:spPr>
           <a:xfrm>
             <a:off x="704573" y="63592"/>
@@ -10501,9 +10633,20 @@
             </a:r>
             <a:r>
               <a:rPr lang="en-US" dirty="0"/>
-              <a:t>will lose  the  demographics  independent first because they the will churn in 5 months</a:t>
-            </a:r>
-            <a:endParaRPr lang="en-US" dirty="0" smtClean="0"/>
+              <a:t>will lose  the  demographics  independent first because they the will churn in 5 </a:t>
+            </a:r>
+            <a:r>
+              <a:rPr lang="en-US" dirty="0" smtClean="0"/>
+              <a:t>months(the codes are in the </a:t>
+            </a:r>
+            <a:r>
+              <a:rPr lang="en-US" dirty="0" err="1" smtClean="0"/>
+              <a:t>jupyter</a:t>
+            </a:r>
+            <a:r>
+              <a:rPr lang="en-US" dirty="0" smtClean="0"/>
+              <a:t> notebook).</a:t>
+            </a:r>
           </a:p>
         </p:txBody>
       </p:sp>
@@ -10520,7 +10663,7 @@
 </p:sld>
 </file>
 
-<file path=ppt/slides/slide21.xml><?xml version="1.0" encoding="utf-8"?>
+<file path=ppt/slides/slide23.xml><?xml version="1.0" encoding="utf-8"?>
 <p:sld xmlns:a="http://schemas.openxmlformats.org/drawingml/2006/main" xmlns:r="http://schemas.openxmlformats.org/officeDocument/2006/relationships" xmlns:p="http://schemas.openxmlformats.org/presentationml/2006/main">
   <p:cSld>
     <p:spTree>
@@ -10621,197 +10764,6 @@
 </p:sld>
 </file>
 
-<file path=ppt/slides/slide22.xml><?xml version="1.0" encoding="utf-8"?>
-<p:sld xmlns:a="http://schemas.openxmlformats.org/drawingml/2006/main" xmlns:r="http://schemas.openxmlformats.org/officeDocument/2006/relationships" xmlns:p="http://schemas.openxmlformats.org/presentationml/2006/main">
-  <p:cSld>
-    <p:spTree>
-      <p:nvGrpSpPr>
-        <p:cNvPr id="1" name=""/>
-        <p:cNvGrpSpPr/>
-        <p:nvPr/>
-      </p:nvGrpSpPr>
-      <p:grpSpPr>
-        <a:xfrm>
-          <a:off x="0" y="0"/>
-          <a:ext cx="0" cy="0"/>
-          <a:chOff x="0" y="0"/>
-          <a:chExt cx="0" cy="0"/>
-        </a:xfrm>
-      </p:grpSpPr>
-      <p:sp>
-        <p:nvSpPr>
-          <p:cNvPr id="2" name="Title 1"/>
-          <p:cNvSpPr>
-            <a:spLocks noGrp="1"/>
-          </p:cNvSpPr>
-          <p:nvPr>
-            <p:ph type="title"/>
-          </p:nvPr>
-        </p:nvSpPr>
-        <p:spPr/>
-        <p:txBody>
-          <a:bodyPr/>
-          <a:lstStyle/>
-          <a:p>
-            <a:endParaRPr lang="en-US"/>
-          </a:p>
-        </p:txBody>
-      </p:sp>
-      <p:sp>
-        <p:nvSpPr>
-          <p:cNvPr id="3" name="Text Placeholder 2"/>
-          <p:cNvSpPr>
-            <a:spLocks noGrp="1"/>
-          </p:cNvSpPr>
-          <p:nvPr>
-            <p:ph type="body" idx="1"/>
-          </p:nvPr>
-        </p:nvSpPr>
-        <p:spPr/>
-        <p:txBody>
-          <a:bodyPr/>
-          <a:lstStyle/>
-          <a:p>
-            <a:endParaRPr lang="en-US"/>
-          </a:p>
-        </p:txBody>
-      </p:sp>
-    </p:spTree>
-    <p:extLst>
-      <p:ext uri="{BB962C8B-B14F-4D97-AF65-F5344CB8AC3E}">
-        <p14:creationId xmlns:p14="http://schemas.microsoft.com/office/powerpoint/2010/main" val="1326382628"/>
-      </p:ext>
-    </p:extLst>
-  </p:cSld>
-  <p:clrMapOvr>
-    <a:masterClrMapping/>
-  </p:clrMapOvr>
-</p:sld>
-</file>
-
-<file path=ppt/slides/slide23.xml><?xml version="1.0" encoding="utf-8"?>
-<p:sld xmlns:a="http://schemas.openxmlformats.org/drawingml/2006/main" xmlns:r="http://schemas.openxmlformats.org/officeDocument/2006/relationships" xmlns:p="http://schemas.openxmlformats.org/presentationml/2006/main" show="0">
-  <p:cSld>
-    <p:spTree>
-      <p:nvGrpSpPr>
-        <p:cNvPr id="1" name="Shape 130"/>
-        <p:cNvGrpSpPr/>
-        <p:nvPr/>
-      </p:nvGrpSpPr>
-      <p:grpSpPr>
-        <a:xfrm>
-          <a:off x="0" y="0"/>
-          <a:ext cx="0" cy="0"/>
-          <a:chOff x="0" y="0"/>
-          <a:chExt cx="0" cy="0"/>
-        </a:xfrm>
-      </p:grpSpPr>
-      <p:sp>
-        <p:nvSpPr>
-          <p:cNvPr id="131" name="Google Shape;131;p18"/>
-          <p:cNvSpPr txBox="1">
-            <a:spLocks noGrp="1"/>
-          </p:cNvSpPr>
-          <p:nvPr>
-            <p:ph type="title"/>
-          </p:nvPr>
-        </p:nvSpPr>
-        <p:spPr>
-          <a:xfrm>
-            <a:off x="729450" y="785250"/>
-            <a:ext cx="7688700" cy="535200"/>
-          </a:xfrm>
-          <a:prstGeom prst="rect">
-            <a:avLst/>
-          </a:prstGeom>
-        </p:spPr>
-        <p:txBody>
-          <a:bodyPr spcFirstLastPara="1" wrap="square" lIns="91425" tIns="91425" rIns="91425" bIns="91425" anchor="t" anchorCtr="0">
-            <a:noAutofit/>
-          </a:bodyPr>
-          <a:lstStyle/>
-          <a:p>
-            <a:pPr marL="0" lvl="0" indent="0" algn="l" rtl="0">
-              <a:spcBef>
-                <a:spcPts val="0"/>
-              </a:spcBef>
-              <a:spcAft>
-                <a:spcPts val="0"/>
-              </a:spcAft>
-              <a:buNone/>
-            </a:pPr>
-            <a:r>
-              <a:rPr lang="en" dirty="0"/>
-              <a:t>Discussion &amp; Recommendations</a:t>
-            </a:r>
-            <a:endParaRPr dirty="0"/>
-          </a:p>
-        </p:txBody>
-      </p:sp>
-      <p:sp>
-        <p:nvSpPr>
-          <p:cNvPr id="132" name="Google Shape;132;p18"/>
-          <p:cNvSpPr txBox="1">
-            <a:spLocks noGrp="1"/>
-          </p:cNvSpPr>
-          <p:nvPr>
-            <p:ph type="body" idx="1"/>
-          </p:nvPr>
-        </p:nvSpPr>
-        <p:spPr>
-          <a:xfrm>
-            <a:off x="530425" y="1414475"/>
-            <a:ext cx="7847400" cy="3086100"/>
-          </a:xfrm>
-          <a:prstGeom prst="rect">
-            <a:avLst/>
-          </a:prstGeom>
-        </p:spPr>
-        <p:txBody>
-          <a:bodyPr spcFirstLastPara="1" wrap="square" lIns="91425" tIns="91425" rIns="91425" bIns="91425" anchor="t" anchorCtr="0">
-            <a:noAutofit/>
-          </a:bodyPr>
-          <a:lstStyle/>
-          <a:p>
-            <a:pPr lvl="0" indent="-330200">
-              <a:spcBef>
-                <a:spcPts val="1600"/>
-              </a:spcBef>
-              <a:buSzPts val="1600"/>
-              <a:buChar char="❏"/>
-            </a:pPr>
-            <a:r>
-              <a:rPr lang="en-US" sz="1600" dirty="0" smtClean="0"/>
-              <a:t>My </a:t>
-            </a:r>
-            <a:r>
-              <a:rPr lang="en-US" sz="1600" dirty="0"/>
-              <a:t>proposed solution: In light of competition in the market, which is one of the main causes of the churn, after identifying other reasons why customers have left, the telecom company could innovate its services to make changes that will be much more responsive to customer requirements within the carrier to be able to satisfy them much more</a:t>
-            </a:r>
-            <a:r>
-              <a:rPr lang="en-US" sz="1600" dirty="0" smtClean="0"/>
-              <a:t>.</a:t>
-            </a:r>
-            <a:endParaRPr lang="en-US" sz="1600" dirty="0"/>
-          </a:p>
-        </p:txBody>
-      </p:sp>
-    </p:spTree>
-  </p:cSld>
-  <p:clrMapOvr>
-    <a:masterClrMapping/>
-  </p:clrMapOvr>
-  <mc:AlternateContent xmlns:mc="http://schemas.openxmlformats.org/markup-compatibility/2006" xmlns:p14="http://schemas.microsoft.com/office/powerpoint/2010/main">
-    <mc:Choice Requires="p14">
-      <p:transition spd="slow" p14:dur="2000"/>
-    </mc:Choice>
-    <mc:Fallback xmlns="">
-      <p:transition spd="slow"/>
-    </mc:Fallback>
-  </mc:AlternateContent>
-</p:sld>
-</file>
-
 <file path=ppt/slides/slide24.xml><?xml version="1.0" encoding="utf-8"?>
 <p:sld xmlns:a="http://schemas.openxmlformats.org/drawingml/2006/main" xmlns:r="http://schemas.openxmlformats.org/officeDocument/2006/relationships" xmlns:p="http://schemas.openxmlformats.org/presentationml/2006/main">
   <p:cSld>
@@ -10848,6 +10800,85 @@
               <a:rPr lang="en" dirty="0"/>
               <a:t>Discussion &amp; Recommendations</a:t>
             </a:r>
+            <a:endParaRPr lang="fr-FR" dirty="0"/>
+          </a:p>
+        </p:txBody>
+      </p:sp>
+      <p:sp>
+        <p:nvSpPr>
+          <p:cNvPr id="3" name="Text Placeholder 2"/>
+          <p:cNvSpPr>
+            <a:spLocks noGrp="1"/>
+          </p:cNvSpPr>
+          <p:nvPr>
+            <p:ph type="body" idx="1"/>
+          </p:nvPr>
+        </p:nvSpPr>
+        <p:spPr/>
+        <p:txBody>
+          <a:bodyPr/>
+          <a:lstStyle/>
+          <a:p>
+            <a:pPr lvl="0"/>
+            <a:r>
+              <a:rPr lang="en-US" sz="1400" dirty="0"/>
+              <a:t>My proposed solution: In light of competition in the market, which is one of the main causes of the churn, after identifying other reasons why customers have left, the telecom company could innovate its services to make changes that will be much more responsive to customer requirements within the carrier to be able to satisfy them much more.</a:t>
+            </a:r>
+          </a:p>
+          <a:p>
+            <a:endParaRPr lang="fr-FR" dirty="0"/>
+          </a:p>
+        </p:txBody>
+      </p:sp>
+    </p:spTree>
+    <p:extLst>
+      <p:ext uri="{BB962C8B-B14F-4D97-AF65-F5344CB8AC3E}">
+        <p14:creationId xmlns:p14="http://schemas.microsoft.com/office/powerpoint/2010/main" val="347435505"/>
+      </p:ext>
+    </p:extLst>
+  </p:cSld>
+  <p:clrMapOvr>
+    <a:masterClrMapping/>
+  </p:clrMapOvr>
+</p:sld>
+</file>
+
+<file path=ppt/slides/slide25.xml><?xml version="1.0" encoding="utf-8"?>
+<p:sld xmlns:a="http://schemas.openxmlformats.org/drawingml/2006/main" xmlns:r="http://schemas.openxmlformats.org/officeDocument/2006/relationships" xmlns:p="http://schemas.openxmlformats.org/presentationml/2006/main">
+  <p:cSld>
+    <p:spTree>
+      <p:nvGrpSpPr>
+        <p:cNvPr id="1" name=""/>
+        <p:cNvGrpSpPr/>
+        <p:nvPr/>
+      </p:nvGrpSpPr>
+      <p:grpSpPr>
+        <a:xfrm>
+          <a:off x="0" y="0"/>
+          <a:ext cx="0" cy="0"/>
+          <a:chOff x="0" y="0"/>
+          <a:chExt cx="0" cy="0"/>
+        </a:xfrm>
+      </p:grpSpPr>
+      <p:sp>
+        <p:nvSpPr>
+          <p:cNvPr id="2" name="Title 1"/>
+          <p:cNvSpPr>
+            <a:spLocks noGrp="1"/>
+          </p:cNvSpPr>
+          <p:nvPr>
+            <p:ph type="title"/>
+          </p:nvPr>
+        </p:nvSpPr>
+        <p:spPr/>
+        <p:txBody>
+          <a:bodyPr/>
+          <a:lstStyle/>
+          <a:p>
+            <a:r>
+              <a:rPr lang="en" dirty="0"/>
+              <a:t>Discussion &amp; Recommendations</a:t>
+            </a:r>
             <a:endParaRPr lang="en-US" dirty="0"/>
           </a:p>
         </p:txBody>
@@ -11023,7 +11054,7 @@
 </p:sld>
 </file>
 
-<file path=ppt/slides/slide25.xml><?xml version="1.0" encoding="utf-8"?>
+<file path=ppt/slides/slide26.xml><?xml version="1.0" encoding="utf-8"?>
 <p:sld xmlns:a="http://schemas.openxmlformats.org/drawingml/2006/main" xmlns:r="http://schemas.openxmlformats.org/officeDocument/2006/relationships" xmlns:p="http://schemas.openxmlformats.org/presentationml/2006/main">
   <p:cSld>
     <p:spTree>
@@ -11107,22 +11138,49 @@
           </a:bodyPr>
           <a:lstStyle/>
           <a:p>
-            <a:pPr marL="0" lvl="0" indent="0">
+            <a:pPr marL="0" indent="0">
               <a:spcBef>
                 <a:spcPts val="1600"/>
               </a:spcBef>
               <a:buNone/>
             </a:pPr>
             <a:r>
-              <a:rPr lang="en-US" sz="1600" dirty="0">
+              <a:rPr lang="fr-CA" sz="1600" dirty="0" smtClean="0">
                 <a:hlinkClick r:id="rId3"/>
               </a:rPr>
-              <a:t>https://medium.com/@</a:t>
-            </a:r>
-            <a:r>
-              <a:rPr lang="en-US" sz="1600" dirty="0" smtClean="0">
+              <a:t>https</a:t>
+            </a:r>
+            <a:r>
+              <a:rPr lang="fr-CA" sz="1600" dirty="0">
                 <a:hlinkClick r:id="rId3"/>
               </a:rPr>
+              <a:t>://www.kaggle.com/blastchar/telco-customer-churn/data#</a:t>
+            </a:r>
+            <a:endParaRPr lang="fr-CA" sz="1600" dirty="0"/>
+          </a:p>
+          <a:p>
+            <a:pPr marL="0" lvl="0" indent="0">
+              <a:spcBef>
+                <a:spcPts val="1600"/>
+              </a:spcBef>
+              <a:buNone/>
+            </a:pPr>
+            <a:r>
+              <a:rPr lang="en-US" sz="1600" dirty="0" smtClean="0">
+                <a:hlinkClick r:id="rId4"/>
+              </a:rPr>
+              <a:t>https</a:t>
+            </a:r>
+            <a:r>
+              <a:rPr lang="en-US" sz="1600" dirty="0">
+                <a:hlinkClick r:id="rId4"/>
+              </a:rPr>
+              <a:t>://medium.com/@</a:t>
+            </a:r>
+            <a:r>
+              <a:rPr lang="en-US" sz="1600" dirty="0" smtClean="0">
+                <a:hlinkClick r:id="rId4"/>
+              </a:rPr>
               <a:t>randerson112358/predict-customer-churn-using-python-machine-learning-b92f39685f4c</a:t>
             </a:r>
             <a:endParaRPr lang="en-US" sz="1600" dirty="0" smtClean="0"/>
@@ -11135,36 +11193,26 @@
               <a:buNone/>
             </a:pPr>
             <a:r>
-              <a:rPr lang="en-US" sz="1600" dirty="0">
+              <a:rPr lang="en-US" sz="1600" dirty="0" smtClean="0">
                 <a:solidFill>
                   <a:srgbClr val="1155CC"/>
                 </a:solidFill>
                 <a:latin typeface="Arial" panose="020B0604020202020204" pitchFamily="34" charset="0"/>
                 <a:cs typeface="Arial" panose="020B0604020202020204" pitchFamily="34" charset="0"/>
-                <a:hlinkClick r:id="rId4"/>
+                <a:hlinkClick r:id="rId5"/>
               </a:rPr>
-              <a:t/>
-            </a:r>
-            <a:br>
+              <a:t>https</a:t>
+            </a:r>
+            <a:r>
               <a:rPr lang="en-US" sz="1600" dirty="0">
                 <a:solidFill>
                   <a:srgbClr val="1155CC"/>
                 </a:solidFill>
                 <a:latin typeface="Arial" panose="020B0604020202020204" pitchFamily="34" charset="0"/>
                 <a:cs typeface="Arial" panose="020B0604020202020204" pitchFamily="34" charset="0"/>
-                <a:hlinkClick r:id="rId4"/>
+                <a:hlinkClick r:id="rId5"/>
               </a:rPr>
-            </a:br>
-            <a:r>
-              <a:rPr lang="en-US" sz="1600" dirty="0">
-                <a:solidFill>
-                  <a:srgbClr val="1155CC"/>
-                </a:solidFill>
-                <a:latin typeface="Arial" panose="020B0604020202020204" pitchFamily="34" charset="0"/>
-                <a:cs typeface="Arial" panose="020B0604020202020204" pitchFamily="34" charset="0"/>
-                <a:hlinkClick r:id="rId4"/>
-              </a:rPr>
-              <a:t>https://github.com/Chvava11/Bi_project_customer_churn</a:t>
+              <a:t>://github.com/Chvava11/Bi_project_customer_churn</a:t>
             </a:r>
             <a:r>
               <a:rPr lang="en-US" sz="1600" dirty="0">
@@ -11408,7 +11456,7 @@
                 <a:effectLst/>
                 <a:latin typeface="Arial" panose="020B0604020202020204" pitchFamily="34" charset="0"/>
                 <a:cs typeface="Arial" panose="020B0604020202020204" pitchFamily="34" charset="0"/>
-                <a:hlinkClick r:id="rId4"/>
+                <a:hlinkClick r:id="rId5"/>
               </a:rPr>
               <a:t/>
             </a:r>
@@ -11423,7 +11471,7 @@
                 <a:effectLst/>
                 <a:latin typeface="Arial" panose="020B0604020202020204" pitchFamily="34" charset="0"/>
                 <a:cs typeface="Arial" panose="020B0604020202020204" pitchFamily="34" charset="0"/>
-                <a:hlinkClick r:id="rId4"/>
+                <a:hlinkClick r:id="rId5"/>
               </a:rPr>
             </a:br>
             <a:r>
@@ -12242,11 +12290,7 @@
             </a:r>
             <a:r>
               <a:rPr lang="en-US" dirty="0" smtClean="0"/>
-              <a:t>demographics</a:t>
-            </a:r>
-            <a:r>
-              <a:rPr lang="en-US" dirty="0" smtClean="0"/>
-              <a:t>: Age </a:t>
+              <a:t>demographics: Age </a:t>
             </a:r>
             <a:endParaRPr lang="en-US" dirty="0"/>
           </a:p>

--- a/Result/Vanessa’s project .pptx
+++ b/Result/Vanessa’s project .pptx
@@ -39,15 +39,15 @@
   <p:notesSz cx="6858000" cy="9144000"/>
   <p:embeddedFontLst>
     <p:embeddedFont>
-      <p:font typeface="Lato" panose="020B0604020202020204" charset="0"/>
+      <p:font typeface="Andalus" panose="02020603050405020304" pitchFamily="18" charset="-78"/>
       <p:regular r:id="rId29"/>
-      <p:bold r:id="rId30"/>
-      <p:italic r:id="rId31"/>
-      <p:boldItalic r:id="rId32"/>
     </p:embeddedFont>
     <p:embeddedFont>
-      <p:font typeface="Andalus" panose="02020603050405020304" pitchFamily="18" charset="-78"/>
-      <p:regular r:id="rId33"/>
+      <p:font typeface="Lato" panose="020B0604020202020204" charset="0"/>
+      <p:regular r:id="rId30"/>
+      <p:bold r:id="rId31"/>
+      <p:italic r:id="rId32"/>
+      <p:boldItalic r:id="rId33"/>
     </p:embeddedFont>
     <p:embeddedFont>
       <p:font typeface="Encode Sans SemiBold" panose="020B0604020202020204" charset="0"/>
@@ -11166,51 +11166,24 @@
               <a:buNone/>
             </a:pPr>
             <a:r>
-              <a:rPr lang="en-US" sz="1600" dirty="0" smtClean="0">
+              <a:rPr lang="en-US" sz="1600" smtClean="0">
+                <a:solidFill>
+                  <a:srgbClr val="1155CC"/>
+                </a:solidFill>
+                <a:latin typeface="Arial" panose="020B0604020202020204" pitchFamily="34" charset="0"/>
+                <a:cs typeface="Arial" panose="020B0604020202020204" pitchFamily="34" charset="0"/>
                 <a:hlinkClick r:id="rId4"/>
               </a:rPr>
               <a:t>https</a:t>
             </a:r>
             <a:r>
               <a:rPr lang="en-US" sz="1600" dirty="0">
-                <a:hlinkClick r:id="rId4"/>
-              </a:rPr>
-              <a:t>://medium.com/@</a:t>
-            </a:r>
-            <a:r>
-              <a:rPr lang="en-US" sz="1600" dirty="0" smtClean="0">
-                <a:hlinkClick r:id="rId4"/>
-              </a:rPr>
-              <a:t>randerson112358/predict-customer-churn-using-python-machine-learning-b92f39685f4c</a:t>
-            </a:r>
-            <a:endParaRPr lang="en-US" sz="1600" dirty="0" smtClean="0"/>
-          </a:p>
-          <a:p>
-            <a:pPr marL="0" lvl="0" indent="0">
-              <a:spcBef>
-                <a:spcPts val="1600"/>
-              </a:spcBef>
-              <a:buNone/>
-            </a:pPr>
-            <a:r>
-              <a:rPr lang="en-US" sz="1600" dirty="0" smtClean="0">
                 <a:solidFill>
                   <a:srgbClr val="1155CC"/>
                 </a:solidFill>
                 <a:latin typeface="Arial" panose="020B0604020202020204" pitchFamily="34" charset="0"/>
                 <a:cs typeface="Arial" panose="020B0604020202020204" pitchFamily="34" charset="0"/>
-                <a:hlinkClick r:id="rId5"/>
-              </a:rPr>
-              <a:t>https</a:t>
-            </a:r>
-            <a:r>
-              <a:rPr lang="en-US" sz="1600" dirty="0">
-                <a:solidFill>
-                  <a:srgbClr val="1155CC"/>
-                </a:solidFill>
-                <a:latin typeface="Arial" panose="020B0604020202020204" pitchFamily="34" charset="0"/>
-                <a:cs typeface="Arial" panose="020B0604020202020204" pitchFamily="34" charset="0"/>
-                <a:hlinkClick r:id="rId5"/>
+                <a:hlinkClick r:id="rId4"/>
               </a:rPr>
               <a:t>://github.com/Chvava11/Bi_project_customer_churn</a:t>
             </a:r>
@@ -11456,7 +11429,7 @@
                 <a:effectLst/>
                 <a:latin typeface="Arial" panose="020B0604020202020204" pitchFamily="34" charset="0"/>
                 <a:cs typeface="Arial" panose="020B0604020202020204" pitchFamily="34" charset="0"/>
-                <a:hlinkClick r:id="rId5"/>
+                <a:hlinkClick r:id="rId4"/>
               </a:rPr>
               <a:t/>
             </a:r>
@@ -11471,7 +11444,7 @@
                 <a:effectLst/>
                 <a:latin typeface="Arial" panose="020B0604020202020204" pitchFamily="34" charset="0"/>
                 <a:cs typeface="Arial" panose="020B0604020202020204" pitchFamily="34" charset="0"/>
-                <a:hlinkClick r:id="rId5"/>
+                <a:hlinkClick r:id="rId4"/>
               </a:rPr>
             </a:br>
             <a:r>
